--- a/리펙토링.pptx
+++ b/리펙토링.pptx
@@ -4,6 +4,9 @@
   <p:sldMasterIdLst>
     <p:sldMasterId id="2147483708" r:id="rId1"/>
   </p:sldMasterIdLst>
+  <p:notesMasterIdLst>
+    <p:notesMasterId r:id="rId26"/>
+  </p:notesMasterIdLst>
   <p:sldIdLst>
     <p:sldId id="258" r:id="rId2"/>
     <p:sldId id="259" r:id="rId3"/>
@@ -13,10 +16,22 @@
     <p:sldId id="256" r:id="rId7"/>
     <p:sldId id="265" r:id="rId8"/>
     <p:sldId id="266" r:id="rId9"/>
-    <p:sldId id="267" r:id="rId10"/>
-    <p:sldId id="268" r:id="rId11"/>
-    <p:sldId id="264" r:id="rId12"/>
-    <p:sldId id="257" r:id="rId13"/>
+    <p:sldId id="269" r:id="rId10"/>
+    <p:sldId id="270" r:id="rId11"/>
+    <p:sldId id="271" r:id="rId12"/>
+    <p:sldId id="272" r:id="rId13"/>
+    <p:sldId id="273" r:id="rId14"/>
+    <p:sldId id="274" r:id="rId15"/>
+    <p:sldId id="275" r:id="rId16"/>
+    <p:sldId id="276" r:id="rId17"/>
+    <p:sldId id="267" r:id="rId18"/>
+    <p:sldId id="277" r:id="rId19"/>
+    <p:sldId id="278" r:id="rId20"/>
+    <p:sldId id="279" r:id="rId21"/>
+    <p:sldId id="281" r:id="rId22"/>
+    <p:sldId id="280" r:id="rId23"/>
+    <p:sldId id="282" r:id="rId24"/>
+    <p:sldId id="283" r:id="rId25"/>
   </p:sldIdLst>
   <p:sldSz cx="12192000" cy="6858000"/>
   <p:notesSz cx="6858000" cy="9144000"/>
@@ -121,6 +136,1115 @@
     </p:ext>
   </p:extLst>
 </p:presentation>
+</file>
+
+<file path=ppt/notesMasters/notesMaster1.xml><?xml version="1.0" encoding="utf-8"?>
+<p:notesMaster xmlns:a="http://schemas.openxmlformats.org/drawingml/2006/main" xmlns:r="http://schemas.openxmlformats.org/officeDocument/2006/relationships" xmlns:p="http://schemas.openxmlformats.org/presentationml/2006/main">
+  <p:cSld>
+    <p:bg>
+      <p:bgRef idx="1001">
+        <a:schemeClr val="bg1"/>
+      </p:bgRef>
+    </p:bg>
+    <p:spTree>
+      <p:nvGrpSpPr>
+        <p:cNvPr id="1" name=""/>
+        <p:cNvGrpSpPr/>
+        <p:nvPr/>
+      </p:nvGrpSpPr>
+      <p:grpSpPr>
+        <a:xfrm>
+          <a:off x="0" y="0"/>
+          <a:ext cx="0" cy="0"/>
+          <a:chOff x="0" y="0"/>
+          <a:chExt cx="0" cy="0"/>
+        </a:xfrm>
+      </p:grpSpPr>
+      <p:sp>
+        <p:nvSpPr>
+          <p:cNvPr id="2" name="머리글 개체 틀 1"/>
+          <p:cNvSpPr>
+            <a:spLocks noGrp="1"/>
+          </p:cNvSpPr>
+          <p:nvPr>
+            <p:ph type="hdr" sz="quarter"/>
+          </p:nvPr>
+        </p:nvSpPr>
+        <p:spPr>
+          <a:xfrm>
+            <a:off x="0" y="0"/>
+            <a:ext cx="2971800" cy="458788"/>
+          </a:xfrm>
+          <a:prstGeom prst="rect">
+            <a:avLst/>
+          </a:prstGeom>
+        </p:spPr>
+        <p:txBody>
+          <a:bodyPr vert="horz" lIns="91440" tIns="45720" rIns="91440" bIns="45720" rtlCol="0"/>
+          <a:lstStyle>
+            <a:lvl1pPr algn="l">
+              <a:defRPr sz="1200"/>
+            </a:lvl1pPr>
+          </a:lstStyle>
+          <a:p>
+            <a:endParaRPr lang="ko-KR" altLang="en-US"/>
+          </a:p>
+        </p:txBody>
+      </p:sp>
+      <p:sp>
+        <p:nvSpPr>
+          <p:cNvPr id="3" name="날짜 개체 틀 2"/>
+          <p:cNvSpPr>
+            <a:spLocks noGrp="1"/>
+          </p:cNvSpPr>
+          <p:nvPr>
+            <p:ph type="dt" idx="1"/>
+          </p:nvPr>
+        </p:nvSpPr>
+        <p:spPr>
+          <a:xfrm>
+            <a:off x="3884613" y="0"/>
+            <a:ext cx="2971800" cy="458788"/>
+          </a:xfrm>
+          <a:prstGeom prst="rect">
+            <a:avLst/>
+          </a:prstGeom>
+        </p:spPr>
+        <p:txBody>
+          <a:bodyPr vert="horz" lIns="91440" tIns="45720" rIns="91440" bIns="45720" rtlCol="0"/>
+          <a:lstStyle>
+            <a:lvl1pPr algn="r">
+              <a:defRPr sz="1200"/>
+            </a:lvl1pPr>
+          </a:lstStyle>
+          <a:p>
+            <a:fld id="{275F5434-97E8-4C7B-9E3B-EF04092E438F}" type="datetimeFigureOut">
+              <a:rPr lang="ko-KR" altLang="en-US" smtClean="0"/>
+              <a:t>2022-04-03</a:t>
+            </a:fld>
+            <a:endParaRPr lang="ko-KR" altLang="en-US"/>
+          </a:p>
+        </p:txBody>
+      </p:sp>
+      <p:sp>
+        <p:nvSpPr>
+          <p:cNvPr id="4" name="슬라이드 이미지 개체 틀 3"/>
+          <p:cNvSpPr>
+            <a:spLocks noGrp="1" noRot="1" noChangeAspect="1"/>
+          </p:cNvSpPr>
+          <p:nvPr>
+            <p:ph type="sldImg" idx="2"/>
+          </p:nvPr>
+        </p:nvSpPr>
+        <p:spPr>
+          <a:xfrm>
+            <a:off x="685800" y="1143000"/>
+            <a:ext cx="5486400" cy="3086100"/>
+          </a:xfrm>
+          <a:prstGeom prst="rect">
+            <a:avLst/>
+          </a:prstGeom>
+          <a:noFill/>
+          <a:ln w="12700">
+            <a:solidFill>
+              <a:prstClr val="black"/>
+            </a:solidFill>
+          </a:ln>
+        </p:spPr>
+        <p:txBody>
+          <a:bodyPr vert="horz" lIns="91440" tIns="45720" rIns="91440" bIns="45720" rtlCol="0" anchor="ctr"/>
+          <a:lstStyle/>
+          <a:p>
+            <a:endParaRPr lang="ko-KR" altLang="en-US"/>
+          </a:p>
+        </p:txBody>
+      </p:sp>
+      <p:sp>
+        <p:nvSpPr>
+          <p:cNvPr id="5" name="슬라이드 노트 개체 틀 4"/>
+          <p:cNvSpPr>
+            <a:spLocks noGrp="1"/>
+          </p:cNvSpPr>
+          <p:nvPr>
+            <p:ph type="body" sz="quarter" idx="3"/>
+          </p:nvPr>
+        </p:nvSpPr>
+        <p:spPr>
+          <a:xfrm>
+            <a:off x="685800" y="4400550"/>
+            <a:ext cx="5486400" cy="3600450"/>
+          </a:xfrm>
+          <a:prstGeom prst="rect">
+            <a:avLst/>
+          </a:prstGeom>
+        </p:spPr>
+        <p:txBody>
+          <a:bodyPr vert="horz" lIns="91440" tIns="45720" rIns="91440" bIns="45720" rtlCol="0"/>
+          <a:lstStyle/>
+          <a:p>
+            <a:pPr lvl="0"/>
+            <a:r>
+              <a:rPr lang="ko-KR" altLang="en-US"/>
+              <a:t>마스터 텍스트 스타일을 편집하려면 클릭</a:t>
+            </a:r>
+          </a:p>
+          <a:p>
+            <a:pPr lvl="1"/>
+            <a:r>
+              <a:rPr lang="ko-KR" altLang="en-US"/>
+              <a:t>두 번째 수준</a:t>
+            </a:r>
+          </a:p>
+          <a:p>
+            <a:pPr lvl="2"/>
+            <a:r>
+              <a:rPr lang="ko-KR" altLang="en-US"/>
+              <a:t>세 번째 수준</a:t>
+            </a:r>
+          </a:p>
+          <a:p>
+            <a:pPr lvl="3"/>
+            <a:r>
+              <a:rPr lang="ko-KR" altLang="en-US"/>
+              <a:t>네 번째 수준</a:t>
+            </a:r>
+          </a:p>
+          <a:p>
+            <a:pPr lvl="4"/>
+            <a:r>
+              <a:rPr lang="ko-KR" altLang="en-US"/>
+              <a:t>다섯 번째 수준</a:t>
+            </a:r>
+          </a:p>
+        </p:txBody>
+      </p:sp>
+      <p:sp>
+        <p:nvSpPr>
+          <p:cNvPr id="6" name="바닥글 개체 틀 5"/>
+          <p:cNvSpPr>
+            <a:spLocks noGrp="1"/>
+          </p:cNvSpPr>
+          <p:nvPr>
+            <p:ph type="ftr" sz="quarter" idx="4"/>
+          </p:nvPr>
+        </p:nvSpPr>
+        <p:spPr>
+          <a:xfrm>
+            <a:off x="0" y="8685213"/>
+            <a:ext cx="2971800" cy="458787"/>
+          </a:xfrm>
+          <a:prstGeom prst="rect">
+            <a:avLst/>
+          </a:prstGeom>
+        </p:spPr>
+        <p:txBody>
+          <a:bodyPr vert="horz" lIns="91440" tIns="45720" rIns="91440" bIns="45720" rtlCol="0" anchor="b"/>
+          <a:lstStyle>
+            <a:lvl1pPr algn="l">
+              <a:defRPr sz="1200"/>
+            </a:lvl1pPr>
+          </a:lstStyle>
+          <a:p>
+            <a:endParaRPr lang="ko-KR" altLang="en-US"/>
+          </a:p>
+        </p:txBody>
+      </p:sp>
+      <p:sp>
+        <p:nvSpPr>
+          <p:cNvPr id="7" name="슬라이드 번호 개체 틀 6"/>
+          <p:cNvSpPr>
+            <a:spLocks noGrp="1"/>
+          </p:cNvSpPr>
+          <p:nvPr>
+            <p:ph type="sldNum" sz="quarter" idx="5"/>
+          </p:nvPr>
+        </p:nvSpPr>
+        <p:spPr>
+          <a:xfrm>
+            <a:off x="3884613" y="8685213"/>
+            <a:ext cx="2971800" cy="458787"/>
+          </a:xfrm>
+          <a:prstGeom prst="rect">
+            <a:avLst/>
+          </a:prstGeom>
+        </p:spPr>
+        <p:txBody>
+          <a:bodyPr vert="horz" lIns="91440" tIns="45720" rIns="91440" bIns="45720" rtlCol="0" anchor="b"/>
+          <a:lstStyle>
+            <a:lvl1pPr algn="r">
+              <a:defRPr sz="1200"/>
+            </a:lvl1pPr>
+          </a:lstStyle>
+          <a:p>
+            <a:fld id="{2E40F42B-88EF-48CA-9E99-D6880BFCDB0B}" type="slidenum">
+              <a:rPr lang="ko-KR" altLang="en-US" smtClean="0"/>
+              <a:t>‹#›</a:t>
+            </a:fld>
+            <a:endParaRPr lang="ko-KR" altLang="en-US"/>
+          </a:p>
+        </p:txBody>
+      </p:sp>
+    </p:spTree>
+    <p:extLst>
+      <p:ext uri="{BB962C8B-B14F-4D97-AF65-F5344CB8AC3E}">
+        <p14:creationId xmlns:p14="http://schemas.microsoft.com/office/powerpoint/2010/main" val="3588803057"/>
+      </p:ext>
+    </p:extLst>
+  </p:cSld>
+  <p:clrMap bg1="lt1" tx1="dk1" bg2="lt2" tx2="dk2" accent1="accent1" accent2="accent2" accent3="accent3" accent4="accent4" accent5="accent5" accent6="accent6" hlink="hlink" folHlink="folHlink"/>
+  <p:notesStyle>
+    <a:lvl1pPr marL="0" algn="l" defTabSz="914400" rtl="0" eaLnBrk="1" latinLnBrk="1" hangingPunct="1">
+      <a:defRPr sz="1200" kern="1200">
+        <a:solidFill>
+          <a:schemeClr val="tx1"/>
+        </a:solidFill>
+        <a:latin typeface="+mn-lt"/>
+        <a:ea typeface="+mn-ea"/>
+        <a:cs typeface="+mn-cs"/>
+      </a:defRPr>
+    </a:lvl1pPr>
+    <a:lvl2pPr marL="457200" algn="l" defTabSz="914400" rtl="0" eaLnBrk="1" latinLnBrk="1" hangingPunct="1">
+      <a:defRPr sz="1200" kern="1200">
+        <a:solidFill>
+          <a:schemeClr val="tx1"/>
+        </a:solidFill>
+        <a:latin typeface="+mn-lt"/>
+        <a:ea typeface="+mn-ea"/>
+        <a:cs typeface="+mn-cs"/>
+      </a:defRPr>
+    </a:lvl2pPr>
+    <a:lvl3pPr marL="914400" algn="l" defTabSz="914400" rtl="0" eaLnBrk="1" latinLnBrk="1" hangingPunct="1">
+      <a:defRPr sz="1200" kern="1200">
+        <a:solidFill>
+          <a:schemeClr val="tx1"/>
+        </a:solidFill>
+        <a:latin typeface="+mn-lt"/>
+        <a:ea typeface="+mn-ea"/>
+        <a:cs typeface="+mn-cs"/>
+      </a:defRPr>
+    </a:lvl3pPr>
+    <a:lvl4pPr marL="1371600" algn="l" defTabSz="914400" rtl="0" eaLnBrk="1" latinLnBrk="1" hangingPunct="1">
+      <a:defRPr sz="1200" kern="1200">
+        <a:solidFill>
+          <a:schemeClr val="tx1"/>
+        </a:solidFill>
+        <a:latin typeface="+mn-lt"/>
+        <a:ea typeface="+mn-ea"/>
+        <a:cs typeface="+mn-cs"/>
+      </a:defRPr>
+    </a:lvl4pPr>
+    <a:lvl5pPr marL="1828800" algn="l" defTabSz="914400" rtl="0" eaLnBrk="1" latinLnBrk="1" hangingPunct="1">
+      <a:defRPr sz="1200" kern="1200">
+        <a:solidFill>
+          <a:schemeClr val="tx1"/>
+        </a:solidFill>
+        <a:latin typeface="+mn-lt"/>
+        <a:ea typeface="+mn-ea"/>
+        <a:cs typeface="+mn-cs"/>
+      </a:defRPr>
+    </a:lvl5pPr>
+    <a:lvl6pPr marL="2286000" algn="l" defTabSz="914400" rtl="0" eaLnBrk="1" latinLnBrk="1" hangingPunct="1">
+      <a:defRPr sz="1200" kern="1200">
+        <a:solidFill>
+          <a:schemeClr val="tx1"/>
+        </a:solidFill>
+        <a:latin typeface="+mn-lt"/>
+        <a:ea typeface="+mn-ea"/>
+        <a:cs typeface="+mn-cs"/>
+      </a:defRPr>
+    </a:lvl6pPr>
+    <a:lvl7pPr marL="2743200" algn="l" defTabSz="914400" rtl="0" eaLnBrk="1" latinLnBrk="1" hangingPunct="1">
+      <a:defRPr sz="1200" kern="1200">
+        <a:solidFill>
+          <a:schemeClr val="tx1"/>
+        </a:solidFill>
+        <a:latin typeface="+mn-lt"/>
+        <a:ea typeface="+mn-ea"/>
+        <a:cs typeface="+mn-cs"/>
+      </a:defRPr>
+    </a:lvl7pPr>
+    <a:lvl8pPr marL="3200400" algn="l" defTabSz="914400" rtl="0" eaLnBrk="1" latinLnBrk="1" hangingPunct="1">
+      <a:defRPr sz="1200" kern="1200">
+        <a:solidFill>
+          <a:schemeClr val="tx1"/>
+        </a:solidFill>
+        <a:latin typeface="+mn-lt"/>
+        <a:ea typeface="+mn-ea"/>
+        <a:cs typeface="+mn-cs"/>
+      </a:defRPr>
+    </a:lvl8pPr>
+    <a:lvl9pPr marL="3657600" algn="l" defTabSz="914400" rtl="0" eaLnBrk="1" latinLnBrk="1" hangingPunct="1">
+      <a:defRPr sz="1200" kern="1200">
+        <a:solidFill>
+          <a:schemeClr val="tx1"/>
+        </a:solidFill>
+        <a:latin typeface="+mn-lt"/>
+        <a:ea typeface="+mn-ea"/>
+        <a:cs typeface="+mn-cs"/>
+      </a:defRPr>
+    </a:lvl9pPr>
+  </p:notesStyle>
+</p:notesMaster>
+</file>
+
+<file path=ppt/notesSlides/notesSlide1.xml><?xml version="1.0" encoding="utf-8"?>
+<p:notes xmlns:a="http://schemas.openxmlformats.org/drawingml/2006/main" xmlns:r="http://schemas.openxmlformats.org/officeDocument/2006/relationships" xmlns:p="http://schemas.openxmlformats.org/presentationml/2006/main">
+  <p:cSld>
+    <p:spTree>
+      <p:nvGrpSpPr>
+        <p:cNvPr id="1" name=""/>
+        <p:cNvGrpSpPr/>
+        <p:nvPr/>
+      </p:nvGrpSpPr>
+      <p:grpSpPr>
+        <a:xfrm>
+          <a:off x="0" y="0"/>
+          <a:ext cx="0" cy="0"/>
+          <a:chOff x="0" y="0"/>
+          <a:chExt cx="0" cy="0"/>
+        </a:xfrm>
+      </p:grpSpPr>
+      <p:sp>
+        <p:nvSpPr>
+          <p:cNvPr id="2" name="슬라이드 이미지 개체 틀 1"/>
+          <p:cNvSpPr>
+            <a:spLocks noGrp="1" noRot="1" noChangeAspect="1"/>
+          </p:cNvSpPr>
+          <p:nvPr>
+            <p:ph type="sldImg"/>
+          </p:nvPr>
+        </p:nvSpPr>
+        <p:spPr/>
+      </p:sp>
+      <p:sp>
+        <p:nvSpPr>
+          <p:cNvPr id="3" name="슬라이드 노트 개체 틀 2"/>
+          <p:cNvSpPr>
+            <a:spLocks noGrp="1"/>
+          </p:cNvSpPr>
+          <p:nvPr>
+            <p:ph type="body" idx="1"/>
+          </p:nvPr>
+        </p:nvSpPr>
+        <p:spPr/>
+        <p:txBody>
+          <a:bodyPr/>
+          <a:lstStyle/>
+          <a:p>
+            <a:endParaRPr lang="ko-KR" altLang="en-US"/>
+          </a:p>
+        </p:txBody>
+      </p:sp>
+      <p:sp>
+        <p:nvSpPr>
+          <p:cNvPr id="4" name="슬라이드 번호 개체 틀 3"/>
+          <p:cNvSpPr>
+            <a:spLocks noGrp="1"/>
+          </p:cNvSpPr>
+          <p:nvPr>
+            <p:ph type="sldNum" sz="quarter" idx="5"/>
+          </p:nvPr>
+        </p:nvSpPr>
+        <p:spPr/>
+        <p:txBody>
+          <a:bodyPr/>
+          <a:lstStyle/>
+          <a:p>
+            <a:fld id="{2E40F42B-88EF-48CA-9E99-D6880BFCDB0B}" type="slidenum">
+              <a:rPr lang="ko-KR" altLang="en-US" smtClean="0"/>
+              <a:t>1</a:t>
+            </a:fld>
+            <a:endParaRPr lang="ko-KR" altLang="en-US"/>
+          </a:p>
+        </p:txBody>
+      </p:sp>
+    </p:spTree>
+    <p:extLst>
+      <p:ext uri="{BB962C8B-B14F-4D97-AF65-F5344CB8AC3E}">
+        <p14:creationId xmlns:p14="http://schemas.microsoft.com/office/powerpoint/2010/main" val="2308320793"/>
+      </p:ext>
+    </p:extLst>
+  </p:cSld>
+  <p:clrMapOvr>
+    <a:masterClrMapping/>
+  </p:clrMapOvr>
+</p:notes>
+</file>
+
+<file path=ppt/notesSlides/notesSlide2.xml><?xml version="1.0" encoding="utf-8"?>
+<p:notes xmlns:a="http://schemas.openxmlformats.org/drawingml/2006/main" xmlns:r="http://schemas.openxmlformats.org/officeDocument/2006/relationships" xmlns:p="http://schemas.openxmlformats.org/presentationml/2006/main">
+  <p:cSld>
+    <p:spTree>
+      <p:nvGrpSpPr>
+        <p:cNvPr id="1" name=""/>
+        <p:cNvGrpSpPr/>
+        <p:nvPr/>
+      </p:nvGrpSpPr>
+      <p:grpSpPr>
+        <a:xfrm>
+          <a:off x="0" y="0"/>
+          <a:ext cx="0" cy="0"/>
+          <a:chOff x="0" y="0"/>
+          <a:chExt cx="0" cy="0"/>
+        </a:xfrm>
+      </p:grpSpPr>
+      <p:sp>
+        <p:nvSpPr>
+          <p:cNvPr id="2" name="슬라이드 이미지 개체 틀 1"/>
+          <p:cNvSpPr>
+            <a:spLocks noGrp="1" noRot="1" noChangeAspect="1"/>
+          </p:cNvSpPr>
+          <p:nvPr>
+            <p:ph type="sldImg"/>
+          </p:nvPr>
+        </p:nvSpPr>
+        <p:spPr/>
+      </p:sp>
+      <p:sp>
+        <p:nvSpPr>
+          <p:cNvPr id="3" name="슬라이드 노트 개체 틀 2"/>
+          <p:cNvSpPr>
+            <a:spLocks noGrp="1"/>
+          </p:cNvSpPr>
+          <p:nvPr>
+            <p:ph type="body" idx="1"/>
+          </p:nvPr>
+        </p:nvSpPr>
+        <p:spPr/>
+        <p:txBody>
+          <a:bodyPr/>
+          <a:lstStyle/>
+          <a:p>
+            <a:r>
+              <a:rPr lang="en-US" altLang="ko-KR"/>
+              <a:t>@Override </a:t>
+            </a:r>
+            <a:r>
+              <a:rPr lang="ko-KR" altLang="en-US"/>
+              <a:t>애너테이션을 사용하여 오버라이드 메서드인지 확인할수 있습니다</a:t>
+            </a:r>
+            <a:br>
+              <a:rPr lang="en-US" altLang="ko-KR"/>
+            </a:br>
+            <a:r>
+              <a:rPr lang="ko-KR" altLang="en-US"/>
+              <a:t>오버라이드가된 메서드가 아니라면 컴파일 과정에서 오류가 뜨게됩니다</a:t>
+            </a:r>
+            <a:endParaRPr lang="en-US" altLang="ko-KR"/>
+          </a:p>
+          <a:p>
+            <a:r>
+              <a:rPr lang="en-US" altLang="ko-KR"/>
+              <a:t>(JDK 5</a:t>
+            </a:r>
+            <a:r>
+              <a:rPr lang="ko-KR" altLang="en-US"/>
+              <a:t>버전부터 지원된 기능 이전 버전이라면 문서를 읽거나 또는 설계한 사람에게 물어봐야함</a:t>
+            </a:r>
+            <a:r>
+              <a:rPr lang="en-US" altLang="ko-KR"/>
+              <a:t>)</a:t>
+            </a:r>
+            <a:endParaRPr lang="ko-KR" altLang="en-US"/>
+          </a:p>
+        </p:txBody>
+      </p:sp>
+      <p:sp>
+        <p:nvSpPr>
+          <p:cNvPr id="4" name="슬라이드 번호 개체 틀 3"/>
+          <p:cNvSpPr>
+            <a:spLocks noGrp="1"/>
+          </p:cNvSpPr>
+          <p:nvPr>
+            <p:ph type="sldNum" sz="quarter" idx="5"/>
+          </p:nvPr>
+        </p:nvSpPr>
+        <p:spPr/>
+        <p:txBody>
+          <a:bodyPr/>
+          <a:lstStyle/>
+          <a:p>
+            <a:fld id="{2E40F42B-88EF-48CA-9E99-D6880BFCDB0B}" type="slidenum">
+              <a:rPr lang="ko-KR" altLang="en-US" smtClean="0"/>
+              <a:t>18</a:t>
+            </a:fld>
+            <a:endParaRPr lang="ko-KR" altLang="en-US"/>
+          </a:p>
+        </p:txBody>
+      </p:sp>
+    </p:spTree>
+    <p:extLst>
+      <p:ext uri="{BB962C8B-B14F-4D97-AF65-F5344CB8AC3E}">
+        <p14:creationId xmlns:p14="http://schemas.microsoft.com/office/powerpoint/2010/main" val="3360684991"/>
+      </p:ext>
+    </p:extLst>
+  </p:cSld>
+  <p:clrMapOvr>
+    <a:masterClrMapping/>
+  </p:clrMapOvr>
+</p:notes>
+</file>
+
+<file path=ppt/notesSlides/notesSlide3.xml><?xml version="1.0" encoding="utf-8"?>
+<p:notes xmlns:a="http://schemas.openxmlformats.org/drawingml/2006/main" xmlns:r="http://schemas.openxmlformats.org/officeDocument/2006/relationships" xmlns:p="http://schemas.openxmlformats.org/presentationml/2006/main">
+  <p:cSld>
+    <p:spTree>
+      <p:nvGrpSpPr>
+        <p:cNvPr id="1" name=""/>
+        <p:cNvGrpSpPr/>
+        <p:nvPr/>
+      </p:nvGrpSpPr>
+      <p:grpSpPr>
+        <a:xfrm>
+          <a:off x="0" y="0"/>
+          <a:ext cx="0" cy="0"/>
+          <a:chOff x="0" y="0"/>
+          <a:chExt cx="0" cy="0"/>
+        </a:xfrm>
+      </p:grpSpPr>
+      <p:sp>
+        <p:nvSpPr>
+          <p:cNvPr id="2" name="슬라이드 이미지 개체 틀 1"/>
+          <p:cNvSpPr>
+            <a:spLocks noGrp="1" noRot="1" noChangeAspect="1"/>
+          </p:cNvSpPr>
+          <p:nvPr>
+            <p:ph type="sldImg"/>
+          </p:nvPr>
+        </p:nvSpPr>
+        <p:spPr/>
+      </p:sp>
+      <p:sp>
+        <p:nvSpPr>
+          <p:cNvPr id="3" name="슬라이드 노트 개체 틀 2"/>
+          <p:cNvSpPr>
+            <a:spLocks noGrp="1"/>
+          </p:cNvSpPr>
+          <p:nvPr>
+            <p:ph type="body" idx="1"/>
+          </p:nvPr>
+        </p:nvSpPr>
+        <p:spPr/>
+        <p:txBody>
+          <a:bodyPr/>
+          <a:lstStyle/>
+          <a:p>
+            <a:endParaRPr lang="ko-KR" altLang="en-US"/>
+          </a:p>
+        </p:txBody>
+      </p:sp>
+      <p:sp>
+        <p:nvSpPr>
+          <p:cNvPr id="4" name="슬라이드 번호 개체 틀 3"/>
+          <p:cNvSpPr>
+            <a:spLocks noGrp="1"/>
+          </p:cNvSpPr>
+          <p:nvPr>
+            <p:ph type="sldNum" sz="quarter" idx="5"/>
+          </p:nvPr>
+        </p:nvSpPr>
+        <p:spPr/>
+        <p:txBody>
+          <a:bodyPr/>
+          <a:lstStyle/>
+          <a:p>
+            <a:fld id="{2E40F42B-88EF-48CA-9E99-D6880BFCDB0B}" type="slidenum">
+              <a:rPr lang="ko-KR" altLang="en-US" smtClean="0"/>
+              <a:t>19</a:t>
+            </a:fld>
+            <a:endParaRPr lang="ko-KR" altLang="en-US"/>
+          </a:p>
+        </p:txBody>
+      </p:sp>
+    </p:spTree>
+    <p:extLst>
+      <p:ext uri="{BB962C8B-B14F-4D97-AF65-F5344CB8AC3E}">
+        <p14:creationId xmlns:p14="http://schemas.microsoft.com/office/powerpoint/2010/main" val="1369613849"/>
+      </p:ext>
+    </p:extLst>
+  </p:cSld>
+  <p:clrMapOvr>
+    <a:masterClrMapping/>
+  </p:clrMapOvr>
+</p:notes>
+</file>
+
+<file path=ppt/notesSlides/notesSlide4.xml><?xml version="1.0" encoding="utf-8"?>
+<p:notes xmlns:a="http://schemas.openxmlformats.org/drawingml/2006/main" xmlns:r="http://schemas.openxmlformats.org/officeDocument/2006/relationships" xmlns:p="http://schemas.openxmlformats.org/presentationml/2006/main">
+  <p:cSld>
+    <p:spTree>
+      <p:nvGrpSpPr>
+        <p:cNvPr id="1" name=""/>
+        <p:cNvGrpSpPr/>
+        <p:nvPr/>
+      </p:nvGrpSpPr>
+      <p:grpSpPr>
+        <a:xfrm>
+          <a:off x="0" y="0"/>
+          <a:ext cx="0" cy="0"/>
+          <a:chOff x="0" y="0"/>
+          <a:chExt cx="0" cy="0"/>
+        </a:xfrm>
+      </p:grpSpPr>
+      <p:sp>
+        <p:nvSpPr>
+          <p:cNvPr id="2" name="슬라이드 이미지 개체 틀 1"/>
+          <p:cNvSpPr>
+            <a:spLocks noGrp="1" noRot="1" noChangeAspect="1"/>
+          </p:cNvSpPr>
+          <p:nvPr>
+            <p:ph type="sldImg"/>
+          </p:nvPr>
+        </p:nvSpPr>
+        <p:spPr/>
+      </p:sp>
+      <p:sp>
+        <p:nvSpPr>
+          <p:cNvPr id="3" name="슬라이드 노트 개체 틀 2"/>
+          <p:cNvSpPr>
+            <a:spLocks noGrp="1"/>
+          </p:cNvSpPr>
+          <p:nvPr>
+            <p:ph type="body" idx="1"/>
+          </p:nvPr>
+        </p:nvSpPr>
+        <p:spPr/>
+        <p:txBody>
+          <a:bodyPr/>
+          <a:lstStyle/>
+          <a:p>
+            <a:endParaRPr lang="ko-KR" altLang="en-US"/>
+          </a:p>
+        </p:txBody>
+      </p:sp>
+      <p:sp>
+        <p:nvSpPr>
+          <p:cNvPr id="4" name="슬라이드 번호 개체 틀 3"/>
+          <p:cNvSpPr>
+            <a:spLocks noGrp="1"/>
+          </p:cNvSpPr>
+          <p:nvPr>
+            <p:ph type="sldNum" sz="quarter" idx="5"/>
+          </p:nvPr>
+        </p:nvSpPr>
+        <p:spPr/>
+        <p:txBody>
+          <a:bodyPr/>
+          <a:lstStyle/>
+          <a:p>
+            <a:fld id="{2E40F42B-88EF-48CA-9E99-D6880BFCDB0B}" type="slidenum">
+              <a:rPr lang="ko-KR" altLang="en-US" smtClean="0"/>
+              <a:t>20</a:t>
+            </a:fld>
+            <a:endParaRPr lang="ko-KR" altLang="en-US"/>
+          </a:p>
+        </p:txBody>
+      </p:sp>
+    </p:spTree>
+    <p:extLst>
+      <p:ext uri="{BB962C8B-B14F-4D97-AF65-F5344CB8AC3E}">
+        <p14:creationId xmlns:p14="http://schemas.microsoft.com/office/powerpoint/2010/main" val="3674808043"/>
+      </p:ext>
+    </p:extLst>
+  </p:cSld>
+  <p:clrMapOvr>
+    <a:masterClrMapping/>
+  </p:clrMapOvr>
+</p:notes>
+</file>
+
+<file path=ppt/notesSlides/notesSlide5.xml><?xml version="1.0" encoding="utf-8"?>
+<p:notes xmlns:a="http://schemas.openxmlformats.org/drawingml/2006/main" xmlns:r="http://schemas.openxmlformats.org/officeDocument/2006/relationships" xmlns:p="http://schemas.openxmlformats.org/presentationml/2006/main">
+  <p:cSld>
+    <p:spTree>
+      <p:nvGrpSpPr>
+        <p:cNvPr id="1" name=""/>
+        <p:cNvGrpSpPr/>
+        <p:nvPr/>
+      </p:nvGrpSpPr>
+      <p:grpSpPr>
+        <a:xfrm>
+          <a:off x="0" y="0"/>
+          <a:ext cx="0" cy="0"/>
+          <a:chOff x="0" y="0"/>
+          <a:chExt cx="0" cy="0"/>
+        </a:xfrm>
+      </p:grpSpPr>
+      <p:sp>
+        <p:nvSpPr>
+          <p:cNvPr id="2" name="슬라이드 이미지 개체 틀 1"/>
+          <p:cNvSpPr>
+            <a:spLocks noGrp="1" noRot="1" noChangeAspect="1"/>
+          </p:cNvSpPr>
+          <p:nvPr>
+            <p:ph type="sldImg"/>
+          </p:nvPr>
+        </p:nvSpPr>
+        <p:spPr/>
+      </p:sp>
+      <p:sp>
+        <p:nvSpPr>
+          <p:cNvPr id="3" name="슬라이드 노트 개체 틀 2"/>
+          <p:cNvSpPr>
+            <a:spLocks noGrp="1"/>
+          </p:cNvSpPr>
+          <p:nvPr>
+            <p:ph type="body" idx="1"/>
+          </p:nvPr>
+        </p:nvSpPr>
+        <p:spPr/>
+        <p:txBody>
+          <a:bodyPr/>
+          <a:lstStyle/>
+          <a:p>
+            <a:endParaRPr lang="ko-KR" altLang="en-US"/>
+          </a:p>
+        </p:txBody>
+      </p:sp>
+      <p:sp>
+        <p:nvSpPr>
+          <p:cNvPr id="4" name="슬라이드 번호 개체 틀 3"/>
+          <p:cNvSpPr>
+            <a:spLocks noGrp="1"/>
+          </p:cNvSpPr>
+          <p:nvPr>
+            <p:ph type="sldNum" sz="quarter" idx="5"/>
+          </p:nvPr>
+        </p:nvSpPr>
+        <p:spPr/>
+        <p:txBody>
+          <a:bodyPr/>
+          <a:lstStyle/>
+          <a:p>
+            <a:fld id="{2E40F42B-88EF-48CA-9E99-D6880BFCDB0B}" type="slidenum">
+              <a:rPr lang="ko-KR" altLang="en-US" smtClean="0"/>
+              <a:t>21</a:t>
+            </a:fld>
+            <a:endParaRPr lang="ko-KR" altLang="en-US"/>
+          </a:p>
+        </p:txBody>
+      </p:sp>
+    </p:spTree>
+    <p:extLst>
+      <p:ext uri="{BB962C8B-B14F-4D97-AF65-F5344CB8AC3E}">
+        <p14:creationId xmlns:p14="http://schemas.microsoft.com/office/powerpoint/2010/main" val="2065641436"/>
+      </p:ext>
+    </p:extLst>
+  </p:cSld>
+  <p:clrMapOvr>
+    <a:masterClrMapping/>
+  </p:clrMapOvr>
+</p:notes>
+</file>
+
+<file path=ppt/notesSlides/notesSlide6.xml><?xml version="1.0" encoding="utf-8"?>
+<p:notes xmlns:a="http://schemas.openxmlformats.org/drawingml/2006/main" xmlns:r="http://schemas.openxmlformats.org/officeDocument/2006/relationships" xmlns:p="http://schemas.openxmlformats.org/presentationml/2006/main">
+  <p:cSld>
+    <p:spTree>
+      <p:nvGrpSpPr>
+        <p:cNvPr id="1" name=""/>
+        <p:cNvGrpSpPr/>
+        <p:nvPr/>
+      </p:nvGrpSpPr>
+      <p:grpSpPr>
+        <a:xfrm>
+          <a:off x="0" y="0"/>
+          <a:ext cx="0" cy="0"/>
+          <a:chOff x="0" y="0"/>
+          <a:chExt cx="0" cy="0"/>
+        </a:xfrm>
+      </p:grpSpPr>
+      <p:sp>
+        <p:nvSpPr>
+          <p:cNvPr id="2" name="슬라이드 이미지 개체 틀 1"/>
+          <p:cNvSpPr>
+            <a:spLocks noGrp="1" noRot="1" noChangeAspect="1"/>
+          </p:cNvSpPr>
+          <p:nvPr>
+            <p:ph type="sldImg"/>
+          </p:nvPr>
+        </p:nvSpPr>
+        <p:spPr/>
+      </p:sp>
+      <p:sp>
+        <p:nvSpPr>
+          <p:cNvPr id="3" name="슬라이드 노트 개체 틀 2"/>
+          <p:cNvSpPr>
+            <a:spLocks noGrp="1"/>
+          </p:cNvSpPr>
+          <p:nvPr>
+            <p:ph type="body" idx="1"/>
+          </p:nvPr>
+        </p:nvSpPr>
+        <p:spPr/>
+        <p:txBody>
+          <a:bodyPr/>
+          <a:lstStyle/>
+          <a:p>
+            <a:r>
+              <a:rPr lang="en-US" altLang="ko-KR"/>
+              <a:t>getStringWithPrompt</a:t>
+            </a:r>
+            <a:r>
+              <a:rPr lang="ko-KR" altLang="en-US"/>
+              <a:t>메서드 선언하며 내부 지역변수로 </a:t>
+            </a:r>
+            <a:r>
+              <a:rPr lang="en-US" altLang="ko-KR"/>
+              <a:t>input </a:t>
+            </a:r>
+            <a:r>
+              <a:rPr lang="ko-KR" altLang="en-US"/>
+              <a:t>선언을 선헌하며 매개변수로 </a:t>
+            </a:r>
+            <a:r>
+              <a:rPr lang="en-US" altLang="ko-KR"/>
+              <a:t>promp</a:t>
+            </a:r>
+            <a:r>
+              <a:rPr lang="ko-KR" altLang="en-US"/>
+              <a:t>명을 가져옴</a:t>
+            </a:r>
+          </a:p>
+        </p:txBody>
+      </p:sp>
+      <p:sp>
+        <p:nvSpPr>
+          <p:cNvPr id="4" name="슬라이드 번호 개체 틀 3"/>
+          <p:cNvSpPr>
+            <a:spLocks noGrp="1"/>
+          </p:cNvSpPr>
+          <p:nvPr>
+            <p:ph type="sldNum" sz="quarter" idx="5"/>
+          </p:nvPr>
+        </p:nvSpPr>
+        <p:spPr/>
+        <p:txBody>
+          <a:bodyPr/>
+          <a:lstStyle/>
+          <a:p>
+            <a:fld id="{2E40F42B-88EF-48CA-9E99-D6880BFCDB0B}" type="slidenum">
+              <a:rPr lang="ko-KR" altLang="en-US" smtClean="0"/>
+              <a:t>22</a:t>
+            </a:fld>
+            <a:endParaRPr lang="ko-KR" altLang="en-US"/>
+          </a:p>
+        </p:txBody>
+      </p:sp>
+    </p:spTree>
+    <p:extLst>
+      <p:ext uri="{BB962C8B-B14F-4D97-AF65-F5344CB8AC3E}">
+        <p14:creationId xmlns:p14="http://schemas.microsoft.com/office/powerpoint/2010/main" val="787052150"/>
+      </p:ext>
+    </p:extLst>
+  </p:cSld>
+  <p:clrMapOvr>
+    <a:masterClrMapping/>
+  </p:clrMapOvr>
+</p:notes>
+</file>
+
+<file path=ppt/notesSlides/notesSlide7.xml><?xml version="1.0" encoding="utf-8"?>
+<p:notes xmlns:a="http://schemas.openxmlformats.org/drawingml/2006/main" xmlns:r="http://schemas.openxmlformats.org/officeDocument/2006/relationships" xmlns:p="http://schemas.openxmlformats.org/presentationml/2006/main">
+  <p:cSld>
+    <p:spTree>
+      <p:nvGrpSpPr>
+        <p:cNvPr id="1" name=""/>
+        <p:cNvGrpSpPr/>
+        <p:nvPr/>
+      </p:nvGrpSpPr>
+      <p:grpSpPr>
+        <a:xfrm>
+          <a:off x="0" y="0"/>
+          <a:ext cx="0" cy="0"/>
+          <a:chOff x="0" y="0"/>
+          <a:chExt cx="0" cy="0"/>
+        </a:xfrm>
+      </p:grpSpPr>
+      <p:sp>
+        <p:nvSpPr>
+          <p:cNvPr id="2" name="슬라이드 이미지 개체 틀 1"/>
+          <p:cNvSpPr>
+            <a:spLocks noGrp="1" noRot="1" noChangeAspect="1"/>
+          </p:cNvSpPr>
+          <p:nvPr>
+            <p:ph type="sldImg"/>
+          </p:nvPr>
+        </p:nvSpPr>
+        <p:spPr/>
+      </p:sp>
+      <p:sp>
+        <p:nvSpPr>
+          <p:cNvPr id="3" name="슬라이드 노트 개체 틀 2"/>
+          <p:cNvSpPr>
+            <a:spLocks noGrp="1"/>
+          </p:cNvSpPr>
+          <p:nvPr>
+            <p:ph type="body" idx="1"/>
+          </p:nvPr>
+        </p:nvSpPr>
+        <p:spPr/>
+        <p:txBody>
+          <a:bodyPr/>
+          <a:lstStyle/>
+          <a:p>
+            <a:r>
+              <a:rPr lang="ko-KR" altLang="en-US"/>
+              <a:t>제어 플래그를 삭제하며 </a:t>
+            </a:r>
+            <a:r>
+              <a:rPr lang="en-US" altLang="ko-KR"/>
+              <a:t>input</a:t>
+            </a:r>
+            <a:r>
+              <a:rPr lang="ko-KR" altLang="en-US"/>
+              <a:t>에 값을 받았을때 바로 </a:t>
+            </a:r>
+            <a:r>
+              <a:rPr lang="en-US" altLang="ko-KR"/>
+              <a:t>input</a:t>
+            </a:r>
+            <a:r>
+              <a:rPr lang="ko-KR" altLang="en-US"/>
+              <a:t>값을 리턴하며 메서드를 종료시키고 </a:t>
+            </a:r>
+            <a:r>
+              <a:rPr lang="en-US" altLang="ko-KR"/>
+              <a:t>3</a:t>
+            </a:r>
+            <a:r>
+              <a:rPr lang="ko-KR" altLang="en-US"/>
+              <a:t>회 실패시에도 </a:t>
+            </a:r>
+            <a:r>
+              <a:rPr lang="en-US" altLang="ko-KR"/>
+              <a:t>if</a:t>
+            </a:r>
+            <a:r>
+              <a:rPr lang="ko-KR" altLang="en-US"/>
+              <a:t>문을 줄일수 있습니다 </a:t>
+            </a:r>
+          </a:p>
+        </p:txBody>
+      </p:sp>
+      <p:sp>
+        <p:nvSpPr>
+          <p:cNvPr id="4" name="슬라이드 번호 개체 틀 3"/>
+          <p:cNvSpPr>
+            <a:spLocks noGrp="1"/>
+          </p:cNvSpPr>
+          <p:nvPr>
+            <p:ph type="sldNum" sz="quarter" idx="5"/>
+          </p:nvPr>
+        </p:nvSpPr>
+        <p:spPr/>
+        <p:txBody>
+          <a:bodyPr/>
+          <a:lstStyle/>
+          <a:p>
+            <a:fld id="{2E40F42B-88EF-48CA-9E99-D6880BFCDB0B}" type="slidenum">
+              <a:rPr lang="ko-KR" altLang="en-US" smtClean="0"/>
+              <a:t>23</a:t>
+            </a:fld>
+            <a:endParaRPr lang="ko-KR" altLang="en-US"/>
+          </a:p>
+        </p:txBody>
+      </p:sp>
+    </p:spTree>
+    <p:extLst>
+      <p:ext uri="{BB962C8B-B14F-4D97-AF65-F5344CB8AC3E}">
+        <p14:creationId xmlns:p14="http://schemas.microsoft.com/office/powerpoint/2010/main" val="1861054399"/>
+      </p:ext>
+    </p:extLst>
+  </p:cSld>
+  <p:clrMapOvr>
+    <a:masterClrMapping/>
+  </p:clrMapOvr>
+</p:notes>
+</file>
+
+<file path=ppt/notesSlides/notesSlide8.xml><?xml version="1.0" encoding="utf-8"?>
+<p:notes xmlns:a="http://schemas.openxmlformats.org/drawingml/2006/main" xmlns:r="http://schemas.openxmlformats.org/officeDocument/2006/relationships" xmlns:p="http://schemas.openxmlformats.org/presentationml/2006/main">
+  <p:cSld>
+    <p:spTree>
+      <p:nvGrpSpPr>
+        <p:cNvPr id="1" name=""/>
+        <p:cNvGrpSpPr/>
+        <p:nvPr/>
+      </p:nvGrpSpPr>
+      <p:grpSpPr>
+        <a:xfrm>
+          <a:off x="0" y="0"/>
+          <a:ext cx="0" cy="0"/>
+          <a:chOff x="0" y="0"/>
+          <a:chExt cx="0" cy="0"/>
+        </a:xfrm>
+      </p:grpSpPr>
+      <p:sp>
+        <p:nvSpPr>
+          <p:cNvPr id="2" name="슬라이드 이미지 개체 틀 1"/>
+          <p:cNvSpPr>
+            <a:spLocks noGrp="1" noRot="1" noChangeAspect="1"/>
+          </p:cNvSpPr>
+          <p:nvPr>
+            <p:ph type="sldImg"/>
+          </p:nvPr>
+        </p:nvSpPr>
+        <p:spPr/>
+      </p:sp>
+      <p:sp>
+        <p:nvSpPr>
+          <p:cNvPr id="3" name="슬라이드 노트 개체 틀 2"/>
+          <p:cNvSpPr>
+            <a:spLocks noGrp="1"/>
+          </p:cNvSpPr>
+          <p:nvPr>
+            <p:ph type="body" idx="1"/>
+          </p:nvPr>
+        </p:nvSpPr>
+        <p:spPr/>
+        <p:txBody>
+          <a:bodyPr/>
+          <a:lstStyle/>
+          <a:p>
+            <a:endParaRPr lang="ko-KR" altLang="en-US"/>
+          </a:p>
+        </p:txBody>
+      </p:sp>
+      <p:sp>
+        <p:nvSpPr>
+          <p:cNvPr id="4" name="슬라이드 번호 개체 틀 3"/>
+          <p:cNvSpPr>
+            <a:spLocks noGrp="1"/>
+          </p:cNvSpPr>
+          <p:nvPr>
+            <p:ph type="sldNum" sz="quarter" idx="5"/>
+          </p:nvPr>
+        </p:nvSpPr>
+        <p:spPr/>
+        <p:txBody>
+          <a:bodyPr/>
+          <a:lstStyle/>
+          <a:p>
+            <a:fld id="{2E40F42B-88EF-48CA-9E99-D6880BFCDB0B}" type="slidenum">
+              <a:rPr lang="ko-KR" altLang="en-US" smtClean="0"/>
+              <a:t>24</a:t>
+            </a:fld>
+            <a:endParaRPr lang="ko-KR" altLang="en-US"/>
+          </a:p>
+        </p:txBody>
+      </p:sp>
+    </p:spTree>
+    <p:extLst>
+      <p:ext uri="{BB962C8B-B14F-4D97-AF65-F5344CB8AC3E}">
+        <p14:creationId xmlns:p14="http://schemas.microsoft.com/office/powerpoint/2010/main" val="703284933"/>
+      </p:ext>
+    </p:extLst>
+  </p:cSld>
+  <p:clrMapOvr>
+    <a:masterClrMapping/>
+  </p:clrMapOvr>
+</p:notes>
 </file>
 
 <file path=ppt/slideLayouts/slideLayout1.xml><?xml version="1.0" encoding="utf-8"?>
@@ -845,7 +1969,7 @@
           <a:p>
             <a:fld id="{DEF5D1F9-C552-4A47-9DE4-219D49A7199F}" type="datetimeFigureOut">
               <a:rPr lang="ko-KR" altLang="en-US" smtClean="0"/>
-              <a:t>2022-04-02</a:t>
+              <a:t>2022-04-03</a:t>
             </a:fld>
             <a:endParaRPr lang="ko-KR" altLang="en-US"/>
           </a:p>
@@ -1096,7 +2220,7 @@
           <a:p>
             <a:fld id="{DEF5D1F9-C552-4A47-9DE4-219D49A7199F}" type="datetimeFigureOut">
               <a:rPr lang="ko-KR" altLang="en-US" smtClean="0"/>
-              <a:t>2022-04-02</a:t>
+              <a:t>2022-04-03</a:t>
             </a:fld>
             <a:endParaRPr lang="ko-KR" altLang="en-US"/>
           </a:p>
@@ -1410,7 +2534,7 @@
           <a:p>
             <a:fld id="{DEF5D1F9-C552-4A47-9DE4-219D49A7199F}" type="datetimeFigureOut">
               <a:rPr lang="ko-KR" altLang="en-US" smtClean="0"/>
-              <a:t>2022-04-02</a:t>
+              <a:t>2022-04-03</a:t>
             </a:fld>
             <a:endParaRPr lang="ko-KR" altLang="en-US"/>
           </a:p>
@@ -1751,7 +2875,7 @@
           <a:p>
             <a:fld id="{DEF5D1F9-C552-4A47-9DE4-219D49A7199F}" type="datetimeFigureOut">
               <a:rPr lang="ko-KR" altLang="en-US" smtClean="0"/>
-              <a:t>2022-04-02</a:t>
+              <a:t>2022-04-03</a:t>
             </a:fld>
             <a:endParaRPr lang="ko-KR" altLang="en-US"/>
           </a:p>
@@ -2065,7 +3189,7 @@
           <a:p>
             <a:fld id="{DEF5D1F9-C552-4A47-9DE4-219D49A7199F}" type="datetimeFigureOut">
               <a:rPr lang="ko-KR" altLang="en-US" smtClean="0"/>
-              <a:t>2022-04-02</a:t>
+              <a:t>2022-04-03</a:t>
             </a:fld>
             <a:endParaRPr lang="ko-KR" altLang="en-US"/>
           </a:p>
@@ -2458,7 +3582,7 @@
           <a:p>
             <a:fld id="{DEF5D1F9-C552-4A47-9DE4-219D49A7199F}" type="datetimeFigureOut">
               <a:rPr lang="ko-KR" altLang="en-US" smtClean="0"/>
-              <a:t>2022-04-02</a:t>
+              <a:t>2022-04-03</a:t>
             </a:fld>
             <a:endParaRPr lang="ko-KR" altLang="en-US"/>
           </a:p>
@@ -2628,7 +3752,7 @@
           <a:p>
             <a:fld id="{DEF5D1F9-C552-4A47-9DE4-219D49A7199F}" type="datetimeFigureOut">
               <a:rPr lang="ko-KR" altLang="en-US" smtClean="0"/>
-              <a:t>2022-04-02</a:t>
+              <a:t>2022-04-03</a:t>
             </a:fld>
             <a:endParaRPr lang="ko-KR" altLang="en-US"/>
           </a:p>
@@ -2808,7 +3932,7 @@
           <a:p>
             <a:fld id="{DEF5D1F9-C552-4A47-9DE4-219D49A7199F}" type="datetimeFigureOut">
               <a:rPr lang="ko-KR" altLang="en-US" smtClean="0"/>
-              <a:t>2022-04-02</a:t>
+              <a:t>2022-04-03</a:t>
             </a:fld>
             <a:endParaRPr lang="ko-KR" altLang="en-US"/>
           </a:p>
@@ -2984,7 +4108,7 @@
           <a:p>
             <a:fld id="{DEF5D1F9-C552-4A47-9DE4-219D49A7199F}" type="datetimeFigureOut">
               <a:rPr lang="ko-KR" altLang="en-US" smtClean="0"/>
-              <a:t>2022-04-02</a:t>
+              <a:t>2022-04-03</a:t>
             </a:fld>
             <a:endParaRPr lang="ko-KR" altLang="en-US"/>
           </a:p>
@@ -3231,7 +4355,7 @@
           <a:p>
             <a:fld id="{DEF5D1F9-C552-4A47-9DE4-219D49A7199F}" type="datetimeFigureOut">
               <a:rPr lang="ko-KR" altLang="en-US" smtClean="0"/>
-              <a:t>2022-04-02</a:t>
+              <a:t>2022-04-03</a:t>
             </a:fld>
             <a:endParaRPr lang="ko-KR" altLang="en-US"/>
           </a:p>
@@ -3463,7 +4587,7 @@
           <a:p>
             <a:fld id="{DEF5D1F9-C552-4A47-9DE4-219D49A7199F}" type="datetimeFigureOut">
               <a:rPr lang="ko-KR" altLang="en-US" smtClean="0"/>
-              <a:t>2022-04-02</a:t>
+              <a:t>2022-04-03</a:t>
             </a:fld>
             <a:endParaRPr lang="ko-KR" altLang="en-US"/>
           </a:p>
@@ -3837,7 +4961,7 @@
           <a:p>
             <a:fld id="{DEF5D1F9-C552-4A47-9DE4-219D49A7199F}" type="datetimeFigureOut">
               <a:rPr lang="ko-KR" altLang="en-US" smtClean="0"/>
-              <a:t>2022-04-02</a:t>
+              <a:t>2022-04-03</a:t>
             </a:fld>
             <a:endParaRPr lang="ko-KR" altLang="en-US"/>
           </a:p>
@@ -3960,7 +5084,7 @@
           <a:p>
             <a:fld id="{DEF5D1F9-C552-4A47-9DE4-219D49A7199F}" type="datetimeFigureOut">
               <a:rPr lang="ko-KR" altLang="en-US" smtClean="0"/>
-              <a:t>2022-04-02</a:t>
+              <a:t>2022-04-03</a:t>
             </a:fld>
             <a:endParaRPr lang="ko-KR" altLang="en-US"/>
           </a:p>
@@ -4055,7 +5179,7 @@
           <a:p>
             <a:fld id="{DEF5D1F9-C552-4A47-9DE4-219D49A7199F}" type="datetimeFigureOut">
               <a:rPr lang="ko-KR" altLang="en-US" smtClean="0"/>
-              <a:t>2022-04-02</a:t>
+              <a:t>2022-04-03</a:t>
             </a:fld>
             <a:endParaRPr lang="ko-KR" altLang="en-US"/>
           </a:p>
@@ -4310,7 +5434,7 @@
           <a:p>
             <a:fld id="{DEF5D1F9-C552-4A47-9DE4-219D49A7199F}" type="datetimeFigureOut">
               <a:rPr lang="ko-KR" altLang="en-US" smtClean="0"/>
-              <a:t>2022-04-02</a:t>
+              <a:t>2022-04-03</a:t>
             </a:fld>
             <a:endParaRPr lang="ko-KR" altLang="en-US"/>
           </a:p>
@@ -4573,7 +5697,7 @@
           <a:p>
             <a:fld id="{DEF5D1F9-C552-4A47-9DE4-219D49A7199F}" type="datetimeFigureOut">
               <a:rPr lang="ko-KR" altLang="en-US" smtClean="0"/>
-              <a:t>2022-04-02</a:t>
+              <a:t>2022-04-03</a:t>
             </a:fld>
             <a:endParaRPr lang="ko-KR" altLang="en-US"/>
           </a:p>
@@ -5316,7 +6440,7 @@
           <a:p>
             <a:fld id="{DEF5D1F9-C552-4A47-9DE4-219D49A7199F}" type="datetimeFigureOut">
               <a:rPr lang="ko-KR" altLang="en-US" smtClean="0"/>
-              <a:t>2022-04-02</a:t>
+              <a:t>2022-04-03</a:t>
             </a:fld>
             <a:endParaRPr lang="ko-KR" altLang="en-US"/>
           </a:p>
@@ -5960,12 +7084,166 @@
           </a:p>
         </p:txBody>
       </p:sp>
+      <p:sp>
+        <p:nvSpPr>
+          <p:cNvPr id="16" name="TextBox 15">
+            <a:extLst>
+              <a:ext uri="{FF2B5EF4-FFF2-40B4-BE49-F238E27FC236}">
+                <a16:creationId xmlns:a16="http://schemas.microsoft.com/office/drawing/2014/main" id="{E09EF8D9-45FD-4506-A426-3ABE81A8AD5B}"/>
+              </a:ext>
+            </a:extLst>
+          </p:cNvPr>
+          <p:cNvSpPr txBox="1"/>
+          <p:nvPr/>
+        </p:nvSpPr>
+        <p:spPr>
+          <a:xfrm>
+            <a:off x="5391524" y="2147656"/>
+            <a:ext cx="5000251" cy="2308324"/>
+          </a:xfrm>
+          <a:prstGeom prst="rect">
+            <a:avLst/>
+          </a:prstGeom>
+        </p:spPr>
+        <p:style>
+          <a:lnRef idx="2">
+            <a:schemeClr val="accent1"/>
+          </a:lnRef>
+          <a:fillRef idx="1">
+            <a:schemeClr val="lt1"/>
+          </a:fillRef>
+          <a:effectRef idx="0">
+            <a:schemeClr val="accent1"/>
+          </a:effectRef>
+          <a:fontRef idx="minor">
+            <a:schemeClr val="dk1"/>
+          </a:fontRef>
+        </p:style>
+        <p:txBody>
+          <a:bodyPr wrap="square">
+            <a:spAutoFit/>
+          </a:bodyPr>
+          <a:lstStyle/>
+          <a:p>
+            <a:pPr latinLnBrk="1"/>
+            <a:r>
+              <a:rPr lang="en-US" altLang="ko-KR" sz="1800"/>
+              <a:t>3. </a:t>
+            </a:r>
+            <a:r>
+              <a:rPr lang="ko-KR" altLang="en-US" sz="1800"/>
+              <a:t>메서드 내부의 지역 변수 검토</a:t>
+            </a:r>
+            <a:endParaRPr lang="en-US" altLang="ko-KR" sz="1800"/>
+          </a:p>
+          <a:p>
+            <a:pPr latinLnBrk="1"/>
+            <a:endParaRPr lang="en-US" altLang="ko-KR"/>
+          </a:p>
+          <a:p>
+            <a:pPr latinLnBrk="1"/>
+            <a:r>
+              <a:rPr lang="ko-KR" altLang="en-US"/>
+              <a:t>복사한 코드 안에서만 사용하는 변수라면 </a:t>
+            </a:r>
+            <a:endParaRPr lang="en-US" altLang="ko-KR"/>
+          </a:p>
+          <a:p>
+            <a:pPr latinLnBrk="1"/>
+            <a:r>
+              <a:rPr lang="ko-KR" altLang="en-US"/>
+              <a:t>메서드의 지역 변수로 만듦</a:t>
+            </a:r>
+            <a:endParaRPr lang="en-US" altLang="ko-KR"/>
+          </a:p>
+          <a:p>
+            <a:pPr latinLnBrk="1"/>
+            <a:endParaRPr lang="en-US" altLang="ko-KR"/>
+          </a:p>
+          <a:p>
+            <a:pPr latinLnBrk="1"/>
+            <a:r>
+              <a:rPr lang="en-US" altLang="ko-KR"/>
+              <a:t> I</a:t>
+            </a:r>
+            <a:r>
+              <a:rPr lang="ko-KR" altLang="en-US"/>
+              <a:t>는 </a:t>
+            </a:r>
+            <a:r>
+              <a:rPr lang="en-US" altLang="ko-KR"/>
+              <a:t>for</a:t>
+            </a:r>
+            <a:r>
+              <a:rPr lang="ko-KR" altLang="en-US"/>
+              <a:t>문 안에서 지역변수로 선언되어있음</a:t>
+            </a:r>
+            <a:endParaRPr lang="en-US" altLang="ko-KR"/>
+          </a:p>
+          <a:p>
+            <a:pPr latinLnBrk="1"/>
+            <a:r>
+              <a:rPr lang="en-US" altLang="ko-KR"/>
+              <a:t>content</a:t>
+            </a:r>
+            <a:r>
+              <a:rPr lang="ko-KR" altLang="en-US"/>
+              <a:t>는 테두리 출력의 </a:t>
+            </a:r>
+            <a:r>
+              <a:rPr lang="en-US" altLang="ko-KR"/>
+              <a:t>for</a:t>
+            </a:r>
+            <a:r>
+              <a:rPr lang="ko-KR" altLang="en-US"/>
+              <a:t>문 안에서도 사용되어 지역변수로 만들지 않음</a:t>
+            </a:r>
+            <a:endParaRPr lang="en-US" altLang="ko-KR"/>
+          </a:p>
+        </p:txBody>
+      </p:sp>
       <p:pic>
         <p:nvPicPr>
-          <p:cNvPr id="13" name="그림 12" descr="텍스트이(가) 표시된 사진&#10;&#10;자동 생성된 설명">
+          <p:cNvPr id="6" name="그림 5" descr="텍스트이(가) 표시된 사진&#10;&#10;자동 생성된 설명">
             <a:extLst>
               <a:ext uri="{FF2B5EF4-FFF2-40B4-BE49-F238E27FC236}">
-                <a16:creationId xmlns:a16="http://schemas.microsoft.com/office/drawing/2014/main" id="{918B1DD0-C297-4B75-B0A2-46043140157F}"/>
+                <a16:creationId xmlns:a16="http://schemas.microsoft.com/office/drawing/2014/main" id="{BCB392F2-B8D3-49FA-A909-19EA16B1E356}"/>
+              </a:ext>
+            </a:extLst>
+          </p:cNvPr>
+          <p:cNvPicPr>
+            <a:picLocks noChangeAspect="1"/>
+          </p:cNvPicPr>
+          <p:nvPr/>
+        </p:nvPicPr>
+        <p:blipFill>
+          <a:blip r:embed="rId2">
+            <a:extLst>
+              <a:ext uri="{28A0092B-C50C-407E-A947-70E740481C1C}">
+                <a14:useLocalDpi xmlns:a14="http://schemas.microsoft.com/office/drawing/2010/main" val="0"/>
+              </a:ext>
+            </a:extLst>
+          </a:blip>
+          <a:stretch>
+            <a:fillRect/>
+          </a:stretch>
+        </p:blipFill>
+        <p:spPr>
+          <a:xfrm>
+            <a:off x="905692" y="2747821"/>
+            <a:ext cx="3896269" cy="1009791"/>
+          </a:xfrm>
+          <a:prstGeom prst="rect">
+            <a:avLst/>
+          </a:prstGeom>
+        </p:spPr>
+      </p:pic>
+      <p:pic>
+        <p:nvPicPr>
+          <p:cNvPr id="7" name="그림 6" descr="텍스트이(가) 표시된 사진&#10;&#10;자동 생성된 설명">
+            <a:extLst>
+              <a:ext uri="{FF2B5EF4-FFF2-40B4-BE49-F238E27FC236}">
+                <a16:creationId xmlns:a16="http://schemas.microsoft.com/office/drawing/2014/main" id="{3BBFF1A8-B880-4C9A-9DB4-16ED41260029}"/>
               </a:ext>
             </a:extLst>
           </p:cNvPr>
@@ -5975,409 +7253,67 @@
           <p:nvPr/>
         </p:nvPicPr>
         <p:blipFill rotWithShape="1">
-          <a:blip r:embed="rId2">
+          <a:blip r:embed="rId3">
             <a:extLst>
               <a:ext uri="{28A0092B-C50C-407E-A947-70E740481C1C}">
                 <a14:useLocalDpi xmlns:a14="http://schemas.microsoft.com/office/drawing/2010/main" val="0"/>
               </a:ext>
             </a:extLst>
           </a:blip>
-          <a:srcRect r="22831"/>
+          <a:srcRect l="13566" t="25375" r="32411" b="50764"/>
           <a:stretch/>
         </p:blipFill>
         <p:spPr>
           <a:xfrm>
-            <a:off x="734192" y="1075911"/>
-            <a:ext cx="5197447" cy="5029902"/>
+            <a:off x="6638925" y="4657726"/>
+            <a:ext cx="3638550" cy="1200150"/>
           </a:xfrm>
           <a:prstGeom prst="rect">
             <a:avLst/>
           </a:prstGeom>
         </p:spPr>
       </p:pic>
-      <p:graphicFrame>
-        <p:nvGraphicFramePr>
-          <p:cNvPr id="14" name="표 13">
+      <p:cxnSp>
+        <p:nvCxnSpPr>
+          <p:cNvPr id="3" name="직선 연결선 2">
             <a:extLst>
               <a:ext uri="{FF2B5EF4-FFF2-40B4-BE49-F238E27FC236}">
-                <a16:creationId xmlns:a16="http://schemas.microsoft.com/office/drawing/2014/main" id="{E1A24195-1ACE-4AEB-AC35-36AD02894402}"/>
+                <a16:creationId xmlns:a16="http://schemas.microsoft.com/office/drawing/2014/main" id="{BA5AAC9B-62FF-47EE-A055-77866C05918B}"/>
               </a:ext>
             </a:extLst>
           </p:cNvPr>
-          <p:cNvGraphicFramePr>
-            <a:graphicFrameLocks noGrp="1"/>
-          </p:cNvGraphicFramePr>
+          <p:cNvCxnSpPr/>
           <p:nvPr/>
-        </p:nvGraphicFramePr>
-        <p:xfrm>
-          <a:off x="4630000" y="3916617"/>
-          <a:ext cx="8128000" cy="3596640"/>
-        </p:xfrm>
-        <a:graphic>
-          <a:graphicData uri="http://schemas.openxmlformats.org/drawingml/2006/table">
-            <a:tbl>
-              <a:tblPr firstRow="1" bandRow="1">
-                <a:tableStyleId>{69CF1AB2-1976-4502-BF36-3FF5EA218861}</a:tableStyleId>
-              </a:tblPr>
-              <a:tblGrid>
-                <a:gridCol w="1799771">
-                  <a:extLst>
-                    <a:ext uri="{9D8B030D-6E8A-4147-A177-3AD203B41FA5}">
-                      <a16:colId xmlns:a16="http://schemas.microsoft.com/office/drawing/2014/main" val="1621696946"/>
-                    </a:ext>
-                  </a:extLst>
-                </a:gridCol>
-                <a:gridCol w="6328229">
-                  <a:extLst>
-                    <a:ext uri="{9D8B030D-6E8A-4147-A177-3AD203B41FA5}">
-                      <a16:colId xmlns:a16="http://schemas.microsoft.com/office/drawing/2014/main" val="3554295025"/>
-                    </a:ext>
-                  </a:extLst>
-                </a:gridCol>
-              </a:tblGrid>
-              <a:tr h="370840">
-                <a:tc>
-                  <a:txBody>
-                    <a:bodyPr/>
-                    <a:lstStyle/>
-                    <a:p>
-                      <a:pPr latinLnBrk="1"/>
-                      <a:r>
-                        <a:rPr lang="ko-KR" altLang="en-US" sz="1600"/>
-                        <a:t>방법</a:t>
-                      </a:r>
-                    </a:p>
-                  </a:txBody>
-                  <a:tcPr/>
-                </a:tc>
-                <a:tc>
-                  <a:txBody>
-                    <a:bodyPr/>
-                    <a:lstStyle/>
-                    <a:p>
-                      <a:pPr latinLnBrk="1"/>
-                      <a:r>
-                        <a:rPr lang="en-US" altLang="ko-KR" sz="1600"/>
-                        <a:t>1. </a:t>
-                      </a:r>
-                      <a:r>
-                        <a:rPr lang="ko-KR" altLang="en-US" sz="1600"/>
-                        <a:t>새로운 메서드 작성</a:t>
-                      </a:r>
-                      <a:endParaRPr lang="en-US" altLang="ko-KR" sz="1600"/>
-                    </a:p>
-                    <a:p>
-                      <a:pPr marL="0" indent="0" latinLnBrk="1">
-                        <a:buFont typeface="+mj-lt"/>
-                        <a:buNone/>
-                      </a:pPr>
-                      <a:r>
-                        <a:rPr lang="ko-KR" altLang="en-US" sz="1200"/>
-                        <a:t>   </a:t>
-                      </a:r>
-                      <a:r>
-                        <a:rPr lang="en-US" altLang="ko-KR" sz="1200"/>
-                        <a:t>(1) </a:t>
-                      </a:r>
-                      <a:r>
-                        <a:rPr lang="ko-KR" altLang="en-US" sz="1200"/>
-                        <a:t>새로운 메서드에 적절한 이름 붙이기</a:t>
-                      </a:r>
-                      <a:endParaRPr lang="en-US" altLang="ko-KR" sz="1200"/>
-                    </a:p>
-                    <a:p>
-                      <a:pPr marL="0" indent="0" latinLnBrk="1">
-                        <a:buFont typeface="+mj-lt"/>
-                        <a:buNone/>
-                      </a:pPr>
-                      <a:r>
-                        <a:rPr lang="en-US" altLang="ko-KR" sz="1200"/>
-                        <a:t>   (2) </a:t>
-                      </a:r>
-                      <a:r>
-                        <a:rPr lang="ko-KR" altLang="en-US" sz="1200"/>
-                        <a:t>기존 메서드에서 새로운 메서드로 코드 복사</a:t>
-                      </a:r>
-                      <a:endParaRPr lang="en-US" altLang="ko-KR" sz="1200"/>
-                    </a:p>
-                    <a:p>
-                      <a:pPr marL="0" lvl="0" indent="0" latinLnBrk="1">
-                        <a:buFont typeface="Arial" panose="020B0604020202020204" pitchFamily="34" charset="0"/>
-                        <a:buNone/>
-                      </a:pPr>
-                      <a:r>
-                        <a:rPr lang="en-US" altLang="ko-KR" sz="1200"/>
-                        <a:t>   (3) </a:t>
-                      </a:r>
-                      <a:r>
-                        <a:rPr lang="ko-KR" altLang="en-US" sz="1200"/>
-                        <a:t>메서드 내부의 지역 변수 검토</a:t>
-                      </a:r>
-                      <a:endParaRPr lang="en-US" altLang="ko-KR" sz="1200"/>
-                    </a:p>
-                    <a:p>
-                      <a:pPr marL="0" lvl="0" indent="0" latinLnBrk="1">
-                        <a:buFont typeface="Arial" panose="020B0604020202020204" pitchFamily="34" charset="0"/>
-                        <a:buNone/>
-                      </a:pPr>
-                      <a:r>
-                        <a:rPr lang="en-US" altLang="ko-KR" sz="1200"/>
-                        <a:t>   (4)</a:t>
-                      </a:r>
-                      <a:r>
-                        <a:rPr lang="ko-KR" altLang="en-US" sz="1200"/>
-                        <a:t> 메서드 매개변수 검토</a:t>
-                      </a:r>
-                      <a:endParaRPr lang="en-US" altLang="ko-KR" sz="1200"/>
-                    </a:p>
-                    <a:p>
-                      <a:pPr marL="0" lvl="0" indent="0" latinLnBrk="1">
-                        <a:buFont typeface="Arial" panose="020B0604020202020204" pitchFamily="34" charset="0"/>
-                        <a:buNone/>
-                      </a:pPr>
-                      <a:r>
-                        <a:rPr lang="en-US" altLang="ko-KR" sz="1200"/>
-                        <a:t>   (5) </a:t>
-                      </a:r>
-                      <a:r>
-                        <a:rPr lang="ko-KR" altLang="en-US" sz="1200"/>
-                        <a:t>메서드 변환값 검토</a:t>
-                      </a:r>
-                      <a:endParaRPr lang="en-US" altLang="ko-KR" sz="1200"/>
-                    </a:p>
-                    <a:p>
-                      <a:pPr marL="0" lvl="0" indent="0" latinLnBrk="1">
-                        <a:buFont typeface="Arial" panose="020B0604020202020204" pitchFamily="34" charset="0"/>
-                        <a:buNone/>
-                      </a:pPr>
-                      <a:r>
-                        <a:rPr lang="en-US" altLang="ko-KR" sz="1200"/>
-                        <a:t>   (6) </a:t>
-                      </a:r>
-                      <a:r>
-                        <a:rPr lang="ko-KR" altLang="en-US" sz="1200"/>
-                        <a:t>컴파일</a:t>
-                      </a:r>
-                      <a:endParaRPr lang="en-US" altLang="ko-KR" sz="1200"/>
-                    </a:p>
-                    <a:p>
-                      <a:pPr marL="0" lvl="0" indent="0" latinLnBrk="1">
-                        <a:buFont typeface="Arial" panose="020B0604020202020204" pitchFamily="34" charset="0"/>
-                        <a:buNone/>
-                      </a:pPr>
-                      <a:r>
-                        <a:rPr lang="en-US" altLang="ko-KR" sz="1600"/>
-                        <a:t>2. </a:t>
-                      </a:r>
-                      <a:r>
-                        <a:rPr lang="ko-KR" altLang="en-US" sz="1600"/>
-                        <a:t>새로운 메서드 호출</a:t>
-                      </a:r>
-                      <a:endParaRPr lang="en-US" altLang="ko-KR" sz="1600"/>
-                    </a:p>
-                    <a:p>
-                      <a:pPr marL="0" lvl="0" indent="0" latinLnBrk="1">
-                        <a:buFont typeface="Arial" panose="020B0604020202020204" pitchFamily="34" charset="0"/>
-                        <a:buNone/>
-                      </a:pPr>
-                      <a:r>
-                        <a:rPr lang="en-US" altLang="ko-KR" sz="1200"/>
-                        <a:t>   (1) </a:t>
-                      </a:r>
-                      <a:r>
-                        <a:rPr lang="ko-KR" altLang="en-US" sz="1200"/>
-                        <a:t>기존 메서드에서 앞서 코드를 복사한 부분을 새로운 메서드를 호출로 치환</a:t>
-                      </a:r>
-                      <a:endParaRPr lang="en-US" altLang="ko-KR" sz="1200"/>
-                    </a:p>
-                    <a:p>
-                      <a:pPr marL="0" lvl="0" indent="0" latinLnBrk="1">
-                        <a:buFont typeface="Arial" panose="020B0604020202020204" pitchFamily="34" charset="0"/>
-                        <a:buNone/>
-                      </a:pPr>
-                      <a:r>
-                        <a:rPr lang="en-US" altLang="ko-KR" sz="1200"/>
-                        <a:t>   (2) </a:t>
-                      </a:r>
-                      <a:r>
-                        <a:rPr lang="ko-KR" altLang="en-US" sz="1200"/>
-                        <a:t>기존 메서드에서 더는 사용하지 않는 지역 변수가 있으면 삭제</a:t>
-                      </a:r>
-                      <a:endParaRPr lang="en-US" altLang="ko-KR" sz="1200"/>
-                    </a:p>
-                    <a:p>
-                      <a:pPr marL="0" lvl="0" indent="0" latinLnBrk="1">
-                        <a:buFont typeface="Arial" panose="020B0604020202020204" pitchFamily="34" charset="0"/>
-                        <a:buNone/>
-                      </a:pPr>
-                      <a:r>
-                        <a:rPr lang="en-US" altLang="ko-KR" sz="1200"/>
-                        <a:t>   (3) </a:t>
-                      </a:r>
-                      <a:r>
-                        <a:rPr lang="ko-KR" altLang="en-US" sz="1200"/>
-                        <a:t>컴파일해서 테스트</a:t>
-                      </a:r>
-                      <a:endParaRPr lang="en-US" altLang="ko-KR" sz="1200"/>
-                    </a:p>
-                  </a:txBody>
-                  <a:tcPr/>
-                </a:tc>
-                <a:extLst>
-                  <a:ext uri="{0D108BD9-81ED-4DB2-BD59-A6C34878D82A}">
-                    <a16:rowId xmlns:a16="http://schemas.microsoft.com/office/drawing/2014/main" val="3112748623"/>
-                  </a:ext>
-                </a:extLst>
-              </a:tr>
-              <a:tr h="370840">
-                <a:tc>
-                  <a:txBody>
-                    <a:bodyPr/>
-                    <a:lstStyle/>
-                    <a:p>
-                      <a:pPr latinLnBrk="1"/>
-                      <a:r>
-                        <a:rPr lang="ko-KR" altLang="en-US" sz="1600"/>
-                        <a:t>관련항목</a:t>
-                      </a:r>
-                    </a:p>
-                  </a:txBody>
-                  <a:tcPr/>
-                </a:tc>
-                <a:tc>
-                  <a:txBody>
-                    <a:bodyPr/>
-                    <a:lstStyle/>
-                    <a:p>
-                      <a:pPr marL="285750" lvl="0" indent="-285750" latinLnBrk="1">
-                        <a:buFont typeface="Arial" panose="020B0604020202020204" pitchFamily="34" charset="0"/>
-                        <a:buChar char="•"/>
-                      </a:pPr>
-                      <a:r>
-                        <a:rPr lang="ko-KR" altLang="en-US" sz="1400"/>
-                        <a:t>임시 변수 분리</a:t>
-                      </a:r>
-                      <a:endParaRPr lang="en-US" altLang="ko-KR" sz="1400"/>
-                    </a:p>
-                    <a:p>
-                      <a:pPr marL="0" lvl="0" indent="0" latinLnBrk="1">
-                        <a:buFont typeface="Arial" panose="020B0604020202020204" pitchFamily="34" charset="0"/>
-                        <a:buNone/>
-                      </a:pPr>
-                      <a:r>
-                        <a:rPr lang="ko-KR" altLang="en-US" sz="1400"/>
-                        <a:t>    메서드 추출 전에 임시 변수 분리부터 하는 게 좋을때가 있음</a:t>
-                      </a:r>
-                      <a:endParaRPr lang="en-US" altLang="ko-KR" sz="1400"/>
-                    </a:p>
-                    <a:p>
-                      <a:pPr marL="285750" lvl="0" indent="-285750" latinLnBrk="1">
-                        <a:buFont typeface="Arial" panose="020B0604020202020204" pitchFamily="34" charset="0"/>
-                        <a:buChar char="•"/>
-                      </a:pPr>
-                      <a:r>
-                        <a:rPr lang="ko-KR" altLang="en-US" sz="1400"/>
-                        <a:t>질의로 임시 변수 치환</a:t>
-                      </a:r>
-                      <a:endParaRPr lang="en-US" altLang="ko-KR" sz="1400"/>
-                    </a:p>
-                    <a:p>
-                      <a:pPr marL="0" lvl="0" indent="0" latinLnBrk="1">
-                        <a:buFont typeface="Arial" panose="020B0604020202020204" pitchFamily="34" charset="0"/>
-                        <a:buNone/>
-                      </a:pPr>
-                      <a:r>
-                        <a:rPr lang="en-US" altLang="ko-KR" sz="1400"/>
-                        <a:t>    </a:t>
-                      </a:r>
-                      <a:r>
-                        <a:rPr lang="ko-KR" altLang="en-US" sz="1400"/>
-                        <a:t>메서드 추출 전에 질의로 임시 변수 분리부터 하는 게 좋을 때가 있음</a:t>
-                      </a:r>
-                      <a:endParaRPr lang="en-US" altLang="ko-KR" sz="1400"/>
-                    </a:p>
-                    <a:p>
-                      <a:pPr marL="285750" lvl="0" indent="-285750" latinLnBrk="1">
-                        <a:buFont typeface="Arial" panose="020B0604020202020204" pitchFamily="34" charset="0"/>
-                        <a:buChar char="•"/>
-                      </a:pPr>
-                      <a:r>
-                        <a:rPr lang="ko-KR" altLang="en-US" sz="1400"/>
-                        <a:t>메서드 인라인화</a:t>
-                      </a:r>
-                      <a:endParaRPr lang="en-US" altLang="ko-KR" sz="1400"/>
-                    </a:p>
-                    <a:p>
-                      <a:pPr marL="0" lvl="0" indent="0" latinLnBrk="1">
-                        <a:buFont typeface="Arial" panose="020B0604020202020204" pitchFamily="34" charset="0"/>
-                        <a:buNone/>
-                      </a:pPr>
-                      <a:r>
-                        <a:rPr lang="en-US" altLang="ko-KR" sz="1400"/>
-                        <a:t>    </a:t>
-                      </a:r>
-                      <a:r>
-                        <a:rPr lang="ko-KR" altLang="en-US" sz="1400"/>
-                        <a:t>역 리팩토링</a:t>
-                      </a:r>
-                    </a:p>
-                  </a:txBody>
-                  <a:tcPr/>
-                </a:tc>
-                <a:extLst>
-                  <a:ext uri="{0D108BD9-81ED-4DB2-BD59-A6C34878D82A}">
-                    <a16:rowId xmlns:a16="http://schemas.microsoft.com/office/drawing/2014/main" val="3319540143"/>
-                  </a:ext>
-                </a:extLst>
-              </a:tr>
-            </a:tbl>
-          </a:graphicData>
-        </a:graphic>
-      </p:graphicFrame>
-      <p:sp>
-        <p:nvSpPr>
-          <p:cNvPr id="16" name="TextBox 15">
-            <a:extLst>
-              <a:ext uri="{FF2B5EF4-FFF2-40B4-BE49-F238E27FC236}">
-                <a16:creationId xmlns:a16="http://schemas.microsoft.com/office/drawing/2014/main" id="{E09EF8D9-45FD-4506-A426-3ABE81A8AD5B}"/>
-              </a:ext>
-            </a:extLst>
-          </p:cNvPr>
-          <p:cNvSpPr txBox="1"/>
-          <p:nvPr/>
-        </p:nvSpPr>
+        </p:nvCxnSpPr>
         <p:spPr>
           <a:xfrm>
-            <a:off x="6260363" y="706579"/>
-            <a:ext cx="6105524" cy="369332"/>
-          </a:xfrm>
-          <a:prstGeom prst="rect">
+            <a:off x="8372475" y="5191125"/>
+            <a:ext cx="1228725" cy="0"/>
+          </a:xfrm>
+          <a:prstGeom prst="line">
             <a:avLst/>
           </a:prstGeom>
-          <a:noFill/>
-        </p:spPr>
-        <p:txBody>
-          <a:bodyPr wrap="square">
-            <a:spAutoFit/>
-          </a:bodyPr>
-          <a:lstStyle/>
-          <a:p>
-            <a:pPr marL="0" indent="0" latinLnBrk="1">
-              <a:buFont typeface="+mj-lt"/>
-              <a:buNone/>
-            </a:pPr>
-            <a:r>
-              <a:rPr lang="ko-KR" altLang="en-US" sz="1800"/>
-              <a:t>새로운 메서드에 적절한 이름 붙이기</a:t>
-            </a:r>
-            <a:endParaRPr lang="en-US" altLang="ko-KR" sz="1800"/>
-          </a:p>
-        </p:txBody>
-      </p:sp>
+          <a:ln w="38100"/>
+        </p:spPr>
+        <p:style>
+          <a:lnRef idx="1">
+            <a:schemeClr val="accent5"/>
+          </a:lnRef>
+          <a:fillRef idx="0">
+            <a:schemeClr val="accent5"/>
+          </a:fillRef>
+          <a:effectRef idx="0">
+            <a:schemeClr val="accent5"/>
+          </a:effectRef>
+          <a:fontRef idx="minor">
+            <a:schemeClr val="tx1"/>
+          </a:fontRef>
+        </p:style>
+      </p:cxnSp>
     </p:spTree>
     <p:extLst>
       <p:ext uri="{BB962C8B-B14F-4D97-AF65-F5344CB8AC3E}">
-        <p14:creationId xmlns:p14="http://schemas.microsoft.com/office/powerpoint/2010/main" val="1616253783"/>
+        <p14:creationId xmlns:p14="http://schemas.microsoft.com/office/powerpoint/2010/main" val="2816604198"/>
       </p:ext>
     </p:extLst>
   </p:cSld>
@@ -6404,47 +7340,142 @@
           <a:chExt cx="0" cy="0"/>
         </a:xfrm>
       </p:grpSpPr>
-      <p:pic>
-        <p:nvPicPr>
-          <p:cNvPr id="6" name="그림 5" descr="텍스트이(가) 표시된 사진&#10;&#10;자동 생성된 설명">
+      <p:sp>
+        <p:nvSpPr>
+          <p:cNvPr id="11" name="TextBox 10">
             <a:extLst>
               <a:ext uri="{FF2B5EF4-FFF2-40B4-BE49-F238E27FC236}">
-                <a16:creationId xmlns:a16="http://schemas.microsoft.com/office/drawing/2014/main" id="{C310E7EC-C007-48F3-985D-A03F9533AA4F}"/>
+                <a16:creationId xmlns:a16="http://schemas.microsoft.com/office/drawing/2014/main" id="{CB92E015-7590-460C-BD1B-F49E13BC66FC}"/>
               </a:ext>
             </a:extLst>
           </p:cNvPr>
-          <p:cNvPicPr>
-            <a:picLocks noChangeAspect="1"/>
-          </p:cNvPicPr>
+          <p:cNvSpPr txBox="1"/>
           <p:nvPr/>
-        </p:nvPicPr>
-        <p:blipFill rotWithShape="1">
-          <a:blip r:embed="rId2">
-            <a:extLst>
-              <a:ext uri="{28A0092B-C50C-407E-A947-70E740481C1C}">
-                <a14:useLocalDpi xmlns:a14="http://schemas.microsoft.com/office/drawing/2010/main" val="0"/>
-              </a:ext>
-            </a:extLst>
-          </a:blip>
-          <a:srcRect r="22831"/>
-          <a:stretch/>
-        </p:blipFill>
+        </p:nvSpPr>
         <p:spPr>
           <a:xfrm>
-            <a:off x="36404" y="0"/>
-            <a:ext cx="5197447" cy="5029902"/>
+            <a:off x="905692" y="233681"/>
+            <a:ext cx="2470548" cy="400110"/>
           </a:xfrm>
           <a:prstGeom prst="rect">
             <a:avLst/>
           </a:prstGeom>
-        </p:spPr>
-      </p:pic>
+          <a:noFill/>
+        </p:spPr>
+        <p:txBody>
+          <a:bodyPr wrap="none" rtlCol="0">
+            <a:spAutoFit/>
+          </a:bodyPr>
+          <a:lstStyle/>
+          <a:p>
+            <a:r>
+              <a:rPr lang="en-US" altLang="ko-KR" sz="2000"/>
+              <a:t>5.2.2 </a:t>
+            </a:r>
+            <a:r>
+              <a:rPr lang="ko-KR" altLang="en-US" sz="2000"/>
+              <a:t>리팩토링 실행</a:t>
+            </a:r>
+            <a:endParaRPr lang="ko-KR" altLang="en-US" sz="1200"/>
+          </a:p>
+        </p:txBody>
+      </p:sp>
+      <p:sp>
+        <p:nvSpPr>
+          <p:cNvPr id="16" name="TextBox 15">
+            <a:extLst>
+              <a:ext uri="{FF2B5EF4-FFF2-40B4-BE49-F238E27FC236}">
+                <a16:creationId xmlns:a16="http://schemas.microsoft.com/office/drawing/2014/main" id="{E09EF8D9-45FD-4506-A426-3ABE81A8AD5B}"/>
+              </a:ext>
+            </a:extLst>
+          </p:cNvPr>
+          <p:cNvSpPr txBox="1"/>
+          <p:nvPr/>
+        </p:nvSpPr>
+        <p:spPr>
+          <a:xfrm>
+            <a:off x="5505824" y="2157233"/>
+            <a:ext cx="5000251" cy="2031325"/>
+          </a:xfrm>
+          <a:prstGeom prst="rect">
+            <a:avLst/>
+          </a:prstGeom>
+        </p:spPr>
+        <p:style>
+          <a:lnRef idx="2">
+            <a:schemeClr val="accent1"/>
+          </a:lnRef>
+          <a:fillRef idx="1">
+            <a:schemeClr val="lt1"/>
+          </a:fillRef>
+          <a:effectRef idx="0">
+            <a:schemeClr val="accent1"/>
+          </a:effectRef>
+          <a:fontRef idx="minor">
+            <a:schemeClr val="dk1"/>
+          </a:fontRef>
+        </p:style>
+        <p:txBody>
+          <a:bodyPr wrap="square">
+            <a:spAutoFit/>
+          </a:bodyPr>
+          <a:lstStyle/>
+          <a:p>
+            <a:pPr latinLnBrk="1"/>
+            <a:r>
+              <a:rPr lang="en-US" altLang="ko-KR" sz="1800"/>
+              <a:t>4. </a:t>
+            </a:r>
+            <a:r>
+              <a:rPr lang="ko-KR" altLang="en-US"/>
+              <a:t>메서드 매개변수 검토</a:t>
+            </a:r>
+            <a:endParaRPr lang="en-US" altLang="ko-KR" sz="1800"/>
+          </a:p>
+          <a:p>
+            <a:pPr latinLnBrk="1"/>
+            <a:endParaRPr lang="en-US" altLang="ko-KR"/>
+          </a:p>
+          <a:p>
+            <a:pPr latinLnBrk="1"/>
+            <a:r>
+              <a:rPr lang="ko-KR" altLang="en-US"/>
+              <a:t>복사한 코드에서 입력값으로 사용하는 변수가 있다면 메서드 매개변수로 만듦</a:t>
+            </a:r>
+            <a:endParaRPr lang="en-US" altLang="ko-KR"/>
+          </a:p>
+          <a:p>
+            <a:pPr latinLnBrk="1"/>
+            <a:endParaRPr lang="en-US" altLang="ko-KR"/>
+          </a:p>
+          <a:p>
+            <a:pPr latinLnBrk="1"/>
+            <a:r>
+              <a:rPr lang="en-US" altLang="ko-KR"/>
+              <a:t> For</a:t>
+            </a:r>
+            <a:r>
+              <a:rPr lang="ko-KR" altLang="en-US"/>
+              <a:t>문 안의 </a:t>
+            </a:r>
+            <a:r>
+              <a:rPr lang="en-US" altLang="ko-KR"/>
+              <a:t>times</a:t>
+            </a:r>
+            <a:r>
+              <a:rPr lang="ko-KR" altLang="en-US"/>
+              <a:t>가 입력값으로 사용되고 있어 메서드 매개변수로 만듦</a:t>
+            </a:r>
+            <a:endParaRPr lang="en-US" altLang="ko-KR"/>
+          </a:p>
+        </p:txBody>
+      </p:sp>
       <p:pic>
         <p:nvPicPr>
-          <p:cNvPr id="8" name="그림 7" descr="텍스트이(가) 표시된 사진&#10;&#10;자동 생성된 설명">
+          <p:cNvPr id="3" name="그림 2" descr="텍스트이(가) 표시된 사진&#10;&#10;자동 생성된 설명">
             <a:extLst>
               <a:ext uri="{FF2B5EF4-FFF2-40B4-BE49-F238E27FC236}">
-                <a16:creationId xmlns:a16="http://schemas.microsoft.com/office/drawing/2014/main" id="{55A60C71-7B81-4192-A12D-9511F1BFE205}"/>
+                <a16:creationId xmlns:a16="http://schemas.microsoft.com/office/drawing/2014/main" id="{C4C22BC4-96EF-4EDB-9BFF-1CA96D38158C}"/>
               </a:ext>
             </a:extLst>
           </p:cNvPr>
@@ -6454,7 +7485,7 @@
           <p:nvPr/>
         </p:nvPicPr>
         <p:blipFill>
-          <a:blip r:embed="rId3">
+          <a:blip r:embed="rId2">
             <a:extLst>
               <a:ext uri="{28A0092B-C50C-407E-A947-70E740481C1C}">
                 <a14:useLocalDpi xmlns:a14="http://schemas.microsoft.com/office/drawing/2010/main" val="0"/>
@@ -6467,89 +7498,74 @@
         </p:blipFill>
         <p:spPr>
           <a:xfrm>
-            <a:off x="6483626" y="280540"/>
-            <a:ext cx="5420481" cy="4648849"/>
+            <a:off x="995086" y="2638262"/>
+            <a:ext cx="3953427" cy="1038370"/>
           </a:xfrm>
           <a:prstGeom prst="rect">
             <a:avLst/>
           </a:prstGeom>
         </p:spPr>
       </p:pic>
-      <p:pic>
-        <p:nvPicPr>
-          <p:cNvPr id="12" name="그림 11" descr="텍스트이(가) 표시된 사진&#10;&#10;자동 생성된 설명">
+      <p:sp>
+        <p:nvSpPr>
+          <p:cNvPr id="4" name="직사각형 3">
             <a:extLst>
               <a:ext uri="{FF2B5EF4-FFF2-40B4-BE49-F238E27FC236}">
-                <a16:creationId xmlns:a16="http://schemas.microsoft.com/office/drawing/2014/main" id="{5F457DCB-CF8F-46A5-BAAA-3FF984952D27}"/>
+                <a16:creationId xmlns:a16="http://schemas.microsoft.com/office/drawing/2014/main" id="{178F239B-5009-4039-897A-A9FAD353AE50}"/>
               </a:ext>
             </a:extLst>
           </p:cNvPr>
-          <p:cNvPicPr>
-            <a:picLocks noChangeAspect="1"/>
-          </p:cNvPicPr>
+          <p:cNvSpPr/>
           <p:nvPr/>
-        </p:nvPicPr>
-        <p:blipFill>
-          <a:blip r:embed="rId4">
-            <a:extLst>
-              <a:ext uri="{28A0092B-C50C-407E-A947-70E740481C1C}">
-                <a14:useLocalDpi xmlns:a14="http://schemas.microsoft.com/office/drawing/2010/main" val="0"/>
-              </a:ext>
-            </a:extLst>
-          </a:blip>
-          <a:stretch>
-            <a:fillRect/>
-          </a:stretch>
-        </p:blipFill>
+        </p:nvSpPr>
         <p:spPr>
           <a:xfrm>
-            <a:off x="7455311" y="4929389"/>
-            <a:ext cx="4448796" cy="1247949"/>
+            <a:off x="3286125" y="2700247"/>
+            <a:ext cx="762000" cy="176303"/>
           </a:xfrm>
           <a:prstGeom prst="rect">
             <a:avLst/>
           </a:prstGeom>
-        </p:spPr>
-      </p:pic>
-      <p:pic>
-        <p:nvPicPr>
-          <p:cNvPr id="4" name="그림 3" descr="텍스트이(가) 표시된 사진&#10;&#10;자동 생성된 설명">
-            <a:extLst>
-              <a:ext uri="{FF2B5EF4-FFF2-40B4-BE49-F238E27FC236}">
-                <a16:creationId xmlns:a16="http://schemas.microsoft.com/office/drawing/2014/main" id="{24FFB901-2532-43E5-B0C1-894A2487B393}"/>
-              </a:ext>
-            </a:extLst>
-          </p:cNvPr>
-          <p:cNvPicPr>
-            <a:picLocks noChangeAspect="1"/>
-          </p:cNvPicPr>
-          <p:nvPr/>
-        </p:nvPicPr>
-        <p:blipFill rotWithShape="1">
-          <a:blip r:embed="rId5">
-            <a:extLst>
-              <a:ext uri="{28A0092B-C50C-407E-A947-70E740481C1C}">
-                <a14:useLocalDpi xmlns:a14="http://schemas.microsoft.com/office/drawing/2010/main" val="0"/>
-              </a:ext>
-            </a:extLst>
-          </a:blip>
-          <a:srcRect t="3131" r="5799" b="5810"/>
-          <a:stretch/>
-        </p:blipFill>
-        <p:spPr>
-          <a:xfrm>
-            <a:off x="5360139" y="5691563"/>
-            <a:ext cx="1471722" cy="971550"/>
-          </a:xfrm>
-          <a:prstGeom prst="rect">
-            <a:avLst/>
-          </a:prstGeom>
-        </p:spPr>
-      </p:pic>
+          <a:noFill/>
+          <a:ln w="38100">
+            <a:solidFill>
+              <a:schemeClr val="accent5"/>
+            </a:solidFill>
+          </a:ln>
+        </p:spPr>
+        <p:style>
+          <a:lnRef idx="2">
+            <a:schemeClr val="accent1">
+              <a:shade val="50000"/>
+            </a:schemeClr>
+          </a:lnRef>
+          <a:fillRef idx="1">
+            <a:schemeClr val="accent1"/>
+          </a:fillRef>
+          <a:effectRef idx="0">
+            <a:schemeClr val="accent1"/>
+          </a:effectRef>
+          <a:fontRef idx="minor">
+            <a:schemeClr val="lt1"/>
+          </a:fontRef>
+        </p:style>
+        <p:txBody>
+          <a:bodyPr rtlCol="0" anchor="ctr"/>
+          <a:lstStyle/>
+          <a:p>
+            <a:pPr algn="ctr"/>
+            <a:endParaRPr lang="ko-KR" altLang="en-US">
+              <a:solidFill>
+                <a:srgbClr val="FF0000"/>
+              </a:solidFill>
+            </a:endParaRPr>
+          </a:p>
+        </p:txBody>
+      </p:sp>
     </p:spTree>
     <p:extLst>
       <p:ext uri="{BB962C8B-B14F-4D97-AF65-F5344CB8AC3E}">
-        <p14:creationId xmlns:p14="http://schemas.microsoft.com/office/powerpoint/2010/main" val="3118850869"/>
+        <p14:creationId xmlns:p14="http://schemas.microsoft.com/office/powerpoint/2010/main" val="1825048459"/>
       </p:ext>
     </p:extLst>
   </p:cSld>
@@ -6576,12 +7592,206 @@
           <a:chExt cx="0" cy="0"/>
         </a:xfrm>
       </p:grpSpPr>
+      <p:sp>
+        <p:nvSpPr>
+          <p:cNvPr id="11" name="TextBox 10">
+            <a:extLst>
+              <a:ext uri="{FF2B5EF4-FFF2-40B4-BE49-F238E27FC236}">
+                <a16:creationId xmlns:a16="http://schemas.microsoft.com/office/drawing/2014/main" id="{CB92E015-7590-460C-BD1B-F49E13BC66FC}"/>
+              </a:ext>
+            </a:extLst>
+          </p:cNvPr>
+          <p:cNvSpPr txBox="1"/>
+          <p:nvPr/>
+        </p:nvSpPr>
+        <p:spPr>
+          <a:xfrm>
+            <a:off x="905692" y="233681"/>
+            <a:ext cx="2470548" cy="400110"/>
+          </a:xfrm>
+          <a:prstGeom prst="rect">
+            <a:avLst/>
+          </a:prstGeom>
+          <a:noFill/>
+        </p:spPr>
+        <p:txBody>
+          <a:bodyPr wrap="none" rtlCol="0">
+            <a:spAutoFit/>
+          </a:bodyPr>
+          <a:lstStyle/>
+          <a:p>
+            <a:r>
+              <a:rPr lang="en-US" altLang="ko-KR" sz="2000"/>
+              <a:t>5.2.2 </a:t>
+            </a:r>
+            <a:r>
+              <a:rPr lang="ko-KR" altLang="en-US" sz="2000"/>
+              <a:t>리팩토링 실행</a:t>
+            </a:r>
+            <a:endParaRPr lang="ko-KR" altLang="en-US" sz="1200"/>
+          </a:p>
+        </p:txBody>
+      </p:sp>
+      <p:sp>
+        <p:nvSpPr>
+          <p:cNvPr id="16" name="TextBox 15">
+            <a:extLst>
+              <a:ext uri="{FF2B5EF4-FFF2-40B4-BE49-F238E27FC236}">
+                <a16:creationId xmlns:a16="http://schemas.microsoft.com/office/drawing/2014/main" id="{E09EF8D9-45FD-4506-A426-3ABE81A8AD5B}"/>
+              </a:ext>
+            </a:extLst>
+          </p:cNvPr>
+          <p:cNvSpPr txBox="1"/>
+          <p:nvPr/>
+        </p:nvSpPr>
+        <p:spPr>
+          <a:xfrm>
+            <a:off x="5429624" y="1120676"/>
+            <a:ext cx="5000251" cy="3693319"/>
+          </a:xfrm>
+          <a:prstGeom prst="rect">
+            <a:avLst/>
+          </a:prstGeom>
+        </p:spPr>
+        <p:style>
+          <a:lnRef idx="2">
+            <a:schemeClr val="accent1"/>
+          </a:lnRef>
+          <a:fillRef idx="1">
+            <a:schemeClr val="lt1"/>
+          </a:fillRef>
+          <a:effectRef idx="0">
+            <a:schemeClr val="accent1"/>
+          </a:effectRef>
+          <a:fontRef idx="minor">
+            <a:schemeClr val="dk1"/>
+          </a:fontRef>
+        </p:style>
+        <p:txBody>
+          <a:bodyPr wrap="square">
+            <a:spAutoFit/>
+          </a:bodyPr>
+          <a:lstStyle/>
+          <a:p>
+            <a:pPr latinLnBrk="1"/>
+            <a:r>
+              <a:rPr lang="en-US" altLang="ko-KR"/>
+              <a:t>5</a:t>
+            </a:r>
+            <a:r>
+              <a:rPr lang="en-US" altLang="ko-KR" sz="1800"/>
+              <a:t>. </a:t>
+            </a:r>
+            <a:r>
+              <a:rPr lang="ko-KR" altLang="en-US"/>
+              <a:t>메서드 반환값 검토</a:t>
+            </a:r>
+            <a:endParaRPr lang="en-US" altLang="ko-KR" sz="1800"/>
+          </a:p>
+          <a:p>
+            <a:pPr latinLnBrk="1"/>
+            <a:endParaRPr lang="en-US" altLang="ko-KR"/>
+          </a:p>
+          <a:p>
+            <a:pPr latinLnBrk="1"/>
+            <a:r>
+              <a:rPr lang="ko-KR" altLang="en-US"/>
+              <a:t> 복사한 코드에서 변경되는 변수가 있는지 조사</a:t>
+            </a:r>
+            <a:endParaRPr lang="en-US" altLang="ko-KR"/>
+          </a:p>
+          <a:p>
+            <a:pPr latinLnBrk="1"/>
+            <a:endParaRPr lang="en-US" altLang="ko-KR"/>
+          </a:p>
+          <a:p>
+            <a:pPr latinLnBrk="1"/>
+            <a:r>
+              <a:rPr lang="ko-KR" altLang="en-US"/>
+              <a:t> 변수가 여러 개라면 리팩토링 계속하기 어려움</a:t>
+            </a:r>
+            <a:endParaRPr lang="en-US" altLang="ko-KR"/>
+          </a:p>
+          <a:p>
+            <a:pPr latinLnBrk="1"/>
+            <a:endParaRPr lang="en-US" altLang="ko-KR">
+              <a:solidFill>
+                <a:srgbClr val="FF0000"/>
+              </a:solidFill>
+            </a:endParaRPr>
+          </a:p>
+          <a:p>
+            <a:pPr latinLnBrk="1"/>
+            <a:r>
+              <a:rPr lang="ko-KR" altLang="en-US"/>
+              <a:t> 변경된 변수가 하나뿐이라면 </a:t>
+            </a:r>
+            <a:r>
+              <a:rPr lang="en-US" altLang="ko-KR"/>
+              <a:t>‘</a:t>
+            </a:r>
+            <a:r>
+              <a:rPr lang="ko-KR" altLang="en-US"/>
+              <a:t>매서드 반환값</a:t>
+            </a:r>
+            <a:r>
+              <a:rPr lang="en-US" altLang="ko-KR"/>
+              <a:t>’</a:t>
+            </a:r>
+            <a:r>
+              <a:rPr lang="ko-KR" altLang="en-US"/>
+              <a:t>으로 쓰기 적당한지 검토</a:t>
+            </a:r>
+            <a:endParaRPr lang="en-US" altLang="ko-KR"/>
+          </a:p>
+          <a:p>
+            <a:pPr latinLnBrk="1"/>
+            <a:r>
+              <a:rPr lang="en-US" altLang="ko-KR"/>
+              <a:t>-</a:t>
+            </a:r>
+            <a:r>
+              <a:rPr lang="ko-KR" altLang="en-US"/>
+              <a:t>적당하다면 메서드 반환값으로 사용</a:t>
+            </a:r>
+            <a:endParaRPr lang="en-US" altLang="ko-KR"/>
+          </a:p>
+          <a:p>
+            <a:pPr latinLnBrk="1"/>
+            <a:r>
+              <a:rPr lang="en-US" altLang="ko-KR"/>
+              <a:t>-</a:t>
+            </a:r>
+            <a:r>
+              <a:rPr lang="ko-KR" altLang="en-US"/>
+              <a:t>적당하지 않다면 리팩토링을 계속하기 어려움</a:t>
+            </a:r>
+            <a:endParaRPr lang="en-US" altLang="ko-KR"/>
+          </a:p>
+          <a:p>
+            <a:pPr latinLnBrk="1"/>
+            <a:endParaRPr lang="en-US" altLang="ko-KR"/>
+          </a:p>
+          <a:p>
+            <a:pPr latinLnBrk="1"/>
+            <a:r>
+              <a:rPr lang="en-US" altLang="ko-KR"/>
+              <a:t> printContent</a:t>
+            </a:r>
+            <a:r>
+              <a:rPr lang="ko-KR" altLang="en-US"/>
+              <a:t>에서는 변경된 변수가 없으므로 반환값이 없음</a:t>
+            </a:r>
+            <a:endParaRPr lang="en-US" altLang="ko-KR"/>
+          </a:p>
+        </p:txBody>
+      </p:sp>
       <p:pic>
         <p:nvPicPr>
-          <p:cNvPr id="6" name="그림 5" descr="텍스트이(가) 표시된 사진&#10;&#10;자동 생성된 설명">
+          <p:cNvPr id="3" name="그림 2" descr="텍스트이(가) 표시된 사진&#10;&#10;자동 생성된 설명">
             <a:extLst>
               <a:ext uri="{FF2B5EF4-FFF2-40B4-BE49-F238E27FC236}">
-                <a16:creationId xmlns:a16="http://schemas.microsoft.com/office/drawing/2014/main" id="{C310E7EC-C007-48F3-985D-A03F9533AA4F}"/>
+                <a16:creationId xmlns:a16="http://schemas.microsoft.com/office/drawing/2014/main" id="{C4C22BC4-96EF-4EDB-9BFF-1CA96D38158C}"/>
               </a:ext>
             </a:extLst>
           </p:cNvPr>
@@ -6604,20 +7814,1102 @@
         </p:blipFill>
         <p:spPr>
           <a:xfrm>
-            <a:off x="0" y="0"/>
-            <a:ext cx="6735115" cy="5029902"/>
+            <a:off x="995086" y="2638262"/>
+            <a:ext cx="3953427" cy="1038370"/>
           </a:xfrm>
           <a:prstGeom prst="rect">
             <a:avLst/>
           </a:prstGeom>
         </p:spPr>
       </p:pic>
+    </p:spTree>
+    <p:extLst>
+      <p:ext uri="{BB962C8B-B14F-4D97-AF65-F5344CB8AC3E}">
+        <p14:creationId xmlns:p14="http://schemas.microsoft.com/office/powerpoint/2010/main" val="3390299096"/>
+      </p:ext>
+    </p:extLst>
+  </p:cSld>
+  <p:clrMapOvr>
+    <a:masterClrMapping/>
+  </p:clrMapOvr>
+</p:sld>
+</file>
+
+<file path=ppt/slides/slide13.xml><?xml version="1.0" encoding="utf-8"?>
+<p:sld xmlns:a="http://schemas.openxmlformats.org/drawingml/2006/main" xmlns:r="http://schemas.openxmlformats.org/officeDocument/2006/relationships" xmlns:p="http://schemas.openxmlformats.org/presentationml/2006/main">
+  <p:cSld>
+    <p:spTree>
+      <p:nvGrpSpPr>
+        <p:cNvPr id="1" name=""/>
+        <p:cNvGrpSpPr/>
+        <p:nvPr/>
+      </p:nvGrpSpPr>
+      <p:grpSpPr>
+        <a:xfrm>
+          <a:off x="0" y="0"/>
+          <a:ext cx="0" cy="0"/>
+          <a:chOff x="0" y="0"/>
+          <a:chExt cx="0" cy="0"/>
+        </a:xfrm>
+      </p:grpSpPr>
+      <p:sp>
+        <p:nvSpPr>
+          <p:cNvPr id="11" name="TextBox 10">
+            <a:extLst>
+              <a:ext uri="{FF2B5EF4-FFF2-40B4-BE49-F238E27FC236}">
+                <a16:creationId xmlns:a16="http://schemas.microsoft.com/office/drawing/2014/main" id="{CB92E015-7590-460C-BD1B-F49E13BC66FC}"/>
+              </a:ext>
+            </a:extLst>
+          </p:cNvPr>
+          <p:cNvSpPr txBox="1"/>
+          <p:nvPr/>
+        </p:nvSpPr>
+        <p:spPr>
+          <a:xfrm>
+            <a:off x="905692" y="233681"/>
+            <a:ext cx="2470548" cy="400110"/>
+          </a:xfrm>
+          <a:prstGeom prst="rect">
+            <a:avLst/>
+          </a:prstGeom>
+          <a:noFill/>
+        </p:spPr>
+        <p:txBody>
+          <a:bodyPr wrap="none" rtlCol="0">
+            <a:spAutoFit/>
+          </a:bodyPr>
+          <a:lstStyle/>
+          <a:p>
+            <a:r>
+              <a:rPr lang="en-US" altLang="ko-KR" sz="2000"/>
+              <a:t>5.2.2 </a:t>
+            </a:r>
+            <a:r>
+              <a:rPr lang="ko-KR" altLang="en-US" sz="2000"/>
+              <a:t>리팩토링 실행</a:t>
+            </a:r>
+            <a:endParaRPr lang="ko-KR" altLang="en-US" sz="1200"/>
+          </a:p>
+        </p:txBody>
+      </p:sp>
+      <p:sp>
+        <p:nvSpPr>
+          <p:cNvPr id="16" name="TextBox 15">
+            <a:extLst>
+              <a:ext uri="{FF2B5EF4-FFF2-40B4-BE49-F238E27FC236}">
+                <a16:creationId xmlns:a16="http://schemas.microsoft.com/office/drawing/2014/main" id="{E09EF8D9-45FD-4506-A426-3ABE81A8AD5B}"/>
+              </a:ext>
+            </a:extLst>
+          </p:cNvPr>
+          <p:cNvSpPr txBox="1"/>
+          <p:nvPr/>
+        </p:nvSpPr>
+        <p:spPr>
+          <a:xfrm>
+            <a:off x="5429624" y="1120676"/>
+            <a:ext cx="5000251" cy="923330"/>
+          </a:xfrm>
+          <a:prstGeom prst="rect">
+            <a:avLst/>
+          </a:prstGeom>
+        </p:spPr>
+        <p:style>
+          <a:lnRef idx="2">
+            <a:schemeClr val="accent1"/>
+          </a:lnRef>
+          <a:fillRef idx="1">
+            <a:schemeClr val="lt1"/>
+          </a:fillRef>
+          <a:effectRef idx="0">
+            <a:schemeClr val="accent1"/>
+          </a:effectRef>
+          <a:fontRef idx="minor">
+            <a:schemeClr val="dk1"/>
+          </a:fontRef>
+        </p:style>
+        <p:txBody>
+          <a:bodyPr wrap="square">
+            <a:spAutoFit/>
+          </a:bodyPr>
+          <a:lstStyle/>
+          <a:p>
+            <a:pPr latinLnBrk="1"/>
+            <a:r>
+              <a:rPr lang="en-US" altLang="ko-KR" sz="1800"/>
+              <a:t>6. </a:t>
+            </a:r>
+            <a:r>
+              <a:rPr lang="ko-KR" altLang="en-US"/>
+              <a:t>컴파일</a:t>
+            </a:r>
+            <a:endParaRPr lang="en-US" altLang="ko-KR"/>
+          </a:p>
+          <a:p>
+            <a:pPr latinLnBrk="1"/>
+            <a:r>
+              <a:rPr lang="ko-KR" altLang="en-US"/>
+              <a:t>호출하지 않은 상태에서 컴파일을 진행하여</a:t>
+            </a:r>
+            <a:endParaRPr lang="en-US" altLang="ko-KR"/>
+          </a:p>
+          <a:p>
+            <a:pPr latinLnBrk="1"/>
+            <a:r>
+              <a:rPr lang="ko-KR" altLang="en-US"/>
+              <a:t>문법 에러가 없는지 확인</a:t>
+            </a:r>
+            <a:endParaRPr lang="en-US" altLang="ko-KR"/>
+          </a:p>
+        </p:txBody>
+      </p:sp>
+      <p:pic>
+        <p:nvPicPr>
+          <p:cNvPr id="4" name="그림 3" descr="텍스트이(가) 표시된 사진&#10;&#10;자동 생성된 설명">
+            <a:extLst>
+              <a:ext uri="{FF2B5EF4-FFF2-40B4-BE49-F238E27FC236}">
+                <a16:creationId xmlns:a16="http://schemas.microsoft.com/office/drawing/2014/main" id="{8235CB7F-96E6-4D7F-923B-FA97066CFD71}"/>
+              </a:ext>
+            </a:extLst>
+          </p:cNvPr>
+          <p:cNvPicPr>
+            <a:picLocks noChangeAspect="1"/>
+          </p:cNvPicPr>
+          <p:nvPr/>
+        </p:nvPicPr>
+        <p:blipFill rotWithShape="1">
+          <a:blip r:embed="rId2">
+            <a:extLst>
+              <a:ext uri="{28A0092B-C50C-407E-A947-70E740481C1C}">
+                <a14:useLocalDpi xmlns:a14="http://schemas.microsoft.com/office/drawing/2010/main" val="0"/>
+              </a:ext>
+            </a:extLst>
+          </a:blip>
+          <a:srcRect b="4478"/>
+          <a:stretch/>
+        </p:blipFill>
+        <p:spPr>
+          <a:xfrm>
+            <a:off x="905692" y="3076557"/>
+            <a:ext cx="5115639" cy="1119270"/>
+          </a:xfrm>
+          <a:prstGeom prst="rect">
+            <a:avLst/>
+          </a:prstGeom>
+        </p:spPr>
+      </p:pic>
+      <p:sp>
+        <p:nvSpPr>
+          <p:cNvPr id="5" name="TextBox 4">
+            <a:extLst>
+              <a:ext uri="{FF2B5EF4-FFF2-40B4-BE49-F238E27FC236}">
+                <a16:creationId xmlns:a16="http://schemas.microsoft.com/office/drawing/2014/main" id="{5D2B41A2-BDEB-4890-AD1C-6E247B800FFC}"/>
+              </a:ext>
+            </a:extLst>
+          </p:cNvPr>
+          <p:cNvSpPr txBox="1"/>
+          <p:nvPr/>
+        </p:nvSpPr>
+        <p:spPr>
+          <a:xfrm>
+            <a:off x="6681733" y="3429000"/>
+            <a:ext cx="3748142" cy="646331"/>
+          </a:xfrm>
+          <a:prstGeom prst="rect">
+            <a:avLst/>
+          </a:prstGeom>
+          <a:noFill/>
+        </p:spPr>
+        <p:txBody>
+          <a:bodyPr wrap="none" rtlCol="0">
+            <a:spAutoFit/>
+          </a:bodyPr>
+          <a:lstStyle/>
+          <a:p>
+            <a:r>
+              <a:rPr lang="ko-KR" altLang="en-US"/>
+              <a:t>호출을 하지않아 </a:t>
+            </a:r>
+            <a:r>
+              <a:rPr lang="en-US" altLang="ko-KR"/>
+              <a:t>warning</a:t>
+            </a:r>
+            <a:r>
+              <a:rPr lang="ko-KR" altLang="en-US"/>
+              <a:t>은 뜨지만</a:t>
+            </a:r>
+            <a:endParaRPr lang="en-US" altLang="ko-KR"/>
+          </a:p>
+          <a:p>
+            <a:r>
+              <a:rPr lang="ko-KR" altLang="en-US"/>
+              <a:t>에러는 뜨지않음</a:t>
+            </a:r>
+          </a:p>
+        </p:txBody>
+      </p:sp>
+    </p:spTree>
+    <p:extLst>
+      <p:ext uri="{BB962C8B-B14F-4D97-AF65-F5344CB8AC3E}">
+        <p14:creationId xmlns:p14="http://schemas.microsoft.com/office/powerpoint/2010/main" val="3751647885"/>
+      </p:ext>
+    </p:extLst>
+  </p:cSld>
+  <p:clrMapOvr>
+    <a:masterClrMapping/>
+  </p:clrMapOvr>
+</p:sld>
+</file>
+
+<file path=ppt/slides/slide14.xml><?xml version="1.0" encoding="utf-8"?>
+<p:sld xmlns:a="http://schemas.openxmlformats.org/drawingml/2006/main" xmlns:r="http://schemas.openxmlformats.org/officeDocument/2006/relationships" xmlns:p="http://schemas.openxmlformats.org/presentationml/2006/main">
+  <p:cSld>
+    <p:spTree>
+      <p:nvGrpSpPr>
+        <p:cNvPr id="1" name=""/>
+        <p:cNvGrpSpPr/>
+        <p:nvPr/>
+      </p:nvGrpSpPr>
+      <p:grpSpPr>
+        <a:xfrm>
+          <a:off x="0" y="0"/>
+          <a:ext cx="0" cy="0"/>
+          <a:chOff x="0" y="0"/>
+          <a:chExt cx="0" cy="0"/>
+        </a:xfrm>
+      </p:grpSpPr>
+      <p:pic>
+        <p:nvPicPr>
+          <p:cNvPr id="3" name="그림 2" descr="텍스트이(가) 표시된 사진&#10;&#10;자동 생성된 설명">
+            <a:extLst>
+              <a:ext uri="{FF2B5EF4-FFF2-40B4-BE49-F238E27FC236}">
+                <a16:creationId xmlns:a16="http://schemas.microsoft.com/office/drawing/2014/main" id="{4A724CAF-CCE8-4D57-BAB7-B64B097C02CB}"/>
+              </a:ext>
+            </a:extLst>
+          </p:cNvPr>
+          <p:cNvPicPr>
+            <a:picLocks noChangeAspect="1"/>
+          </p:cNvPicPr>
+          <p:nvPr/>
+        </p:nvPicPr>
+        <p:blipFill>
+          <a:blip r:embed="rId2">
+            <a:extLst>
+              <a:ext uri="{28A0092B-C50C-407E-A947-70E740481C1C}">
+                <a14:useLocalDpi xmlns:a14="http://schemas.microsoft.com/office/drawing/2010/main" val="0"/>
+              </a:ext>
+            </a:extLst>
+          </a:blip>
+          <a:stretch>
+            <a:fillRect/>
+          </a:stretch>
+        </p:blipFill>
+        <p:spPr>
+          <a:xfrm>
+            <a:off x="5685764" y="1166431"/>
+            <a:ext cx="4744112" cy="5458587"/>
+          </a:xfrm>
+          <a:prstGeom prst="rect">
+            <a:avLst/>
+          </a:prstGeom>
+        </p:spPr>
+      </p:pic>
+      <p:sp>
+        <p:nvSpPr>
+          <p:cNvPr id="11" name="TextBox 10">
+            <a:extLst>
+              <a:ext uri="{FF2B5EF4-FFF2-40B4-BE49-F238E27FC236}">
+                <a16:creationId xmlns:a16="http://schemas.microsoft.com/office/drawing/2014/main" id="{CB92E015-7590-460C-BD1B-F49E13BC66FC}"/>
+              </a:ext>
+            </a:extLst>
+          </p:cNvPr>
+          <p:cNvSpPr txBox="1"/>
+          <p:nvPr/>
+        </p:nvSpPr>
+        <p:spPr>
+          <a:xfrm>
+            <a:off x="905692" y="233681"/>
+            <a:ext cx="2470548" cy="400110"/>
+          </a:xfrm>
+          <a:prstGeom prst="rect">
+            <a:avLst/>
+          </a:prstGeom>
+          <a:noFill/>
+        </p:spPr>
+        <p:txBody>
+          <a:bodyPr wrap="none" rtlCol="0">
+            <a:spAutoFit/>
+          </a:bodyPr>
+          <a:lstStyle/>
+          <a:p>
+            <a:r>
+              <a:rPr lang="en-US" altLang="ko-KR" sz="2000"/>
+              <a:t>5.2.2 </a:t>
+            </a:r>
+            <a:r>
+              <a:rPr lang="ko-KR" altLang="en-US" sz="2000"/>
+              <a:t>리팩토링 실행</a:t>
+            </a:r>
+            <a:endParaRPr lang="ko-KR" altLang="en-US" sz="1200"/>
+          </a:p>
+        </p:txBody>
+      </p:sp>
+      <p:sp>
+        <p:nvSpPr>
+          <p:cNvPr id="16" name="TextBox 15">
+            <a:extLst>
+              <a:ext uri="{FF2B5EF4-FFF2-40B4-BE49-F238E27FC236}">
+                <a16:creationId xmlns:a16="http://schemas.microsoft.com/office/drawing/2014/main" id="{E09EF8D9-45FD-4506-A426-3ABE81A8AD5B}"/>
+              </a:ext>
+            </a:extLst>
+          </p:cNvPr>
+          <p:cNvSpPr txBox="1"/>
+          <p:nvPr/>
+        </p:nvSpPr>
+        <p:spPr>
+          <a:xfrm>
+            <a:off x="5685764" y="172126"/>
+            <a:ext cx="5000251" cy="923330"/>
+          </a:xfrm>
+          <a:prstGeom prst="rect">
+            <a:avLst/>
+          </a:prstGeom>
+        </p:spPr>
+        <p:style>
+          <a:lnRef idx="2">
+            <a:schemeClr val="accent1"/>
+          </a:lnRef>
+          <a:fillRef idx="1">
+            <a:schemeClr val="lt1"/>
+          </a:fillRef>
+          <a:effectRef idx="0">
+            <a:schemeClr val="accent1"/>
+          </a:effectRef>
+          <a:fontRef idx="minor">
+            <a:schemeClr val="dk1"/>
+          </a:fontRef>
+        </p:style>
+        <p:txBody>
+          <a:bodyPr wrap="square">
+            <a:spAutoFit/>
+          </a:bodyPr>
+          <a:lstStyle/>
+          <a:p>
+            <a:pPr latinLnBrk="1"/>
+            <a:r>
+              <a:rPr lang="en-US" altLang="ko-KR" sz="1800"/>
+              <a:t>7. </a:t>
+            </a:r>
+            <a:r>
+              <a:rPr lang="ko-KR" altLang="en-US"/>
+              <a:t>기존 메서드에서 앞서 코드를 복사한 부분을 새로운 메서드 호출로 치환</a:t>
+            </a:r>
+            <a:endParaRPr lang="en-US" altLang="ko-KR"/>
+          </a:p>
+          <a:p>
+            <a:pPr latinLnBrk="1"/>
+            <a:r>
+              <a:rPr lang="ko-KR" altLang="en-US"/>
+              <a:t>주석은 메서드명으로 설명되어 삭제됨</a:t>
+            </a:r>
+            <a:endParaRPr lang="en-US" altLang="ko-KR"/>
+          </a:p>
+        </p:txBody>
+      </p:sp>
       <p:pic>
         <p:nvPicPr>
           <p:cNvPr id="8" name="그림 7" descr="텍스트이(가) 표시된 사진&#10;&#10;자동 생성된 설명">
             <a:extLst>
               <a:ext uri="{FF2B5EF4-FFF2-40B4-BE49-F238E27FC236}">
-                <a16:creationId xmlns:a16="http://schemas.microsoft.com/office/drawing/2014/main" id="{55A60C71-7B81-4192-A12D-9511F1BFE205}"/>
+                <a16:creationId xmlns:a16="http://schemas.microsoft.com/office/drawing/2014/main" id="{C6854E7B-1399-45EC-B7BF-5AB5B70F8B70}"/>
+              </a:ext>
+            </a:extLst>
+          </p:cNvPr>
+          <p:cNvPicPr>
+            <a:picLocks noChangeAspect="1"/>
+          </p:cNvPicPr>
+          <p:nvPr/>
+        </p:nvPicPr>
+        <p:blipFill rotWithShape="1">
+          <a:blip r:embed="rId3">
+            <a:extLst>
+              <a:ext uri="{28A0092B-C50C-407E-A947-70E740481C1C}">
+                <a14:useLocalDpi xmlns:a14="http://schemas.microsoft.com/office/drawing/2010/main" val="0"/>
+              </a:ext>
+            </a:extLst>
+          </a:blip>
+          <a:srcRect r="30928"/>
+          <a:stretch/>
+        </p:blipFill>
+        <p:spPr>
+          <a:xfrm>
+            <a:off x="777517" y="1100516"/>
+            <a:ext cx="4652108" cy="5029902"/>
+          </a:xfrm>
+          <a:prstGeom prst="rect">
+            <a:avLst/>
+          </a:prstGeom>
+        </p:spPr>
+      </p:pic>
+      <p:sp>
+        <p:nvSpPr>
+          <p:cNvPr id="9" name="직사각형 8">
+            <a:extLst>
+              <a:ext uri="{FF2B5EF4-FFF2-40B4-BE49-F238E27FC236}">
+                <a16:creationId xmlns:a16="http://schemas.microsoft.com/office/drawing/2014/main" id="{62C8A0F3-7D36-42D7-AC34-C9973972AB56}"/>
+              </a:ext>
+            </a:extLst>
+          </p:cNvPr>
+          <p:cNvSpPr/>
+          <p:nvPr/>
+        </p:nvSpPr>
+        <p:spPr>
+          <a:xfrm>
+            <a:off x="1759965" y="3615467"/>
+            <a:ext cx="3354959" cy="880333"/>
+          </a:xfrm>
+          <a:prstGeom prst="rect">
+            <a:avLst/>
+          </a:prstGeom>
+          <a:noFill/>
+          <a:ln w="38100">
+            <a:solidFill>
+              <a:schemeClr val="accent5"/>
+            </a:solidFill>
+          </a:ln>
+        </p:spPr>
+        <p:style>
+          <a:lnRef idx="2">
+            <a:schemeClr val="accent1">
+              <a:shade val="50000"/>
+            </a:schemeClr>
+          </a:lnRef>
+          <a:fillRef idx="1">
+            <a:schemeClr val="accent1"/>
+          </a:fillRef>
+          <a:effectRef idx="0">
+            <a:schemeClr val="accent1"/>
+          </a:effectRef>
+          <a:fontRef idx="minor">
+            <a:schemeClr val="lt1"/>
+          </a:fontRef>
+        </p:style>
+        <p:txBody>
+          <a:bodyPr rtlCol="0" anchor="ctr"/>
+          <a:lstStyle/>
+          <a:p>
+            <a:pPr algn="ctr"/>
+            <a:endParaRPr lang="ko-KR" altLang="en-US">
+              <a:solidFill>
+                <a:srgbClr val="FF0000"/>
+              </a:solidFill>
+            </a:endParaRPr>
+          </a:p>
+        </p:txBody>
+      </p:sp>
+      <p:sp>
+        <p:nvSpPr>
+          <p:cNvPr id="10" name="직사각형 9">
+            <a:extLst>
+              <a:ext uri="{FF2B5EF4-FFF2-40B4-BE49-F238E27FC236}">
+                <a16:creationId xmlns:a16="http://schemas.microsoft.com/office/drawing/2014/main" id="{6518D7F6-F7E2-451C-9D58-CCDCEF853034}"/>
+              </a:ext>
+            </a:extLst>
+          </p:cNvPr>
+          <p:cNvSpPr/>
+          <p:nvPr/>
+        </p:nvSpPr>
+        <p:spPr>
+          <a:xfrm>
+            <a:off x="6496050" y="3572140"/>
+            <a:ext cx="1754142" cy="361685"/>
+          </a:xfrm>
+          <a:prstGeom prst="rect">
+            <a:avLst/>
+          </a:prstGeom>
+          <a:noFill/>
+          <a:ln w="38100">
+            <a:solidFill>
+              <a:schemeClr val="accent5"/>
+            </a:solidFill>
+          </a:ln>
+        </p:spPr>
+        <p:style>
+          <a:lnRef idx="2">
+            <a:schemeClr val="accent1">
+              <a:shade val="50000"/>
+            </a:schemeClr>
+          </a:lnRef>
+          <a:fillRef idx="1">
+            <a:schemeClr val="accent1"/>
+          </a:fillRef>
+          <a:effectRef idx="0">
+            <a:schemeClr val="accent1"/>
+          </a:effectRef>
+          <a:fontRef idx="minor">
+            <a:schemeClr val="lt1"/>
+          </a:fontRef>
+        </p:style>
+        <p:txBody>
+          <a:bodyPr rtlCol="0" anchor="ctr"/>
+          <a:lstStyle/>
+          <a:p>
+            <a:pPr algn="ctr"/>
+            <a:endParaRPr lang="ko-KR" altLang="en-US">
+              <a:solidFill>
+                <a:srgbClr val="FF0000"/>
+              </a:solidFill>
+            </a:endParaRPr>
+          </a:p>
+        </p:txBody>
+      </p:sp>
+      <p:sp>
+        <p:nvSpPr>
+          <p:cNvPr id="6" name="화살표: 오른쪽 5">
+            <a:extLst>
+              <a:ext uri="{FF2B5EF4-FFF2-40B4-BE49-F238E27FC236}">
+                <a16:creationId xmlns:a16="http://schemas.microsoft.com/office/drawing/2014/main" id="{F0D12A15-0B28-464F-9DC0-86629DB514FF}"/>
+              </a:ext>
+            </a:extLst>
+          </p:cNvPr>
+          <p:cNvSpPr/>
+          <p:nvPr/>
+        </p:nvSpPr>
+        <p:spPr>
+          <a:xfrm>
+            <a:off x="5362575" y="3615467"/>
+            <a:ext cx="877336" cy="318358"/>
+          </a:xfrm>
+          <a:prstGeom prst="rightArrow">
+            <a:avLst/>
+          </a:prstGeom>
+        </p:spPr>
+        <p:style>
+          <a:lnRef idx="2">
+            <a:schemeClr val="accent1">
+              <a:shade val="50000"/>
+            </a:schemeClr>
+          </a:lnRef>
+          <a:fillRef idx="1">
+            <a:schemeClr val="accent1"/>
+          </a:fillRef>
+          <a:effectRef idx="0">
+            <a:schemeClr val="accent1"/>
+          </a:effectRef>
+          <a:fontRef idx="minor">
+            <a:schemeClr val="lt1"/>
+          </a:fontRef>
+        </p:style>
+        <p:txBody>
+          <a:bodyPr rtlCol="0" anchor="ctr"/>
+          <a:lstStyle/>
+          <a:p>
+            <a:pPr algn="ctr"/>
+            <a:endParaRPr lang="ko-KR" altLang="en-US"/>
+          </a:p>
+        </p:txBody>
+      </p:sp>
+    </p:spTree>
+    <p:extLst>
+      <p:ext uri="{BB962C8B-B14F-4D97-AF65-F5344CB8AC3E}">
+        <p14:creationId xmlns:p14="http://schemas.microsoft.com/office/powerpoint/2010/main" val="4134730142"/>
+      </p:ext>
+    </p:extLst>
+  </p:cSld>
+  <p:clrMapOvr>
+    <a:masterClrMapping/>
+  </p:clrMapOvr>
+</p:sld>
+</file>
+
+<file path=ppt/slides/slide15.xml><?xml version="1.0" encoding="utf-8"?>
+<p:sld xmlns:a="http://schemas.openxmlformats.org/drawingml/2006/main" xmlns:r="http://schemas.openxmlformats.org/officeDocument/2006/relationships" xmlns:p="http://schemas.openxmlformats.org/presentationml/2006/main">
+  <p:cSld>
+    <p:spTree>
+      <p:nvGrpSpPr>
+        <p:cNvPr id="1" name=""/>
+        <p:cNvGrpSpPr/>
+        <p:nvPr/>
+      </p:nvGrpSpPr>
+      <p:grpSpPr>
+        <a:xfrm>
+          <a:off x="0" y="0"/>
+          <a:ext cx="0" cy="0"/>
+          <a:chOff x="0" y="0"/>
+          <a:chExt cx="0" cy="0"/>
+        </a:xfrm>
+      </p:grpSpPr>
+      <p:sp>
+        <p:nvSpPr>
+          <p:cNvPr id="11" name="TextBox 10">
+            <a:extLst>
+              <a:ext uri="{FF2B5EF4-FFF2-40B4-BE49-F238E27FC236}">
+                <a16:creationId xmlns:a16="http://schemas.microsoft.com/office/drawing/2014/main" id="{CB92E015-7590-460C-BD1B-F49E13BC66FC}"/>
+              </a:ext>
+            </a:extLst>
+          </p:cNvPr>
+          <p:cNvSpPr txBox="1"/>
+          <p:nvPr/>
+        </p:nvSpPr>
+        <p:spPr>
+          <a:xfrm>
+            <a:off x="905692" y="233681"/>
+            <a:ext cx="2470548" cy="400110"/>
+          </a:xfrm>
+          <a:prstGeom prst="rect">
+            <a:avLst/>
+          </a:prstGeom>
+          <a:noFill/>
+        </p:spPr>
+        <p:txBody>
+          <a:bodyPr wrap="none" rtlCol="0">
+            <a:spAutoFit/>
+          </a:bodyPr>
+          <a:lstStyle/>
+          <a:p>
+            <a:r>
+              <a:rPr lang="en-US" altLang="ko-KR" sz="2000"/>
+              <a:t>5.2.2 </a:t>
+            </a:r>
+            <a:r>
+              <a:rPr lang="ko-KR" altLang="en-US" sz="2000"/>
+              <a:t>리팩토링 실행</a:t>
+            </a:r>
+            <a:endParaRPr lang="ko-KR" altLang="en-US" sz="1200"/>
+          </a:p>
+        </p:txBody>
+      </p:sp>
+      <p:sp>
+        <p:nvSpPr>
+          <p:cNvPr id="16" name="TextBox 15">
+            <a:extLst>
+              <a:ext uri="{FF2B5EF4-FFF2-40B4-BE49-F238E27FC236}">
+                <a16:creationId xmlns:a16="http://schemas.microsoft.com/office/drawing/2014/main" id="{E09EF8D9-45FD-4506-A426-3ABE81A8AD5B}"/>
+              </a:ext>
+            </a:extLst>
+          </p:cNvPr>
+          <p:cNvSpPr txBox="1"/>
+          <p:nvPr/>
+        </p:nvSpPr>
+        <p:spPr>
+          <a:xfrm>
+            <a:off x="5800064" y="2029501"/>
+            <a:ext cx="5000251" cy="1477328"/>
+          </a:xfrm>
+          <a:prstGeom prst="rect">
+            <a:avLst/>
+          </a:prstGeom>
+        </p:spPr>
+        <p:style>
+          <a:lnRef idx="2">
+            <a:schemeClr val="accent1"/>
+          </a:lnRef>
+          <a:fillRef idx="1">
+            <a:schemeClr val="lt1"/>
+          </a:fillRef>
+          <a:effectRef idx="0">
+            <a:schemeClr val="accent1"/>
+          </a:effectRef>
+          <a:fontRef idx="minor">
+            <a:schemeClr val="dk1"/>
+          </a:fontRef>
+        </p:style>
+        <p:txBody>
+          <a:bodyPr wrap="square">
+            <a:spAutoFit/>
+          </a:bodyPr>
+          <a:lstStyle/>
+          <a:p>
+            <a:pPr latinLnBrk="1"/>
+            <a:r>
+              <a:rPr lang="en-US" altLang="ko-KR" sz="1800"/>
+              <a:t>8. </a:t>
+            </a:r>
+            <a:r>
+              <a:rPr lang="ko-KR" altLang="en-US" sz="1800"/>
+              <a:t>기존 메서드에서 더는 사용하지 않는 지역 변수가 있으면 삭제</a:t>
+            </a:r>
+            <a:endParaRPr lang="en-US" altLang="ko-KR" sz="1800"/>
+          </a:p>
+          <a:p>
+            <a:pPr latinLnBrk="1"/>
+            <a:endParaRPr lang="en-US" altLang="ko-KR"/>
+          </a:p>
+          <a:p>
+            <a:pPr latinLnBrk="1"/>
+            <a:r>
+              <a:rPr lang="ko-KR" altLang="en-US"/>
+              <a:t>이번에는 그런 변수가 없으므로 아무것도 하지 않음</a:t>
+            </a:r>
+            <a:endParaRPr lang="en-US" altLang="ko-KR"/>
+          </a:p>
+        </p:txBody>
+      </p:sp>
+      <p:pic>
+        <p:nvPicPr>
+          <p:cNvPr id="3" name="그림 2" descr="텍스트이(가) 표시된 사진&#10;&#10;자동 생성된 설명">
+            <a:extLst>
+              <a:ext uri="{FF2B5EF4-FFF2-40B4-BE49-F238E27FC236}">
+                <a16:creationId xmlns:a16="http://schemas.microsoft.com/office/drawing/2014/main" id="{4A724CAF-CCE8-4D57-BAB7-B64B097C02CB}"/>
+              </a:ext>
+            </a:extLst>
+          </p:cNvPr>
+          <p:cNvPicPr>
+            <a:picLocks noChangeAspect="1"/>
+          </p:cNvPicPr>
+          <p:nvPr/>
+        </p:nvPicPr>
+        <p:blipFill>
+          <a:blip r:embed="rId2">
+            <a:extLst>
+              <a:ext uri="{28A0092B-C50C-407E-A947-70E740481C1C}">
+                <a14:useLocalDpi xmlns:a14="http://schemas.microsoft.com/office/drawing/2010/main" val="0"/>
+              </a:ext>
+            </a:extLst>
+          </a:blip>
+          <a:stretch>
+            <a:fillRect/>
+          </a:stretch>
+        </p:blipFill>
+        <p:spPr>
+          <a:xfrm>
+            <a:off x="766156" y="1165732"/>
+            <a:ext cx="4744112" cy="5458587"/>
+          </a:xfrm>
+          <a:prstGeom prst="rect">
+            <a:avLst/>
+          </a:prstGeom>
+        </p:spPr>
+      </p:pic>
+    </p:spTree>
+    <p:extLst>
+      <p:ext uri="{BB962C8B-B14F-4D97-AF65-F5344CB8AC3E}">
+        <p14:creationId xmlns:p14="http://schemas.microsoft.com/office/powerpoint/2010/main" val="922086782"/>
+      </p:ext>
+    </p:extLst>
+  </p:cSld>
+  <p:clrMapOvr>
+    <a:masterClrMapping/>
+  </p:clrMapOvr>
+</p:sld>
+</file>
+
+<file path=ppt/slides/slide16.xml><?xml version="1.0" encoding="utf-8"?>
+<p:sld xmlns:a="http://schemas.openxmlformats.org/drawingml/2006/main" xmlns:r="http://schemas.openxmlformats.org/officeDocument/2006/relationships" xmlns:p="http://schemas.openxmlformats.org/presentationml/2006/main">
+  <p:cSld>
+    <p:spTree>
+      <p:nvGrpSpPr>
+        <p:cNvPr id="1" name=""/>
+        <p:cNvGrpSpPr/>
+        <p:nvPr/>
+      </p:nvGrpSpPr>
+      <p:grpSpPr>
+        <a:xfrm>
+          <a:off x="0" y="0"/>
+          <a:ext cx="0" cy="0"/>
+          <a:chOff x="0" y="0"/>
+          <a:chExt cx="0" cy="0"/>
+        </a:xfrm>
+      </p:grpSpPr>
+      <p:sp>
+        <p:nvSpPr>
+          <p:cNvPr id="11" name="TextBox 10">
+            <a:extLst>
+              <a:ext uri="{FF2B5EF4-FFF2-40B4-BE49-F238E27FC236}">
+                <a16:creationId xmlns:a16="http://schemas.microsoft.com/office/drawing/2014/main" id="{CB92E015-7590-460C-BD1B-F49E13BC66FC}"/>
+              </a:ext>
+            </a:extLst>
+          </p:cNvPr>
+          <p:cNvSpPr txBox="1"/>
+          <p:nvPr/>
+        </p:nvSpPr>
+        <p:spPr>
+          <a:xfrm>
+            <a:off x="905692" y="233681"/>
+            <a:ext cx="2470548" cy="400110"/>
+          </a:xfrm>
+          <a:prstGeom prst="rect">
+            <a:avLst/>
+          </a:prstGeom>
+          <a:noFill/>
+        </p:spPr>
+        <p:txBody>
+          <a:bodyPr wrap="none" rtlCol="0">
+            <a:spAutoFit/>
+          </a:bodyPr>
+          <a:lstStyle/>
+          <a:p>
+            <a:r>
+              <a:rPr lang="en-US" altLang="ko-KR" sz="2000"/>
+              <a:t>5.2.2 </a:t>
+            </a:r>
+            <a:r>
+              <a:rPr lang="ko-KR" altLang="en-US" sz="2000"/>
+              <a:t>리팩토링 실행</a:t>
+            </a:r>
+            <a:endParaRPr lang="ko-KR" altLang="en-US" sz="1200"/>
+          </a:p>
+        </p:txBody>
+      </p:sp>
+      <p:sp>
+        <p:nvSpPr>
+          <p:cNvPr id="16" name="TextBox 15">
+            <a:extLst>
+              <a:ext uri="{FF2B5EF4-FFF2-40B4-BE49-F238E27FC236}">
+                <a16:creationId xmlns:a16="http://schemas.microsoft.com/office/drawing/2014/main" id="{E09EF8D9-45FD-4506-A426-3ABE81A8AD5B}"/>
+              </a:ext>
+            </a:extLst>
+          </p:cNvPr>
+          <p:cNvSpPr txBox="1"/>
+          <p:nvPr/>
+        </p:nvSpPr>
+        <p:spPr>
+          <a:xfrm>
+            <a:off x="5800064" y="2029501"/>
+            <a:ext cx="5000251" cy="923330"/>
+          </a:xfrm>
+          <a:prstGeom prst="rect">
+            <a:avLst/>
+          </a:prstGeom>
+        </p:spPr>
+        <p:style>
+          <a:lnRef idx="2">
+            <a:schemeClr val="accent1"/>
+          </a:lnRef>
+          <a:fillRef idx="1">
+            <a:schemeClr val="lt1"/>
+          </a:fillRef>
+          <a:effectRef idx="0">
+            <a:schemeClr val="accent1"/>
+          </a:effectRef>
+          <a:fontRef idx="minor">
+            <a:schemeClr val="dk1"/>
+          </a:fontRef>
+        </p:style>
+        <p:txBody>
+          <a:bodyPr wrap="square">
+            <a:spAutoFit/>
+          </a:bodyPr>
+          <a:lstStyle/>
+          <a:p>
+            <a:pPr latinLnBrk="1"/>
+            <a:r>
+              <a:rPr lang="en-US" altLang="ko-KR" sz="1800"/>
+              <a:t>9. </a:t>
+            </a:r>
+            <a:r>
+              <a:rPr lang="ko-KR" altLang="en-US"/>
+              <a:t>컴파일해서 테스트</a:t>
+            </a:r>
+            <a:endParaRPr lang="en-US" altLang="ko-KR"/>
+          </a:p>
+          <a:p>
+            <a:pPr latinLnBrk="1"/>
+            <a:endParaRPr lang="en-US" altLang="ko-KR"/>
+          </a:p>
+          <a:p>
+            <a:pPr latinLnBrk="1"/>
+            <a:r>
+              <a:rPr lang="en-US" altLang="ko-KR"/>
+              <a:t>‘</a:t>
+            </a:r>
+            <a:r>
+              <a:rPr lang="ko-KR" altLang="en-US"/>
+              <a:t>한 번에 하나씩</a:t>
+            </a:r>
+            <a:r>
+              <a:rPr lang="en-US" altLang="ko-KR"/>
+              <a:t>’ </a:t>
+            </a:r>
+            <a:r>
+              <a:rPr lang="ko-KR" altLang="en-US"/>
+              <a:t>테스트 하는 절차를 따름</a:t>
+            </a:r>
+            <a:endParaRPr lang="en-US" altLang="ko-KR"/>
+          </a:p>
+        </p:txBody>
+      </p:sp>
+      <p:pic>
+        <p:nvPicPr>
+          <p:cNvPr id="3" name="그림 2" descr="텍스트이(가) 표시된 사진&#10;&#10;자동 생성된 설명">
+            <a:extLst>
+              <a:ext uri="{FF2B5EF4-FFF2-40B4-BE49-F238E27FC236}">
+                <a16:creationId xmlns:a16="http://schemas.microsoft.com/office/drawing/2014/main" id="{4A724CAF-CCE8-4D57-BAB7-B64B097C02CB}"/>
+              </a:ext>
+            </a:extLst>
+          </p:cNvPr>
+          <p:cNvPicPr>
+            <a:picLocks noChangeAspect="1"/>
+          </p:cNvPicPr>
+          <p:nvPr/>
+        </p:nvPicPr>
+        <p:blipFill>
+          <a:blip r:embed="rId2">
+            <a:extLst>
+              <a:ext uri="{28A0092B-C50C-407E-A947-70E740481C1C}">
+                <a14:useLocalDpi xmlns:a14="http://schemas.microsoft.com/office/drawing/2010/main" val="0"/>
+              </a:ext>
+            </a:extLst>
+          </a:blip>
+          <a:stretch>
+            <a:fillRect/>
+          </a:stretch>
+        </p:blipFill>
+        <p:spPr>
+          <a:xfrm>
+            <a:off x="766156" y="1165732"/>
+            <a:ext cx="4744112" cy="5458587"/>
+          </a:xfrm>
+          <a:prstGeom prst="rect">
+            <a:avLst/>
+          </a:prstGeom>
+        </p:spPr>
+      </p:pic>
+      <p:pic>
+        <p:nvPicPr>
+          <p:cNvPr id="5" name="그림 4" descr="텍스트이(가) 표시된 사진&#10;&#10;자동 생성된 설명">
+            <a:extLst>
+              <a:ext uri="{FF2B5EF4-FFF2-40B4-BE49-F238E27FC236}">
+                <a16:creationId xmlns:a16="http://schemas.microsoft.com/office/drawing/2014/main" id="{6472D97F-70D4-41B4-BCCF-D9842CF28083}"/>
+              </a:ext>
+            </a:extLst>
+          </p:cNvPr>
+          <p:cNvPicPr>
+            <a:picLocks noChangeAspect="1"/>
+          </p:cNvPicPr>
+          <p:nvPr/>
+        </p:nvPicPr>
+        <p:blipFill rotWithShape="1">
+          <a:blip r:embed="rId3">
+            <a:extLst>
+              <a:ext uri="{28A0092B-C50C-407E-A947-70E740481C1C}">
+                <a14:useLocalDpi xmlns:a14="http://schemas.microsoft.com/office/drawing/2010/main" val="0"/>
+              </a:ext>
+            </a:extLst>
+          </a:blip>
+          <a:srcRect t="3131" r="5799" b="5810"/>
+          <a:stretch/>
+        </p:blipFill>
+        <p:spPr>
+          <a:xfrm>
+            <a:off x="7564328" y="4347657"/>
+            <a:ext cx="1471722" cy="971550"/>
+          </a:xfrm>
+          <a:prstGeom prst="rect">
+            <a:avLst/>
+          </a:prstGeom>
+        </p:spPr>
+      </p:pic>
+    </p:spTree>
+    <p:extLst>
+      <p:ext uri="{BB962C8B-B14F-4D97-AF65-F5344CB8AC3E}">
+        <p14:creationId xmlns:p14="http://schemas.microsoft.com/office/powerpoint/2010/main" val="1846017839"/>
+      </p:ext>
+    </p:extLst>
+  </p:cSld>
+  <p:clrMapOvr>
+    <a:masterClrMapping/>
+  </p:clrMapOvr>
+</p:sld>
+</file>
+
+<file path=ppt/slides/slide17.xml><?xml version="1.0" encoding="utf-8"?>
+<p:sld xmlns:a="http://schemas.openxmlformats.org/drawingml/2006/main" xmlns:r="http://schemas.openxmlformats.org/officeDocument/2006/relationships" xmlns:p="http://schemas.openxmlformats.org/presentationml/2006/main">
+  <p:cSld>
+    <p:spTree>
+      <p:nvGrpSpPr>
+        <p:cNvPr id="1" name=""/>
+        <p:cNvGrpSpPr/>
+        <p:nvPr/>
+      </p:nvGrpSpPr>
+      <p:grpSpPr>
+        <a:xfrm>
+          <a:off x="0" y="0"/>
+          <a:ext cx="0" cy="0"/>
+          <a:chOff x="0" y="0"/>
+          <a:chExt cx="0" cy="0"/>
+        </a:xfrm>
+      </p:grpSpPr>
+      <p:sp>
+        <p:nvSpPr>
+          <p:cNvPr id="11" name="TextBox 10">
+            <a:extLst>
+              <a:ext uri="{FF2B5EF4-FFF2-40B4-BE49-F238E27FC236}">
+                <a16:creationId xmlns:a16="http://schemas.microsoft.com/office/drawing/2014/main" id="{CB92E015-7590-460C-BD1B-F49E13BC66FC}"/>
+              </a:ext>
+            </a:extLst>
+          </p:cNvPr>
+          <p:cNvSpPr txBox="1"/>
+          <p:nvPr/>
+        </p:nvSpPr>
+        <p:spPr>
+          <a:xfrm>
+            <a:off x="905692" y="233681"/>
+            <a:ext cx="2214068" cy="400110"/>
+          </a:xfrm>
+          <a:prstGeom prst="rect">
+            <a:avLst/>
+          </a:prstGeom>
+          <a:noFill/>
+        </p:spPr>
+        <p:txBody>
+          <a:bodyPr wrap="none" rtlCol="0">
+            <a:spAutoFit/>
+          </a:bodyPr>
+          <a:lstStyle/>
+          <a:p>
+            <a:r>
+              <a:rPr lang="en-US" altLang="ko-KR" sz="2000"/>
+              <a:t>5.2.3 </a:t>
+            </a:r>
+            <a:r>
+              <a:rPr lang="ko-KR" altLang="en-US" sz="2000"/>
+              <a:t>리팩토링 후</a:t>
+            </a:r>
+            <a:endParaRPr lang="ko-KR" altLang="en-US" sz="1200"/>
+          </a:p>
+        </p:txBody>
+      </p:sp>
+      <p:pic>
+        <p:nvPicPr>
+          <p:cNvPr id="13" name="그림 12" descr="텍스트이(가) 표시된 사진&#10;&#10;자동 생성된 설명">
+            <a:extLst>
+              <a:ext uri="{FF2B5EF4-FFF2-40B4-BE49-F238E27FC236}">
+                <a16:creationId xmlns:a16="http://schemas.microsoft.com/office/drawing/2014/main" id="{918B1DD0-C297-4B75-B0A2-46043140157F}"/>
+              </a:ext>
+            </a:extLst>
+          </p:cNvPr>
+          <p:cNvPicPr>
+            <a:picLocks noChangeAspect="1"/>
+          </p:cNvPicPr>
+          <p:nvPr/>
+        </p:nvPicPr>
+        <p:blipFill rotWithShape="1">
+          <a:blip r:embed="rId2">
+            <a:extLst>
+              <a:ext uri="{28A0092B-C50C-407E-A947-70E740481C1C}">
+                <a14:useLocalDpi xmlns:a14="http://schemas.microsoft.com/office/drawing/2010/main" val="0"/>
+              </a:ext>
+            </a:extLst>
+          </a:blip>
+          <a:srcRect r="22831"/>
+          <a:stretch/>
+        </p:blipFill>
+        <p:spPr>
+          <a:xfrm>
+            <a:off x="438916" y="1781859"/>
+            <a:ext cx="5197447" cy="5029902"/>
+          </a:xfrm>
+          <a:prstGeom prst="rect">
+            <a:avLst/>
+          </a:prstGeom>
+        </p:spPr>
+      </p:pic>
+      <p:pic>
+        <p:nvPicPr>
+          <p:cNvPr id="7" name="그림 6" descr="텍스트이(가) 표시된 사진&#10;&#10;자동 생성된 설명">
+            <a:extLst>
+              <a:ext uri="{FF2B5EF4-FFF2-40B4-BE49-F238E27FC236}">
+                <a16:creationId xmlns:a16="http://schemas.microsoft.com/office/drawing/2014/main" id="{6F299F21-EE75-471E-B581-F1E40D95797A}"/>
               </a:ext>
             </a:extLst>
           </p:cNvPr>
@@ -6640,20 +8932,360 @@
         </p:blipFill>
         <p:spPr>
           <a:xfrm>
-            <a:off x="6735115" y="0"/>
-            <a:ext cx="5420481" cy="4648849"/>
+            <a:off x="6624324" y="1781859"/>
+            <a:ext cx="4486901" cy="4639322"/>
           </a:xfrm>
           <a:prstGeom prst="rect">
             <a:avLst/>
           </a:prstGeom>
         </p:spPr>
       </p:pic>
+      <p:sp>
+        <p:nvSpPr>
+          <p:cNvPr id="2" name="TextBox 1">
+            <a:extLst>
+              <a:ext uri="{FF2B5EF4-FFF2-40B4-BE49-F238E27FC236}">
+                <a16:creationId xmlns:a16="http://schemas.microsoft.com/office/drawing/2014/main" id="{E9E0EA28-40C9-4C6E-BD9F-5E0E24D062BF}"/>
+              </a:ext>
+            </a:extLst>
+          </p:cNvPr>
+          <p:cNvSpPr txBox="1"/>
+          <p:nvPr/>
+        </p:nvSpPr>
+        <p:spPr>
+          <a:xfrm>
+            <a:off x="1803968" y="995495"/>
+            <a:ext cx="2467342" cy="646331"/>
+          </a:xfrm>
+          <a:prstGeom prst="rect">
+            <a:avLst/>
+          </a:prstGeom>
+        </p:spPr>
+        <p:style>
+          <a:lnRef idx="2">
+            <a:schemeClr val="accent1"/>
+          </a:lnRef>
+          <a:fillRef idx="1">
+            <a:schemeClr val="lt1"/>
+          </a:fillRef>
+          <a:effectRef idx="0">
+            <a:schemeClr val="accent1"/>
+          </a:effectRef>
+          <a:fontRef idx="minor">
+            <a:schemeClr val="dk1"/>
+          </a:fontRef>
+        </p:style>
+        <p:txBody>
+          <a:bodyPr wrap="none" rtlCol="0">
+            <a:spAutoFit/>
+          </a:bodyPr>
+          <a:lstStyle/>
+          <a:p>
+            <a:pPr algn="ctr"/>
+            <a:r>
+              <a:rPr lang="ko-KR" altLang="en-US"/>
+              <a:t>리팩토링 전</a:t>
+            </a:r>
+            <a:br>
+              <a:rPr lang="en-US" altLang="ko-KR"/>
+            </a:br>
+            <a:r>
+              <a:rPr lang="en-US" altLang="ko-KR"/>
+              <a:t>for</a:t>
+            </a:r>
+            <a:r>
+              <a:rPr lang="ko-KR" altLang="en-US"/>
+              <a:t>문이 어지럽게 있음</a:t>
+            </a:r>
+          </a:p>
+        </p:txBody>
+      </p:sp>
+      <p:sp>
+        <p:nvSpPr>
+          <p:cNvPr id="6" name="TextBox 5">
+            <a:extLst>
+              <a:ext uri="{FF2B5EF4-FFF2-40B4-BE49-F238E27FC236}">
+                <a16:creationId xmlns:a16="http://schemas.microsoft.com/office/drawing/2014/main" id="{6855BC2C-FE64-438B-9ED7-3C2437938EB3}"/>
+              </a:ext>
+            </a:extLst>
+          </p:cNvPr>
+          <p:cNvSpPr txBox="1"/>
+          <p:nvPr/>
+        </p:nvSpPr>
+        <p:spPr>
+          <a:xfrm>
+            <a:off x="7633303" y="995495"/>
+            <a:ext cx="2468946" cy="646331"/>
+          </a:xfrm>
+          <a:prstGeom prst="rect">
+            <a:avLst/>
+          </a:prstGeom>
+        </p:spPr>
+        <p:style>
+          <a:lnRef idx="2">
+            <a:schemeClr val="accent1"/>
+          </a:lnRef>
+          <a:fillRef idx="1">
+            <a:schemeClr val="lt1"/>
+          </a:fillRef>
+          <a:effectRef idx="0">
+            <a:schemeClr val="accent1"/>
+          </a:effectRef>
+          <a:fontRef idx="minor">
+            <a:schemeClr val="dk1"/>
+          </a:fontRef>
+        </p:style>
+        <p:txBody>
+          <a:bodyPr wrap="none" rtlCol="0">
+            <a:spAutoFit/>
+          </a:bodyPr>
+          <a:lstStyle/>
+          <a:p>
+            <a:pPr algn="ctr"/>
+            <a:r>
+              <a:rPr lang="ko-KR" altLang="en-US"/>
+              <a:t>리팩토링 후</a:t>
+            </a:r>
+            <a:br>
+              <a:rPr lang="en-US" altLang="ko-KR"/>
+            </a:br>
+            <a:r>
+              <a:rPr lang="ko-KR" altLang="en-US"/>
+              <a:t>처리 개요를 알기 쉬움</a:t>
+            </a:r>
+          </a:p>
+        </p:txBody>
+      </p:sp>
+    </p:spTree>
+    <p:extLst>
+      <p:ext uri="{BB962C8B-B14F-4D97-AF65-F5344CB8AC3E}">
+        <p14:creationId xmlns:p14="http://schemas.microsoft.com/office/powerpoint/2010/main" val="576017820"/>
+      </p:ext>
+    </p:extLst>
+  </p:cSld>
+  <p:clrMapOvr>
+    <a:masterClrMapping/>
+  </p:clrMapOvr>
+</p:sld>
+</file>
+
+<file path=ppt/slides/slide18.xml><?xml version="1.0" encoding="utf-8"?>
+<p:sld xmlns:a="http://schemas.openxmlformats.org/drawingml/2006/main" xmlns:r="http://schemas.openxmlformats.org/officeDocument/2006/relationships" xmlns:p="http://schemas.openxmlformats.org/presentationml/2006/main">
+  <p:cSld>
+    <p:spTree>
+      <p:nvGrpSpPr>
+        <p:cNvPr id="1" name=""/>
+        <p:cNvGrpSpPr/>
+        <p:nvPr/>
+      </p:nvGrpSpPr>
+      <p:grpSpPr>
+        <a:xfrm>
+          <a:off x="0" y="0"/>
+          <a:ext cx="0" cy="0"/>
+          <a:chOff x="0" y="0"/>
+          <a:chExt cx="0" cy="0"/>
+        </a:xfrm>
+      </p:grpSpPr>
+      <p:sp>
+        <p:nvSpPr>
+          <p:cNvPr id="11" name="TextBox 10">
+            <a:extLst>
+              <a:ext uri="{FF2B5EF4-FFF2-40B4-BE49-F238E27FC236}">
+                <a16:creationId xmlns:a16="http://schemas.microsoft.com/office/drawing/2014/main" id="{CB92E015-7590-460C-BD1B-F49E13BC66FC}"/>
+              </a:ext>
+            </a:extLst>
+          </p:cNvPr>
+          <p:cNvSpPr txBox="1"/>
+          <p:nvPr/>
+        </p:nvSpPr>
+        <p:spPr>
+          <a:xfrm>
+            <a:off x="905692" y="233681"/>
+            <a:ext cx="2831224" cy="400110"/>
+          </a:xfrm>
+          <a:prstGeom prst="rect">
+            <a:avLst/>
+          </a:prstGeom>
+          <a:noFill/>
+        </p:spPr>
+        <p:txBody>
+          <a:bodyPr wrap="none" rtlCol="0">
+            <a:spAutoFit/>
+          </a:bodyPr>
+          <a:lstStyle/>
+          <a:p>
+            <a:r>
+              <a:rPr lang="en-US" altLang="ko-KR" sz="2000"/>
+              <a:t>5.3 </a:t>
+            </a:r>
+            <a:r>
+              <a:rPr lang="ko-KR" altLang="en-US" sz="2000"/>
+              <a:t>한걸음 더 나아가기</a:t>
+            </a:r>
+            <a:endParaRPr lang="ko-KR" altLang="en-US" sz="1200"/>
+          </a:p>
+        </p:txBody>
+      </p:sp>
+      <p:sp>
+        <p:nvSpPr>
+          <p:cNvPr id="2" name="TextBox 1">
+            <a:extLst>
+              <a:ext uri="{FF2B5EF4-FFF2-40B4-BE49-F238E27FC236}">
+                <a16:creationId xmlns:a16="http://schemas.microsoft.com/office/drawing/2014/main" id="{E9E0EA28-40C9-4C6E-BD9F-5E0E24D062BF}"/>
+              </a:ext>
+            </a:extLst>
+          </p:cNvPr>
+          <p:cNvSpPr txBox="1"/>
+          <p:nvPr/>
+        </p:nvSpPr>
+        <p:spPr>
+          <a:xfrm>
+            <a:off x="1803968" y="1281820"/>
+            <a:ext cx="3922869" cy="1477328"/>
+          </a:xfrm>
+          <a:prstGeom prst="rect">
+            <a:avLst/>
+          </a:prstGeom>
+        </p:spPr>
+        <p:style>
+          <a:lnRef idx="2">
+            <a:schemeClr val="accent1"/>
+          </a:lnRef>
+          <a:fillRef idx="1">
+            <a:schemeClr val="lt1"/>
+          </a:fillRef>
+          <a:effectRef idx="0">
+            <a:schemeClr val="accent1"/>
+          </a:effectRef>
+          <a:fontRef idx="minor">
+            <a:schemeClr val="dk1"/>
+          </a:fontRef>
+        </p:style>
+        <p:txBody>
+          <a:bodyPr wrap="none" rtlCol="0">
+            <a:spAutoFit/>
+          </a:bodyPr>
+          <a:lstStyle/>
+          <a:p>
+            <a:r>
+              <a:rPr lang="ko-KR" altLang="en-US"/>
+              <a:t>메서드 인라인화</a:t>
+            </a:r>
+            <a:br>
+              <a:rPr lang="en-US" altLang="ko-KR"/>
+            </a:br>
+            <a:endParaRPr lang="en-US" altLang="ko-KR"/>
+          </a:p>
+          <a:p>
+            <a:r>
+              <a:rPr lang="ko-KR" altLang="en-US"/>
+              <a:t>메서드 추출 </a:t>
+            </a:r>
+            <a:r>
+              <a:rPr lang="en-US" altLang="ko-KR"/>
+              <a:t>      </a:t>
+            </a:r>
+            <a:r>
+              <a:rPr lang="ko-KR" altLang="en-US"/>
+              <a:t>메서드 인라인화</a:t>
+            </a:r>
+            <a:endParaRPr lang="en-US" altLang="ko-KR"/>
+          </a:p>
+          <a:p>
+            <a:endParaRPr lang="en-US" altLang="ko-KR"/>
+          </a:p>
+          <a:p>
+            <a:r>
+              <a:rPr lang="ko-KR" altLang="en-US"/>
+              <a:t>너무 짧은 메서드는 메서드 인라인화</a:t>
+            </a:r>
+          </a:p>
+        </p:txBody>
+      </p:sp>
+      <p:cxnSp>
+        <p:nvCxnSpPr>
+          <p:cNvPr id="4" name="직선 화살표 연결선 3">
+            <a:extLst>
+              <a:ext uri="{FF2B5EF4-FFF2-40B4-BE49-F238E27FC236}">
+                <a16:creationId xmlns:a16="http://schemas.microsoft.com/office/drawing/2014/main" id="{C49945EE-56C2-41A7-8D9D-1FDFCC66636C}"/>
+              </a:ext>
+            </a:extLst>
+          </p:cNvPr>
+          <p:cNvCxnSpPr>
+            <a:cxnSpLocks/>
+          </p:cNvCxnSpPr>
+          <p:nvPr/>
+        </p:nvCxnSpPr>
+        <p:spPr>
+          <a:xfrm>
+            <a:off x="3103418" y="2022762"/>
+            <a:ext cx="461818" cy="0"/>
+          </a:xfrm>
+          <a:prstGeom prst="straightConnector1">
+            <a:avLst/>
+          </a:prstGeom>
+          <a:ln>
+            <a:headEnd type="triangle"/>
+            <a:tailEnd type="triangle"/>
+          </a:ln>
+        </p:spPr>
+        <p:style>
+          <a:lnRef idx="1">
+            <a:schemeClr val="accent1"/>
+          </a:lnRef>
+          <a:fillRef idx="0">
+            <a:schemeClr val="accent1"/>
+          </a:fillRef>
+          <a:effectRef idx="0">
+            <a:schemeClr val="accent1"/>
+          </a:effectRef>
+          <a:fontRef idx="minor">
+            <a:schemeClr val="tx1"/>
+          </a:fontRef>
+        </p:style>
+      </p:cxnSp>
       <p:pic>
         <p:nvPicPr>
-          <p:cNvPr id="12" name="그림 11" descr="텍스트이(가) 표시된 사진&#10;&#10;자동 생성된 설명">
+          <p:cNvPr id="9" name="그림 8" descr="텍스트이(가) 표시된 사진&#10;&#10;자동 생성된 설명">
             <a:extLst>
               <a:ext uri="{FF2B5EF4-FFF2-40B4-BE49-F238E27FC236}">
-                <a16:creationId xmlns:a16="http://schemas.microsoft.com/office/drawing/2014/main" id="{5F457DCB-CF8F-46A5-BAAA-3FF984952D27}"/>
+                <a16:creationId xmlns:a16="http://schemas.microsoft.com/office/drawing/2014/main" id="{D4907519-BF00-426D-B7D1-6272E71E7E4A}"/>
+              </a:ext>
+            </a:extLst>
+          </p:cNvPr>
+          <p:cNvPicPr>
+            <a:picLocks noChangeAspect="1"/>
+          </p:cNvPicPr>
+          <p:nvPr/>
+        </p:nvPicPr>
+        <p:blipFill>
+          <a:blip r:embed="rId3">
+            <a:extLst>
+              <a:ext uri="{28A0092B-C50C-407E-A947-70E740481C1C}">
+                <a14:useLocalDpi xmlns:a14="http://schemas.microsoft.com/office/drawing/2010/main" val="0"/>
+              </a:ext>
+            </a:extLst>
+          </a:blip>
+          <a:stretch>
+            <a:fillRect/>
+          </a:stretch>
+        </p:blipFill>
+        <p:spPr>
+          <a:xfrm>
+            <a:off x="1803968" y="3305069"/>
+            <a:ext cx="2981741" cy="1467055"/>
+          </a:xfrm>
+          <a:prstGeom prst="rect">
+            <a:avLst/>
+          </a:prstGeom>
+        </p:spPr>
+      </p:pic>
+      <p:pic>
+        <p:nvPicPr>
+          <p:cNvPr id="15" name="그림 14" descr="텍스트, 장치, 어두운, 측정기이(가) 표시된 사진&#10;&#10;자동 생성된 설명">
+            <a:extLst>
+              <a:ext uri="{FF2B5EF4-FFF2-40B4-BE49-F238E27FC236}">
+                <a16:creationId xmlns:a16="http://schemas.microsoft.com/office/drawing/2014/main" id="{870AB033-5058-4194-BE8A-05B1B7416230}"/>
               </a:ext>
             </a:extLst>
           </p:cNvPr>
@@ -6676,18 +9308,541 @@
         </p:blipFill>
         <p:spPr>
           <a:xfrm>
-            <a:off x="7455311" y="4929389"/>
-            <a:ext cx="4448796" cy="1247949"/>
+            <a:off x="6983309" y="3671832"/>
+            <a:ext cx="1476581" cy="733527"/>
           </a:xfrm>
           <a:prstGeom prst="rect">
             <a:avLst/>
           </a:prstGeom>
         </p:spPr>
       </p:pic>
+      <p:sp>
+        <p:nvSpPr>
+          <p:cNvPr id="16" name="화살표: 아래쪽 15">
+            <a:extLst>
+              <a:ext uri="{FF2B5EF4-FFF2-40B4-BE49-F238E27FC236}">
+                <a16:creationId xmlns:a16="http://schemas.microsoft.com/office/drawing/2014/main" id="{E58C32F9-23F7-468D-ACBE-7B5C4895D1C9}"/>
+              </a:ext>
+            </a:extLst>
+          </p:cNvPr>
+          <p:cNvSpPr/>
+          <p:nvPr/>
+        </p:nvSpPr>
+        <p:spPr>
+          <a:xfrm rot="16200000">
+            <a:off x="5678436" y="3551758"/>
+            <a:ext cx="341745" cy="973672"/>
+          </a:xfrm>
+          <a:prstGeom prst="downArrow">
+            <a:avLst/>
+          </a:prstGeom>
+        </p:spPr>
+        <p:style>
+          <a:lnRef idx="2">
+            <a:schemeClr val="accent1">
+              <a:shade val="50000"/>
+            </a:schemeClr>
+          </a:lnRef>
+          <a:fillRef idx="1">
+            <a:schemeClr val="accent1"/>
+          </a:fillRef>
+          <a:effectRef idx="0">
+            <a:schemeClr val="accent1"/>
+          </a:effectRef>
+          <a:fontRef idx="minor">
+            <a:schemeClr val="lt1"/>
+          </a:fontRef>
+        </p:style>
+        <p:txBody>
+          <a:bodyPr rtlCol="0" anchor="ctr"/>
+          <a:lstStyle/>
+          <a:p>
+            <a:pPr algn="ctr"/>
+            <a:endParaRPr lang="ko-KR" altLang="en-US"/>
+          </a:p>
+        </p:txBody>
+      </p:sp>
+      <p:sp>
+        <p:nvSpPr>
+          <p:cNvPr id="17" name="TextBox 16">
+            <a:extLst>
+              <a:ext uri="{FF2B5EF4-FFF2-40B4-BE49-F238E27FC236}">
+                <a16:creationId xmlns:a16="http://schemas.microsoft.com/office/drawing/2014/main" id="{0A2B5507-78C7-4806-A1B0-5E2E005E1FD7}"/>
+              </a:ext>
+            </a:extLst>
+          </p:cNvPr>
+          <p:cNvSpPr txBox="1"/>
+          <p:nvPr/>
+        </p:nvSpPr>
+        <p:spPr>
+          <a:xfrm>
+            <a:off x="1803968" y="5049489"/>
+            <a:ext cx="4615366" cy="369332"/>
+          </a:xfrm>
+          <a:prstGeom prst="rect">
+            <a:avLst/>
+          </a:prstGeom>
+        </p:spPr>
+        <p:style>
+          <a:lnRef idx="2">
+            <a:schemeClr val="accent1"/>
+          </a:lnRef>
+          <a:fillRef idx="1">
+            <a:schemeClr val="lt1"/>
+          </a:fillRef>
+          <a:effectRef idx="0">
+            <a:schemeClr val="accent1"/>
+          </a:effectRef>
+          <a:fontRef idx="minor">
+            <a:schemeClr val="dk1"/>
+          </a:fontRef>
+        </p:style>
+        <p:txBody>
+          <a:bodyPr wrap="none" rtlCol="0">
+            <a:spAutoFit/>
+          </a:bodyPr>
+          <a:lstStyle/>
+          <a:p>
+            <a:r>
+              <a:rPr lang="ko-KR" altLang="en-US"/>
+              <a:t>오버라이드된 메서드는 인라인화 하면 안됨</a:t>
+            </a:r>
+          </a:p>
+        </p:txBody>
+      </p:sp>
+      <p:sp>
+        <p:nvSpPr>
+          <p:cNvPr id="18" name="TextBox 17">
+            <a:extLst>
+              <a:ext uri="{FF2B5EF4-FFF2-40B4-BE49-F238E27FC236}">
+                <a16:creationId xmlns:a16="http://schemas.microsoft.com/office/drawing/2014/main" id="{2E1B4420-9050-42CF-BF4B-FD61D4B61A05}"/>
+              </a:ext>
+            </a:extLst>
+          </p:cNvPr>
+          <p:cNvSpPr txBox="1"/>
+          <p:nvPr/>
+        </p:nvSpPr>
+        <p:spPr>
+          <a:xfrm>
+            <a:off x="1803968" y="2933916"/>
+            <a:ext cx="508473" cy="369332"/>
+          </a:xfrm>
+          <a:prstGeom prst="rect">
+            <a:avLst/>
+          </a:prstGeom>
+          <a:noFill/>
+        </p:spPr>
+        <p:txBody>
+          <a:bodyPr wrap="none" rtlCol="0">
+            <a:spAutoFit/>
+          </a:bodyPr>
+          <a:lstStyle/>
+          <a:p>
+            <a:r>
+              <a:rPr lang="en-US" altLang="ko-KR"/>
+              <a:t>Ex.</a:t>
+            </a:r>
+            <a:endParaRPr lang="ko-KR" altLang="en-US"/>
+          </a:p>
+        </p:txBody>
+      </p:sp>
+      <p:pic>
+        <p:nvPicPr>
+          <p:cNvPr id="20" name="그림 19" descr="텍스트이(가) 표시된 사진&#10;&#10;자동 생성된 설명">
+            <a:extLst>
+              <a:ext uri="{FF2B5EF4-FFF2-40B4-BE49-F238E27FC236}">
+                <a16:creationId xmlns:a16="http://schemas.microsoft.com/office/drawing/2014/main" id="{B23AE7D1-6DA0-481A-B8FE-8A0CBB734480}"/>
+              </a:ext>
+            </a:extLst>
+          </p:cNvPr>
+          <p:cNvPicPr>
+            <a:picLocks noChangeAspect="1"/>
+          </p:cNvPicPr>
+          <p:nvPr/>
+        </p:nvPicPr>
+        <p:blipFill>
+          <a:blip r:embed="rId5">
+            <a:extLst>
+              <a:ext uri="{28A0092B-C50C-407E-A947-70E740481C1C}">
+                <a14:useLocalDpi xmlns:a14="http://schemas.microsoft.com/office/drawing/2010/main" val="0"/>
+              </a:ext>
+            </a:extLst>
+          </a:blip>
+          <a:stretch>
+            <a:fillRect/>
+          </a:stretch>
+        </p:blipFill>
+        <p:spPr>
+          <a:xfrm>
+            <a:off x="1803968" y="5715842"/>
+            <a:ext cx="1648055" cy="543001"/>
+          </a:xfrm>
+          <a:prstGeom prst="rect">
+            <a:avLst/>
+          </a:prstGeom>
+        </p:spPr>
+      </p:pic>
+      <p:sp>
+        <p:nvSpPr>
+          <p:cNvPr id="22" name="TextBox 21">
+            <a:extLst>
+              <a:ext uri="{FF2B5EF4-FFF2-40B4-BE49-F238E27FC236}">
+                <a16:creationId xmlns:a16="http://schemas.microsoft.com/office/drawing/2014/main" id="{9CD56CDC-7556-4532-A983-8C1A54B216B2}"/>
+              </a:ext>
+            </a:extLst>
+          </p:cNvPr>
+          <p:cNvSpPr txBox="1"/>
+          <p:nvPr/>
+        </p:nvSpPr>
+        <p:spPr>
+          <a:xfrm>
+            <a:off x="904683" y="579312"/>
+            <a:ext cx="1407758" cy="369332"/>
+          </a:xfrm>
+          <a:prstGeom prst="rect">
+            <a:avLst/>
+          </a:prstGeom>
+          <a:noFill/>
+        </p:spPr>
+        <p:txBody>
+          <a:bodyPr wrap="none" rtlCol="0">
+            <a:spAutoFit/>
+          </a:bodyPr>
+          <a:lstStyle/>
+          <a:p>
+            <a:r>
+              <a:rPr lang="ko-KR" altLang="en-US"/>
+              <a:t>역 리팩토링</a:t>
+            </a:r>
+          </a:p>
+        </p:txBody>
+      </p:sp>
     </p:spTree>
     <p:extLst>
       <p:ext uri="{BB962C8B-B14F-4D97-AF65-F5344CB8AC3E}">
-        <p14:creationId xmlns:p14="http://schemas.microsoft.com/office/powerpoint/2010/main" val="3373760153"/>
+        <p14:creationId xmlns:p14="http://schemas.microsoft.com/office/powerpoint/2010/main" val="3287989761"/>
+      </p:ext>
+    </p:extLst>
+  </p:cSld>
+  <p:clrMapOvr>
+    <a:masterClrMapping/>
+  </p:clrMapOvr>
+</p:sld>
+</file>
+
+<file path=ppt/slides/slide19.xml><?xml version="1.0" encoding="utf-8"?>
+<p:sld xmlns:a="http://schemas.openxmlformats.org/drawingml/2006/main" xmlns:r="http://schemas.openxmlformats.org/officeDocument/2006/relationships" xmlns:p="http://schemas.openxmlformats.org/presentationml/2006/main">
+  <p:cSld>
+    <p:spTree>
+      <p:nvGrpSpPr>
+        <p:cNvPr id="1" name=""/>
+        <p:cNvGrpSpPr/>
+        <p:nvPr/>
+      </p:nvGrpSpPr>
+      <p:grpSpPr>
+        <a:xfrm>
+          <a:off x="0" y="0"/>
+          <a:ext cx="0" cy="0"/>
+          <a:chOff x="0" y="0"/>
+          <a:chExt cx="0" cy="0"/>
+        </a:xfrm>
+      </p:grpSpPr>
+      <p:sp>
+        <p:nvSpPr>
+          <p:cNvPr id="11" name="TextBox 10">
+            <a:extLst>
+              <a:ext uri="{FF2B5EF4-FFF2-40B4-BE49-F238E27FC236}">
+                <a16:creationId xmlns:a16="http://schemas.microsoft.com/office/drawing/2014/main" id="{CB92E015-7590-460C-BD1B-F49E13BC66FC}"/>
+              </a:ext>
+            </a:extLst>
+          </p:cNvPr>
+          <p:cNvSpPr txBox="1"/>
+          <p:nvPr/>
+        </p:nvSpPr>
+        <p:spPr>
+          <a:xfrm>
+            <a:off x="905692" y="233681"/>
+            <a:ext cx="2831224" cy="400110"/>
+          </a:xfrm>
+          <a:prstGeom prst="rect">
+            <a:avLst/>
+          </a:prstGeom>
+          <a:noFill/>
+        </p:spPr>
+        <p:txBody>
+          <a:bodyPr wrap="none" rtlCol="0">
+            <a:spAutoFit/>
+          </a:bodyPr>
+          <a:lstStyle/>
+          <a:p>
+            <a:r>
+              <a:rPr lang="en-US" altLang="ko-KR" sz="2000"/>
+              <a:t>5.3 </a:t>
+            </a:r>
+            <a:r>
+              <a:rPr lang="ko-KR" altLang="en-US" sz="2000"/>
+              <a:t>한걸음 더 나아가기</a:t>
+            </a:r>
+            <a:endParaRPr lang="ko-KR" altLang="en-US" sz="1200"/>
+          </a:p>
+        </p:txBody>
+      </p:sp>
+      <p:sp>
+        <p:nvSpPr>
+          <p:cNvPr id="2" name="TextBox 1">
+            <a:extLst>
+              <a:ext uri="{FF2B5EF4-FFF2-40B4-BE49-F238E27FC236}">
+                <a16:creationId xmlns:a16="http://schemas.microsoft.com/office/drawing/2014/main" id="{E9E0EA28-40C9-4C6E-BD9F-5E0E24D062BF}"/>
+              </a:ext>
+            </a:extLst>
+          </p:cNvPr>
+          <p:cNvSpPr txBox="1"/>
+          <p:nvPr/>
+        </p:nvSpPr>
+        <p:spPr>
+          <a:xfrm>
+            <a:off x="1803968" y="1281820"/>
+            <a:ext cx="8422498" cy="646331"/>
+          </a:xfrm>
+          <a:prstGeom prst="rect">
+            <a:avLst/>
+          </a:prstGeom>
+        </p:spPr>
+        <p:style>
+          <a:lnRef idx="2">
+            <a:schemeClr val="accent1"/>
+          </a:lnRef>
+          <a:fillRef idx="1">
+            <a:schemeClr val="lt1"/>
+          </a:fillRef>
+          <a:effectRef idx="0">
+            <a:schemeClr val="accent1"/>
+          </a:effectRef>
+          <a:fontRef idx="minor">
+            <a:schemeClr val="dk1"/>
+          </a:fontRef>
+        </p:style>
+        <p:txBody>
+          <a:bodyPr wrap="none" rtlCol="0">
+            <a:spAutoFit/>
+          </a:bodyPr>
+          <a:lstStyle/>
+          <a:p>
+            <a:r>
+              <a:rPr lang="ko-KR" altLang="en-US"/>
+              <a:t>메서드 추출은 당연하다고 느낄지도 모르지만 </a:t>
+            </a:r>
+            <a:r>
+              <a:rPr lang="ko-KR" altLang="en-US">
+                <a:solidFill>
+                  <a:srgbClr val="FF0000"/>
+                </a:solidFill>
+              </a:rPr>
+              <a:t>가볍게 생각해서는 안됨</a:t>
+            </a:r>
+            <a:endParaRPr lang="en-US" altLang="ko-KR">
+              <a:solidFill>
+                <a:srgbClr val="FF0000"/>
+              </a:solidFill>
+            </a:endParaRPr>
+          </a:p>
+          <a:p>
+            <a:r>
+              <a:rPr lang="ko-KR" altLang="en-US">
+                <a:solidFill>
+                  <a:schemeClr val="tx1"/>
+                </a:solidFill>
+              </a:rPr>
+              <a:t>프로그램을 대충 수정하는게 아닌 </a:t>
+            </a:r>
+            <a:r>
+              <a:rPr lang="ko-KR" altLang="en-US">
+                <a:solidFill>
+                  <a:srgbClr val="FF0000"/>
+                </a:solidFill>
+              </a:rPr>
+              <a:t>메서드 추출</a:t>
+            </a:r>
+            <a:r>
+              <a:rPr lang="ko-KR" altLang="en-US">
+                <a:solidFill>
+                  <a:schemeClr val="tx1"/>
+                </a:solidFill>
+              </a:rPr>
+              <a:t>을 하고 있다고 의식하는게 중요</a:t>
+            </a:r>
+          </a:p>
+        </p:txBody>
+      </p:sp>
+      <p:sp>
+        <p:nvSpPr>
+          <p:cNvPr id="22" name="TextBox 21">
+            <a:extLst>
+              <a:ext uri="{FF2B5EF4-FFF2-40B4-BE49-F238E27FC236}">
+                <a16:creationId xmlns:a16="http://schemas.microsoft.com/office/drawing/2014/main" id="{9CD56CDC-7556-4532-A983-8C1A54B216B2}"/>
+              </a:ext>
+            </a:extLst>
+          </p:cNvPr>
+          <p:cNvSpPr txBox="1"/>
+          <p:nvPr/>
+        </p:nvSpPr>
+        <p:spPr>
+          <a:xfrm>
+            <a:off x="904683" y="579312"/>
+            <a:ext cx="2715808" cy="369332"/>
+          </a:xfrm>
+          <a:prstGeom prst="rect">
+            <a:avLst/>
+          </a:prstGeom>
+          <a:noFill/>
+        </p:spPr>
+        <p:txBody>
+          <a:bodyPr wrap="none" rtlCol="0">
+            <a:spAutoFit/>
+          </a:bodyPr>
+          <a:lstStyle/>
+          <a:p>
+            <a:r>
+              <a:rPr lang="ko-KR" altLang="en-US"/>
+              <a:t>메서드 추출은 당연한가</a:t>
+            </a:r>
+            <a:r>
+              <a:rPr lang="en-US" altLang="ko-KR"/>
+              <a:t>?</a:t>
+            </a:r>
+            <a:endParaRPr lang="ko-KR" altLang="en-US"/>
+          </a:p>
+        </p:txBody>
+      </p:sp>
+      <p:sp>
+        <p:nvSpPr>
+          <p:cNvPr id="12" name="TextBox 11">
+            <a:extLst>
+              <a:ext uri="{FF2B5EF4-FFF2-40B4-BE49-F238E27FC236}">
+                <a16:creationId xmlns:a16="http://schemas.microsoft.com/office/drawing/2014/main" id="{FD3F427A-F04D-4BBA-8C68-F5CE8D771D60}"/>
+              </a:ext>
+            </a:extLst>
+          </p:cNvPr>
+          <p:cNvSpPr txBox="1"/>
+          <p:nvPr/>
+        </p:nvSpPr>
+        <p:spPr>
+          <a:xfrm>
+            <a:off x="1803968" y="3105834"/>
+            <a:ext cx="9183924" cy="923330"/>
+          </a:xfrm>
+          <a:prstGeom prst="rect">
+            <a:avLst/>
+          </a:prstGeom>
+        </p:spPr>
+        <p:style>
+          <a:lnRef idx="2">
+            <a:schemeClr val="accent1"/>
+          </a:lnRef>
+          <a:fillRef idx="1">
+            <a:schemeClr val="lt1"/>
+          </a:fillRef>
+          <a:effectRef idx="0">
+            <a:schemeClr val="accent1"/>
+          </a:effectRef>
+          <a:fontRef idx="minor">
+            <a:schemeClr val="dk1"/>
+          </a:fontRef>
+        </p:style>
+        <p:txBody>
+          <a:bodyPr wrap="none" rtlCol="0">
+            <a:spAutoFit/>
+          </a:bodyPr>
+          <a:lstStyle/>
+          <a:p>
+            <a:r>
+              <a:rPr lang="ko-KR" altLang="en-US"/>
+              <a:t>여러 번 수정을 걸치며 길어지기 마련</a:t>
+            </a:r>
+            <a:endParaRPr lang="en-US" altLang="ko-KR"/>
+          </a:p>
+          <a:p>
+            <a:r>
+              <a:rPr lang="ko-KR" altLang="en-US">
+                <a:solidFill>
+                  <a:schemeClr val="tx1"/>
+                </a:solidFill>
+              </a:rPr>
+              <a:t>방치하면 더욱 길어지는 경향이 있으므로 </a:t>
+            </a:r>
+            <a:r>
+              <a:rPr lang="ko-KR" altLang="en-US">
+                <a:solidFill>
+                  <a:srgbClr val="FF0000"/>
+                </a:solidFill>
+              </a:rPr>
+              <a:t>메서드 추출</a:t>
+            </a:r>
+            <a:r>
+              <a:rPr lang="ko-KR" altLang="en-US">
+                <a:solidFill>
+                  <a:schemeClr val="tx1"/>
+                </a:solidFill>
+              </a:rPr>
+              <a:t>을 통해 메서드를 여래개로 잘라낼</a:t>
+            </a:r>
+            <a:endParaRPr lang="en-US" altLang="ko-KR">
+              <a:solidFill>
+                <a:schemeClr val="tx1"/>
+              </a:solidFill>
+            </a:endParaRPr>
+          </a:p>
+          <a:p>
+            <a:r>
+              <a:rPr lang="ko-KR" altLang="en-US">
+                <a:solidFill>
+                  <a:schemeClr val="tx1"/>
+                </a:solidFill>
+              </a:rPr>
+              <a:t>필요가 있음</a:t>
+            </a:r>
+          </a:p>
+        </p:txBody>
+      </p:sp>
+      <p:sp>
+        <p:nvSpPr>
+          <p:cNvPr id="13" name="TextBox 12">
+            <a:extLst>
+              <a:ext uri="{FF2B5EF4-FFF2-40B4-BE49-F238E27FC236}">
+                <a16:creationId xmlns:a16="http://schemas.microsoft.com/office/drawing/2014/main" id="{C8A62178-BC12-490F-A54E-EAB03EFD2CF9}"/>
+              </a:ext>
+            </a:extLst>
+          </p:cNvPr>
+          <p:cNvSpPr txBox="1"/>
+          <p:nvPr/>
+        </p:nvSpPr>
+        <p:spPr>
+          <a:xfrm>
+            <a:off x="904683" y="2403326"/>
+            <a:ext cx="2630848" cy="369332"/>
+          </a:xfrm>
+          <a:prstGeom prst="rect">
+            <a:avLst/>
+          </a:prstGeom>
+          <a:noFill/>
+        </p:spPr>
+        <p:txBody>
+          <a:bodyPr wrap="none" rtlCol="0">
+            <a:spAutoFit/>
+          </a:bodyPr>
+          <a:lstStyle/>
+          <a:p>
+            <a:r>
+              <a:rPr lang="ko-KR" altLang="en-US"/>
+              <a:t>메서드가 길어지는 경우</a:t>
+            </a:r>
+          </a:p>
+        </p:txBody>
+      </p:sp>
+    </p:spTree>
+    <p:extLst>
+      <p:ext uri="{BB962C8B-B14F-4D97-AF65-F5344CB8AC3E}">
+        <p14:creationId xmlns:p14="http://schemas.microsoft.com/office/powerpoint/2010/main" val="860385848"/>
       </p:ext>
     </p:extLst>
   </p:cSld>
@@ -6698,7 +9853,7 @@
 </file>
 
 <file path=ppt/slides/slide2.xml><?xml version="1.0" encoding="utf-8"?>
-<p:sld xmlns:a="http://schemas.openxmlformats.org/drawingml/2006/main" xmlns:r="http://schemas.openxmlformats.org/officeDocument/2006/relationships" xmlns:p="http://schemas.openxmlformats.org/presentationml/2006/main">
+<p:sld xmlns:a="http://schemas.openxmlformats.org/drawingml/2006/main" xmlns:r="http://schemas.openxmlformats.org/officeDocument/2006/relationships" xmlns:p="http://schemas.openxmlformats.org/presentationml/2006/main" show="0">
   <p:cSld>
     <p:spTree>
       <p:nvGrpSpPr>
@@ -7722,6 +10877,1826 @@
 </p:sld>
 </file>
 
+<file path=ppt/slides/slide20.xml><?xml version="1.0" encoding="utf-8"?>
+<p:sld xmlns:a="http://schemas.openxmlformats.org/drawingml/2006/main" xmlns:r="http://schemas.openxmlformats.org/officeDocument/2006/relationships" xmlns:p="http://schemas.openxmlformats.org/presentationml/2006/main">
+  <p:cSld>
+    <p:spTree>
+      <p:nvGrpSpPr>
+        <p:cNvPr id="1" name=""/>
+        <p:cNvGrpSpPr/>
+        <p:nvPr/>
+      </p:nvGrpSpPr>
+      <p:grpSpPr>
+        <a:xfrm>
+          <a:off x="0" y="0"/>
+          <a:ext cx="0" cy="0"/>
+          <a:chOff x="0" y="0"/>
+          <a:chExt cx="0" cy="0"/>
+        </a:xfrm>
+      </p:grpSpPr>
+      <p:sp>
+        <p:nvSpPr>
+          <p:cNvPr id="11" name="TextBox 10">
+            <a:extLst>
+              <a:ext uri="{FF2B5EF4-FFF2-40B4-BE49-F238E27FC236}">
+                <a16:creationId xmlns:a16="http://schemas.microsoft.com/office/drawing/2014/main" id="{CB92E015-7590-460C-BD1B-F49E13BC66FC}"/>
+              </a:ext>
+            </a:extLst>
+          </p:cNvPr>
+          <p:cNvSpPr txBox="1"/>
+          <p:nvPr/>
+        </p:nvSpPr>
+        <p:spPr>
+          <a:xfrm>
+            <a:off x="905692" y="233681"/>
+            <a:ext cx="1651414" cy="400110"/>
+          </a:xfrm>
+          <a:prstGeom prst="rect">
+            <a:avLst/>
+          </a:prstGeom>
+          <a:noFill/>
+        </p:spPr>
+        <p:txBody>
+          <a:bodyPr wrap="none" rtlCol="0">
+            <a:spAutoFit/>
+          </a:bodyPr>
+          <a:lstStyle/>
+          <a:p>
+            <a:r>
+              <a:rPr lang="en-US" altLang="ko-KR" sz="2000"/>
+              <a:t>5.3 </a:t>
+            </a:r>
+            <a:r>
+              <a:rPr lang="ko-KR" altLang="en-US" sz="2000"/>
+              <a:t>연습문제</a:t>
+            </a:r>
+            <a:endParaRPr lang="ko-KR" altLang="en-US" sz="1200"/>
+          </a:p>
+        </p:txBody>
+      </p:sp>
+      <p:sp>
+        <p:nvSpPr>
+          <p:cNvPr id="22" name="TextBox 21">
+            <a:extLst>
+              <a:ext uri="{FF2B5EF4-FFF2-40B4-BE49-F238E27FC236}">
+                <a16:creationId xmlns:a16="http://schemas.microsoft.com/office/drawing/2014/main" id="{9CD56CDC-7556-4532-A983-8C1A54B216B2}"/>
+              </a:ext>
+            </a:extLst>
+          </p:cNvPr>
+          <p:cNvSpPr txBox="1"/>
+          <p:nvPr/>
+        </p:nvSpPr>
+        <p:spPr>
+          <a:xfrm>
+            <a:off x="904683" y="579312"/>
+            <a:ext cx="1505540" cy="369332"/>
+          </a:xfrm>
+          <a:prstGeom prst="rect">
+            <a:avLst/>
+          </a:prstGeom>
+          <a:noFill/>
+        </p:spPr>
+        <p:txBody>
+          <a:bodyPr wrap="none" rtlCol="0">
+            <a:spAutoFit/>
+          </a:bodyPr>
+          <a:lstStyle/>
+          <a:p>
+            <a:r>
+              <a:rPr lang="ko-KR" altLang="en-US"/>
+              <a:t>예제</a:t>
+            </a:r>
+            <a:r>
+              <a:rPr lang="en-US" altLang="ko-KR"/>
+              <a:t>5-2 </a:t>
+            </a:r>
+            <a:r>
+              <a:rPr lang="ko-KR" altLang="en-US"/>
+              <a:t>악취</a:t>
+            </a:r>
+          </a:p>
+        </p:txBody>
+      </p:sp>
+      <p:sp>
+        <p:nvSpPr>
+          <p:cNvPr id="7" name="TextBox 6">
+            <a:extLst>
+              <a:ext uri="{FF2B5EF4-FFF2-40B4-BE49-F238E27FC236}">
+                <a16:creationId xmlns:a16="http://schemas.microsoft.com/office/drawing/2014/main" id="{65C0008B-A5EC-4AD7-9E6F-351F14743F70}"/>
+              </a:ext>
+            </a:extLst>
+          </p:cNvPr>
+          <p:cNvSpPr txBox="1"/>
+          <p:nvPr/>
+        </p:nvSpPr>
+        <p:spPr>
+          <a:xfrm>
+            <a:off x="3625612" y="256146"/>
+            <a:ext cx="4940776" cy="646331"/>
+          </a:xfrm>
+          <a:prstGeom prst="rect">
+            <a:avLst/>
+          </a:prstGeom>
+          <a:noFill/>
+        </p:spPr>
+        <p:txBody>
+          <a:bodyPr wrap="none" rtlCol="0">
+            <a:spAutoFit/>
+          </a:bodyPr>
+          <a:lstStyle/>
+          <a:p>
+            <a:r>
+              <a:rPr lang="en-US" altLang="ko-KR"/>
+              <a:t>showPrompt: </a:t>
+            </a:r>
+            <a:r>
+              <a:rPr lang="ko-KR" altLang="en-US"/>
+              <a:t>사용자 입력을 요구하는 메서드</a:t>
+            </a:r>
+            <a:endParaRPr lang="en-US" altLang="ko-KR"/>
+          </a:p>
+          <a:p>
+            <a:r>
+              <a:rPr lang="en-US" altLang="ko-KR"/>
+              <a:t>getString: </a:t>
+            </a:r>
+            <a:r>
+              <a:rPr lang="ko-KR" altLang="en-US"/>
+              <a:t>사용자로부터 문자열을 받는 메서드</a:t>
+            </a:r>
+          </a:p>
+        </p:txBody>
+      </p:sp>
+      <p:pic>
+        <p:nvPicPr>
+          <p:cNvPr id="9" name="그림 8" descr="텍스트이(가) 표시된 사진&#10;&#10;자동 생성된 설명">
+            <a:extLst>
+              <a:ext uri="{FF2B5EF4-FFF2-40B4-BE49-F238E27FC236}">
+                <a16:creationId xmlns:a16="http://schemas.microsoft.com/office/drawing/2014/main" id="{02E2A780-0159-49C0-ABB5-B2C195367FFB}"/>
+              </a:ext>
+            </a:extLst>
+          </p:cNvPr>
+          <p:cNvPicPr>
+            <a:picLocks noChangeAspect="1"/>
+          </p:cNvPicPr>
+          <p:nvPr/>
+        </p:nvPicPr>
+        <p:blipFill>
+          <a:blip r:embed="rId3">
+            <a:extLst>
+              <a:ext uri="{28A0092B-C50C-407E-A947-70E740481C1C}">
+                <a14:useLocalDpi xmlns:a14="http://schemas.microsoft.com/office/drawing/2010/main" val="0"/>
+              </a:ext>
+            </a:extLst>
+          </a:blip>
+          <a:stretch>
+            <a:fillRect/>
+          </a:stretch>
+        </p:blipFill>
+        <p:spPr>
+          <a:xfrm>
+            <a:off x="1731399" y="996950"/>
+            <a:ext cx="5439534" cy="5858693"/>
+          </a:xfrm>
+          <a:prstGeom prst="rect">
+            <a:avLst/>
+          </a:prstGeom>
+        </p:spPr>
+      </p:pic>
+      <p:sp>
+        <p:nvSpPr>
+          <p:cNvPr id="16" name="직사각형 15">
+            <a:extLst>
+              <a:ext uri="{FF2B5EF4-FFF2-40B4-BE49-F238E27FC236}">
+                <a16:creationId xmlns:a16="http://schemas.microsoft.com/office/drawing/2014/main" id="{48519714-23F2-4839-96A5-99143BA99C22}"/>
+              </a:ext>
+            </a:extLst>
+          </p:cNvPr>
+          <p:cNvSpPr/>
+          <p:nvPr/>
+        </p:nvSpPr>
+        <p:spPr>
+          <a:xfrm>
+            <a:off x="2272145" y="1432478"/>
+            <a:ext cx="3306618" cy="2493818"/>
+          </a:xfrm>
+          <a:prstGeom prst="rect">
+            <a:avLst/>
+          </a:prstGeom>
+          <a:noFill/>
+          <a:ln>
+            <a:solidFill>
+              <a:srgbClr val="FF0000"/>
+            </a:solidFill>
+          </a:ln>
+        </p:spPr>
+        <p:style>
+          <a:lnRef idx="2">
+            <a:schemeClr val="accent1">
+              <a:shade val="50000"/>
+            </a:schemeClr>
+          </a:lnRef>
+          <a:fillRef idx="1">
+            <a:schemeClr val="accent1"/>
+          </a:fillRef>
+          <a:effectRef idx="0">
+            <a:schemeClr val="accent1"/>
+          </a:effectRef>
+          <a:fontRef idx="minor">
+            <a:schemeClr val="lt1"/>
+          </a:fontRef>
+        </p:style>
+        <p:txBody>
+          <a:bodyPr rtlCol="0" anchor="ctr"/>
+          <a:lstStyle/>
+          <a:p>
+            <a:pPr algn="ctr"/>
+            <a:endParaRPr lang="ko-KR" altLang="en-US"/>
+          </a:p>
+        </p:txBody>
+      </p:sp>
+      <p:sp>
+        <p:nvSpPr>
+          <p:cNvPr id="17" name="TextBox 16">
+            <a:extLst>
+              <a:ext uri="{FF2B5EF4-FFF2-40B4-BE49-F238E27FC236}">
+                <a16:creationId xmlns:a16="http://schemas.microsoft.com/office/drawing/2014/main" id="{40E1C0AF-FFD2-46AA-A675-4ED9BEDE0CA8}"/>
+              </a:ext>
+            </a:extLst>
+          </p:cNvPr>
+          <p:cNvSpPr txBox="1"/>
+          <p:nvPr/>
+        </p:nvSpPr>
+        <p:spPr>
+          <a:xfrm>
+            <a:off x="6031345" y="2217722"/>
+            <a:ext cx="5287025" cy="923330"/>
+          </a:xfrm>
+          <a:prstGeom prst="rect">
+            <a:avLst/>
+          </a:prstGeom>
+        </p:spPr>
+        <p:style>
+          <a:lnRef idx="2">
+            <a:schemeClr val="accent1"/>
+          </a:lnRef>
+          <a:fillRef idx="1">
+            <a:schemeClr val="lt1"/>
+          </a:fillRef>
+          <a:effectRef idx="0">
+            <a:schemeClr val="accent1"/>
+          </a:effectRef>
+          <a:fontRef idx="minor">
+            <a:schemeClr val="dk1"/>
+          </a:fontRef>
+        </p:style>
+        <p:txBody>
+          <a:bodyPr wrap="none" rtlCol="0">
+            <a:spAutoFit/>
+          </a:bodyPr>
+          <a:lstStyle/>
+          <a:p>
+            <a:r>
+              <a:rPr lang="ko-KR" altLang="en-US"/>
+              <a:t>사용자로부터 문자열 입력을 받음</a:t>
+            </a:r>
+            <a:endParaRPr lang="en-US" altLang="ko-KR"/>
+          </a:p>
+          <a:p>
+            <a:r>
+              <a:rPr lang="ko-KR" altLang="en-US"/>
+              <a:t>입력이 </a:t>
+            </a:r>
+            <a:r>
+              <a:rPr lang="en-US" altLang="ko-KR"/>
+              <a:t>null</a:t>
+            </a:r>
+            <a:r>
+              <a:rPr lang="ko-KR" altLang="en-US"/>
+              <a:t>이 아니면 </a:t>
+            </a:r>
+            <a:r>
+              <a:rPr lang="en-US" altLang="ko-KR"/>
+              <a:t>hostname </a:t>
+            </a:r>
+            <a:r>
+              <a:rPr lang="ko-KR" altLang="en-US"/>
+              <a:t>얻기를 끝냄</a:t>
+            </a:r>
+            <a:endParaRPr lang="en-US" altLang="ko-KR"/>
+          </a:p>
+          <a:p>
+            <a:r>
+              <a:rPr lang="en-US" altLang="ko-KR"/>
+              <a:t>3</a:t>
+            </a:r>
+            <a:r>
+              <a:rPr lang="ko-KR" altLang="en-US"/>
+              <a:t>회 </a:t>
+            </a:r>
+            <a:r>
+              <a:rPr lang="en-US" altLang="ko-KR"/>
+              <a:t>null</a:t>
+            </a:r>
+            <a:r>
+              <a:rPr lang="ko-KR" altLang="en-US"/>
+              <a:t>이 되면 </a:t>
+            </a:r>
+            <a:r>
+              <a:rPr lang="en-US" altLang="ko-KR"/>
+              <a:t>InvalidInputException</a:t>
+            </a:r>
+            <a:r>
+              <a:rPr lang="ko-KR" altLang="en-US"/>
+              <a:t>을 발생시킴</a:t>
+            </a:r>
+          </a:p>
+        </p:txBody>
+      </p:sp>
+    </p:spTree>
+    <p:extLst>
+      <p:ext uri="{BB962C8B-B14F-4D97-AF65-F5344CB8AC3E}">
+        <p14:creationId xmlns:p14="http://schemas.microsoft.com/office/powerpoint/2010/main" val="732631498"/>
+      </p:ext>
+    </p:extLst>
+  </p:cSld>
+  <p:clrMapOvr>
+    <a:masterClrMapping/>
+  </p:clrMapOvr>
+</p:sld>
+</file>
+
+<file path=ppt/slides/slide21.xml><?xml version="1.0" encoding="utf-8"?>
+<p:sld xmlns:a="http://schemas.openxmlformats.org/drawingml/2006/main" xmlns:r="http://schemas.openxmlformats.org/officeDocument/2006/relationships" xmlns:p="http://schemas.openxmlformats.org/presentationml/2006/main">
+  <p:cSld>
+    <p:spTree>
+      <p:nvGrpSpPr>
+        <p:cNvPr id="1" name=""/>
+        <p:cNvGrpSpPr/>
+        <p:nvPr/>
+      </p:nvGrpSpPr>
+      <p:grpSpPr>
+        <a:xfrm>
+          <a:off x="0" y="0"/>
+          <a:ext cx="0" cy="0"/>
+          <a:chOff x="0" y="0"/>
+          <a:chExt cx="0" cy="0"/>
+        </a:xfrm>
+      </p:grpSpPr>
+      <p:sp>
+        <p:nvSpPr>
+          <p:cNvPr id="11" name="TextBox 10">
+            <a:extLst>
+              <a:ext uri="{FF2B5EF4-FFF2-40B4-BE49-F238E27FC236}">
+                <a16:creationId xmlns:a16="http://schemas.microsoft.com/office/drawing/2014/main" id="{CB92E015-7590-460C-BD1B-F49E13BC66FC}"/>
+              </a:ext>
+            </a:extLst>
+          </p:cNvPr>
+          <p:cNvSpPr txBox="1"/>
+          <p:nvPr/>
+        </p:nvSpPr>
+        <p:spPr>
+          <a:xfrm>
+            <a:off x="905692" y="233681"/>
+            <a:ext cx="1651414" cy="400110"/>
+          </a:xfrm>
+          <a:prstGeom prst="rect">
+            <a:avLst/>
+          </a:prstGeom>
+          <a:noFill/>
+        </p:spPr>
+        <p:txBody>
+          <a:bodyPr wrap="none" rtlCol="0">
+            <a:spAutoFit/>
+          </a:bodyPr>
+          <a:lstStyle/>
+          <a:p>
+            <a:r>
+              <a:rPr lang="en-US" altLang="ko-KR" sz="2000"/>
+              <a:t>5.3 </a:t>
+            </a:r>
+            <a:r>
+              <a:rPr lang="ko-KR" altLang="en-US" sz="2000"/>
+              <a:t>연습문제</a:t>
+            </a:r>
+            <a:endParaRPr lang="ko-KR" altLang="en-US" sz="1200"/>
+          </a:p>
+        </p:txBody>
+      </p:sp>
+      <p:sp>
+        <p:nvSpPr>
+          <p:cNvPr id="22" name="TextBox 21">
+            <a:extLst>
+              <a:ext uri="{FF2B5EF4-FFF2-40B4-BE49-F238E27FC236}">
+                <a16:creationId xmlns:a16="http://schemas.microsoft.com/office/drawing/2014/main" id="{9CD56CDC-7556-4532-A983-8C1A54B216B2}"/>
+              </a:ext>
+            </a:extLst>
+          </p:cNvPr>
+          <p:cNvSpPr txBox="1"/>
+          <p:nvPr/>
+        </p:nvSpPr>
+        <p:spPr>
+          <a:xfrm>
+            <a:off x="904683" y="579312"/>
+            <a:ext cx="1505540" cy="369332"/>
+          </a:xfrm>
+          <a:prstGeom prst="rect">
+            <a:avLst/>
+          </a:prstGeom>
+          <a:noFill/>
+        </p:spPr>
+        <p:txBody>
+          <a:bodyPr wrap="none" rtlCol="0">
+            <a:spAutoFit/>
+          </a:bodyPr>
+          <a:lstStyle/>
+          <a:p>
+            <a:r>
+              <a:rPr lang="ko-KR" altLang="en-US"/>
+              <a:t>예제</a:t>
+            </a:r>
+            <a:r>
+              <a:rPr lang="en-US" altLang="ko-KR"/>
+              <a:t>5-2 </a:t>
+            </a:r>
+            <a:r>
+              <a:rPr lang="ko-KR" altLang="en-US"/>
+              <a:t>악취</a:t>
+            </a:r>
+          </a:p>
+        </p:txBody>
+      </p:sp>
+      <p:pic>
+        <p:nvPicPr>
+          <p:cNvPr id="9" name="그림 8" descr="텍스트이(가) 표시된 사진&#10;&#10;자동 생성된 설명">
+            <a:extLst>
+              <a:ext uri="{FF2B5EF4-FFF2-40B4-BE49-F238E27FC236}">
+                <a16:creationId xmlns:a16="http://schemas.microsoft.com/office/drawing/2014/main" id="{02E2A780-0159-49C0-ABB5-B2C195367FFB}"/>
+              </a:ext>
+            </a:extLst>
+          </p:cNvPr>
+          <p:cNvPicPr>
+            <a:picLocks noChangeAspect="1"/>
+          </p:cNvPicPr>
+          <p:nvPr/>
+        </p:nvPicPr>
+        <p:blipFill>
+          <a:blip r:embed="rId3">
+            <a:extLst>
+              <a:ext uri="{28A0092B-C50C-407E-A947-70E740481C1C}">
+                <a14:useLocalDpi xmlns:a14="http://schemas.microsoft.com/office/drawing/2010/main" val="0"/>
+              </a:ext>
+            </a:extLst>
+          </a:blip>
+          <a:stretch>
+            <a:fillRect/>
+          </a:stretch>
+        </p:blipFill>
+        <p:spPr>
+          <a:xfrm>
+            <a:off x="327472" y="948644"/>
+            <a:ext cx="5439534" cy="5858693"/>
+          </a:xfrm>
+          <a:prstGeom prst="rect">
+            <a:avLst/>
+          </a:prstGeom>
+        </p:spPr>
+      </p:pic>
+    </p:spTree>
+    <p:extLst>
+      <p:ext uri="{BB962C8B-B14F-4D97-AF65-F5344CB8AC3E}">
+        <p14:creationId xmlns:p14="http://schemas.microsoft.com/office/powerpoint/2010/main" val="1515701296"/>
+      </p:ext>
+    </p:extLst>
+  </p:cSld>
+  <p:clrMapOvr>
+    <a:masterClrMapping/>
+  </p:clrMapOvr>
+</p:sld>
+</file>
+
+<file path=ppt/slides/slide22.xml><?xml version="1.0" encoding="utf-8"?>
+<p:sld xmlns:a="http://schemas.openxmlformats.org/drawingml/2006/main" xmlns:r="http://schemas.openxmlformats.org/officeDocument/2006/relationships" xmlns:p="http://schemas.openxmlformats.org/presentationml/2006/main">
+  <p:cSld>
+    <p:spTree>
+      <p:nvGrpSpPr>
+        <p:cNvPr id="1" name=""/>
+        <p:cNvGrpSpPr/>
+        <p:nvPr/>
+      </p:nvGrpSpPr>
+      <p:grpSpPr>
+        <a:xfrm>
+          <a:off x="0" y="0"/>
+          <a:ext cx="0" cy="0"/>
+          <a:chOff x="0" y="0"/>
+          <a:chExt cx="0" cy="0"/>
+        </a:xfrm>
+      </p:grpSpPr>
+      <p:sp>
+        <p:nvSpPr>
+          <p:cNvPr id="11" name="TextBox 10">
+            <a:extLst>
+              <a:ext uri="{FF2B5EF4-FFF2-40B4-BE49-F238E27FC236}">
+                <a16:creationId xmlns:a16="http://schemas.microsoft.com/office/drawing/2014/main" id="{CB92E015-7590-460C-BD1B-F49E13BC66FC}"/>
+              </a:ext>
+            </a:extLst>
+          </p:cNvPr>
+          <p:cNvSpPr txBox="1"/>
+          <p:nvPr/>
+        </p:nvSpPr>
+        <p:spPr>
+          <a:xfrm>
+            <a:off x="905692" y="233681"/>
+            <a:ext cx="1651414" cy="400110"/>
+          </a:xfrm>
+          <a:prstGeom prst="rect">
+            <a:avLst/>
+          </a:prstGeom>
+          <a:noFill/>
+        </p:spPr>
+        <p:txBody>
+          <a:bodyPr wrap="none" rtlCol="0">
+            <a:spAutoFit/>
+          </a:bodyPr>
+          <a:lstStyle/>
+          <a:p>
+            <a:r>
+              <a:rPr lang="en-US" altLang="ko-KR" sz="2000"/>
+              <a:t>5.3 </a:t>
+            </a:r>
+            <a:r>
+              <a:rPr lang="ko-KR" altLang="en-US" sz="2000"/>
+              <a:t>연습문제</a:t>
+            </a:r>
+            <a:endParaRPr lang="ko-KR" altLang="en-US" sz="1200"/>
+          </a:p>
+        </p:txBody>
+      </p:sp>
+      <p:sp>
+        <p:nvSpPr>
+          <p:cNvPr id="22" name="TextBox 21">
+            <a:extLst>
+              <a:ext uri="{FF2B5EF4-FFF2-40B4-BE49-F238E27FC236}">
+                <a16:creationId xmlns:a16="http://schemas.microsoft.com/office/drawing/2014/main" id="{9CD56CDC-7556-4532-A983-8C1A54B216B2}"/>
+              </a:ext>
+            </a:extLst>
+          </p:cNvPr>
+          <p:cNvSpPr txBox="1"/>
+          <p:nvPr/>
+        </p:nvSpPr>
+        <p:spPr>
+          <a:xfrm>
+            <a:off x="904683" y="579312"/>
+            <a:ext cx="1505540" cy="369332"/>
+          </a:xfrm>
+          <a:prstGeom prst="rect">
+            <a:avLst/>
+          </a:prstGeom>
+          <a:noFill/>
+        </p:spPr>
+        <p:txBody>
+          <a:bodyPr wrap="none" rtlCol="0">
+            <a:spAutoFit/>
+          </a:bodyPr>
+          <a:lstStyle/>
+          <a:p>
+            <a:r>
+              <a:rPr lang="ko-KR" altLang="en-US"/>
+              <a:t>예제</a:t>
+            </a:r>
+            <a:r>
+              <a:rPr lang="en-US" altLang="ko-KR"/>
+              <a:t>5-2 </a:t>
+            </a:r>
+            <a:r>
+              <a:rPr lang="ko-KR" altLang="en-US"/>
+              <a:t>악취</a:t>
+            </a:r>
+          </a:p>
+        </p:txBody>
+      </p:sp>
+      <p:pic>
+        <p:nvPicPr>
+          <p:cNvPr id="9" name="그림 8" descr="텍스트이(가) 표시된 사진&#10;&#10;자동 생성된 설명">
+            <a:extLst>
+              <a:ext uri="{FF2B5EF4-FFF2-40B4-BE49-F238E27FC236}">
+                <a16:creationId xmlns:a16="http://schemas.microsoft.com/office/drawing/2014/main" id="{02E2A780-0159-49C0-ABB5-B2C195367FFB}"/>
+              </a:ext>
+            </a:extLst>
+          </p:cNvPr>
+          <p:cNvPicPr>
+            <a:picLocks noChangeAspect="1"/>
+          </p:cNvPicPr>
+          <p:nvPr/>
+        </p:nvPicPr>
+        <p:blipFill>
+          <a:blip r:embed="rId3">
+            <a:extLst>
+              <a:ext uri="{28A0092B-C50C-407E-A947-70E740481C1C}">
+                <a14:useLocalDpi xmlns:a14="http://schemas.microsoft.com/office/drawing/2010/main" val="0"/>
+              </a:ext>
+            </a:extLst>
+          </a:blip>
+          <a:stretch>
+            <a:fillRect/>
+          </a:stretch>
+        </p:blipFill>
+        <p:spPr>
+          <a:xfrm>
+            <a:off x="0" y="948644"/>
+            <a:ext cx="5439534" cy="5858693"/>
+          </a:xfrm>
+          <a:prstGeom prst="rect">
+            <a:avLst/>
+          </a:prstGeom>
+        </p:spPr>
+      </p:pic>
+      <p:sp>
+        <p:nvSpPr>
+          <p:cNvPr id="4" name="화살표: 오른쪽 3">
+            <a:extLst>
+              <a:ext uri="{FF2B5EF4-FFF2-40B4-BE49-F238E27FC236}">
+                <a16:creationId xmlns:a16="http://schemas.microsoft.com/office/drawing/2014/main" id="{CCB121F0-8565-4F8D-B711-385EFDDD448E}"/>
+              </a:ext>
+            </a:extLst>
+          </p:cNvPr>
+          <p:cNvSpPr/>
+          <p:nvPr/>
+        </p:nvSpPr>
+        <p:spPr>
+          <a:xfrm>
+            <a:off x="4073236" y="4221018"/>
+            <a:ext cx="1200728" cy="480291"/>
+          </a:xfrm>
+          <a:prstGeom prst="rightArrow">
+            <a:avLst/>
+          </a:prstGeom>
+        </p:spPr>
+        <p:style>
+          <a:lnRef idx="2">
+            <a:schemeClr val="accent1">
+              <a:shade val="50000"/>
+            </a:schemeClr>
+          </a:lnRef>
+          <a:fillRef idx="1">
+            <a:schemeClr val="accent1"/>
+          </a:fillRef>
+          <a:effectRef idx="0">
+            <a:schemeClr val="accent1"/>
+          </a:effectRef>
+          <a:fontRef idx="minor">
+            <a:schemeClr val="lt1"/>
+          </a:fontRef>
+        </p:style>
+        <p:txBody>
+          <a:bodyPr rtlCol="0" anchor="ctr"/>
+          <a:lstStyle/>
+          <a:p>
+            <a:pPr algn="ctr"/>
+            <a:endParaRPr lang="ko-KR" altLang="en-US"/>
+          </a:p>
+        </p:txBody>
+      </p:sp>
+      <p:sp>
+        <p:nvSpPr>
+          <p:cNvPr id="5" name="TextBox 4">
+            <a:extLst>
+              <a:ext uri="{FF2B5EF4-FFF2-40B4-BE49-F238E27FC236}">
+                <a16:creationId xmlns:a16="http://schemas.microsoft.com/office/drawing/2014/main" id="{E07761C9-6BB6-4466-B5B1-7A622154387D}"/>
+              </a:ext>
+            </a:extLst>
+          </p:cNvPr>
+          <p:cNvSpPr txBox="1"/>
+          <p:nvPr/>
+        </p:nvSpPr>
+        <p:spPr>
+          <a:xfrm>
+            <a:off x="6557818" y="948644"/>
+            <a:ext cx="3538148" cy="1200329"/>
+          </a:xfrm>
+          <a:prstGeom prst="rect">
+            <a:avLst/>
+          </a:prstGeom>
+        </p:spPr>
+        <p:style>
+          <a:lnRef idx="2">
+            <a:schemeClr val="accent1"/>
+          </a:lnRef>
+          <a:fillRef idx="1">
+            <a:schemeClr val="lt1"/>
+          </a:fillRef>
+          <a:effectRef idx="0">
+            <a:schemeClr val="accent1"/>
+          </a:effectRef>
+          <a:fontRef idx="minor">
+            <a:schemeClr val="dk1"/>
+          </a:fontRef>
+        </p:style>
+        <p:txBody>
+          <a:bodyPr wrap="none" rtlCol="0">
+            <a:spAutoFit/>
+          </a:bodyPr>
+          <a:lstStyle/>
+          <a:p>
+            <a:r>
+              <a:rPr lang="ko-KR" altLang="en-US"/>
+              <a:t>메서드명</a:t>
+            </a:r>
+            <a:r>
+              <a:rPr lang="en-US" altLang="ko-KR"/>
+              <a:t>: getStringWithPrompt</a:t>
+            </a:r>
+          </a:p>
+          <a:p>
+            <a:r>
+              <a:rPr lang="ko-KR" altLang="en-US"/>
+              <a:t>메서드 내부 지역변수 </a:t>
+            </a:r>
+            <a:r>
+              <a:rPr lang="en-US" altLang="ko-KR"/>
+              <a:t>input </a:t>
+            </a:r>
+            <a:r>
+              <a:rPr lang="ko-KR" altLang="en-US"/>
+              <a:t>선언</a:t>
+            </a:r>
+            <a:endParaRPr lang="en-US" altLang="ko-KR"/>
+          </a:p>
+          <a:p>
+            <a:r>
+              <a:rPr lang="ko-KR" altLang="en-US"/>
+              <a:t>매개변수로 </a:t>
+            </a:r>
+            <a:r>
+              <a:rPr lang="en-US" altLang="ko-KR"/>
+              <a:t>prompt</a:t>
+            </a:r>
+            <a:r>
+              <a:rPr lang="ko-KR" altLang="en-US"/>
+              <a:t>를 가져옴</a:t>
+            </a:r>
+            <a:endParaRPr lang="en-US" altLang="ko-KR"/>
+          </a:p>
+          <a:p>
+            <a:r>
+              <a:rPr lang="ko-KR" altLang="en-US"/>
+              <a:t>반환값 </a:t>
+            </a:r>
+            <a:r>
+              <a:rPr lang="en-US" altLang="ko-KR"/>
+              <a:t>name</a:t>
+            </a:r>
+            <a:endParaRPr lang="ko-KR" altLang="en-US"/>
+          </a:p>
+        </p:txBody>
+      </p:sp>
+      <p:pic>
+        <p:nvPicPr>
+          <p:cNvPr id="18" name="그림 17" descr="텍스트이(가) 표시된 사진&#10;&#10;자동 생성된 설명">
+            <a:extLst>
+              <a:ext uri="{FF2B5EF4-FFF2-40B4-BE49-F238E27FC236}">
+                <a16:creationId xmlns:a16="http://schemas.microsoft.com/office/drawing/2014/main" id="{2C9753CB-6FA3-4FD8-9911-C8804DC77365}"/>
+              </a:ext>
+            </a:extLst>
+          </p:cNvPr>
+          <p:cNvPicPr>
+            <a:picLocks noChangeAspect="1"/>
+          </p:cNvPicPr>
+          <p:nvPr/>
+        </p:nvPicPr>
+        <p:blipFill>
+          <a:blip r:embed="rId4">
+            <a:extLst>
+              <a:ext uri="{28A0092B-C50C-407E-A947-70E740481C1C}">
+                <a14:useLocalDpi xmlns:a14="http://schemas.microsoft.com/office/drawing/2010/main" val="0"/>
+              </a:ext>
+            </a:extLst>
+          </a:blip>
+          <a:stretch>
+            <a:fillRect/>
+          </a:stretch>
+        </p:blipFill>
+        <p:spPr>
+          <a:xfrm>
+            <a:off x="5439534" y="2746675"/>
+            <a:ext cx="6782747" cy="4058216"/>
+          </a:xfrm>
+          <a:prstGeom prst="rect">
+            <a:avLst/>
+          </a:prstGeom>
+        </p:spPr>
+      </p:pic>
+    </p:spTree>
+    <p:extLst>
+      <p:ext uri="{BB962C8B-B14F-4D97-AF65-F5344CB8AC3E}">
+        <p14:creationId xmlns:p14="http://schemas.microsoft.com/office/powerpoint/2010/main" val="3885005979"/>
+      </p:ext>
+    </p:extLst>
+  </p:cSld>
+  <p:clrMapOvr>
+    <a:masterClrMapping/>
+  </p:clrMapOvr>
+</p:sld>
+</file>
+
+<file path=ppt/slides/slide23.xml><?xml version="1.0" encoding="utf-8"?>
+<p:sld xmlns:a="http://schemas.openxmlformats.org/drawingml/2006/main" xmlns:r="http://schemas.openxmlformats.org/officeDocument/2006/relationships" xmlns:p="http://schemas.openxmlformats.org/presentationml/2006/main">
+  <p:cSld>
+    <p:spTree>
+      <p:nvGrpSpPr>
+        <p:cNvPr id="1" name=""/>
+        <p:cNvGrpSpPr/>
+        <p:nvPr/>
+      </p:nvGrpSpPr>
+      <p:grpSpPr>
+        <a:xfrm>
+          <a:off x="0" y="0"/>
+          <a:ext cx="0" cy="0"/>
+          <a:chOff x="0" y="0"/>
+          <a:chExt cx="0" cy="0"/>
+        </a:xfrm>
+      </p:grpSpPr>
+      <p:pic>
+        <p:nvPicPr>
+          <p:cNvPr id="25" name="그림 24" descr="텍스트이(가) 표시된 사진&#10;&#10;자동 생성된 설명">
+            <a:extLst>
+              <a:ext uri="{FF2B5EF4-FFF2-40B4-BE49-F238E27FC236}">
+                <a16:creationId xmlns:a16="http://schemas.microsoft.com/office/drawing/2014/main" id="{16543AB9-6129-49B5-AA55-F86FC04B85BE}"/>
+              </a:ext>
+            </a:extLst>
+          </p:cNvPr>
+          <p:cNvPicPr>
+            <a:picLocks noChangeAspect="1"/>
+          </p:cNvPicPr>
+          <p:nvPr/>
+        </p:nvPicPr>
+        <p:blipFill>
+          <a:blip r:embed="rId3">
+            <a:extLst>
+              <a:ext uri="{28A0092B-C50C-407E-A947-70E740481C1C}">
+                <a14:useLocalDpi xmlns:a14="http://schemas.microsoft.com/office/drawing/2010/main" val="0"/>
+              </a:ext>
+            </a:extLst>
+          </a:blip>
+          <a:stretch>
+            <a:fillRect/>
+          </a:stretch>
+        </p:blipFill>
+        <p:spPr>
+          <a:xfrm>
+            <a:off x="0" y="893558"/>
+            <a:ext cx="6782747" cy="4058216"/>
+          </a:xfrm>
+          <a:prstGeom prst="rect">
+            <a:avLst/>
+          </a:prstGeom>
+        </p:spPr>
+      </p:pic>
+      <p:pic>
+        <p:nvPicPr>
+          <p:cNvPr id="27" name="그림 26" descr="텍스트, 스크린샷, 화면, 은색이(가) 표시된 사진&#10;&#10;자동 생성된 설명">
+            <a:extLst>
+              <a:ext uri="{FF2B5EF4-FFF2-40B4-BE49-F238E27FC236}">
+                <a16:creationId xmlns:a16="http://schemas.microsoft.com/office/drawing/2014/main" id="{87A1B75D-3435-4906-9F1B-676938F9B049}"/>
+              </a:ext>
+            </a:extLst>
+          </p:cNvPr>
+          <p:cNvPicPr>
+            <a:picLocks noChangeAspect="1"/>
+          </p:cNvPicPr>
+          <p:nvPr/>
+        </p:nvPicPr>
+        <p:blipFill>
+          <a:blip r:embed="rId4">
+            <a:extLst>
+              <a:ext uri="{28A0092B-C50C-407E-A947-70E740481C1C}">
+                <a14:useLocalDpi xmlns:a14="http://schemas.microsoft.com/office/drawing/2010/main" val="0"/>
+              </a:ext>
+            </a:extLst>
+          </a:blip>
+          <a:stretch>
+            <a:fillRect/>
+          </a:stretch>
+        </p:blipFill>
+        <p:spPr>
+          <a:xfrm>
+            <a:off x="5513753" y="4018573"/>
+            <a:ext cx="6687483" cy="2857899"/>
+          </a:xfrm>
+          <a:prstGeom prst="rect">
+            <a:avLst/>
+          </a:prstGeom>
+        </p:spPr>
+      </p:pic>
+      <p:sp>
+        <p:nvSpPr>
+          <p:cNvPr id="11" name="TextBox 10">
+            <a:extLst>
+              <a:ext uri="{FF2B5EF4-FFF2-40B4-BE49-F238E27FC236}">
+                <a16:creationId xmlns:a16="http://schemas.microsoft.com/office/drawing/2014/main" id="{CB92E015-7590-460C-BD1B-F49E13BC66FC}"/>
+              </a:ext>
+            </a:extLst>
+          </p:cNvPr>
+          <p:cNvSpPr txBox="1"/>
+          <p:nvPr/>
+        </p:nvSpPr>
+        <p:spPr>
+          <a:xfrm>
+            <a:off x="905692" y="233681"/>
+            <a:ext cx="1651414" cy="400110"/>
+          </a:xfrm>
+          <a:prstGeom prst="rect">
+            <a:avLst/>
+          </a:prstGeom>
+          <a:noFill/>
+        </p:spPr>
+        <p:txBody>
+          <a:bodyPr wrap="none" rtlCol="0">
+            <a:spAutoFit/>
+          </a:bodyPr>
+          <a:lstStyle/>
+          <a:p>
+            <a:r>
+              <a:rPr lang="en-US" altLang="ko-KR" sz="2000"/>
+              <a:t>5.3 </a:t>
+            </a:r>
+            <a:r>
+              <a:rPr lang="ko-KR" altLang="en-US" sz="2000"/>
+              <a:t>연습문제</a:t>
+            </a:r>
+            <a:endParaRPr lang="ko-KR" altLang="en-US" sz="1200"/>
+          </a:p>
+        </p:txBody>
+      </p:sp>
+      <p:sp>
+        <p:nvSpPr>
+          <p:cNvPr id="22" name="TextBox 21">
+            <a:extLst>
+              <a:ext uri="{FF2B5EF4-FFF2-40B4-BE49-F238E27FC236}">
+                <a16:creationId xmlns:a16="http://schemas.microsoft.com/office/drawing/2014/main" id="{9CD56CDC-7556-4532-A983-8C1A54B216B2}"/>
+              </a:ext>
+            </a:extLst>
+          </p:cNvPr>
+          <p:cNvSpPr txBox="1"/>
+          <p:nvPr/>
+        </p:nvSpPr>
+        <p:spPr>
+          <a:xfrm>
+            <a:off x="904683" y="579312"/>
+            <a:ext cx="1505540" cy="369332"/>
+          </a:xfrm>
+          <a:prstGeom prst="rect">
+            <a:avLst/>
+          </a:prstGeom>
+          <a:noFill/>
+        </p:spPr>
+        <p:txBody>
+          <a:bodyPr wrap="none" rtlCol="0">
+            <a:spAutoFit/>
+          </a:bodyPr>
+          <a:lstStyle/>
+          <a:p>
+            <a:r>
+              <a:rPr lang="ko-KR" altLang="en-US"/>
+              <a:t>예제</a:t>
+            </a:r>
+            <a:r>
+              <a:rPr lang="en-US" altLang="ko-KR"/>
+              <a:t>5-2 </a:t>
+            </a:r>
+            <a:r>
+              <a:rPr lang="ko-KR" altLang="en-US"/>
+              <a:t>악취</a:t>
+            </a:r>
+          </a:p>
+        </p:txBody>
+      </p:sp>
+      <p:sp>
+        <p:nvSpPr>
+          <p:cNvPr id="5" name="TextBox 4">
+            <a:extLst>
+              <a:ext uri="{FF2B5EF4-FFF2-40B4-BE49-F238E27FC236}">
+                <a16:creationId xmlns:a16="http://schemas.microsoft.com/office/drawing/2014/main" id="{E07761C9-6BB6-4466-B5B1-7A622154387D}"/>
+              </a:ext>
+            </a:extLst>
+          </p:cNvPr>
+          <p:cNvSpPr txBox="1"/>
+          <p:nvPr/>
+        </p:nvSpPr>
+        <p:spPr>
+          <a:xfrm>
+            <a:off x="8349673" y="1673787"/>
+            <a:ext cx="2460930" cy="369332"/>
+          </a:xfrm>
+          <a:prstGeom prst="rect">
+            <a:avLst/>
+          </a:prstGeom>
+        </p:spPr>
+        <p:style>
+          <a:lnRef idx="2">
+            <a:schemeClr val="accent1"/>
+          </a:lnRef>
+          <a:fillRef idx="1">
+            <a:schemeClr val="lt1"/>
+          </a:fillRef>
+          <a:effectRef idx="0">
+            <a:schemeClr val="accent1"/>
+          </a:effectRef>
+          <a:fontRef idx="minor">
+            <a:schemeClr val="dk1"/>
+          </a:fontRef>
+        </p:style>
+        <p:txBody>
+          <a:bodyPr wrap="none" rtlCol="0">
+            <a:spAutoFit/>
+          </a:bodyPr>
+          <a:lstStyle/>
+          <a:p>
+            <a:r>
+              <a:rPr lang="ko-KR" altLang="en-US"/>
+              <a:t>제어 플래그 삭제</a:t>
+            </a:r>
+            <a:r>
+              <a:rPr lang="en-US" altLang="ko-KR"/>
+              <a:t>(2</a:t>
+            </a:r>
+            <a:r>
+              <a:rPr lang="ko-KR" altLang="en-US"/>
+              <a:t>장</a:t>
+            </a:r>
+            <a:r>
+              <a:rPr lang="en-US" altLang="ko-KR"/>
+              <a:t>)</a:t>
+            </a:r>
+          </a:p>
+        </p:txBody>
+      </p:sp>
+      <p:sp>
+        <p:nvSpPr>
+          <p:cNvPr id="10" name="직사각형 9">
+            <a:extLst>
+              <a:ext uri="{FF2B5EF4-FFF2-40B4-BE49-F238E27FC236}">
+                <a16:creationId xmlns:a16="http://schemas.microsoft.com/office/drawing/2014/main" id="{4C0712B9-5487-4F82-9DE7-659A2D9AD6F4}"/>
+              </a:ext>
+            </a:extLst>
+          </p:cNvPr>
+          <p:cNvSpPr/>
+          <p:nvPr/>
+        </p:nvSpPr>
+        <p:spPr>
+          <a:xfrm>
+            <a:off x="544945" y="1173019"/>
+            <a:ext cx="1117600" cy="193964"/>
+          </a:xfrm>
+          <a:prstGeom prst="rect">
+            <a:avLst/>
+          </a:prstGeom>
+          <a:noFill/>
+          <a:ln>
+            <a:solidFill>
+              <a:schemeClr val="accent5"/>
+            </a:solidFill>
+          </a:ln>
+        </p:spPr>
+        <p:style>
+          <a:lnRef idx="2">
+            <a:schemeClr val="accent1">
+              <a:shade val="50000"/>
+            </a:schemeClr>
+          </a:lnRef>
+          <a:fillRef idx="1">
+            <a:schemeClr val="accent1"/>
+          </a:fillRef>
+          <a:effectRef idx="0">
+            <a:schemeClr val="accent1"/>
+          </a:effectRef>
+          <a:fontRef idx="minor">
+            <a:schemeClr val="lt1"/>
+          </a:fontRef>
+        </p:style>
+        <p:txBody>
+          <a:bodyPr rtlCol="0" anchor="ctr"/>
+          <a:lstStyle/>
+          <a:p>
+            <a:pPr algn="ctr"/>
+            <a:endParaRPr lang="ko-KR" altLang="en-US"/>
+          </a:p>
+        </p:txBody>
+      </p:sp>
+      <p:sp>
+        <p:nvSpPr>
+          <p:cNvPr id="13" name="직사각형 12">
+            <a:extLst>
+              <a:ext uri="{FF2B5EF4-FFF2-40B4-BE49-F238E27FC236}">
+                <a16:creationId xmlns:a16="http://schemas.microsoft.com/office/drawing/2014/main" id="{E4FE3CC2-7CCB-4BEF-A1EC-50BF26B24E1D}"/>
+              </a:ext>
+            </a:extLst>
+          </p:cNvPr>
+          <p:cNvSpPr/>
+          <p:nvPr/>
+        </p:nvSpPr>
+        <p:spPr>
+          <a:xfrm>
+            <a:off x="539853" y="1506353"/>
+            <a:ext cx="1117600" cy="193964"/>
+          </a:xfrm>
+          <a:prstGeom prst="rect">
+            <a:avLst/>
+          </a:prstGeom>
+          <a:noFill/>
+          <a:ln>
+            <a:solidFill>
+              <a:schemeClr val="accent5"/>
+            </a:solidFill>
+          </a:ln>
+        </p:spPr>
+        <p:style>
+          <a:lnRef idx="2">
+            <a:schemeClr val="accent1">
+              <a:shade val="50000"/>
+            </a:schemeClr>
+          </a:lnRef>
+          <a:fillRef idx="1">
+            <a:schemeClr val="accent1"/>
+          </a:fillRef>
+          <a:effectRef idx="0">
+            <a:schemeClr val="accent1"/>
+          </a:effectRef>
+          <a:fontRef idx="minor">
+            <a:schemeClr val="lt1"/>
+          </a:fontRef>
+        </p:style>
+        <p:txBody>
+          <a:bodyPr rtlCol="0" anchor="ctr"/>
+          <a:lstStyle/>
+          <a:p>
+            <a:pPr algn="ctr"/>
+            <a:endParaRPr lang="ko-KR" altLang="en-US"/>
+          </a:p>
+        </p:txBody>
+      </p:sp>
+      <p:sp>
+        <p:nvSpPr>
+          <p:cNvPr id="14" name="직사각형 13">
+            <a:extLst>
+              <a:ext uri="{FF2B5EF4-FFF2-40B4-BE49-F238E27FC236}">
+                <a16:creationId xmlns:a16="http://schemas.microsoft.com/office/drawing/2014/main" id="{250405C9-AD39-40E1-956E-FF180B46BAAE}"/>
+              </a:ext>
+            </a:extLst>
+          </p:cNvPr>
+          <p:cNvSpPr/>
+          <p:nvPr/>
+        </p:nvSpPr>
+        <p:spPr>
+          <a:xfrm>
+            <a:off x="1172599" y="2378915"/>
+            <a:ext cx="1117600" cy="193964"/>
+          </a:xfrm>
+          <a:prstGeom prst="rect">
+            <a:avLst/>
+          </a:prstGeom>
+          <a:noFill/>
+          <a:ln>
+            <a:solidFill>
+              <a:schemeClr val="accent5"/>
+            </a:solidFill>
+          </a:ln>
+        </p:spPr>
+        <p:style>
+          <a:lnRef idx="2">
+            <a:schemeClr val="accent1">
+              <a:shade val="50000"/>
+            </a:schemeClr>
+          </a:lnRef>
+          <a:fillRef idx="1">
+            <a:schemeClr val="accent1"/>
+          </a:fillRef>
+          <a:effectRef idx="0">
+            <a:schemeClr val="accent1"/>
+          </a:effectRef>
+          <a:fontRef idx="minor">
+            <a:schemeClr val="lt1"/>
+          </a:fontRef>
+        </p:style>
+        <p:txBody>
+          <a:bodyPr rtlCol="0" anchor="ctr"/>
+          <a:lstStyle/>
+          <a:p>
+            <a:pPr algn="ctr"/>
+            <a:endParaRPr lang="ko-KR" altLang="en-US"/>
+          </a:p>
+        </p:txBody>
+      </p:sp>
+      <p:sp>
+        <p:nvSpPr>
+          <p:cNvPr id="15" name="직사각형 14">
+            <a:extLst>
+              <a:ext uri="{FF2B5EF4-FFF2-40B4-BE49-F238E27FC236}">
+                <a16:creationId xmlns:a16="http://schemas.microsoft.com/office/drawing/2014/main" id="{5FD09E44-BA5C-4FF7-AFCA-32EDD3CEFEB4}"/>
+              </a:ext>
+            </a:extLst>
+          </p:cNvPr>
+          <p:cNvSpPr/>
+          <p:nvPr/>
+        </p:nvSpPr>
+        <p:spPr>
+          <a:xfrm>
+            <a:off x="457200" y="2943456"/>
+            <a:ext cx="1117600" cy="193964"/>
+          </a:xfrm>
+          <a:prstGeom prst="rect">
+            <a:avLst/>
+          </a:prstGeom>
+          <a:noFill/>
+          <a:ln>
+            <a:solidFill>
+              <a:schemeClr val="accent5"/>
+            </a:solidFill>
+          </a:ln>
+        </p:spPr>
+        <p:style>
+          <a:lnRef idx="2">
+            <a:schemeClr val="accent1">
+              <a:shade val="50000"/>
+            </a:schemeClr>
+          </a:lnRef>
+          <a:fillRef idx="1">
+            <a:schemeClr val="accent1"/>
+          </a:fillRef>
+          <a:effectRef idx="0">
+            <a:schemeClr val="accent1"/>
+          </a:effectRef>
+          <a:fontRef idx="minor">
+            <a:schemeClr val="lt1"/>
+          </a:fontRef>
+        </p:style>
+        <p:txBody>
+          <a:bodyPr rtlCol="0" anchor="ctr"/>
+          <a:lstStyle/>
+          <a:p>
+            <a:pPr algn="ctr"/>
+            <a:endParaRPr lang="ko-KR" altLang="en-US"/>
+          </a:p>
+        </p:txBody>
+      </p:sp>
+      <p:sp>
+        <p:nvSpPr>
+          <p:cNvPr id="17" name="직사각형 16">
+            <a:extLst>
+              <a:ext uri="{FF2B5EF4-FFF2-40B4-BE49-F238E27FC236}">
+                <a16:creationId xmlns:a16="http://schemas.microsoft.com/office/drawing/2014/main" id="{AD6BAA56-B1B4-43EF-839A-0727D2DFA1AC}"/>
+              </a:ext>
+            </a:extLst>
+          </p:cNvPr>
+          <p:cNvSpPr/>
+          <p:nvPr/>
+        </p:nvSpPr>
+        <p:spPr>
+          <a:xfrm>
+            <a:off x="6526717" y="4914840"/>
+            <a:ext cx="1117600" cy="193964"/>
+          </a:xfrm>
+          <a:prstGeom prst="rect">
+            <a:avLst/>
+          </a:prstGeom>
+          <a:noFill/>
+          <a:ln>
+            <a:solidFill>
+              <a:schemeClr val="accent5"/>
+            </a:solidFill>
+          </a:ln>
+        </p:spPr>
+        <p:style>
+          <a:lnRef idx="2">
+            <a:schemeClr val="accent1">
+              <a:shade val="50000"/>
+            </a:schemeClr>
+          </a:lnRef>
+          <a:fillRef idx="1">
+            <a:schemeClr val="accent1"/>
+          </a:fillRef>
+          <a:effectRef idx="0">
+            <a:schemeClr val="accent1"/>
+          </a:effectRef>
+          <a:fontRef idx="minor">
+            <a:schemeClr val="lt1"/>
+          </a:fontRef>
+        </p:style>
+        <p:txBody>
+          <a:bodyPr rtlCol="0" anchor="ctr"/>
+          <a:lstStyle/>
+          <a:p>
+            <a:pPr algn="ctr"/>
+            <a:endParaRPr lang="ko-KR" altLang="en-US"/>
+          </a:p>
+        </p:txBody>
+      </p:sp>
+      <p:sp>
+        <p:nvSpPr>
+          <p:cNvPr id="7" name="화살표: 위로 굽음 6">
+            <a:extLst>
+              <a:ext uri="{FF2B5EF4-FFF2-40B4-BE49-F238E27FC236}">
+                <a16:creationId xmlns:a16="http://schemas.microsoft.com/office/drawing/2014/main" id="{C1C05AE0-A52F-401C-9CE9-A5051FE6943A}"/>
+              </a:ext>
+            </a:extLst>
+          </p:cNvPr>
+          <p:cNvSpPr/>
+          <p:nvPr/>
+        </p:nvSpPr>
+        <p:spPr>
+          <a:xfrm flipV="1">
+            <a:off x="6716062" y="2324949"/>
+            <a:ext cx="2032000" cy="1641764"/>
+          </a:xfrm>
+          <a:prstGeom prst="bentUpArrow">
+            <a:avLst/>
+          </a:prstGeom>
+        </p:spPr>
+        <p:style>
+          <a:lnRef idx="2">
+            <a:schemeClr val="accent1">
+              <a:shade val="50000"/>
+            </a:schemeClr>
+          </a:lnRef>
+          <a:fillRef idx="1">
+            <a:schemeClr val="accent1"/>
+          </a:fillRef>
+          <a:effectRef idx="0">
+            <a:schemeClr val="accent1"/>
+          </a:effectRef>
+          <a:fontRef idx="minor">
+            <a:schemeClr val="lt1"/>
+          </a:fontRef>
+        </p:style>
+        <p:txBody>
+          <a:bodyPr rtlCol="0" anchor="ctr"/>
+          <a:lstStyle/>
+          <a:p>
+            <a:pPr algn="ctr"/>
+            <a:endParaRPr lang="ko-KR" altLang="en-US"/>
+          </a:p>
+        </p:txBody>
+      </p:sp>
+    </p:spTree>
+    <p:extLst>
+      <p:ext uri="{BB962C8B-B14F-4D97-AF65-F5344CB8AC3E}">
+        <p14:creationId xmlns:p14="http://schemas.microsoft.com/office/powerpoint/2010/main" val="919043849"/>
+      </p:ext>
+    </p:extLst>
+  </p:cSld>
+  <p:clrMapOvr>
+    <a:masterClrMapping/>
+  </p:clrMapOvr>
+</p:sld>
+</file>
+
+<file path=ppt/slides/slide24.xml><?xml version="1.0" encoding="utf-8"?>
+<p:sld xmlns:a="http://schemas.openxmlformats.org/drawingml/2006/main" xmlns:r="http://schemas.openxmlformats.org/officeDocument/2006/relationships" xmlns:p="http://schemas.openxmlformats.org/presentationml/2006/main">
+  <p:cSld>
+    <p:spTree>
+      <p:nvGrpSpPr>
+        <p:cNvPr id="1" name=""/>
+        <p:cNvGrpSpPr/>
+        <p:nvPr/>
+      </p:nvGrpSpPr>
+      <p:grpSpPr>
+        <a:xfrm>
+          <a:off x="0" y="0"/>
+          <a:ext cx="0" cy="0"/>
+          <a:chOff x="0" y="0"/>
+          <a:chExt cx="0" cy="0"/>
+        </a:xfrm>
+      </p:grpSpPr>
+      <p:pic>
+        <p:nvPicPr>
+          <p:cNvPr id="19" name="그림 18" descr="텍스트, 스크린샷, 화면, 은색이(가) 표시된 사진&#10;&#10;자동 생성된 설명">
+            <a:extLst>
+              <a:ext uri="{FF2B5EF4-FFF2-40B4-BE49-F238E27FC236}">
+                <a16:creationId xmlns:a16="http://schemas.microsoft.com/office/drawing/2014/main" id="{D15DF841-D1ED-40D1-9BF2-AFF51015461D}"/>
+              </a:ext>
+            </a:extLst>
+          </p:cNvPr>
+          <p:cNvPicPr>
+            <a:picLocks noChangeAspect="1"/>
+          </p:cNvPicPr>
+          <p:nvPr/>
+        </p:nvPicPr>
+        <p:blipFill>
+          <a:blip r:embed="rId3">
+            <a:extLst>
+              <a:ext uri="{28A0092B-C50C-407E-A947-70E740481C1C}">
+                <a14:useLocalDpi xmlns:a14="http://schemas.microsoft.com/office/drawing/2010/main" val="0"/>
+              </a:ext>
+            </a:extLst>
+          </a:blip>
+          <a:stretch>
+            <a:fillRect/>
+          </a:stretch>
+        </p:blipFill>
+        <p:spPr>
+          <a:xfrm>
+            <a:off x="137141" y="1125401"/>
+            <a:ext cx="6687483" cy="2857899"/>
+          </a:xfrm>
+          <a:prstGeom prst="rect">
+            <a:avLst/>
+          </a:prstGeom>
+        </p:spPr>
+      </p:pic>
+      <p:pic>
+        <p:nvPicPr>
+          <p:cNvPr id="17" name="그림 16" descr="텍스트, 스크린샷, 화면, 은색이(가) 표시된 사진&#10;&#10;자동 생성된 설명">
+            <a:extLst>
+              <a:ext uri="{FF2B5EF4-FFF2-40B4-BE49-F238E27FC236}">
+                <a16:creationId xmlns:a16="http://schemas.microsoft.com/office/drawing/2014/main" id="{2D2156DC-950B-4982-BF05-3DB4BD496C04}"/>
+              </a:ext>
+            </a:extLst>
+          </p:cNvPr>
+          <p:cNvPicPr>
+            <a:picLocks noChangeAspect="1"/>
+          </p:cNvPicPr>
+          <p:nvPr/>
+        </p:nvPicPr>
+        <p:blipFill>
+          <a:blip r:embed="rId4">
+            <a:extLst>
+              <a:ext uri="{28A0092B-C50C-407E-A947-70E740481C1C}">
+                <a14:useLocalDpi xmlns:a14="http://schemas.microsoft.com/office/drawing/2010/main" val="0"/>
+              </a:ext>
+            </a:extLst>
+          </a:blip>
+          <a:stretch>
+            <a:fillRect/>
+          </a:stretch>
+        </p:blipFill>
+        <p:spPr>
+          <a:xfrm>
+            <a:off x="5380674" y="3609396"/>
+            <a:ext cx="6811326" cy="3277057"/>
+          </a:xfrm>
+          <a:prstGeom prst="rect">
+            <a:avLst/>
+          </a:prstGeom>
+        </p:spPr>
+      </p:pic>
+      <p:sp>
+        <p:nvSpPr>
+          <p:cNvPr id="11" name="TextBox 10">
+            <a:extLst>
+              <a:ext uri="{FF2B5EF4-FFF2-40B4-BE49-F238E27FC236}">
+                <a16:creationId xmlns:a16="http://schemas.microsoft.com/office/drawing/2014/main" id="{CB92E015-7590-460C-BD1B-F49E13BC66FC}"/>
+              </a:ext>
+            </a:extLst>
+          </p:cNvPr>
+          <p:cNvSpPr txBox="1"/>
+          <p:nvPr/>
+        </p:nvSpPr>
+        <p:spPr>
+          <a:xfrm>
+            <a:off x="905692" y="233681"/>
+            <a:ext cx="1651414" cy="400110"/>
+          </a:xfrm>
+          <a:prstGeom prst="rect">
+            <a:avLst/>
+          </a:prstGeom>
+          <a:noFill/>
+        </p:spPr>
+        <p:txBody>
+          <a:bodyPr wrap="none" rtlCol="0">
+            <a:spAutoFit/>
+          </a:bodyPr>
+          <a:lstStyle/>
+          <a:p>
+            <a:r>
+              <a:rPr lang="en-US" altLang="ko-KR" sz="2000"/>
+              <a:t>5.3 </a:t>
+            </a:r>
+            <a:r>
+              <a:rPr lang="ko-KR" altLang="en-US" sz="2000"/>
+              <a:t>연습문제</a:t>
+            </a:r>
+            <a:endParaRPr lang="ko-KR" altLang="en-US" sz="1200"/>
+          </a:p>
+        </p:txBody>
+      </p:sp>
+      <p:sp>
+        <p:nvSpPr>
+          <p:cNvPr id="22" name="TextBox 21">
+            <a:extLst>
+              <a:ext uri="{FF2B5EF4-FFF2-40B4-BE49-F238E27FC236}">
+                <a16:creationId xmlns:a16="http://schemas.microsoft.com/office/drawing/2014/main" id="{9CD56CDC-7556-4532-A983-8C1A54B216B2}"/>
+              </a:ext>
+            </a:extLst>
+          </p:cNvPr>
+          <p:cNvSpPr txBox="1"/>
+          <p:nvPr/>
+        </p:nvSpPr>
+        <p:spPr>
+          <a:xfrm>
+            <a:off x="904683" y="579312"/>
+            <a:ext cx="1505540" cy="369332"/>
+          </a:xfrm>
+          <a:prstGeom prst="rect">
+            <a:avLst/>
+          </a:prstGeom>
+          <a:noFill/>
+        </p:spPr>
+        <p:txBody>
+          <a:bodyPr wrap="none" rtlCol="0">
+            <a:spAutoFit/>
+          </a:bodyPr>
+          <a:lstStyle/>
+          <a:p>
+            <a:r>
+              <a:rPr lang="ko-KR" altLang="en-US"/>
+              <a:t>예제</a:t>
+            </a:r>
+            <a:r>
+              <a:rPr lang="en-US" altLang="ko-KR"/>
+              <a:t>5-2 </a:t>
+            </a:r>
+            <a:r>
+              <a:rPr lang="ko-KR" altLang="en-US"/>
+              <a:t>악취</a:t>
+            </a:r>
+          </a:p>
+        </p:txBody>
+      </p:sp>
+      <p:sp>
+        <p:nvSpPr>
+          <p:cNvPr id="5" name="TextBox 4">
+            <a:extLst>
+              <a:ext uri="{FF2B5EF4-FFF2-40B4-BE49-F238E27FC236}">
+                <a16:creationId xmlns:a16="http://schemas.microsoft.com/office/drawing/2014/main" id="{E07761C9-6BB6-4466-B5B1-7A622154387D}"/>
+              </a:ext>
+            </a:extLst>
+          </p:cNvPr>
+          <p:cNvSpPr txBox="1"/>
+          <p:nvPr/>
+        </p:nvSpPr>
+        <p:spPr>
+          <a:xfrm>
+            <a:off x="8220364" y="1503637"/>
+            <a:ext cx="3752950" cy="369332"/>
+          </a:xfrm>
+          <a:prstGeom prst="rect">
+            <a:avLst/>
+          </a:prstGeom>
+        </p:spPr>
+        <p:style>
+          <a:lnRef idx="2">
+            <a:schemeClr val="accent1"/>
+          </a:lnRef>
+          <a:fillRef idx="1">
+            <a:schemeClr val="lt1"/>
+          </a:fillRef>
+          <a:effectRef idx="0">
+            <a:schemeClr val="accent1"/>
+          </a:effectRef>
+          <a:fontRef idx="minor">
+            <a:schemeClr val="dk1"/>
+          </a:fontRef>
+        </p:style>
+        <p:txBody>
+          <a:bodyPr wrap="none" rtlCol="0">
+            <a:spAutoFit/>
+          </a:bodyPr>
+          <a:lstStyle/>
+          <a:p>
+            <a:r>
+              <a:rPr lang="ko-KR" altLang="en-US"/>
+              <a:t>매직 넘버를 기호 상수로 치환</a:t>
+            </a:r>
+            <a:r>
+              <a:rPr lang="en-US" altLang="ko-KR"/>
+              <a:t>(1</a:t>
+            </a:r>
+            <a:r>
+              <a:rPr lang="ko-KR" altLang="en-US"/>
+              <a:t>장</a:t>
+            </a:r>
+            <a:r>
+              <a:rPr lang="en-US" altLang="ko-KR"/>
+              <a:t>)</a:t>
+            </a:r>
+          </a:p>
+        </p:txBody>
+      </p:sp>
+      <p:sp>
+        <p:nvSpPr>
+          <p:cNvPr id="7" name="화살표: 위로 굽음 6">
+            <a:extLst>
+              <a:ext uri="{FF2B5EF4-FFF2-40B4-BE49-F238E27FC236}">
+                <a16:creationId xmlns:a16="http://schemas.microsoft.com/office/drawing/2014/main" id="{C1C05AE0-A52F-401C-9CE9-A5051FE6943A}"/>
+              </a:ext>
+            </a:extLst>
+          </p:cNvPr>
+          <p:cNvSpPr/>
+          <p:nvPr/>
+        </p:nvSpPr>
+        <p:spPr>
+          <a:xfrm flipV="1">
+            <a:off x="6787680" y="1975981"/>
+            <a:ext cx="2032000" cy="1641764"/>
+          </a:xfrm>
+          <a:prstGeom prst="bentUpArrow">
+            <a:avLst/>
+          </a:prstGeom>
+        </p:spPr>
+        <p:style>
+          <a:lnRef idx="2">
+            <a:schemeClr val="accent1">
+              <a:shade val="50000"/>
+            </a:schemeClr>
+          </a:lnRef>
+          <a:fillRef idx="1">
+            <a:schemeClr val="accent1"/>
+          </a:fillRef>
+          <a:effectRef idx="0">
+            <a:schemeClr val="accent1"/>
+          </a:effectRef>
+          <a:fontRef idx="minor">
+            <a:schemeClr val="lt1"/>
+          </a:fontRef>
+        </p:style>
+        <p:txBody>
+          <a:bodyPr rtlCol="0" anchor="ctr"/>
+          <a:lstStyle/>
+          <a:p>
+            <a:pPr algn="ctr"/>
+            <a:endParaRPr lang="ko-KR" altLang="en-US"/>
+          </a:p>
+        </p:txBody>
+      </p:sp>
+      <p:sp>
+        <p:nvSpPr>
+          <p:cNvPr id="12" name="직사각형 11">
+            <a:extLst>
+              <a:ext uri="{FF2B5EF4-FFF2-40B4-BE49-F238E27FC236}">
+                <a16:creationId xmlns:a16="http://schemas.microsoft.com/office/drawing/2014/main" id="{1BAA8BC0-89AA-4D69-9E1F-21893D867DBF}"/>
+              </a:ext>
+            </a:extLst>
+          </p:cNvPr>
+          <p:cNvSpPr/>
+          <p:nvPr/>
+        </p:nvSpPr>
+        <p:spPr>
+          <a:xfrm>
+            <a:off x="1995054" y="1294275"/>
+            <a:ext cx="226291" cy="209362"/>
+          </a:xfrm>
+          <a:prstGeom prst="rect">
+            <a:avLst/>
+          </a:prstGeom>
+          <a:noFill/>
+          <a:ln>
+            <a:solidFill>
+              <a:schemeClr val="accent5"/>
+            </a:solidFill>
+          </a:ln>
+        </p:spPr>
+        <p:style>
+          <a:lnRef idx="2">
+            <a:schemeClr val="accent1">
+              <a:shade val="50000"/>
+            </a:schemeClr>
+          </a:lnRef>
+          <a:fillRef idx="1">
+            <a:schemeClr val="accent1"/>
+          </a:fillRef>
+          <a:effectRef idx="0">
+            <a:schemeClr val="accent1"/>
+          </a:effectRef>
+          <a:fontRef idx="minor">
+            <a:schemeClr val="lt1"/>
+          </a:fontRef>
+        </p:style>
+        <p:txBody>
+          <a:bodyPr rtlCol="0" anchor="ctr"/>
+          <a:lstStyle/>
+          <a:p>
+            <a:pPr algn="ctr"/>
+            <a:endParaRPr lang="ko-KR" altLang="en-US"/>
+          </a:p>
+        </p:txBody>
+      </p:sp>
+      <p:sp>
+        <p:nvSpPr>
+          <p:cNvPr id="13" name="직사각형 12">
+            <a:extLst>
+              <a:ext uri="{FF2B5EF4-FFF2-40B4-BE49-F238E27FC236}">
+                <a16:creationId xmlns:a16="http://schemas.microsoft.com/office/drawing/2014/main" id="{F76F3A30-15A6-4967-89F0-7ACC9EC7781D}"/>
+              </a:ext>
+            </a:extLst>
+          </p:cNvPr>
+          <p:cNvSpPr/>
+          <p:nvPr/>
+        </p:nvSpPr>
+        <p:spPr>
+          <a:xfrm>
+            <a:off x="7347528" y="4180639"/>
+            <a:ext cx="420256" cy="188161"/>
+          </a:xfrm>
+          <a:prstGeom prst="rect">
+            <a:avLst/>
+          </a:prstGeom>
+          <a:noFill/>
+          <a:ln>
+            <a:solidFill>
+              <a:schemeClr val="accent5"/>
+            </a:solidFill>
+          </a:ln>
+        </p:spPr>
+        <p:style>
+          <a:lnRef idx="2">
+            <a:schemeClr val="accent1">
+              <a:shade val="50000"/>
+            </a:schemeClr>
+          </a:lnRef>
+          <a:fillRef idx="1">
+            <a:schemeClr val="accent1"/>
+          </a:fillRef>
+          <a:effectRef idx="0">
+            <a:schemeClr val="accent1"/>
+          </a:effectRef>
+          <a:fontRef idx="minor">
+            <a:schemeClr val="lt1"/>
+          </a:fontRef>
+        </p:style>
+        <p:txBody>
+          <a:bodyPr rtlCol="0" anchor="ctr"/>
+          <a:lstStyle/>
+          <a:p>
+            <a:pPr algn="ctr"/>
+            <a:endParaRPr lang="ko-KR" altLang="en-US"/>
+          </a:p>
+        </p:txBody>
+      </p:sp>
+      <p:sp>
+        <p:nvSpPr>
+          <p:cNvPr id="14" name="직사각형 13">
+            <a:extLst>
+              <a:ext uri="{FF2B5EF4-FFF2-40B4-BE49-F238E27FC236}">
+                <a16:creationId xmlns:a16="http://schemas.microsoft.com/office/drawing/2014/main" id="{E0A3AC0F-C313-45FB-98B6-9EEE01318174}"/>
+              </a:ext>
+            </a:extLst>
+          </p:cNvPr>
+          <p:cNvSpPr/>
+          <p:nvPr/>
+        </p:nvSpPr>
+        <p:spPr>
+          <a:xfrm>
+            <a:off x="5694218" y="3649109"/>
+            <a:ext cx="2914073" cy="188161"/>
+          </a:xfrm>
+          <a:prstGeom prst="rect">
+            <a:avLst/>
+          </a:prstGeom>
+          <a:noFill/>
+          <a:ln>
+            <a:solidFill>
+              <a:schemeClr val="accent5"/>
+            </a:solidFill>
+          </a:ln>
+        </p:spPr>
+        <p:style>
+          <a:lnRef idx="2">
+            <a:schemeClr val="accent1">
+              <a:shade val="50000"/>
+            </a:schemeClr>
+          </a:lnRef>
+          <a:fillRef idx="1">
+            <a:schemeClr val="accent1"/>
+          </a:fillRef>
+          <a:effectRef idx="0">
+            <a:schemeClr val="accent1"/>
+          </a:effectRef>
+          <a:fontRef idx="minor">
+            <a:schemeClr val="lt1"/>
+          </a:fontRef>
+        </p:style>
+        <p:txBody>
+          <a:bodyPr rtlCol="0" anchor="ctr"/>
+          <a:lstStyle/>
+          <a:p>
+            <a:pPr algn="ctr"/>
+            <a:endParaRPr lang="ko-KR" altLang="en-US"/>
+          </a:p>
+        </p:txBody>
+      </p:sp>
+    </p:spTree>
+    <p:extLst>
+      <p:ext uri="{BB962C8B-B14F-4D97-AF65-F5344CB8AC3E}">
+        <p14:creationId xmlns:p14="http://schemas.microsoft.com/office/powerpoint/2010/main" val="3388886585"/>
+      </p:ext>
+    </p:extLst>
+  </p:cSld>
+  <p:clrMapOvr>
+    <a:masterClrMapping/>
+  </p:clrMapOvr>
+</p:sld>
+</file>
+
 <file path=ppt/slides/slide3.xml><?xml version="1.0" encoding="utf-8"?>
 <p:sld xmlns:a="http://schemas.openxmlformats.org/drawingml/2006/main" xmlns:r="http://schemas.openxmlformats.org/officeDocument/2006/relationships" xmlns:p="http://schemas.openxmlformats.org/presentationml/2006/main">
   <p:cSld>
@@ -8699,6 +13674,89 @@
               <a:rPr lang="ko-KR" altLang="en-US"/>
               <a:t>핫케이크를 만들꺼니 재료좀 부탁해</a:t>
             </a:r>
+            <a:endParaRPr lang="en-US" altLang="ko-KR"/>
+          </a:p>
+          <a:p>
+            <a:pPr algn="ctr"/>
+            <a:r>
+              <a:rPr lang="ko-KR" altLang="en-US">
+                <a:solidFill>
+                  <a:schemeClr val="tx1"/>
+                </a:solidFill>
+              </a:rPr>
+              <a:t>밀가루</a:t>
+            </a:r>
+            <a:r>
+              <a:rPr lang="en-US" altLang="ko-KR">
+                <a:solidFill>
+                  <a:schemeClr val="tx1"/>
+                </a:solidFill>
+              </a:rPr>
+              <a:t>, </a:t>
+            </a:r>
+            <a:r>
+              <a:rPr lang="ko-KR" altLang="en-US">
+                <a:solidFill>
+                  <a:schemeClr val="tx1"/>
+                </a:solidFill>
+              </a:rPr>
+              <a:t>계란</a:t>
+            </a:r>
+            <a:r>
+              <a:rPr lang="en-US" altLang="ko-KR">
+                <a:solidFill>
+                  <a:schemeClr val="tx1"/>
+                </a:solidFill>
+              </a:rPr>
+              <a:t>, </a:t>
+            </a:r>
+            <a:r>
+              <a:rPr lang="ko-KR" altLang="en-US">
+                <a:solidFill>
+                  <a:schemeClr val="tx1"/>
+                </a:solidFill>
+              </a:rPr>
+              <a:t>우유</a:t>
+            </a:r>
+            <a:r>
+              <a:rPr lang="en-US" altLang="ko-KR">
+                <a:solidFill>
+                  <a:schemeClr val="tx1"/>
+                </a:solidFill>
+              </a:rPr>
+              <a:t>,</a:t>
+            </a:r>
+            <a:br>
+              <a:rPr lang="en-US" altLang="ko-KR">
+                <a:solidFill>
+                  <a:schemeClr val="tx1"/>
+                </a:solidFill>
+              </a:rPr>
+            </a:br>
+            <a:r>
+              <a:rPr lang="ko-KR" altLang="en-US">
+                <a:solidFill>
+                  <a:schemeClr val="tx1"/>
+                </a:solidFill>
+              </a:rPr>
+              <a:t>버터</a:t>
+            </a:r>
+            <a:r>
+              <a:rPr lang="en-US" altLang="ko-KR">
+                <a:solidFill>
+                  <a:schemeClr val="tx1"/>
+                </a:solidFill>
+              </a:rPr>
+              <a:t>,</a:t>
+            </a:r>
+            <a:r>
+              <a:rPr lang="ko-KR" altLang="en-US">
+                <a:solidFill>
+                  <a:schemeClr val="tx1"/>
+                </a:solidFill>
+              </a:rPr>
+              <a:t> 시럽</a:t>
+            </a:r>
           </a:p>
         </p:txBody>
       </p:sp>
@@ -8935,13 +13993,13 @@
           <p:nvPr>
             <p:extLst>
               <p:ext uri="{D42A27DB-BD31-4B8C-83A1-F6EECF244321}">
-                <p14:modId xmlns:p14="http://schemas.microsoft.com/office/powerpoint/2010/main" val="862274495"/>
+                <p14:modId xmlns:p14="http://schemas.microsoft.com/office/powerpoint/2010/main" val="956654248"/>
               </p:ext>
             </p:extLst>
           </p:nvPr>
         </p:nvGraphicFramePr>
         <p:xfrm>
-          <a:off x="1751875" y="1766751"/>
+          <a:off x="1751874" y="2133600"/>
           <a:ext cx="8688251" cy="2590800"/>
         </p:xfrm>
         <a:graphic>
@@ -9094,7 +14152,35 @@
                       <a:pPr latinLnBrk="1"/>
                       <a:r>
                         <a:rPr lang="ko-KR" altLang="en-US" sz="2000"/>
-                        <a:t>기존 메서드에서 묶을 수 있는 코드를 추출해 새로운 메서드를 작성함</a:t>
+                        <a:t>기존 메서드에서 묶을 수 있는 </a:t>
+                      </a:r>
+                      <a:r>
+                        <a:rPr lang="ko-KR" altLang="en-US" sz="2000">
+                          <a:solidFill>
+                            <a:srgbClr val="FF0000"/>
+                          </a:solidFill>
+                        </a:rPr>
+                        <a:t>코드를 추출</a:t>
+                      </a:r>
+                      <a:r>
+                        <a:rPr lang="ko-KR" altLang="en-US" sz="2000"/>
+                        <a:t>해 </a:t>
+                      </a:r>
+                      <a:r>
+                        <a:rPr lang="ko-KR" altLang="en-US" sz="2000">
+                          <a:solidFill>
+                            <a:srgbClr val="FF0000"/>
+                          </a:solidFill>
+                        </a:rPr>
+                        <a:t>새로운 메서드를 작성</a:t>
+                      </a:r>
+                      <a:r>
+                        <a:rPr lang="ko-KR" altLang="en-US" sz="2000">
+                          <a:solidFill>
+                            <a:schemeClr val="tx1"/>
+                          </a:solidFill>
+                        </a:rPr>
+                        <a:t>함</a:t>
                       </a:r>
                     </a:p>
                   </a:txBody>
@@ -9254,13 +14340,13 @@
           <p:nvPr>
             <p:extLst>
               <p:ext uri="{D42A27DB-BD31-4B8C-83A1-F6EECF244321}">
-                <p14:modId xmlns:p14="http://schemas.microsoft.com/office/powerpoint/2010/main" val="3878449008"/>
+                <p14:modId xmlns:p14="http://schemas.microsoft.com/office/powerpoint/2010/main" val="2241442990"/>
               </p:ext>
             </p:extLst>
           </p:nvPr>
         </p:nvGraphicFramePr>
         <p:xfrm>
-          <a:off x="1251130" y="1325516"/>
+          <a:off x="2032000" y="1630680"/>
           <a:ext cx="8128000" cy="3596640"/>
         </p:xfrm>
         <a:graphic>
@@ -10542,7 +15628,15 @@
             </a:r>
             <a:r>
               <a:rPr lang="ko-KR" altLang="en-US"/>
-              <a:t>을 입력 </a:t>
+              <a:t>을 입력</a:t>
+            </a:r>
+            <a:r>
+              <a:rPr lang="en-US" altLang="ko-KR"/>
+              <a:t>,</a:t>
+            </a:r>
+            <a:r>
+              <a:rPr lang="ko-KR" altLang="en-US"/>
+              <a:t> </a:t>
             </a:r>
             <a:r>
               <a:rPr lang="en-US" altLang="ko-KR"/>
@@ -10847,10 +15941,11 @@
           </a:bodyPr>
           <a:lstStyle/>
           <a:p>
-            <a:pPr marL="342900" indent="-342900" latinLnBrk="1">
-              <a:buFont typeface="+mj-lt"/>
-              <a:buAutoNum type="arabicPeriod"/>
-            </a:pPr>
+            <a:pPr latinLnBrk="1"/>
+            <a:r>
+              <a:rPr lang="en-US" altLang="ko-KR" sz="1800"/>
+              <a:t>1. </a:t>
+            </a:r>
             <a:r>
               <a:rPr lang="ko-KR" altLang="en-US" sz="1800"/>
               <a:t>새로운 메서드에 적절한 이름 붙이기</a:t>
@@ -10884,7 +15979,11 @@
           <a:p>
             <a:pPr latinLnBrk="1"/>
             <a:r>
-              <a:rPr lang="ko-KR" altLang="en-US" sz="1800"/>
+              <a:rPr lang="ko-KR" altLang="en-US" sz="1800">
+                <a:solidFill>
+                  <a:srgbClr val="FF0000"/>
+                </a:solidFill>
+              </a:rPr>
               <a:t>무엇</a:t>
             </a:r>
             <a:r>
@@ -10988,7 +16087,7 @@
         </p:nvSpPr>
         <p:spPr>
           <a:xfrm>
-            <a:off x="4924425" y="4352962"/>
+            <a:off x="4924425" y="4324387"/>
             <a:ext cx="1695450" cy="561975"/>
           </a:xfrm>
           <a:prstGeom prst="rightArrow">
@@ -11022,10 +16121,10 @@
       </p:sp>
       <p:pic>
         <p:nvPicPr>
-          <p:cNvPr id="8" name="그림 7" descr="텍스트이(가) 표시된 사진&#10;&#10;자동 생성된 설명">
+          <p:cNvPr id="19" name="그림 18">
             <a:extLst>
               <a:ext uri="{FF2B5EF4-FFF2-40B4-BE49-F238E27FC236}">
-                <a16:creationId xmlns:a16="http://schemas.microsoft.com/office/drawing/2014/main" id="{A097CC82-F394-4470-AD9E-F9F99F29073C}"/>
+                <a16:creationId xmlns:a16="http://schemas.microsoft.com/office/drawing/2014/main" id="{BD20BD4C-970F-49C6-A520-137756E06484}"/>
               </a:ext>
             </a:extLst>
           </p:cNvPr>
@@ -11048,8 +16147,8 @@
         </p:blipFill>
         <p:spPr>
           <a:xfrm>
-            <a:off x="6805431" y="4362450"/>
-            <a:ext cx="2600688" cy="543001"/>
+            <a:off x="7015307" y="4371979"/>
+            <a:ext cx="1638529" cy="466790"/>
           </a:xfrm>
           <a:prstGeom prst="rect">
             <a:avLst/>
@@ -11126,386 +16225,6 @@
           </a:p>
         </p:txBody>
       </p:sp>
-      <p:pic>
-        <p:nvPicPr>
-          <p:cNvPr id="13" name="그림 12" descr="텍스트이(가) 표시된 사진&#10;&#10;자동 생성된 설명">
-            <a:extLst>
-              <a:ext uri="{FF2B5EF4-FFF2-40B4-BE49-F238E27FC236}">
-                <a16:creationId xmlns:a16="http://schemas.microsoft.com/office/drawing/2014/main" id="{918B1DD0-C297-4B75-B0A2-46043140157F}"/>
-              </a:ext>
-            </a:extLst>
-          </p:cNvPr>
-          <p:cNvPicPr>
-            <a:picLocks noChangeAspect="1"/>
-          </p:cNvPicPr>
-          <p:nvPr/>
-        </p:nvPicPr>
-        <p:blipFill rotWithShape="1">
-          <a:blip r:embed="rId2">
-            <a:extLst>
-              <a:ext uri="{28A0092B-C50C-407E-A947-70E740481C1C}">
-                <a14:useLocalDpi xmlns:a14="http://schemas.microsoft.com/office/drawing/2010/main" val="0"/>
-              </a:ext>
-            </a:extLst>
-          </a:blip>
-          <a:srcRect r="22831"/>
-          <a:stretch/>
-        </p:blipFill>
-        <p:spPr>
-          <a:xfrm>
-            <a:off x="734192" y="1075911"/>
-            <a:ext cx="5197447" cy="5029902"/>
-          </a:xfrm>
-          <a:prstGeom prst="rect">
-            <a:avLst/>
-          </a:prstGeom>
-        </p:spPr>
-      </p:pic>
-      <p:graphicFrame>
-        <p:nvGraphicFramePr>
-          <p:cNvPr id="14" name="표 13">
-            <a:extLst>
-              <a:ext uri="{FF2B5EF4-FFF2-40B4-BE49-F238E27FC236}">
-                <a16:creationId xmlns:a16="http://schemas.microsoft.com/office/drawing/2014/main" id="{E1A24195-1ACE-4AEB-AC35-36AD02894402}"/>
-              </a:ext>
-            </a:extLst>
-          </p:cNvPr>
-          <p:cNvGraphicFramePr>
-            <a:graphicFrameLocks noGrp="1"/>
-          </p:cNvGraphicFramePr>
-          <p:nvPr>
-            <p:extLst>
-              <p:ext uri="{D42A27DB-BD31-4B8C-83A1-F6EECF244321}">
-                <p14:modId xmlns:p14="http://schemas.microsoft.com/office/powerpoint/2010/main" val="1192033457"/>
-              </p:ext>
-            </p:extLst>
-          </p:nvPr>
-        </p:nvGraphicFramePr>
-        <p:xfrm>
-          <a:off x="4630000" y="3916617"/>
-          <a:ext cx="8128000" cy="3596640"/>
-        </p:xfrm>
-        <a:graphic>
-          <a:graphicData uri="http://schemas.openxmlformats.org/drawingml/2006/table">
-            <a:tbl>
-              <a:tblPr firstRow="1" bandRow="1">
-                <a:tableStyleId>{69CF1AB2-1976-4502-BF36-3FF5EA218861}</a:tableStyleId>
-              </a:tblPr>
-              <a:tblGrid>
-                <a:gridCol w="1799771">
-                  <a:extLst>
-                    <a:ext uri="{9D8B030D-6E8A-4147-A177-3AD203B41FA5}">
-                      <a16:colId xmlns:a16="http://schemas.microsoft.com/office/drawing/2014/main" val="1621696946"/>
-                    </a:ext>
-                  </a:extLst>
-                </a:gridCol>
-                <a:gridCol w="6328229">
-                  <a:extLst>
-                    <a:ext uri="{9D8B030D-6E8A-4147-A177-3AD203B41FA5}">
-                      <a16:colId xmlns:a16="http://schemas.microsoft.com/office/drawing/2014/main" val="3554295025"/>
-                    </a:ext>
-                  </a:extLst>
-                </a:gridCol>
-              </a:tblGrid>
-              <a:tr h="370840">
-                <a:tc>
-                  <a:txBody>
-                    <a:bodyPr/>
-                    <a:lstStyle/>
-                    <a:p>
-                      <a:pPr latinLnBrk="1"/>
-                      <a:r>
-                        <a:rPr lang="ko-KR" altLang="en-US" sz="1600"/>
-                        <a:t>방법</a:t>
-                      </a:r>
-                    </a:p>
-                  </a:txBody>
-                  <a:tcPr/>
-                </a:tc>
-                <a:tc>
-                  <a:txBody>
-                    <a:bodyPr/>
-                    <a:lstStyle/>
-                    <a:p>
-                      <a:pPr latinLnBrk="1"/>
-                      <a:r>
-                        <a:rPr lang="en-US" altLang="ko-KR" sz="1600"/>
-                        <a:t>1. </a:t>
-                      </a:r>
-                      <a:r>
-                        <a:rPr lang="ko-KR" altLang="en-US" sz="1600"/>
-                        <a:t>새로운 메서드 작성</a:t>
-                      </a:r>
-                      <a:endParaRPr lang="en-US" altLang="ko-KR" sz="1600"/>
-                    </a:p>
-                    <a:p>
-                      <a:pPr marL="0" indent="0" latinLnBrk="1">
-                        <a:buFont typeface="+mj-lt"/>
-                        <a:buNone/>
-                      </a:pPr>
-                      <a:r>
-                        <a:rPr lang="ko-KR" altLang="en-US" sz="1200"/>
-                        <a:t>   </a:t>
-                      </a:r>
-                      <a:r>
-                        <a:rPr lang="en-US" altLang="ko-KR" sz="1200"/>
-                        <a:t>(1) </a:t>
-                      </a:r>
-                      <a:r>
-                        <a:rPr lang="ko-KR" altLang="en-US" sz="1200"/>
-                        <a:t>새로운 메서드에 적절한 이름 붙이기</a:t>
-                      </a:r>
-                      <a:endParaRPr lang="en-US" altLang="ko-KR" sz="1200"/>
-                    </a:p>
-                    <a:p>
-                      <a:pPr marL="0" indent="0" latinLnBrk="1">
-                        <a:buFont typeface="+mj-lt"/>
-                        <a:buNone/>
-                      </a:pPr>
-                      <a:r>
-                        <a:rPr lang="en-US" altLang="ko-KR" sz="1200"/>
-                        <a:t>   (2) </a:t>
-                      </a:r>
-                      <a:r>
-                        <a:rPr lang="ko-KR" altLang="en-US" sz="1200"/>
-                        <a:t>기존 메서드에서 새로운 메서드로 코드 복사</a:t>
-                      </a:r>
-                      <a:endParaRPr lang="en-US" altLang="ko-KR" sz="1200"/>
-                    </a:p>
-                    <a:p>
-                      <a:pPr marL="0" lvl="0" indent="0" latinLnBrk="1">
-                        <a:buFont typeface="Arial" panose="020B0604020202020204" pitchFamily="34" charset="0"/>
-                        <a:buNone/>
-                      </a:pPr>
-                      <a:r>
-                        <a:rPr lang="en-US" altLang="ko-KR" sz="1200"/>
-                        <a:t>   (3) </a:t>
-                      </a:r>
-                      <a:r>
-                        <a:rPr lang="ko-KR" altLang="en-US" sz="1200"/>
-                        <a:t>메서드 내부의 지역 변수 검토</a:t>
-                      </a:r>
-                      <a:endParaRPr lang="en-US" altLang="ko-KR" sz="1200"/>
-                    </a:p>
-                    <a:p>
-                      <a:pPr marL="0" lvl="0" indent="0" latinLnBrk="1">
-                        <a:buFont typeface="Arial" panose="020B0604020202020204" pitchFamily="34" charset="0"/>
-                        <a:buNone/>
-                      </a:pPr>
-                      <a:r>
-                        <a:rPr lang="en-US" altLang="ko-KR" sz="1200"/>
-                        <a:t>   (4)</a:t>
-                      </a:r>
-                      <a:r>
-                        <a:rPr lang="ko-KR" altLang="en-US" sz="1200"/>
-                        <a:t> 메서드 매개변수 검토</a:t>
-                      </a:r>
-                      <a:endParaRPr lang="en-US" altLang="ko-KR" sz="1200"/>
-                    </a:p>
-                    <a:p>
-                      <a:pPr marL="0" lvl="0" indent="0" latinLnBrk="1">
-                        <a:buFont typeface="Arial" panose="020B0604020202020204" pitchFamily="34" charset="0"/>
-                        <a:buNone/>
-                      </a:pPr>
-                      <a:r>
-                        <a:rPr lang="en-US" altLang="ko-KR" sz="1200"/>
-                        <a:t>   (5) </a:t>
-                      </a:r>
-                      <a:r>
-                        <a:rPr lang="ko-KR" altLang="en-US" sz="1200"/>
-                        <a:t>메서드 변환값 검토</a:t>
-                      </a:r>
-                      <a:endParaRPr lang="en-US" altLang="ko-KR" sz="1200"/>
-                    </a:p>
-                    <a:p>
-                      <a:pPr marL="0" lvl="0" indent="0" latinLnBrk="1">
-                        <a:buFont typeface="Arial" panose="020B0604020202020204" pitchFamily="34" charset="0"/>
-                        <a:buNone/>
-                      </a:pPr>
-                      <a:r>
-                        <a:rPr lang="en-US" altLang="ko-KR" sz="1200"/>
-                        <a:t>   (6) </a:t>
-                      </a:r>
-                      <a:r>
-                        <a:rPr lang="ko-KR" altLang="en-US" sz="1200"/>
-                        <a:t>컴파일</a:t>
-                      </a:r>
-                      <a:endParaRPr lang="en-US" altLang="ko-KR" sz="1200"/>
-                    </a:p>
-                    <a:p>
-                      <a:pPr marL="0" lvl="0" indent="0" latinLnBrk="1">
-                        <a:buFont typeface="Arial" panose="020B0604020202020204" pitchFamily="34" charset="0"/>
-                        <a:buNone/>
-                      </a:pPr>
-                      <a:r>
-                        <a:rPr lang="en-US" altLang="ko-KR" sz="1600"/>
-                        <a:t>2. </a:t>
-                      </a:r>
-                      <a:r>
-                        <a:rPr lang="ko-KR" altLang="en-US" sz="1600"/>
-                        <a:t>새로운 메서드 호출</a:t>
-                      </a:r>
-                      <a:endParaRPr lang="en-US" altLang="ko-KR" sz="1600"/>
-                    </a:p>
-                    <a:p>
-                      <a:pPr marL="0" lvl="0" indent="0" latinLnBrk="1">
-                        <a:buFont typeface="Arial" panose="020B0604020202020204" pitchFamily="34" charset="0"/>
-                        <a:buNone/>
-                      </a:pPr>
-                      <a:r>
-                        <a:rPr lang="en-US" altLang="ko-KR" sz="1200"/>
-                        <a:t>   (1) </a:t>
-                      </a:r>
-                      <a:r>
-                        <a:rPr lang="ko-KR" altLang="en-US" sz="1200"/>
-                        <a:t>기존 메서드에서 앞서 코드를 복사한 부분을 새로운 메서드를 호출로 치환</a:t>
-                      </a:r>
-                      <a:endParaRPr lang="en-US" altLang="ko-KR" sz="1200"/>
-                    </a:p>
-                    <a:p>
-                      <a:pPr marL="0" lvl="0" indent="0" latinLnBrk="1">
-                        <a:buFont typeface="Arial" panose="020B0604020202020204" pitchFamily="34" charset="0"/>
-                        <a:buNone/>
-                      </a:pPr>
-                      <a:r>
-                        <a:rPr lang="en-US" altLang="ko-KR" sz="1200"/>
-                        <a:t>   (2) </a:t>
-                      </a:r>
-                      <a:r>
-                        <a:rPr lang="ko-KR" altLang="en-US" sz="1200"/>
-                        <a:t>기존 메서드에서 더는 사용하지 않는 지역 변수가 있으면 삭제</a:t>
-                      </a:r>
-                      <a:endParaRPr lang="en-US" altLang="ko-KR" sz="1200"/>
-                    </a:p>
-                    <a:p>
-                      <a:pPr marL="0" lvl="0" indent="0" latinLnBrk="1">
-                        <a:buFont typeface="Arial" panose="020B0604020202020204" pitchFamily="34" charset="0"/>
-                        <a:buNone/>
-                      </a:pPr>
-                      <a:r>
-                        <a:rPr lang="en-US" altLang="ko-KR" sz="1200"/>
-                        <a:t>   (3) </a:t>
-                      </a:r>
-                      <a:r>
-                        <a:rPr lang="ko-KR" altLang="en-US" sz="1200"/>
-                        <a:t>컴파일해서 테스트</a:t>
-                      </a:r>
-                      <a:endParaRPr lang="en-US" altLang="ko-KR" sz="1200"/>
-                    </a:p>
-                  </a:txBody>
-                  <a:tcPr/>
-                </a:tc>
-                <a:extLst>
-                  <a:ext uri="{0D108BD9-81ED-4DB2-BD59-A6C34878D82A}">
-                    <a16:rowId xmlns:a16="http://schemas.microsoft.com/office/drawing/2014/main" val="3112748623"/>
-                  </a:ext>
-                </a:extLst>
-              </a:tr>
-              <a:tr h="370840">
-                <a:tc>
-                  <a:txBody>
-                    <a:bodyPr/>
-                    <a:lstStyle/>
-                    <a:p>
-                      <a:pPr latinLnBrk="1"/>
-                      <a:r>
-                        <a:rPr lang="ko-KR" altLang="en-US" sz="1600"/>
-                        <a:t>관련항목</a:t>
-                      </a:r>
-                    </a:p>
-                  </a:txBody>
-                  <a:tcPr/>
-                </a:tc>
-                <a:tc>
-                  <a:txBody>
-                    <a:bodyPr/>
-                    <a:lstStyle/>
-                    <a:p>
-                      <a:pPr marL="285750" lvl="0" indent="-285750" latinLnBrk="1">
-                        <a:buFont typeface="Arial" panose="020B0604020202020204" pitchFamily="34" charset="0"/>
-                        <a:buChar char="•"/>
-                      </a:pPr>
-                      <a:r>
-                        <a:rPr lang="ko-KR" altLang="en-US" sz="1400"/>
-                        <a:t>임시 변수 분리</a:t>
-                      </a:r>
-                      <a:endParaRPr lang="en-US" altLang="ko-KR" sz="1400"/>
-                    </a:p>
-                    <a:p>
-                      <a:pPr marL="0" lvl="0" indent="0" latinLnBrk="1">
-                        <a:buFont typeface="Arial" panose="020B0604020202020204" pitchFamily="34" charset="0"/>
-                        <a:buNone/>
-                      </a:pPr>
-                      <a:r>
-                        <a:rPr lang="ko-KR" altLang="en-US" sz="1400"/>
-                        <a:t>    메서드 추출 전에 임시 변수 분리부터 하는 게 좋을때가 있음</a:t>
-                      </a:r>
-                      <a:endParaRPr lang="en-US" altLang="ko-KR" sz="1400"/>
-                    </a:p>
-                    <a:p>
-                      <a:pPr marL="285750" lvl="0" indent="-285750" latinLnBrk="1">
-                        <a:buFont typeface="Arial" panose="020B0604020202020204" pitchFamily="34" charset="0"/>
-                        <a:buChar char="•"/>
-                      </a:pPr>
-                      <a:r>
-                        <a:rPr lang="ko-KR" altLang="en-US" sz="1400"/>
-                        <a:t>질의로 임시 변수 치환</a:t>
-                      </a:r>
-                      <a:endParaRPr lang="en-US" altLang="ko-KR" sz="1400"/>
-                    </a:p>
-                    <a:p>
-                      <a:pPr marL="0" lvl="0" indent="0" latinLnBrk="1">
-                        <a:buFont typeface="Arial" panose="020B0604020202020204" pitchFamily="34" charset="0"/>
-                        <a:buNone/>
-                      </a:pPr>
-                      <a:r>
-                        <a:rPr lang="en-US" altLang="ko-KR" sz="1400"/>
-                        <a:t>    </a:t>
-                      </a:r>
-                      <a:r>
-                        <a:rPr lang="ko-KR" altLang="en-US" sz="1400"/>
-                        <a:t>메서드 추출 전에 질의로 임시 변수 분리부터 하는 게 좋을 때가 있음</a:t>
-                      </a:r>
-                      <a:endParaRPr lang="en-US" altLang="ko-KR" sz="1400"/>
-                    </a:p>
-                    <a:p>
-                      <a:pPr marL="285750" lvl="0" indent="-285750" latinLnBrk="1">
-                        <a:buFont typeface="Arial" panose="020B0604020202020204" pitchFamily="34" charset="0"/>
-                        <a:buChar char="•"/>
-                      </a:pPr>
-                      <a:r>
-                        <a:rPr lang="ko-KR" altLang="en-US" sz="1400"/>
-                        <a:t>메서드 인라인화</a:t>
-                      </a:r>
-                      <a:endParaRPr lang="en-US" altLang="ko-KR" sz="1400"/>
-                    </a:p>
-                    <a:p>
-                      <a:pPr marL="0" lvl="0" indent="0" latinLnBrk="1">
-                        <a:buFont typeface="Arial" panose="020B0604020202020204" pitchFamily="34" charset="0"/>
-                        <a:buNone/>
-                      </a:pPr>
-                      <a:r>
-                        <a:rPr lang="en-US" altLang="ko-KR" sz="1400"/>
-                        <a:t>    </a:t>
-                      </a:r>
-                      <a:r>
-                        <a:rPr lang="ko-KR" altLang="en-US" sz="1400"/>
-                        <a:t>역 리팩토링</a:t>
-                      </a:r>
-                    </a:p>
-                  </a:txBody>
-                  <a:tcPr/>
-                </a:tc>
-                <a:extLst>
-                  <a:ext uri="{0D108BD9-81ED-4DB2-BD59-A6C34878D82A}">
-                    <a16:rowId xmlns:a16="http://schemas.microsoft.com/office/drawing/2014/main" val="3319540143"/>
-                  </a:ext>
-                </a:extLst>
-              </a:tr>
-            </a:tbl>
-          </a:graphicData>
-        </a:graphic>
-      </p:graphicFrame>
       <p:sp>
         <p:nvSpPr>
           <p:cNvPr id="16" name="TextBox 15">
@@ -11520,36 +16239,203 @@
         </p:nvSpPr>
         <p:spPr>
           <a:xfrm>
-            <a:off x="6260363" y="706579"/>
-            <a:ext cx="6105524" cy="369332"/>
+            <a:off x="4962899" y="2514053"/>
+            <a:ext cx="5000251" cy="1477328"/>
           </a:xfrm>
           <a:prstGeom prst="rect">
             <a:avLst/>
           </a:prstGeom>
-          <a:noFill/>
-        </p:spPr>
+        </p:spPr>
+        <p:style>
+          <a:lnRef idx="2">
+            <a:schemeClr val="accent1"/>
+          </a:lnRef>
+          <a:fillRef idx="1">
+            <a:schemeClr val="lt1"/>
+          </a:fillRef>
+          <a:effectRef idx="0">
+            <a:schemeClr val="accent1"/>
+          </a:effectRef>
+          <a:fontRef idx="minor">
+            <a:schemeClr val="dk1"/>
+          </a:fontRef>
+        </p:style>
         <p:txBody>
           <a:bodyPr wrap="square">
             <a:spAutoFit/>
           </a:bodyPr>
           <a:lstStyle/>
+          <a:p>
+            <a:pPr latinLnBrk="1"/>
+            <a:r>
+              <a:rPr lang="en-US" altLang="ko-KR" sz="1800"/>
+              <a:t>2. </a:t>
+            </a:r>
+            <a:r>
+              <a:rPr lang="ko-KR" altLang="en-US" sz="1800"/>
+              <a:t>기존 메서드에서 새로운 메서드로 코드 복사</a:t>
+            </a:r>
+            <a:endParaRPr lang="en-US" altLang="ko-KR" sz="1800"/>
+          </a:p>
+          <a:p>
+            <a:pPr latinLnBrk="1"/>
+            <a:endParaRPr lang="en-US" altLang="ko-KR" sz="1800"/>
+          </a:p>
+          <a:p>
+            <a:pPr latinLnBrk="1"/>
+            <a:r>
+              <a:rPr lang="ko-KR" altLang="en-US" sz="1800"/>
+              <a:t>다른 클래스에서 호출할수 없도록 </a:t>
+            </a:r>
+            <a:r>
+              <a:rPr lang="en-US" altLang="ko-KR" sz="1800"/>
+              <a:t>private</a:t>
+            </a:r>
+            <a:r>
+              <a:rPr lang="ko-KR" altLang="en-US" sz="1800"/>
+              <a:t>으로 </a:t>
+            </a:r>
+            <a:endParaRPr lang="en-US" altLang="ko-KR" sz="1800"/>
+          </a:p>
+          <a:p>
+            <a:pPr latinLnBrk="1"/>
+            <a:r>
+              <a:rPr lang="ko-KR" altLang="en-US" sz="1800"/>
+              <a:t>선언하면 수정하기 편리함</a:t>
+            </a:r>
+            <a:endParaRPr lang="en-US" altLang="ko-KR" sz="1800"/>
+          </a:p>
           <a:p>
             <a:pPr marL="0" indent="0" latinLnBrk="1">
               <a:buFont typeface="+mj-lt"/>
               <a:buNone/>
             </a:pPr>
-            <a:r>
-              <a:rPr lang="ko-KR" altLang="en-US" sz="1800"/>
-              <a:t>새로운 메서드에 적절한 이름 붙이기</a:t>
-            </a:r>
             <a:endParaRPr lang="en-US" altLang="ko-KR" sz="1800"/>
           </a:p>
         </p:txBody>
       </p:sp>
+      <p:sp>
+        <p:nvSpPr>
+          <p:cNvPr id="5" name="화살표: 오른쪽 4">
+            <a:extLst>
+              <a:ext uri="{FF2B5EF4-FFF2-40B4-BE49-F238E27FC236}">
+                <a16:creationId xmlns:a16="http://schemas.microsoft.com/office/drawing/2014/main" id="{ECD8F1B0-5BB2-47A9-B052-1CB0EAEBE522}"/>
+              </a:ext>
+            </a:extLst>
+          </p:cNvPr>
+          <p:cNvSpPr/>
+          <p:nvPr/>
+        </p:nvSpPr>
+        <p:spPr>
+          <a:xfrm rot="5400000">
+            <a:off x="2189284" y="2971730"/>
+            <a:ext cx="1147793" cy="561975"/>
+          </a:xfrm>
+          <a:prstGeom prst="rightArrow">
+            <a:avLst/>
+          </a:prstGeom>
+        </p:spPr>
+        <p:style>
+          <a:lnRef idx="2">
+            <a:schemeClr val="accent1">
+              <a:shade val="50000"/>
+            </a:schemeClr>
+          </a:lnRef>
+          <a:fillRef idx="1">
+            <a:schemeClr val="accent1"/>
+          </a:fillRef>
+          <a:effectRef idx="0">
+            <a:schemeClr val="accent1"/>
+          </a:effectRef>
+          <a:fontRef idx="minor">
+            <a:schemeClr val="lt1"/>
+          </a:fontRef>
+        </p:style>
+        <p:txBody>
+          <a:bodyPr rtlCol="0" anchor="ctr"/>
+          <a:lstStyle/>
+          <a:p>
+            <a:pPr algn="ctr"/>
+            <a:endParaRPr lang="ko-KR" altLang="en-US"/>
+          </a:p>
+        </p:txBody>
+      </p:sp>
+      <p:pic>
+        <p:nvPicPr>
+          <p:cNvPr id="19" name="그림 18">
+            <a:extLst>
+              <a:ext uri="{FF2B5EF4-FFF2-40B4-BE49-F238E27FC236}">
+                <a16:creationId xmlns:a16="http://schemas.microsoft.com/office/drawing/2014/main" id="{BD20BD4C-970F-49C6-A520-137756E06484}"/>
+              </a:ext>
+            </a:extLst>
+          </p:cNvPr>
+          <p:cNvPicPr>
+            <a:picLocks noChangeAspect="1"/>
+          </p:cNvPicPr>
+          <p:nvPr/>
+        </p:nvPicPr>
+        <p:blipFill>
+          <a:blip r:embed="rId2">
+            <a:extLst>
+              <a:ext uri="{28A0092B-C50C-407E-A947-70E740481C1C}">
+                <a14:useLocalDpi xmlns:a14="http://schemas.microsoft.com/office/drawing/2010/main" val="0"/>
+              </a:ext>
+            </a:extLst>
+          </a:blip>
+          <a:stretch>
+            <a:fillRect/>
+          </a:stretch>
+        </p:blipFill>
+        <p:spPr>
+          <a:xfrm>
+            <a:off x="1943917" y="1893171"/>
+            <a:ext cx="1638529" cy="466790"/>
+          </a:xfrm>
+          <a:prstGeom prst="rect">
+            <a:avLst/>
+          </a:prstGeom>
+        </p:spPr>
+      </p:pic>
+      <p:pic>
+        <p:nvPicPr>
+          <p:cNvPr id="6" name="그림 5" descr="텍스트이(가) 표시된 사진&#10;&#10;자동 생성된 설명">
+            <a:extLst>
+              <a:ext uri="{FF2B5EF4-FFF2-40B4-BE49-F238E27FC236}">
+                <a16:creationId xmlns:a16="http://schemas.microsoft.com/office/drawing/2014/main" id="{BCB392F2-B8D3-49FA-A909-19EA16B1E356}"/>
+              </a:ext>
+            </a:extLst>
+          </p:cNvPr>
+          <p:cNvPicPr>
+            <a:picLocks noChangeAspect="1"/>
+          </p:cNvPicPr>
+          <p:nvPr/>
+        </p:nvPicPr>
+        <p:blipFill>
+          <a:blip r:embed="rId3">
+            <a:extLst>
+              <a:ext uri="{28A0092B-C50C-407E-A947-70E740481C1C}">
+                <a14:useLocalDpi xmlns:a14="http://schemas.microsoft.com/office/drawing/2010/main" val="0"/>
+              </a:ext>
+            </a:extLst>
+          </a:blip>
+          <a:stretch>
+            <a:fillRect/>
+          </a:stretch>
+        </p:blipFill>
+        <p:spPr>
+          <a:xfrm>
+            <a:off x="905692" y="4145474"/>
+            <a:ext cx="3896269" cy="1009791"/>
+          </a:xfrm>
+          <a:prstGeom prst="rect">
+            <a:avLst/>
+          </a:prstGeom>
+        </p:spPr>
+      </p:pic>
     </p:spTree>
     <p:extLst>
       <p:ext uri="{BB962C8B-B14F-4D97-AF65-F5344CB8AC3E}">
-        <p14:creationId xmlns:p14="http://schemas.microsoft.com/office/powerpoint/2010/main" val="576017820"/>
+        <p14:creationId xmlns:p14="http://schemas.microsoft.com/office/powerpoint/2010/main" val="3831166898"/>
       </p:ext>
     </p:extLst>
   </p:cSld>
@@ -11814,4 +16700,299 @@
     </a:ext>
   </a:extLst>
 </a:theme>
+</file>
+
+<file path=ppt/theme/theme2.xml><?xml version="1.0" encoding="utf-8"?>
+<a:theme xmlns:a="http://schemas.openxmlformats.org/drawingml/2006/main" name="Office 테마">
+  <a:themeElements>
+    <a:clrScheme name="Office">
+      <a:dk1>
+        <a:sysClr val="windowText" lastClr="000000"/>
+      </a:dk1>
+      <a:lt1>
+        <a:sysClr val="window" lastClr="FFFFFF"/>
+      </a:lt1>
+      <a:dk2>
+        <a:srgbClr val="44546A"/>
+      </a:dk2>
+      <a:lt2>
+        <a:srgbClr val="E7E6E6"/>
+      </a:lt2>
+      <a:accent1>
+        <a:srgbClr val="4472C4"/>
+      </a:accent1>
+      <a:accent2>
+        <a:srgbClr val="ED7D31"/>
+      </a:accent2>
+      <a:accent3>
+        <a:srgbClr val="A5A5A5"/>
+      </a:accent3>
+      <a:accent4>
+        <a:srgbClr val="FFC000"/>
+      </a:accent4>
+      <a:accent5>
+        <a:srgbClr val="5B9BD5"/>
+      </a:accent5>
+      <a:accent6>
+        <a:srgbClr val="70AD47"/>
+      </a:accent6>
+      <a:hlink>
+        <a:srgbClr val="0563C1"/>
+      </a:hlink>
+      <a:folHlink>
+        <a:srgbClr val="954F72"/>
+      </a:folHlink>
+    </a:clrScheme>
+    <a:fontScheme name="Office">
+      <a:majorFont>
+        <a:latin typeface="맑은 고딕" panose="020F0302020204030204"/>
+        <a:ea typeface=""/>
+        <a:cs typeface=""/>
+        <a:font script="Jpan" typeface="游ゴシック Light"/>
+        <a:font script="Hang" typeface="맑은 고딕"/>
+        <a:font script="Hans" typeface="等线 Light"/>
+        <a:font script="Hant" typeface="新細明體"/>
+        <a:font script="Arab" typeface="Times New Roman"/>
+        <a:font script="Hebr" typeface="Times New Roman"/>
+        <a:font script="Thai" typeface="Angsana New"/>
+        <a:font script="Ethi" typeface="Nyala"/>
+        <a:font script="Beng" typeface="Vrinda"/>
+        <a:font script="Gujr" typeface="Shruti"/>
+        <a:font script="Khmr" typeface="MoolBoran"/>
+        <a:font script="Knda" typeface="Tunga"/>
+        <a:font script="Guru" typeface="Raavi"/>
+        <a:font script="Cans" typeface="Euphemia"/>
+        <a:font script="Cher" typeface="Plantagenet Cherokee"/>
+        <a:font script="Yiii" typeface="Microsoft Yi Baiti"/>
+        <a:font script="Tibt" typeface="Microsoft Himalaya"/>
+        <a:font script="Thaa" typeface="MV Boli"/>
+        <a:font script="Deva" typeface="Mangal"/>
+        <a:font script="Telu" typeface="Gautami"/>
+        <a:font script="Taml" typeface="Latha"/>
+        <a:font script="Syrc" typeface="Estrangelo Edessa"/>
+        <a:font script="Orya" typeface="Kalinga"/>
+        <a:font script="Mlym" typeface="Kartika"/>
+        <a:font script="Laoo" typeface="DokChampa"/>
+        <a:font script="Sinh" typeface="Iskoola Pota"/>
+        <a:font script="Mong" typeface="Mongolian Baiti"/>
+        <a:font script="Viet" typeface="Times New Roman"/>
+        <a:font script="Uigh" typeface="Microsoft Uighur"/>
+        <a:font script="Geor" typeface="Sylfaen"/>
+        <a:font script="Armn" typeface="Arial"/>
+        <a:font script="Bugi" typeface="Leelawadee UI"/>
+        <a:font script="Bopo" typeface="Microsoft JhengHei"/>
+        <a:font script="Java" typeface="Javanese Text"/>
+        <a:font script="Lisu" typeface="Segoe UI"/>
+        <a:font script="Mymr" typeface="Myanmar Text"/>
+        <a:font script="Nkoo" typeface="Ebrima"/>
+        <a:font script="Olck" typeface="Nirmala UI"/>
+        <a:font script="Osma" typeface="Ebrima"/>
+        <a:font script="Phag" typeface="Phagspa"/>
+        <a:font script="Syrn" typeface="Estrangelo Edessa"/>
+        <a:font script="Syrj" typeface="Estrangelo Edessa"/>
+        <a:font script="Syre" typeface="Estrangelo Edessa"/>
+        <a:font script="Sora" typeface="Nirmala UI"/>
+        <a:font script="Tale" typeface="Microsoft Tai Le"/>
+        <a:font script="Talu" typeface="Microsoft New Tai Lue"/>
+        <a:font script="Tfng" typeface="Ebrima"/>
+      </a:majorFont>
+      <a:minorFont>
+        <a:latin typeface="맑은 고딕" panose="020F0502020204030204"/>
+        <a:ea typeface=""/>
+        <a:cs typeface=""/>
+        <a:font script="Jpan" typeface="游ゴシック"/>
+        <a:font script="Hang" typeface="맑은 고딕"/>
+        <a:font script="Hans" typeface="等线"/>
+        <a:font script="Hant" typeface="新細明體"/>
+        <a:font script="Arab" typeface="Arial"/>
+        <a:font script="Hebr" typeface="Arial"/>
+        <a:font script="Thai" typeface="Cordia New"/>
+        <a:font script="Ethi" typeface="Nyala"/>
+        <a:font script="Beng" typeface="Vrinda"/>
+        <a:font script="Gujr" typeface="Shruti"/>
+        <a:font script="Khmr" typeface="DaunPenh"/>
+        <a:font script="Knda" typeface="Tunga"/>
+        <a:font script="Guru" typeface="Raavi"/>
+        <a:font script="Cans" typeface="Euphemia"/>
+        <a:font script="Cher" typeface="Plantagenet Cherokee"/>
+        <a:font script="Yiii" typeface="Microsoft Yi Baiti"/>
+        <a:font script="Tibt" typeface="Microsoft Himalaya"/>
+        <a:font script="Thaa" typeface="MV Boli"/>
+        <a:font script="Deva" typeface="Mangal"/>
+        <a:font script="Telu" typeface="Gautami"/>
+        <a:font script="Taml" typeface="Latha"/>
+        <a:font script="Syrc" typeface="Estrangelo Edessa"/>
+        <a:font script="Orya" typeface="Kalinga"/>
+        <a:font script="Mlym" typeface="Kartika"/>
+        <a:font script="Laoo" typeface="DokChampa"/>
+        <a:font script="Sinh" typeface="Iskoola Pota"/>
+        <a:font script="Mong" typeface="Mongolian Baiti"/>
+        <a:font script="Viet" typeface="Arial"/>
+        <a:font script="Uigh" typeface="Microsoft Uighur"/>
+        <a:font script="Geor" typeface="Sylfaen"/>
+        <a:font script="Armn" typeface="Arial"/>
+        <a:font script="Bugi" typeface="Leelawadee UI"/>
+        <a:font script="Bopo" typeface="Microsoft JhengHei"/>
+        <a:font script="Java" typeface="Javanese Text"/>
+        <a:font script="Lisu" typeface="Segoe UI"/>
+        <a:font script="Mymr" typeface="Myanmar Text"/>
+        <a:font script="Nkoo" typeface="Ebrima"/>
+        <a:font script="Olck" typeface="Nirmala UI"/>
+        <a:font script="Osma" typeface="Ebrima"/>
+        <a:font script="Phag" typeface="Phagspa"/>
+        <a:font script="Syrn" typeface="Estrangelo Edessa"/>
+        <a:font script="Syrj" typeface="Estrangelo Edessa"/>
+        <a:font script="Syre" typeface="Estrangelo Edessa"/>
+        <a:font script="Sora" typeface="Nirmala UI"/>
+        <a:font script="Tale" typeface="Microsoft Tai Le"/>
+        <a:font script="Talu" typeface="Microsoft New Tai Lue"/>
+        <a:font script="Tfng" typeface="Ebrima"/>
+      </a:minorFont>
+    </a:fontScheme>
+    <a:fmtScheme name="Office">
+      <a:fillStyleLst>
+        <a:solidFill>
+          <a:schemeClr val="phClr"/>
+        </a:solidFill>
+        <a:gradFill rotWithShape="1">
+          <a:gsLst>
+            <a:gs pos="0">
+              <a:schemeClr val="phClr">
+                <a:lumMod val="110000"/>
+                <a:satMod val="105000"/>
+                <a:tint val="67000"/>
+              </a:schemeClr>
+            </a:gs>
+            <a:gs pos="50000">
+              <a:schemeClr val="phClr">
+                <a:lumMod val="105000"/>
+                <a:satMod val="103000"/>
+                <a:tint val="73000"/>
+              </a:schemeClr>
+            </a:gs>
+            <a:gs pos="100000">
+              <a:schemeClr val="phClr">
+                <a:lumMod val="105000"/>
+                <a:satMod val="109000"/>
+                <a:tint val="81000"/>
+              </a:schemeClr>
+            </a:gs>
+          </a:gsLst>
+          <a:lin ang="5400000" scaled="0"/>
+        </a:gradFill>
+        <a:gradFill rotWithShape="1">
+          <a:gsLst>
+            <a:gs pos="0">
+              <a:schemeClr val="phClr">
+                <a:satMod val="103000"/>
+                <a:lumMod val="102000"/>
+                <a:tint val="94000"/>
+              </a:schemeClr>
+            </a:gs>
+            <a:gs pos="50000">
+              <a:schemeClr val="phClr">
+                <a:satMod val="110000"/>
+                <a:lumMod val="100000"/>
+                <a:shade val="100000"/>
+              </a:schemeClr>
+            </a:gs>
+            <a:gs pos="100000">
+              <a:schemeClr val="phClr">
+                <a:lumMod val="99000"/>
+                <a:satMod val="120000"/>
+                <a:shade val="78000"/>
+              </a:schemeClr>
+            </a:gs>
+          </a:gsLst>
+          <a:lin ang="5400000" scaled="0"/>
+        </a:gradFill>
+      </a:fillStyleLst>
+      <a:lnStyleLst>
+        <a:ln w="6350" cap="flat" cmpd="sng" algn="ctr">
+          <a:solidFill>
+            <a:schemeClr val="phClr"/>
+          </a:solidFill>
+          <a:prstDash val="solid"/>
+          <a:miter lim="800000"/>
+        </a:ln>
+        <a:ln w="12700" cap="flat" cmpd="sng" algn="ctr">
+          <a:solidFill>
+            <a:schemeClr val="phClr"/>
+          </a:solidFill>
+          <a:prstDash val="solid"/>
+          <a:miter lim="800000"/>
+        </a:ln>
+        <a:ln w="19050" cap="flat" cmpd="sng" algn="ctr">
+          <a:solidFill>
+            <a:schemeClr val="phClr"/>
+          </a:solidFill>
+          <a:prstDash val="solid"/>
+          <a:miter lim="800000"/>
+        </a:ln>
+      </a:lnStyleLst>
+      <a:effectStyleLst>
+        <a:effectStyle>
+          <a:effectLst/>
+        </a:effectStyle>
+        <a:effectStyle>
+          <a:effectLst/>
+        </a:effectStyle>
+        <a:effectStyle>
+          <a:effectLst>
+            <a:outerShdw blurRad="57150" dist="19050" dir="5400000" algn="ctr" rotWithShape="0">
+              <a:srgbClr val="000000">
+                <a:alpha val="63000"/>
+              </a:srgbClr>
+            </a:outerShdw>
+          </a:effectLst>
+        </a:effectStyle>
+      </a:effectStyleLst>
+      <a:bgFillStyleLst>
+        <a:solidFill>
+          <a:schemeClr val="phClr"/>
+        </a:solidFill>
+        <a:solidFill>
+          <a:schemeClr val="phClr">
+            <a:tint val="95000"/>
+            <a:satMod val="170000"/>
+          </a:schemeClr>
+        </a:solidFill>
+        <a:gradFill rotWithShape="1">
+          <a:gsLst>
+            <a:gs pos="0">
+              <a:schemeClr val="phClr">
+                <a:tint val="93000"/>
+                <a:satMod val="150000"/>
+                <a:shade val="98000"/>
+                <a:lumMod val="102000"/>
+              </a:schemeClr>
+            </a:gs>
+            <a:gs pos="50000">
+              <a:schemeClr val="phClr">
+                <a:tint val="98000"/>
+                <a:satMod val="130000"/>
+                <a:shade val="90000"/>
+                <a:lumMod val="103000"/>
+              </a:schemeClr>
+            </a:gs>
+            <a:gs pos="100000">
+              <a:schemeClr val="phClr">
+                <a:shade val="63000"/>
+                <a:satMod val="120000"/>
+              </a:schemeClr>
+            </a:gs>
+          </a:gsLst>
+          <a:lin ang="5400000" scaled="0"/>
+        </a:gradFill>
+      </a:bgFillStyleLst>
+    </a:fmtScheme>
+  </a:themeElements>
+  <a:objectDefaults/>
+  <a:extraClrSchemeLst/>
+  <a:extLst>
+    <a:ext uri="{05A4C25C-085E-4340-85A3-A5531E510DB2}">
+      <thm15:themeFamily xmlns:thm15="http://schemas.microsoft.com/office/thememl/2012/main" name="Office Theme" id="{62F939B6-93AF-4DB8-9C6B-D6C7DFDC589F}" vid="{4A3C46E8-61CC-4603-A589-7422A47A8E4A}"/>
+    </a:ext>
+  </a:extLst>
+</a:theme>
 </file>
--- a/리펙토링.pptx
+++ b/리펙토링.pptx
@@ -5,33 +5,34 @@
     <p:sldMasterId id="2147483708" r:id="rId1"/>
   </p:sldMasterIdLst>
   <p:notesMasterIdLst>
-    <p:notesMasterId r:id="rId26"/>
+    <p:notesMasterId r:id="rId27"/>
   </p:notesMasterIdLst>
   <p:sldIdLst>
     <p:sldId id="258" r:id="rId2"/>
     <p:sldId id="259" r:id="rId3"/>
     <p:sldId id="260" r:id="rId4"/>
-    <p:sldId id="261" r:id="rId5"/>
-    <p:sldId id="262" r:id="rId6"/>
-    <p:sldId id="256" r:id="rId7"/>
-    <p:sldId id="265" r:id="rId8"/>
-    <p:sldId id="266" r:id="rId9"/>
-    <p:sldId id="269" r:id="rId10"/>
-    <p:sldId id="270" r:id="rId11"/>
-    <p:sldId id="271" r:id="rId12"/>
-    <p:sldId id="272" r:id="rId13"/>
-    <p:sldId id="273" r:id="rId14"/>
-    <p:sldId id="274" r:id="rId15"/>
-    <p:sldId id="275" r:id="rId16"/>
-    <p:sldId id="276" r:id="rId17"/>
-    <p:sldId id="267" r:id="rId18"/>
-    <p:sldId id="277" r:id="rId19"/>
-    <p:sldId id="278" r:id="rId20"/>
-    <p:sldId id="279" r:id="rId21"/>
-    <p:sldId id="281" r:id="rId22"/>
-    <p:sldId id="280" r:id="rId23"/>
-    <p:sldId id="282" r:id="rId24"/>
-    <p:sldId id="283" r:id="rId25"/>
+    <p:sldId id="284" r:id="rId5"/>
+    <p:sldId id="285" r:id="rId6"/>
+    <p:sldId id="261" r:id="rId7"/>
+    <p:sldId id="262" r:id="rId8"/>
+    <p:sldId id="256" r:id="rId9"/>
+    <p:sldId id="265" r:id="rId10"/>
+    <p:sldId id="266" r:id="rId11"/>
+    <p:sldId id="269" r:id="rId12"/>
+    <p:sldId id="270" r:id="rId13"/>
+    <p:sldId id="271" r:id="rId14"/>
+    <p:sldId id="272" r:id="rId15"/>
+    <p:sldId id="273" r:id="rId16"/>
+    <p:sldId id="274" r:id="rId17"/>
+    <p:sldId id="275" r:id="rId18"/>
+    <p:sldId id="276" r:id="rId19"/>
+    <p:sldId id="267" r:id="rId20"/>
+    <p:sldId id="277" r:id="rId21"/>
+    <p:sldId id="278" r:id="rId22"/>
+    <p:sldId id="279" r:id="rId23"/>
+    <p:sldId id="280" r:id="rId24"/>
+    <p:sldId id="282" r:id="rId25"/>
+    <p:sldId id="283" r:id="rId26"/>
   </p:sldIdLst>
   <p:sldSz cx="12192000" cy="6858000"/>
   <p:notesSz cx="6858000" cy="9144000"/>
@@ -220,7 +221,7 @@
           <a:p>
             <a:fld id="{275F5434-97E8-4C7B-9E3B-EF04092E438F}" type="datetimeFigureOut">
               <a:rPr lang="ko-KR" altLang="en-US" smtClean="0"/>
-              <a:t>2022-04-03</a:t>
+              <a:t>2022-04-04</a:t>
             </a:fld>
             <a:endParaRPr lang="ko-KR" altLang="en-US"/>
           </a:p>
@@ -571,6 +572,316 @@
 </p:notes>
 </file>
 
+<file path=ppt/notesSlides/notesSlide10.xml><?xml version="1.0" encoding="utf-8"?>
+<p:notes xmlns:a="http://schemas.openxmlformats.org/drawingml/2006/main" xmlns:r="http://schemas.openxmlformats.org/officeDocument/2006/relationships" xmlns:p="http://schemas.openxmlformats.org/presentationml/2006/main">
+  <p:cSld>
+    <p:spTree>
+      <p:nvGrpSpPr>
+        <p:cNvPr id="1" name=""/>
+        <p:cNvGrpSpPr/>
+        <p:nvPr/>
+      </p:nvGrpSpPr>
+      <p:grpSpPr>
+        <a:xfrm>
+          <a:off x="0" y="0"/>
+          <a:ext cx="0" cy="0"/>
+          <a:chOff x="0" y="0"/>
+          <a:chExt cx="0" cy="0"/>
+        </a:xfrm>
+      </p:grpSpPr>
+      <p:sp>
+        <p:nvSpPr>
+          <p:cNvPr id="2" name="슬라이드 이미지 개체 틀 1"/>
+          <p:cNvSpPr>
+            <a:spLocks noGrp="1" noRot="1" noChangeAspect="1"/>
+          </p:cNvSpPr>
+          <p:nvPr>
+            <p:ph type="sldImg"/>
+          </p:nvPr>
+        </p:nvSpPr>
+        <p:spPr/>
+      </p:sp>
+      <p:sp>
+        <p:nvSpPr>
+          <p:cNvPr id="3" name="슬라이드 노트 개체 틀 2"/>
+          <p:cNvSpPr>
+            <a:spLocks noGrp="1"/>
+          </p:cNvSpPr>
+          <p:nvPr>
+            <p:ph type="body" idx="1"/>
+          </p:nvPr>
+        </p:nvSpPr>
+        <p:spPr/>
+        <p:txBody>
+          <a:bodyPr/>
+          <a:lstStyle/>
+          <a:p>
+            <a:r>
+              <a:rPr lang="en-US" altLang="ko-KR"/>
+              <a:t>getStringWithPrompt</a:t>
+            </a:r>
+            <a:r>
+              <a:rPr lang="ko-KR" altLang="en-US"/>
+              <a:t>메서드 선언하며 내부 지역변수로 </a:t>
+            </a:r>
+            <a:r>
+              <a:rPr lang="en-US" altLang="ko-KR"/>
+              <a:t>input </a:t>
+            </a:r>
+            <a:r>
+              <a:rPr lang="ko-KR" altLang="en-US"/>
+              <a:t>선언을 선헌하며 매개변수로 </a:t>
+            </a:r>
+            <a:r>
+              <a:rPr lang="en-US" altLang="ko-KR"/>
+              <a:t>promp</a:t>
+            </a:r>
+            <a:r>
+              <a:rPr lang="ko-KR" altLang="en-US"/>
+              <a:t>명을 가져옴</a:t>
+            </a:r>
+          </a:p>
+        </p:txBody>
+      </p:sp>
+      <p:sp>
+        <p:nvSpPr>
+          <p:cNvPr id="4" name="슬라이드 번호 개체 틀 3"/>
+          <p:cNvSpPr>
+            <a:spLocks noGrp="1"/>
+          </p:cNvSpPr>
+          <p:nvPr>
+            <p:ph type="sldNum" sz="quarter" idx="5"/>
+          </p:nvPr>
+        </p:nvSpPr>
+        <p:spPr/>
+        <p:txBody>
+          <a:bodyPr/>
+          <a:lstStyle/>
+          <a:p>
+            <a:fld id="{2E40F42B-88EF-48CA-9E99-D6880BFCDB0B}" type="slidenum">
+              <a:rPr lang="ko-KR" altLang="en-US" smtClean="0"/>
+              <a:t>23</a:t>
+            </a:fld>
+            <a:endParaRPr lang="ko-KR" altLang="en-US"/>
+          </a:p>
+        </p:txBody>
+      </p:sp>
+    </p:spTree>
+    <p:extLst>
+      <p:ext uri="{BB962C8B-B14F-4D97-AF65-F5344CB8AC3E}">
+        <p14:creationId xmlns:p14="http://schemas.microsoft.com/office/powerpoint/2010/main" val="787052150"/>
+      </p:ext>
+    </p:extLst>
+  </p:cSld>
+  <p:clrMapOvr>
+    <a:masterClrMapping/>
+  </p:clrMapOvr>
+</p:notes>
+</file>
+
+<file path=ppt/notesSlides/notesSlide11.xml><?xml version="1.0" encoding="utf-8"?>
+<p:notes xmlns:a="http://schemas.openxmlformats.org/drawingml/2006/main" xmlns:r="http://schemas.openxmlformats.org/officeDocument/2006/relationships" xmlns:p="http://schemas.openxmlformats.org/presentationml/2006/main">
+  <p:cSld>
+    <p:spTree>
+      <p:nvGrpSpPr>
+        <p:cNvPr id="1" name=""/>
+        <p:cNvGrpSpPr/>
+        <p:nvPr/>
+      </p:nvGrpSpPr>
+      <p:grpSpPr>
+        <a:xfrm>
+          <a:off x="0" y="0"/>
+          <a:ext cx="0" cy="0"/>
+          <a:chOff x="0" y="0"/>
+          <a:chExt cx="0" cy="0"/>
+        </a:xfrm>
+      </p:grpSpPr>
+      <p:sp>
+        <p:nvSpPr>
+          <p:cNvPr id="2" name="슬라이드 이미지 개체 틀 1"/>
+          <p:cNvSpPr>
+            <a:spLocks noGrp="1" noRot="1" noChangeAspect="1"/>
+          </p:cNvSpPr>
+          <p:nvPr>
+            <p:ph type="sldImg"/>
+          </p:nvPr>
+        </p:nvSpPr>
+        <p:spPr/>
+      </p:sp>
+      <p:sp>
+        <p:nvSpPr>
+          <p:cNvPr id="3" name="슬라이드 노트 개체 틀 2"/>
+          <p:cNvSpPr>
+            <a:spLocks noGrp="1"/>
+          </p:cNvSpPr>
+          <p:nvPr>
+            <p:ph type="body" idx="1"/>
+          </p:nvPr>
+        </p:nvSpPr>
+        <p:spPr/>
+        <p:txBody>
+          <a:bodyPr/>
+          <a:lstStyle/>
+          <a:p>
+            <a:r>
+              <a:rPr lang="ko-KR" altLang="en-US"/>
+              <a:t>제어 플래그를 삭제하며 </a:t>
+            </a:r>
+            <a:r>
+              <a:rPr lang="en-US" altLang="ko-KR"/>
+              <a:t>input</a:t>
+            </a:r>
+            <a:r>
+              <a:rPr lang="ko-KR" altLang="en-US"/>
+              <a:t>에 값을 받았을때 바로 </a:t>
+            </a:r>
+            <a:r>
+              <a:rPr lang="en-US" altLang="ko-KR"/>
+              <a:t>input</a:t>
+            </a:r>
+            <a:r>
+              <a:rPr lang="ko-KR" altLang="en-US"/>
+              <a:t>값을 리턴하며 메서드를 종료시키고 </a:t>
+            </a:r>
+            <a:r>
+              <a:rPr lang="en-US" altLang="ko-KR"/>
+              <a:t>3</a:t>
+            </a:r>
+            <a:r>
+              <a:rPr lang="ko-KR" altLang="en-US"/>
+              <a:t>회 실패시에도 </a:t>
+            </a:r>
+            <a:r>
+              <a:rPr lang="en-US" altLang="ko-KR"/>
+              <a:t>if</a:t>
+            </a:r>
+            <a:r>
+              <a:rPr lang="ko-KR" altLang="en-US"/>
+              <a:t>문을 줄일수 있습니다 </a:t>
+            </a:r>
+          </a:p>
+        </p:txBody>
+      </p:sp>
+      <p:sp>
+        <p:nvSpPr>
+          <p:cNvPr id="4" name="슬라이드 번호 개체 틀 3"/>
+          <p:cNvSpPr>
+            <a:spLocks noGrp="1"/>
+          </p:cNvSpPr>
+          <p:nvPr>
+            <p:ph type="sldNum" sz="quarter" idx="5"/>
+          </p:nvPr>
+        </p:nvSpPr>
+        <p:spPr/>
+        <p:txBody>
+          <a:bodyPr/>
+          <a:lstStyle/>
+          <a:p>
+            <a:fld id="{2E40F42B-88EF-48CA-9E99-D6880BFCDB0B}" type="slidenum">
+              <a:rPr lang="ko-KR" altLang="en-US" smtClean="0"/>
+              <a:t>24</a:t>
+            </a:fld>
+            <a:endParaRPr lang="ko-KR" altLang="en-US"/>
+          </a:p>
+        </p:txBody>
+      </p:sp>
+    </p:spTree>
+    <p:extLst>
+      <p:ext uri="{BB962C8B-B14F-4D97-AF65-F5344CB8AC3E}">
+        <p14:creationId xmlns:p14="http://schemas.microsoft.com/office/powerpoint/2010/main" val="1861054399"/>
+      </p:ext>
+    </p:extLst>
+  </p:cSld>
+  <p:clrMapOvr>
+    <a:masterClrMapping/>
+  </p:clrMapOvr>
+</p:notes>
+</file>
+
+<file path=ppt/notesSlides/notesSlide12.xml><?xml version="1.0" encoding="utf-8"?>
+<p:notes xmlns:a="http://schemas.openxmlformats.org/drawingml/2006/main" xmlns:r="http://schemas.openxmlformats.org/officeDocument/2006/relationships" xmlns:p="http://schemas.openxmlformats.org/presentationml/2006/main">
+  <p:cSld>
+    <p:spTree>
+      <p:nvGrpSpPr>
+        <p:cNvPr id="1" name=""/>
+        <p:cNvGrpSpPr/>
+        <p:nvPr/>
+      </p:nvGrpSpPr>
+      <p:grpSpPr>
+        <a:xfrm>
+          <a:off x="0" y="0"/>
+          <a:ext cx="0" cy="0"/>
+          <a:chOff x="0" y="0"/>
+          <a:chExt cx="0" cy="0"/>
+        </a:xfrm>
+      </p:grpSpPr>
+      <p:sp>
+        <p:nvSpPr>
+          <p:cNvPr id="2" name="슬라이드 이미지 개체 틀 1"/>
+          <p:cNvSpPr>
+            <a:spLocks noGrp="1" noRot="1" noChangeAspect="1"/>
+          </p:cNvSpPr>
+          <p:nvPr>
+            <p:ph type="sldImg"/>
+          </p:nvPr>
+        </p:nvSpPr>
+        <p:spPr/>
+      </p:sp>
+      <p:sp>
+        <p:nvSpPr>
+          <p:cNvPr id="3" name="슬라이드 노트 개체 틀 2"/>
+          <p:cNvSpPr>
+            <a:spLocks noGrp="1"/>
+          </p:cNvSpPr>
+          <p:nvPr>
+            <p:ph type="body" idx="1"/>
+          </p:nvPr>
+        </p:nvSpPr>
+        <p:spPr/>
+        <p:txBody>
+          <a:bodyPr/>
+          <a:lstStyle/>
+          <a:p>
+            <a:endParaRPr lang="ko-KR" altLang="en-US"/>
+          </a:p>
+        </p:txBody>
+      </p:sp>
+      <p:sp>
+        <p:nvSpPr>
+          <p:cNvPr id="4" name="슬라이드 번호 개체 틀 3"/>
+          <p:cNvSpPr>
+            <a:spLocks noGrp="1"/>
+          </p:cNvSpPr>
+          <p:nvPr>
+            <p:ph type="sldNum" sz="quarter" idx="5"/>
+          </p:nvPr>
+        </p:nvSpPr>
+        <p:spPr/>
+        <p:txBody>
+          <a:bodyPr/>
+          <a:lstStyle/>
+          <a:p>
+            <a:fld id="{2E40F42B-88EF-48CA-9E99-D6880BFCDB0B}" type="slidenum">
+              <a:rPr lang="ko-KR" altLang="en-US" smtClean="0"/>
+              <a:t>25</a:t>
+            </a:fld>
+            <a:endParaRPr lang="ko-KR" altLang="en-US"/>
+          </a:p>
+        </p:txBody>
+      </p:sp>
+    </p:spTree>
+    <p:extLst>
+      <p:ext uri="{BB962C8B-B14F-4D97-AF65-F5344CB8AC3E}">
+        <p14:creationId xmlns:p14="http://schemas.microsoft.com/office/powerpoint/2010/main" val="703284933"/>
+      </p:ext>
+    </p:extLst>
+  </p:cSld>
+  <p:clrMapOvr>
+    <a:masterClrMapping/>
+  </p:clrMapOvr>
+</p:notes>
+</file>
+
 <file path=ppt/notesSlides/notesSlide2.xml><?xml version="1.0" encoding="utf-8"?>
 <p:notes xmlns:a="http://schemas.openxmlformats.org/drawingml/2006/main" xmlns:r="http://schemas.openxmlformats.org/officeDocument/2006/relationships" xmlns:p="http://schemas.openxmlformats.org/presentationml/2006/main">
   <p:cSld>
@@ -615,37 +926,155 @@
           <a:bodyPr/>
           <a:lstStyle/>
           <a:p>
-            <a:r>
-              <a:rPr lang="en-US" altLang="ko-KR"/>
-              <a:t>@Override </a:t>
-            </a:r>
-            <a:r>
-              <a:rPr lang="ko-KR" altLang="en-US"/>
-              <a:t>애너테이션을 사용하여 오버라이드 메서드인지 확인할수 있습니다</a:t>
-            </a:r>
-            <a:br>
-              <a:rPr lang="en-US" altLang="ko-KR"/>
-            </a:br>
-            <a:r>
-              <a:rPr lang="ko-KR" altLang="en-US"/>
-              <a:t>오버라이드가된 메서드가 아니라면 컴파일 과정에서 오류가 뜨게됩니다</a:t>
-            </a:r>
-            <a:endParaRPr lang="en-US" altLang="ko-KR"/>
-          </a:p>
-          <a:p>
-            <a:r>
-              <a:rPr lang="en-US" altLang="ko-KR"/>
-              <a:t>(JDK 5</a:t>
-            </a:r>
-            <a:r>
-              <a:rPr lang="ko-KR" altLang="en-US"/>
-              <a:t>버전부터 지원된 기능 이전 버전이라면 문서를 읽거나 또는 설계한 사람에게 물어봐야함</a:t>
-            </a:r>
-            <a:r>
-              <a:rPr lang="en-US" altLang="ko-KR"/>
-              <a:t>)</a:t>
-            </a:r>
-            <a:endParaRPr lang="ko-KR" altLang="en-US"/>
+            <a:pPr latinLnBrk="1"/>
+            <a:r>
+              <a:rPr lang="ko-KR" altLang="en-US" sz="1200" dirty="0"/>
+              <a:t>동사 </a:t>
+            </a:r>
+            <a:r>
+              <a:rPr lang="en-US" altLang="ko-KR" sz="1200" dirty="0"/>
+              <a:t>+ </a:t>
+            </a:r>
+            <a:r>
+              <a:rPr lang="ko-KR" altLang="en-US" sz="1200" dirty="0"/>
+              <a:t>명사 순서로 </a:t>
+            </a:r>
+            <a:r>
+              <a:rPr lang="ko-KR" altLang="en-US" sz="1200" dirty="0" err="1"/>
+              <a:t>짓는게</a:t>
+            </a:r>
+            <a:r>
+              <a:rPr lang="ko-KR" altLang="en-US" sz="1200" dirty="0"/>
+              <a:t> 보통</a:t>
+            </a:r>
+            <a:endParaRPr lang="en-US" altLang="ko-KR" sz="1200" dirty="0"/>
+          </a:p>
+          <a:p>
+            <a:pPr latinLnBrk="1"/>
+            <a:endParaRPr lang="en-US" altLang="ko-KR" sz="1200" dirty="0"/>
+          </a:p>
+          <a:p>
+            <a:pPr latinLnBrk="1"/>
+            <a:r>
+              <a:rPr lang="ko-KR" altLang="en-US" sz="1200" dirty="0">
+                <a:solidFill>
+                  <a:srgbClr val="FF0000"/>
+                </a:solidFill>
+              </a:rPr>
+              <a:t>무엇</a:t>
+            </a:r>
+            <a:r>
+              <a:rPr lang="en-US" altLang="ko-KR" dirty="0"/>
+              <a:t>(what)</a:t>
+            </a:r>
+            <a:r>
+              <a:rPr lang="ko-KR" altLang="en-US" sz="1200" dirty="0"/>
+              <a:t>을 하는지 </a:t>
+            </a:r>
+            <a:r>
+              <a:rPr lang="ko-KR" altLang="en-US" sz="1200" dirty="0" err="1"/>
+              <a:t>알수</a:t>
+            </a:r>
+            <a:r>
+              <a:rPr lang="ko-KR" altLang="en-US" sz="1200" dirty="0"/>
+              <a:t> 있게 </a:t>
+            </a:r>
+            <a:r>
+              <a:rPr lang="ko-KR" altLang="en-US" sz="1200" dirty="0" err="1"/>
+              <a:t>짓는것이</a:t>
+            </a:r>
+            <a:r>
+              <a:rPr lang="ko-KR" altLang="en-US" sz="1200" dirty="0"/>
+              <a:t> 중요함</a:t>
+            </a:r>
+            <a:endParaRPr lang="en-US" altLang="ko-KR" sz="1200" dirty="0"/>
+          </a:p>
+          <a:p>
+            <a:pPr latinLnBrk="1"/>
+            <a:r>
+              <a:rPr lang="ko-KR" altLang="en-US" dirty="0"/>
+              <a:t>어떻게</a:t>
+            </a:r>
+            <a:r>
+              <a:rPr lang="en-US" altLang="ko-KR" dirty="0"/>
+              <a:t>(how)</a:t>
+            </a:r>
+            <a:r>
+              <a:rPr lang="ko-KR" altLang="en-US" dirty="0"/>
+              <a:t>는 구현 방식을 바꾸면 메서드 명을 바꿔야함 </a:t>
+            </a:r>
+            <a:r>
+              <a:rPr lang="en-US" altLang="ko-KR" dirty="0"/>
+              <a:t>-&gt; </a:t>
+            </a:r>
+            <a:r>
+              <a:rPr lang="ko-KR" altLang="en-US" dirty="0"/>
+              <a:t>메서드를 호출하는 </a:t>
+            </a:r>
+            <a:r>
+              <a:rPr lang="ko-KR" altLang="en-US" dirty="0" err="1">
+                <a:solidFill>
+                  <a:srgbClr val="FF0000"/>
+                </a:solidFill>
+              </a:rPr>
+              <a:t>모든곳을</a:t>
+            </a:r>
+            <a:r>
+              <a:rPr lang="ko-KR" altLang="en-US" dirty="0">
+                <a:solidFill>
+                  <a:srgbClr val="FF0000"/>
+                </a:solidFill>
+              </a:rPr>
+              <a:t> 바꿔야 함</a:t>
+            </a:r>
+            <a:endParaRPr lang="en-US" altLang="ko-KR" dirty="0">
+              <a:solidFill>
+                <a:srgbClr val="FF0000"/>
+              </a:solidFill>
+            </a:endParaRPr>
+          </a:p>
+          <a:p>
+            <a:pPr latinLnBrk="1"/>
+            <a:endParaRPr lang="en-US" altLang="ko-KR" sz="1200" dirty="0"/>
+          </a:p>
+          <a:p>
+            <a:pPr latinLnBrk="1"/>
+            <a:r>
+              <a:rPr lang="ko-KR" altLang="en-US" dirty="0"/>
+              <a:t>메서드에는 알맞은 </a:t>
+            </a:r>
+            <a:r>
+              <a:rPr lang="ko-KR" altLang="en-US" sz="1200" dirty="0">
+                <a:solidFill>
+                  <a:srgbClr val="FF0000"/>
+                </a:solidFill>
+              </a:rPr>
+              <a:t>이름이 중요 함</a:t>
+            </a:r>
+            <a:endParaRPr lang="en-US" altLang="ko-KR" sz="1200" dirty="0">
+              <a:solidFill>
+                <a:srgbClr val="FF0000"/>
+              </a:solidFill>
+            </a:endParaRPr>
+          </a:p>
+          <a:p>
+            <a:pPr latinLnBrk="1"/>
+            <a:r>
+              <a:rPr lang="ko-KR" altLang="en-US" sz="1200" dirty="0"/>
+              <a:t>알맞은 이름이 떠오르지 않는다면 그 코드가 무엇을 하는지 모른다는 뜻으로 제대로 메서드를 </a:t>
+            </a:r>
+            <a:r>
+              <a:rPr lang="ko-KR" altLang="en-US" sz="1200" dirty="0" err="1"/>
+              <a:t>추출할수</a:t>
+            </a:r>
+            <a:r>
+              <a:rPr lang="ko-KR" altLang="en-US" sz="1200" dirty="0"/>
+              <a:t> 없음</a:t>
+            </a:r>
+            <a:endParaRPr lang="en-US" altLang="ko-KR" sz="1200" dirty="0"/>
+          </a:p>
+          <a:p>
+            <a:endParaRPr lang="ko-KR" altLang="en-US" dirty="0"/>
           </a:p>
         </p:txBody>
       </p:sp>
@@ -666,7 +1095,7 @@
           <a:p>
             <a:fld id="{2E40F42B-88EF-48CA-9E99-D6880BFCDB0B}" type="slidenum">
               <a:rPr lang="ko-KR" altLang="en-US" smtClean="0"/>
-              <a:t>18</a:t>
+              <a:t>10</a:t>
             </a:fld>
             <a:endParaRPr lang="ko-KR" altLang="en-US"/>
           </a:p>
@@ -675,7 +1104,7 @@
     </p:spTree>
     <p:extLst>
       <p:ext uri="{BB962C8B-B14F-4D97-AF65-F5344CB8AC3E}">
-        <p14:creationId xmlns:p14="http://schemas.microsoft.com/office/powerpoint/2010/main" val="3360684991"/>
+        <p14:creationId xmlns:p14="http://schemas.microsoft.com/office/powerpoint/2010/main" val="1589703677"/>
       </p:ext>
     </p:extLst>
   </p:cSld>
@@ -729,7 +1158,39 @@
           <a:bodyPr/>
           <a:lstStyle/>
           <a:p>
-            <a:endParaRPr lang="ko-KR" altLang="en-US"/>
+            <a:pPr latinLnBrk="1"/>
+            <a:r>
+              <a:rPr lang="ko-KR" altLang="en-US" sz="1200" dirty="0"/>
+              <a:t>다른 클래스에서 </a:t>
+            </a:r>
+            <a:r>
+              <a:rPr lang="ko-KR" altLang="en-US" sz="1200" dirty="0" err="1"/>
+              <a:t>호출할수</a:t>
+            </a:r>
+            <a:r>
+              <a:rPr lang="ko-KR" altLang="en-US" sz="1200" dirty="0"/>
+              <a:t> 없도록 </a:t>
+            </a:r>
+            <a:r>
+              <a:rPr lang="en-US" altLang="ko-KR" sz="1200" dirty="0"/>
+              <a:t>private</a:t>
+            </a:r>
+            <a:r>
+              <a:rPr lang="ko-KR" altLang="en-US" sz="1200" dirty="0"/>
+              <a:t>으로 </a:t>
+            </a:r>
+            <a:endParaRPr lang="en-US" altLang="ko-KR" sz="1200" dirty="0"/>
+          </a:p>
+          <a:p>
+            <a:pPr latinLnBrk="1"/>
+            <a:r>
+              <a:rPr lang="ko-KR" altLang="en-US" sz="1200" dirty="0"/>
+              <a:t>선언하면 수정하기 편리함</a:t>
+            </a:r>
+            <a:endParaRPr lang="en-US" altLang="ko-KR" sz="1200" dirty="0"/>
+          </a:p>
+          <a:p>
+            <a:endParaRPr lang="ko-KR" altLang="en-US" dirty="0"/>
           </a:p>
         </p:txBody>
       </p:sp>
@@ -750,7 +1211,7 @@
           <a:p>
             <a:fld id="{2E40F42B-88EF-48CA-9E99-D6880BFCDB0B}" type="slidenum">
               <a:rPr lang="ko-KR" altLang="en-US" smtClean="0"/>
-              <a:t>19</a:t>
+              <a:t>11</a:t>
             </a:fld>
             <a:endParaRPr lang="ko-KR" altLang="en-US"/>
           </a:p>
@@ -759,7 +1220,7 @@
     </p:spTree>
     <p:extLst>
       <p:ext uri="{BB962C8B-B14F-4D97-AF65-F5344CB8AC3E}">
-        <p14:creationId xmlns:p14="http://schemas.microsoft.com/office/powerpoint/2010/main" val="1369613849"/>
+        <p14:creationId xmlns:p14="http://schemas.microsoft.com/office/powerpoint/2010/main" val="857695974"/>
       </p:ext>
     </p:extLst>
   </p:cSld>
@@ -813,7 +1274,71 @@
           <a:bodyPr/>
           <a:lstStyle/>
           <a:p>
-            <a:endParaRPr lang="ko-KR" altLang="en-US"/>
+            <a:pPr latinLnBrk="1"/>
+            <a:r>
+              <a:rPr lang="ko-KR" altLang="en-US" dirty="0"/>
+              <a:t>복사한 코드 안에서만 사용하는 변수라면 </a:t>
+            </a:r>
+            <a:endParaRPr lang="en-US" altLang="ko-KR" dirty="0"/>
+          </a:p>
+          <a:p>
+            <a:pPr latinLnBrk="1"/>
+            <a:r>
+              <a:rPr lang="ko-KR" altLang="en-US" dirty="0"/>
+              <a:t>메서드의 지역 변수로 만듦</a:t>
+            </a:r>
+            <a:endParaRPr lang="en-US" altLang="ko-KR" dirty="0"/>
+          </a:p>
+          <a:p>
+            <a:pPr latinLnBrk="1"/>
+            <a:endParaRPr lang="en-US" altLang="ko-KR" dirty="0"/>
+          </a:p>
+          <a:p>
+            <a:pPr latinLnBrk="1"/>
+            <a:r>
+              <a:rPr lang="en-US" altLang="ko-KR" dirty="0"/>
+              <a:t> I</a:t>
+            </a:r>
+            <a:r>
+              <a:rPr lang="ko-KR" altLang="en-US" dirty="0"/>
+              <a:t>는 </a:t>
+            </a:r>
+            <a:r>
+              <a:rPr lang="en-US" altLang="ko-KR" dirty="0"/>
+              <a:t>for</a:t>
+            </a:r>
+            <a:r>
+              <a:rPr lang="ko-KR" altLang="en-US" dirty="0"/>
+              <a:t>문 안에서 지역변수로 </a:t>
+            </a:r>
+            <a:r>
+              <a:rPr lang="ko-KR" altLang="en-US" dirty="0" err="1"/>
+              <a:t>선언되어있음</a:t>
+            </a:r>
+            <a:endParaRPr lang="en-US" altLang="ko-KR" dirty="0"/>
+          </a:p>
+          <a:p>
+            <a:pPr latinLnBrk="1"/>
+            <a:r>
+              <a:rPr lang="en-US" altLang="ko-KR" dirty="0"/>
+              <a:t>content</a:t>
+            </a:r>
+            <a:r>
+              <a:rPr lang="ko-KR" altLang="en-US" dirty="0"/>
+              <a:t>는 테두리 출력의 </a:t>
+            </a:r>
+            <a:r>
+              <a:rPr lang="en-US" altLang="ko-KR" dirty="0"/>
+              <a:t>for</a:t>
+            </a:r>
+            <a:r>
+              <a:rPr lang="ko-KR" altLang="en-US" dirty="0"/>
+              <a:t>문 안에서도 사용되어 지역변수로 만들지 않음</a:t>
+            </a:r>
+            <a:endParaRPr lang="en-US" altLang="ko-KR" dirty="0"/>
+          </a:p>
+          <a:p>
+            <a:endParaRPr lang="ko-KR" altLang="en-US" dirty="0"/>
           </a:p>
         </p:txBody>
       </p:sp>
@@ -834,7 +1359,7 @@
           <a:p>
             <a:fld id="{2E40F42B-88EF-48CA-9E99-D6880BFCDB0B}" type="slidenum">
               <a:rPr lang="ko-KR" altLang="en-US" smtClean="0"/>
-              <a:t>20</a:t>
+              <a:t>12</a:t>
             </a:fld>
             <a:endParaRPr lang="ko-KR" altLang="en-US"/>
           </a:p>
@@ -843,7 +1368,7 @@
     </p:spTree>
     <p:extLst>
       <p:ext uri="{BB962C8B-B14F-4D97-AF65-F5344CB8AC3E}">
-        <p14:creationId xmlns:p14="http://schemas.microsoft.com/office/powerpoint/2010/main" val="3674808043"/>
+        <p14:creationId xmlns:p14="http://schemas.microsoft.com/office/powerpoint/2010/main" val="2539222541"/>
       </p:ext>
     </p:extLst>
   </p:cSld>
@@ -897,7 +1422,55 @@
           <a:bodyPr/>
           <a:lstStyle/>
           <a:p>
-            <a:endParaRPr lang="ko-KR" altLang="en-US"/>
+            <a:pPr latinLnBrk="1"/>
+            <a:r>
+              <a:rPr lang="ko-KR" altLang="en-US" dirty="0"/>
+              <a:t>복사한 코드에서 </a:t>
+            </a:r>
+            <a:r>
+              <a:rPr lang="ko-KR" altLang="en-US" dirty="0" err="1"/>
+              <a:t>입력값으로</a:t>
+            </a:r>
+            <a:r>
+              <a:rPr lang="ko-KR" altLang="en-US" dirty="0"/>
+              <a:t> 사용하는 변수가 있다면 메서드 매개변수로 만듦</a:t>
+            </a:r>
+            <a:endParaRPr lang="en-US" altLang="ko-KR" dirty="0"/>
+          </a:p>
+          <a:p>
+            <a:pPr latinLnBrk="1"/>
+            <a:endParaRPr lang="en-US" altLang="ko-KR" dirty="0"/>
+          </a:p>
+          <a:p>
+            <a:pPr latinLnBrk="1"/>
+            <a:r>
+              <a:rPr lang="en-US" altLang="ko-KR" dirty="0"/>
+              <a:t> For</a:t>
+            </a:r>
+            <a:r>
+              <a:rPr lang="ko-KR" altLang="en-US" dirty="0"/>
+              <a:t>문 안의 </a:t>
+            </a:r>
+            <a:r>
+              <a:rPr lang="en-US" altLang="ko-KR" dirty="0"/>
+              <a:t>times</a:t>
+            </a:r>
+            <a:r>
+              <a:rPr lang="ko-KR" altLang="en-US" dirty="0"/>
+              <a:t>가 </a:t>
+            </a:r>
+            <a:r>
+              <a:rPr lang="ko-KR" altLang="en-US" dirty="0" err="1"/>
+              <a:t>입력값으로</a:t>
+            </a:r>
+            <a:r>
+              <a:rPr lang="ko-KR" altLang="en-US" dirty="0"/>
+              <a:t> 사용되고 있어 메서드 매개변수로 만듦</a:t>
+            </a:r>
+            <a:endParaRPr lang="en-US" altLang="ko-KR" dirty="0"/>
+          </a:p>
+          <a:p>
+            <a:endParaRPr lang="ko-KR" altLang="en-US" dirty="0"/>
           </a:p>
         </p:txBody>
       </p:sp>
@@ -918,7 +1491,7 @@
           <a:p>
             <a:fld id="{2E40F42B-88EF-48CA-9E99-D6880BFCDB0B}" type="slidenum">
               <a:rPr lang="ko-KR" altLang="en-US" smtClean="0"/>
-              <a:t>21</a:t>
+              <a:t>13</a:t>
             </a:fld>
             <a:endParaRPr lang="ko-KR" altLang="en-US"/>
           </a:p>
@@ -927,7 +1500,7 @@
     </p:spTree>
     <p:extLst>
       <p:ext uri="{BB962C8B-B14F-4D97-AF65-F5344CB8AC3E}">
-        <p14:creationId xmlns:p14="http://schemas.microsoft.com/office/powerpoint/2010/main" val="2065641436"/>
+        <p14:creationId xmlns:p14="http://schemas.microsoft.com/office/powerpoint/2010/main" val="215324055"/>
       </p:ext>
     </p:extLst>
   </p:cSld>
@@ -981,30 +1554,143 @@
           <a:bodyPr/>
           <a:lstStyle/>
           <a:p>
-            <a:r>
-              <a:rPr lang="en-US" altLang="ko-KR"/>
-              <a:t>getStringWithPrompt</a:t>
-            </a:r>
-            <a:r>
-              <a:rPr lang="ko-KR" altLang="en-US"/>
-              <a:t>메서드 선언하며 내부 지역변수로 </a:t>
-            </a:r>
-            <a:r>
-              <a:rPr lang="en-US" altLang="ko-KR"/>
-              <a:t>input </a:t>
-            </a:r>
-            <a:r>
-              <a:rPr lang="ko-KR" altLang="en-US"/>
-              <a:t>선언을 선헌하며 매개변수로 </a:t>
-            </a:r>
-            <a:r>
-              <a:rPr lang="en-US" altLang="ko-KR"/>
-              <a:t>promp</a:t>
-            </a:r>
-            <a:r>
-              <a:rPr lang="ko-KR" altLang="en-US"/>
-              <a:t>명을 가져옴</a:t>
-            </a:r>
+            <a:pPr latinLnBrk="1"/>
+            <a:r>
+              <a:rPr lang="ko-KR" altLang="en-US" dirty="0"/>
+              <a:t> 복사한 코드에서 변경되는 변수가 있는지 조사</a:t>
+            </a:r>
+            <a:endParaRPr lang="en-US" altLang="ko-KR" dirty="0"/>
+          </a:p>
+          <a:p>
+            <a:pPr latinLnBrk="1"/>
+            <a:endParaRPr lang="en-US" altLang="ko-KR" dirty="0"/>
+          </a:p>
+          <a:p>
+            <a:pPr latinLnBrk="1"/>
+            <a:r>
+              <a:rPr lang="ko-KR" altLang="en-US" dirty="0"/>
+              <a:t> 변수가 여러 개라면 </a:t>
+            </a:r>
+            <a:r>
+              <a:rPr lang="ko-KR" altLang="en-US" dirty="0" err="1"/>
+              <a:t>리팩토링</a:t>
+            </a:r>
+            <a:r>
+              <a:rPr lang="ko-KR" altLang="en-US" dirty="0"/>
+              <a:t> 계속하기 어려움</a:t>
+            </a:r>
+            <a:endParaRPr lang="en-US" altLang="ko-KR" dirty="0"/>
+          </a:p>
+          <a:p>
+            <a:pPr latinLnBrk="1"/>
+            <a:endParaRPr lang="en-US" altLang="ko-KR" dirty="0">
+              <a:solidFill>
+                <a:srgbClr val="FF0000"/>
+              </a:solidFill>
+            </a:endParaRPr>
+          </a:p>
+          <a:p>
+            <a:pPr latinLnBrk="1"/>
+            <a:r>
+              <a:rPr lang="ko-KR" altLang="en-US" dirty="0"/>
+              <a:t> 변경된 변수가 하나뿐이라면 </a:t>
+            </a:r>
+            <a:r>
+              <a:rPr lang="en-US" altLang="ko-KR" dirty="0"/>
+              <a:t>‘</a:t>
+            </a:r>
+            <a:r>
+              <a:rPr lang="ko-KR" altLang="en-US" dirty="0" err="1"/>
+              <a:t>매서드</a:t>
+            </a:r>
+            <a:r>
+              <a:rPr lang="ko-KR" altLang="en-US" dirty="0"/>
+              <a:t> </a:t>
+            </a:r>
+            <a:r>
+              <a:rPr lang="ko-KR" altLang="en-US" dirty="0" err="1"/>
+              <a:t>반환값</a:t>
+            </a:r>
+            <a:r>
+              <a:rPr lang="en-US" altLang="ko-KR" dirty="0"/>
+              <a:t>’</a:t>
+            </a:r>
+            <a:r>
+              <a:rPr lang="ko-KR" altLang="en-US" dirty="0"/>
+              <a:t>으로 쓰기 적당한지 검토</a:t>
+            </a:r>
+            <a:endParaRPr lang="en-US" altLang="ko-KR" dirty="0"/>
+          </a:p>
+          <a:p>
+            <a:pPr latinLnBrk="1"/>
+            <a:r>
+              <a:rPr lang="en-US" altLang="ko-KR" dirty="0"/>
+              <a:t>-</a:t>
+            </a:r>
+            <a:r>
+              <a:rPr lang="ko-KR" altLang="en-US" dirty="0"/>
+              <a:t>적당하다면 메서드 </a:t>
+            </a:r>
+            <a:r>
+              <a:rPr lang="ko-KR" altLang="en-US" dirty="0" err="1"/>
+              <a:t>반환값으로</a:t>
+            </a:r>
+            <a:r>
+              <a:rPr lang="ko-KR" altLang="en-US" dirty="0"/>
+              <a:t> 사용</a:t>
+            </a:r>
+            <a:endParaRPr lang="en-US" altLang="ko-KR" dirty="0"/>
+          </a:p>
+          <a:p>
+            <a:pPr latinLnBrk="1"/>
+            <a:r>
+              <a:rPr lang="en-US" altLang="ko-KR" dirty="0"/>
+              <a:t>-</a:t>
+            </a:r>
+            <a:r>
+              <a:rPr lang="ko-KR" altLang="en-US" dirty="0"/>
+              <a:t>적당하지 않다면 </a:t>
+            </a:r>
+            <a:r>
+              <a:rPr lang="ko-KR" altLang="en-US" dirty="0" err="1"/>
+              <a:t>리팩토링을</a:t>
+            </a:r>
+            <a:r>
+              <a:rPr lang="ko-KR" altLang="en-US" dirty="0"/>
+              <a:t> 계속하기 어려움</a:t>
+            </a:r>
+            <a:endParaRPr lang="en-US" altLang="ko-KR" dirty="0"/>
+          </a:p>
+          <a:p>
+            <a:pPr latinLnBrk="1"/>
+            <a:endParaRPr lang="en-US" altLang="ko-KR" dirty="0"/>
+          </a:p>
+          <a:p>
+            <a:pPr latinLnBrk="1"/>
+            <a:r>
+              <a:rPr lang="en-US" altLang="ko-KR" dirty="0"/>
+              <a:t> </a:t>
+            </a:r>
+            <a:r>
+              <a:rPr lang="en-US" altLang="ko-KR" dirty="0" err="1"/>
+              <a:t>printContent</a:t>
+            </a:r>
+            <a:r>
+              <a:rPr lang="ko-KR" altLang="en-US" dirty="0"/>
+              <a:t>에서는 변경된 변수가 없으므로 </a:t>
+            </a:r>
+            <a:r>
+              <a:rPr lang="ko-KR" altLang="en-US" dirty="0" err="1"/>
+              <a:t>반환값이</a:t>
+            </a:r>
+            <a:r>
+              <a:rPr lang="ko-KR" altLang="en-US" dirty="0"/>
+              <a:t> 없음</a:t>
+            </a:r>
+            <a:endParaRPr lang="en-US" altLang="ko-KR" dirty="0"/>
+          </a:p>
+          <a:p>
+            <a:endParaRPr lang="ko-KR" altLang="en-US" dirty="0"/>
           </a:p>
         </p:txBody>
       </p:sp>
@@ -1025,7 +1711,7 @@
           <a:p>
             <a:fld id="{2E40F42B-88EF-48CA-9E99-D6880BFCDB0B}" type="slidenum">
               <a:rPr lang="ko-KR" altLang="en-US" smtClean="0"/>
-              <a:t>22</a:t>
+              <a:t>14</a:t>
             </a:fld>
             <a:endParaRPr lang="ko-KR" altLang="en-US"/>
           </a:p>
@@ -1034,7 +1720,7 @@
     </p:spTree>
     <p:extLst>
       <p:ext uri="{BB962C8B-B14F-4D97-AF65-F5344CB8AC3E}">
-        <p14:creationId xmlns:p14="http://schemas.microsoft.com/office/powerpoint/2010/main" val="787052150"/>
+        <p14:creationId xmlns:p14="http://schemas.microsoft.com/office/powerpoint/2010/main" val="1296797152"/>
       </p:ext>
     </p:extLst>
   </p:cSld>
@@ -1089,41 +1775,36 @@
           <a:lstStyle/>
           <a:p>
             <a:r>
+              <a:rPr lang="en-US" altLang="ko-KR"/>
+              <a:t>@Override </a:t>
+            </a:r>
+            <a:r>
               <a:rPr lang="ko-KR" altLang="en-US"/>
-              <a:t>제어 플래그를 삭제하며 </a:t>
-            </a:r>
-            <a:r>
+              <a:t>애너테이션을 사용하여 오버라이드 메서드인지 확인할수 있습니다</a:t>
+            </a:r>
+            <a:br>
               <a:rPr lang="en-US" altLang="ko-KR"/>
-              <a:t>input</a:t>
-            </a:r>
+            </a:br>
             <a:r>
               <a:rPr lang="ko-KR" altLang="en-US"/>
-              <a:t>에 값을 받았을때 바로 </a:t>
-            </a:r>
+              <a:t>오버라이드가된 메서드가 아니라면 컴파일 과정에서 오류가 뜨게됩니다</a:t>
+            </a:r>
+            <a:endParaRPr lang="en-US" altLang="ko-KR"/>
+          </a:p>
+          <a:p>
             <a:r>
               <a:rPr lang="en-US" altLang="ko-KR"/>
-              <a:t>input</a:t>
+              <a:t>(JDK 5</a:t>
             </a:r>
             <a:r>
               <a:rPr lang="ko-KR" altLang="en-US"/>
-              <a:t>값을 리턴하며 메서드를 종료시키고 </a:t>
+              <a:t>버전부터 지원된 기능 이전 버전이라면 문서를 읽거나 또는 설계한 사람에게 물어봐야함</a:t>
             </a:r>
             <a:r>
               <a:rPr lang="en-US" altLang="ko-KR"/>
-              <a:t>3</a:t>
-            </a:r>
-            <a:r>
-              <a:rPr lang="ko-KR" altLang="en-US"/>
-              <a:t>회 실패시에도 </a:t>
-            </a:r>
-            <a:r>
-              <a:rPr lang="en-US" altLang="ko-KR"/>
-              <a:t>if</a:t>
-            </a:r>
-            <a:r>
-              <a:rPr lang="ko-KR" altLang="en-US"/>
-              <a:t>문을 줄일수 있습니다 </a:t>
-            </a:r>
+              <a:t>)</a:t>
+            </a:r>
+            <a:endParaRPr lang="ko-KR" altLang="en-US"/>
           </a:p>
         </p:txBody>
       </p:sp>
@@ -1144,7 +1825,7 @@
           <a:p>
             <a:fld id="{2E40F42B-88EF-48CA-9E99-D6880BFCDB0B}" type="slidenum">
               <a:rPr lang="ko-KR" altLang="en-US" smtClean="0"/>
-              <a:t>23</a:t>
+              <a:t>20</a:t>
             </a:fld>
             <a:endParaRPr lang="ko-KR" altLang="en-US"/>
           </a:p>
@@ -1153,7 +1834,7 @@
     </p:spTree>
     <p:extLst>
       <p:ext uri="{BB962C8B-B14F-4D97-AF65-F5344CB8AC3E}">
-        <p14:creationId xmlns:p14="http://schemas.microsoft.com/office/powerpoint/2010/main" val="1861054399"/>
+        <p14:creationId xmlns:p14="http://schemas.microsoft.com/office/powerpoint/2010/main" val="3360684991"/>
       </p:ext>
     </p:extLst>
   </p:cSld>
@@ -1228,7 +1909,7 @@
           <a:p>
             <a:fld id="{2E40F42B-88EF-48CA-9E99-D6880BFCDB0B}" type="slidenum">
               <a:rPr lang="ko-KR" altLang="en-US" smtClean="0"/>
-              <a:t>24</a:t>
+              <a:t>21</a:t>
             </a:fld>
             <a:endParaRPr lang="ko-KR" altLang="en-US"/>
           </a:p>
@@ -1237,7 +1918,91 @@
     </p:spTree>
     <p:extLst>
       <p:ext uri="{BB962C8B-B14F-4D97-AF65-F5344CB8AC3E}">
-        <p14:creationId xmlns:p14="http://schemas.microsoft.com/office/powerpoint/2010/main" val="703284933"/>
+        <p14:creationId xmlns:p14="http://schemas.microsoft.com/office/powerpoint/2010/main" val="1369613849"/>
+      </p:ext>
+    </p:extLst>
+  </p:cSld>
+  <p:clrMapOvr>
+    <a:masterClrMapping/>
+  </p:clrMapOvr>
+</p:notes>
+</file>
+
+<file path=ppt/notesSlides/notesSlide9.xml><?xml version="1.0" encoding="utf-8"?>
+<p:notes xmlns:a="http://schemas.openxmlformats.org/drawingml/2006/main" xmlns:r="http://schemas.openxmlformats.org/officeDocument/2006/relationships" xmlns:p="http://schemas.openxmlformats.org/presentationml/2006/main">
+  <p:cSld>
+    <p:spTree>
+      <p:nvGrpSpPr>
+        <p:cNvPr id="1" name=""/>
+        <p:cNvGrpSpPr/>
+        <p:nvPr/>
+      </p:nvGrpSpPr>
+      <p:grpSpPr>
+        <a:xfrm>
+          <a:off x="0" y="0"/>
+          <a:ext cx="0" cy="0"/>
+          <a:chOff x="0" y="0"/>
+          <a:chExt cx="0" cy="0"/>
+        </a:xfrm>
+      </p:grpSpPr>
+      <p:sp>
+        <p:nvSpPr>
+          <p:cNvPr id="2" name="슬라이드 이미지 개체 틀 1"/>
+          <p:cNvSpPr>
+            <a:spLocks noGrp="1" noRot="1" noChangeAspect="1"/>
+          </p:cNvSpPr>
+          <p:nvPr>
+            <p:ph type="sldImg"/>
+          </p:nvPr>
+        </p:nvSpPr>
+        <p:spPr/>
+      </p:sp>
+      <p:sp>
+        <p:nvSpPr>
+          <p:cNvPr id="3" name="슬라이드 노트 개체 틀 2"/>
+          <p:cNvSpPr>
+            <a:spLocks noGrp="1"/>
+          </p:cNvSpPr>
+          <p:nvPr>
+            <p:ph type="body" idx="1"/>
+          </p:nvPr>
+        </p:nvSpPr>
+        <p:spPr/>
+        <p:txBody>
+          <a:bodyPr/>
+          <a:lstStyle/>
+          <a:p>
+            <a:endParaRPr lang="ko-KR" altLang="en-US"/>
+          </a:p>
+        </p:txBody>
+      </p:sp>
+      <p:sp>
+        <p:nvSpPr>
+          <p:cNvPr id="4" name="슬라이드 번호 개체 틀 3"/>
+          <p:cNvSpPr>
+            <a:spLocks noGrp="1"/>
+          </p:cNvSpPr>
+          <p:nvPr>
+            <p:ph type="sldNum" sz="quarter" idx="5"/>
+          </p:nvPr>
+        </p:nvSpPr>
+        <p:spPr/>
+        <p:txBody>
+          <a:bodyPr/>
+          <a:lstStyle/>
+          <a:p>
+            <a:fld id="{2E40F42B-88EF-48CA-9E99-D6880BFCDB0B}" type="slidenum">
+              <a:rPr lang="ko-KR" altLang="en-US" smtClean="0"/>
+              <a:t>22</a:t>
+            </a:fld>
+            <a:endParaRPr lang="ko-KR" altLang="en-US"/>
+          </a:p>
+        </p:txBody>
+      </p:sp>
+    </p:spTree>
+    <p:extLst>
+      <p:ext uri="{BB962C8B-B14F-4D97-AF65-F5344CB8AC3E}">
+        <p14:creationId xmlns:p14="http://schemas.microsoft.com/office/powerpoint/2010/main" val="3674808043"/>
       </p:ext>
     </p:extLst>
   </p:cSld>
@@ -1969,7 +2734,7 @@
           <a:p>
             <a:fld id="{DEF5D1F9-C552-4A47-9DE4-219D49A7199F}" type="datetimeFigureOut">
               <a:rPr lang="ko-KR" altLang="en-US" smtClean="0"/>
-              <a:t>2022-04-03</a:t>
+              <a:t>2022-04-04</a:t>
             </a:fld>
             <a:endParaRPr lang="ko-KR" altLang="en-US"/>
           </a:p>
@@ -2220,7 +2985,7 @@
           <a:p>
             <a:fld id="{DEF5D1F9-C552-4A47-9DE4-219D49A7199F}" type="datetimeFigureOut">
               <a:rPr lang="ko-KR" altLang="en-US" smtClean="0"/>
-              <a:t>2022-04-03</a:t>
+              <a:t>2022-04-04</a:t>
             </a:fld>
             <a:endParaRPr lang="ko-KR" altLang="en-US"/>
           </a:p>
@@ -2534,7 +3299,7 @@
           <a:p>
             <a:fld id="{DEF5D1F9-C552-4A47-9DE4-219D49A7199F}" type="datetimeFigureOut">
               <a:rPr lang="ko-KR" altLang="en-US" smtClean="0"/>
-              <a:t>2022-04-03</a:t>
+              <a:t>2022-04-04</a:t>
             </a:fld>
             <a:endParaRPr lang="ko-KR" altLang="en-US"/>
           </a:p>
@@ -2875,7 +3640,7 @@
           <a:p>
             <a:fld id="{DEF5D1F9-C552-4A47-9DE4-219D49A7199F}" type="datetimeFigureOut">
               <a:rPr lang="ko-KR" altLang="en-US" smtClean="0"/>
-              <a:t>2022-04-03</a:t>
+              <a:t>2022-04-04</a:t>
             </a:fld>
             <a:endParaRPr lang="ko-KR" altLang="en-US"/>
           </a:p>
@@ -3189,7 +3954,7 @@
           <a:p>
             <a:fld id="{DEF5D1F9-C552-4A47-9DE4-219D49A7199F}" type="datetimeFigureOut">
               <a:rPr lang="ko-KR" altLang="en-US" smtClean="0"/>
-              <a:t>2022-04-03</a:t>
+              <a:t>2022-04-04</a:t>
             </a:fld>
             <a:endParaRPr lang="ko-KR" altLang="en-US"/>
           </a:p>
@@ -3582,7 +4347,7 @@
           <a:p>
             <a:fld id="{DEF5D1F9-C552-4A47-9DE4-219D49A7199F}" type="datetimeFigureOut">
               <a:rPr lang="ko-KR" altLang="en-US" smtClean="0"/>
-              <a:t>2022-04-03</a:t>
+              <a:t>2022-04-04</a:t>
             </a:fld>
             <a:endParaRPr lang="ko-KR" altLang="en-US"/>
           </a:p>
@@ -3752,7 +4517,7 @@
           <a:p>
             <a:fld id="{DEF5D1F9-C552-4A47-9DE4-219D49A7199F}" type="datetimeFigureOut">
               <a:rPr lang="ko-KR" altLang="en-US" smtClean="0"/>
-              <a:t>2022-04-03</a:t>
+              <a:t>2022-04-04</a:t>
             </a:fld>
             <a:endParaRPr lang="ko-KR" altLang="en-US"/>
           </a:p>
@@ -3932,7 +4697,7 @@
           <a:p>
             <a:fld id="{DEF5D1F9-C552-4A47-9DE4-219D49A7199F}" type="datetimeFigureOut">
               <a:rPr lang="ko-KR" altLang="en-US" smtClean="0"/>
-              <a:t>2022-04-03</a:t>
+              <a:t>2022-04-04</a:t>
             </a:fld>
             <a:endParaRPr lang="ko-KR" altLang="en-US"/>
           </a:p>
@@ -4108,7 +4873,7 @@
           <a:p>
             <a:fld id="{DEF5D1F9-C552-4A47-9DE4-219D49A7199F}" type="datetimeFigureOut">
               <a:rPr lang="ko-KR" altLang="en-US" smtClean="0"/>
-              <a:t>2022-04-03</a:t>
+              <a:t>2022-04-04</a:t>
             </a:fld>
             <a:endParaRPr lang="ko-KR" altLang="en-US"/>
           </a:p>
@@ -4355,7 +5120,7 @@
           <a:p>
             <a:fld id="{DEF5D1F9-C552-4A47-9DE4-219D49A7199F}" type="datetimeFigureOut">
               <a:rPr lang="ko-KR" altLang="en-US" smtClean="0"/>
-              <a:t>2022-04-03</a:t>
+              <a:t>2022-04-04</a:t>
             </a:fld>
             <a:endParaRPr lang="ko-KR" altLang="en-US"/>
           </a:p>
@@ -4587,7 +5352,7 @@
           <a:p>
             <a:fld id="{DEF5D1F9-C552-4A47-9DE4-219D49A7199F}" type="datetimeFigureOut">
               <a:rPr lang="ko-KR" altLang="en-US" smtClean="0"/>
-              <a:t>2022-04-03</a:t>
+              <a:t>2022-04-04</a:t>
             </a:fld>
             <a:endParaRPr lang="ko-KR" altLang="en-US"/>
           </a:p>
@@ -4961,7 +5726,7 @@
           <a:p>
             <a:fld id="{DEF5D1F9-C552-4A47-9DE4-219D49A7199F}" type="datetimeFigureOut">
               <a:rPr lang="ko-KR" altLang="en-US" smtClean="0"/>
-              <a:t>2022-04-03</a:t>
+              <a:t>2022-04-04</a:t>
             </a:fld>
             <a:endParaRPr lang="ko-KR" altLang="en-US"/>
           </a:p>
@@ -5084,7 +5849,7 @@
           <a:p>
             <a:fld id="{DEF5D1F9-C552-4A47-9DE4-219D49A7199F}" type="datetimeFigureOut">
               <a:rPr lang="ko-KR" altLang="en-US" smtClean="0"/>
-              <a:t>2022-04-03</a:t>
+              <a:t>2022-04-04</a:t>
             </a:fld>
             <a:endParaRPr lang="ko-KR" altLang="en-US"/>
           </a:p>
@@ -5179,7 +5944,7 @@
           <a:p>
             <a:fld id="{DEF5D1F9-C552-4A47-9DE4-219D49A7199F}" type="datetimeFigureOut">
               <a:rPr lang="ko-KR" altLang="en-US" smtClean="0"/>
-              <a:t>2022-04-03</a:t>
+              <a:t>2022-04-04</a:t>
             </a:fld>
             <a:endParaRPr lang="ko-KR" altLang="en-US"/>
           </a:p>
@@ -5434,7 +6199,7 @@
           <a:p>
             <a:fld id="{DEF5D1F9-C552-4A47-9DE4-219D49A7199F}" type="datetimeFigureOut">
               <a:rPr lang="ko-KR" altLang="en-US" smtClean="0"/>
-              <a:t>2022-04-03</a:t>
+              <a:t>2022-04-04</a:t>
             </a:fld>
             <a:endParaRPr lang="ko-KR" altLang="en-US"/>
           </a:p>
@@ -5697,7 +6462,7 @@
           <a:p>
             <a:fld id="{DEF5D1F9-C552-4A47-9DE4-219D49A7199F}" type="datetimeFigureOut">
               <a:rPr lang="ko-KR" altLang="en-US" smtClean="0"/>
-              <a:t>2022-04-03</a:t>
+              <a:t>2022-04-04</a:t>
             </a:fld>
             <a:endParaRPr lang="ko-KR" altLang="en-US"/>
           </a:p>
@@ -6440,7 +7205,7 @@
           <a:p>
             <a:fld id="{DEF5D1F9-C552-4A47-9DE4-219D49A7199F}" type="datetimeFigureOut">
               <a:rPr lang="ko-KR" altLang="en-US" smtClean="0"/>
-              <a:t>2022-04-03</a:t>
+              <a:t>2022-04-04</a:t>
             </a:fld>
             <a:endParaRPr lang="ko-KR" altLang="en-US"/>
           </a:p>
@@ -7084,6 +7849,41 @@
           </a:p>
         </p:txBody>
       </p:sp>
+      <p:pic>
+        <p:nvPicPr>
+          <p:cNvPr id="13" name="그림 12" descr="텍스트이(가) 표시된 사진&#10;&#10;자동 생성된 설명">
+            <a:extLst>
+              <a:ext uri="{FF2B5EF4-FFF2-40B4-BE49-F238E27FC236}">
+                <a16:creationId xmlns:a16="http://schemas.microsoft.com/office/drawing/2014/main" id="{918B1DD0-C297-4B75-B0A2-46043140157F}"/>
+              </a:ext>
+            </a:extLst>
+          </p:cNvPr>
+          <p:cNvPicPr>
+            <a:picLocks noChangeAspect="1"/>
+          </p:cNvPicPr>
+          <p:nvPr/>
+        </p:nvPicPr>
+        <p:blipFill rotWithShape="1">
+          <a:blip r:embed="rId3">
+            <a:extLst>
+              <a:ext uri="{28A0092B-C50C-407E-A947-70E740481C1C}">
+                <a14:useLocalDpi xmlns:a14="http://schemas.microsoft.com/office/drawing/2010/main" val="0"/>
+              </a:ext>
+            </a:extLst>
+          </a:blip>
+          <a:srcRect r="22831"/>
+          <a:stretch/>
+        </p:blipFill>
+        <p:spPr>
+          <a:xfrm>
+            <a:off x="296042" y="1674623"/>
+            <a:ext cx="5197447" cy="5029902"/>
+          </a:xfrm>
+          <a:prstGeom prst="rect">
+            <a:avLst/>
+          </a:prstGeom>
+        </p:spPr>
+      </p:pic>
       <p:sp>
         <p:nvSpPr>
           <p:cNvPr id="16" name="TextBox 15">
@@ -7098,8 +7898,8 @@
         </p:nvSpPr>
         <p:spPr>
           <a:xfrm>
-            <a:off x="5391524" y="2147656"/>
-            <a:ext cx="5000251" cy="2308324"/>
+            <a:off x="5620124" y="344629"/>
+            <a:ext cx="6391275" cy="3416320"/>
           </a:xfrm>
           <a:prstGeom prst="rect">
             <a:avLst/>
@@ -7127,81 +7927,507 @@
           <a:p>
             <a:pPr latinLnBrk="1"/>
             <a:r>
-              <a:rPr lang="en-US" altLang="ko-KR" sz="1800"/>
-              <a:t>3. </a:t>
-            </a:r>
-            <a:r>
-              <a:rPr lang="ko-KR" altLang="en-US" sz="1800"/>
-              <a:t>메서드 내부의 지역 변수 검토</a:t>
-            </a:r>
-            <a:endParaRPr lang="en-US" altLang="ko-KR" sz="1800"/>
+              <a:rPr lang="en-US" altLang="ko-KR" sz="1800" dirty="0"/>
+              <a:t>1. </a:t>
+            </a:r>
+            <a:r>
+              <a:rPr lang="ko-KR" altLang="en-US" sz="1800" dirty="0"/>
+              <a:t>새로운 메서드에 적절한 이름 붙이기</a:t>
+            </a:r>
+            <a:endParaRPr lang="en-US" altLang="ko-KR" sz="1800" dirty="0"/>
           </a:p>
           <a:p>
             <a:pPr latinLnBrk="1"/>
-            <a:endParaRPr lang="en-US" altLang="ko-KR"/>
+            <a:endParaRPr lang="en-US" altLang="ko-KR" sz="1800" dirty="0"/>
           </a:p>
           <a:p>
             <a:pPr latinLnBrk="1"/>
             <a:r>
-              <a:rPr lang="ko-KR" altLang="en-US"/>
-              <a:t>복사한 코드 안에서만 사용하는 변수라면 </a:t>
-            </a:r>
-            <a:endParaRPr lang="en-US" altLang="ko-KR"/>
+              <a:rPr lang="ko-KR" altLang="en-US" sz="1800" dirty="0"/>
+              <a:t>동사 </a:t>
+            </a:r>
+            <a:r>
+              <a:rPr lang="en-US" altLang="ko-KR" sz="1800" dirty="0"/>
+              <a:t>+ </a:t>
+            </a:r>
+            <a:r>
+              <a:rPr lang="ko-KR" altLang="en-US" sz="1800" dirty="0"/>
+              <a:t>명사 순서로 </a:t>
+            </a:r>
+            <a:r>
+              <a:rPr lang="ko-KR" altLang="en-US" sz="1800" dirty="0" err="1"/>
+              <a:t>짓는게</a:t>
+            </a:r>
+            <a:r>
+              <a:rPr lang="ko-KR" altLang="en-US" sz="1800" dirty="0"/>
+              <a:t> 보통</a:t>
+            </a:r>
+            <a:endParaRPr lang="en-US" altLang="ko-KR" sz="1800" dirty="0"/>
           </a:p>
           <a:p>
             <a:pPr latinLnBrk="1"/>
-            <a:r>
-              <a:rPr lang="ko-KR" altLang="en-US"/>
-              <a:t>메서드의 지역 변수로 만듦</a:t>
-            </a:r>
-            <a:endParaRPr lang="en-US" altLang="ko-KR"/>
+            <a:endParaRPr lang="en-US" altLang="ko-KR" sz="1800" dirty="0"/>
           </a:p>
           <a:p>
             <a:pPr latinLnBrk="1"/>
-            <a:endParaRPr lang="en-US" altLang="ko-KR"/>
+            <a:r>
+              <a:rPr lang="ko-KR" altLang="en-US" sz="1800" dirty="0">
+                <a:solidFill>
+                  <a:srgbClr val="FF0000"/>
+                </a:solidFill>
+              </a:rPr>
+              <a:t>무엇</a:t>
+            </a:r>
+            <a:r>
+              <a:rPr lang="en-US" altLang="ko-KR" dirty="0"/>
+              <a:t>(what)</a:t>
+            </a:r>
+            <a:r>
+              <a:rPr lang="ko-KR" altLang="en-US" sz="1800" dirty="0"/>
+              <a:t>을 하는지 </a:t>
+            </a:r>
+            <a:r>
+              <a:rPr lang="ko-KR" altLang="en-US" sz="1800" dirty="0" err="1"/>
+              <a:t>알수</a:t>
+            </a:r>
+            <a:r>
+              <a:rPr lang="ko-KR" altLang="en-US" sz="1800" dirty="0"/>
+              <a:t> 있게 </a:t>
+            </a:r>
+            <a:r>
+              <a:rPr lang="ko-KR" altLang="en-US" sz="1800" dirty="0" err="1"/>
+              <a:t>짓는것이</a:t>
+            </a:r>
+            <a:r>
+              <a:rPr lang="ko-KR" altLang="en-US" sz="1800" dirty="0"/>
+              <a:t> 중요함</a:t>
+            </a:r>
+            <a:endParaRPr lang="en-US" altLang="ko-KR" sz="1800" dirty="0"/>
           </a:p>
           <a:p>
             <a:pPr latinLnBrk="1"/>
             <a:r>
-              <a:rPr lang="en-US" altLang="ko-KR"/>
-              <a:t> I</a:t>
-            </a:r>
-            <a:r>
-              <a:rPr lang="ko-KR" altLang="en-US"/>
-              <a:t>는 </a:t>
-            </a:r>
-            <a:r>
-              <a:rPr lang="en-US" altLang="ko-KR"/>
-              <a:t>for</a:t>
-            </a:r>
-            <a:r>
-              <a:rPr lang="ko-KR" altLang="en-US"/>
-              <a:t>문 안에서 지역변수로 선언되어있음</a:t>
-            </a:r>
-            <a:endParaRPr lang="en-US" altLang="ko-KR"/>
+              <a:rPr lang="ko-KR" altLang="en-US" dirty="0"/>
+              <a:t>어떻게</a:t>
+            </a:r>
+            <a:r>
+              <a:rPr lang="en-US" altLang="ko-KR" dirty="0"/>
+              <a:t>(how)</a:t>
+            </a:r>
+            <a:r>
+              <a:rPr lang="ko-KR" altLang="en-US" dirty="0"/>
+              <a:t>는 구현 방식을 바꾸면 메서드 명을 바꿔야함 </a:t>
+            </a:r>
+            <a:r>
+              <a:rPr lang="en-US" altLang="ko-KR" dirty="0"/>
+              <a:t>-&gt; </a:t>
+            </a:r>
+            <a:r>
+              <a:rPr lang="ko-KR" altLang="en-US" dirty="0"/>
+              <a:t>메서드를 호출하는 </a:t>
+            </a:r>
+            <a:r>
+              <a:rPr lang="ko-KR" altLang="en-US" dirty="0" err="1">
+                <a:solidFill>
+                  <a:srgbClr val="FF0000"/>
+                </a:solidFill>
+              </a:rPr>
+              <a:t>모든곳을</a:t>
+            </a:r>
+            <a:r>
+              <a:rPr lang="ko-KR" altLang="en-US" dirty="0">
+                <a:solidFill>
+                  <a:srgbClr val="FF0000"/>
+                </a:solidFill>
+              </a:rPr>
+              <a:t> 바꿔야 함</a:t>
+            </a:r>
+            <a:endParaRPr lang="en-US" altLang="ko-KR" dirty="0">
+              <a:solidFill>
+                <a:srgbClr val="FF0000"/>
+              </a:solidFill>
+            </a:endParaRPr>
           </a:p>
           <a:p>
             <a:pPr latinLnBrk="1"/>
-            <a:r>
-              <a:rPr lang="en-US" altLang="ko-KR"/>
-              <a:t>content</a:t>
-            </a:r>
-            <a:r>
-              <a:rPr lang="ko-KR" altLang="en-US"/>
-              <a:t>는 테두리 출력의 </a:t>
-            </a:r>
-            <a:r>
-              <a:rPr lang="en-US" altLang="ko-KR"/>
-              <a:t>for</a:t>
-            </a:r>
-            <a:r>
-              <a:rPr lang="ko-KR" altLang="en-US"/>
-              <a:t>문 안에서도 사용되어 지역변수로 만들지 않음</a:t>
-            </a:r>
-            <a:endParaRPr lang="en-US" altLang="ko-KR"/>
-          </a:p>
-        </p:txBody>
-      </p:sp>
+            <a:endParaRPr lang="en-US" altLang="ko-KR" sz="1800" dirty="0"/>
+          </a:p>
+          <a:p>
+            <a:pPr latinLnBrk="1"/>
+            <a:r>
+              <a:rPr lang="ko-KR" altLang="en-US" dirty="0"/>
+              <a:t>메서드에는 알맞은 </a:t>
+            </a:r>
+            <a:r>
+              <a:rPr lang="ko-KR" altLang="en-US" sz="1800" dirty="0">
+                <a:solidFill>
+                  <a:srgbClr val="FF0000"/>
+                </a:solidFill>
+              </a:rPr>
+              <a:t>이름이 중요 함</a:t>
+            </a:r>
+            <a:endParaRPr lang="en-US" altLang="ko-KR" sz="1800" dirty="0">
+              <a:solidFill>
+                <a:srgbClr val="FF0000"/>
+              </a:solidFill>
+            </a:endParaRPr>
+          </a:p>
+          <a:p>
+            <a:pPr latinLnBrk="1"/>
+            <a:r>
+              <a:rPr lang="ko-KR" altLang="en-US" sz="1800" dirty="0"/>
+              <a:t>알맞은 이름이 떠오르지 않는다면 그 코드가 무엇을 하는지 모른다는 뜻으로 제대로 메서드를 </a:t>
+            </a:r>
+            <a:r>
+              <a:rPr lang="ko-KR" altLang="en-US" sz="1800" dirty="0" err="1"/>
+              <a:t>추출할수</a:t>
+            </a:r>
+            <a:r>
+              <a:rPr lang="ko-KR" altLang="en-US" sz="1800" dirty="0"/>
+              <a:t> 없음</a:t>
+            </a:r>
+            <a:endParaRPr lang="en-US" altLang="ko-KR" sz="1800" dirty="0"/>
+          </a:p>
+          <a:p>
+            <a:pPr marL="0" indent="0" latinLnBrk="1">
+              <a:buFont typeface="+mj-lt"/>
+              <a:buNone/>
+            </a:pPr>
+            <a:endParaRPr lang="en-US" altLang="ko-KR" sz="1800" dirty="0"/>
+          </a:p>
+        </p:txBody>
+      </p:sp>
+      <p:sp>
+        <p:nvSpPr>
+          <p:cNvPr id="5" name="화살표: 오른쪽 4">
+            <a:extLst>
+              <a:ext uri="{FF2B5EF4-FFF2-40B4-BE49-F238E27FC236}">
+                <a16:creationId xmlns:a16="http://schemas.microsoft.com/office/drawing/2014/main" id="{ECD8F1B0-5BB2-47A9-B052-1CB0EAEBE522}"/>
+              </a:ext>
+            </a:extLst>
+          </p:cNvPr>
+          <p:cNvSpPr/>
+          <p:nvPr/>
+        </p:nvSpPr>
+        <p:spPr>
+          <a:xfrm>
+            <a:off x="4924425" y="4324387"/>
+            <a:ext cx="1695450" cy="561975"/>
+          </a:xfrm>
+          <a:prstGeom prst="rightArrow">
+            <a:avLst/>
+          </a:prstGeom>
+        </p:spPr>
+        <p:style>
+          <a:lnRef idx="2">
+            <a:schemeClr val="accent1">
+              <a:shade val="50000"/>
+            </a:schemeClr>
+          </a:lnRef>
+          <a:fillRef idx="1">
+            <a:schemeClr val="accent1"/>
+          </a:fillRef>
+          <a:effectRef idx="0">
+            <a:schemeClr val="accent1"/>
+          </a:effectRef>
+          <a:fontRef idx="minor">
+            <a:schemeClr val="lt1"/>
+          </a:fontRef>
+        </p:style>
+        <p:txBody>
+          <a:bodyPr rtlCol="0" anchor="ctr"/>
+          <a:lstStyle/>
+          <a:p>
+            <a:pPr algn="ctr"/>
+            <a:endParaRPr lang="ko-KR" altLang="en-US"/>
+          </a:p>
+        </p:txBody>
+      </p:sp>
+      <p:pic>
+        <p:nvPicPr>
+          <p:cNvPr id="19" name="그림 18">
+            <a:extLst>
+              <a:ext uri="{FF2B5EF4-FFF2-40B4-BE49-F238E27FC236}">
+                <a16:creationId xmlns:a16="http://schemas.microsoft.com/office/drawing/2014/main" id="{BD20BD4C-970F-49C6-A520-137756E06484}"/>
+              </a:ext>
+            </a:extLst>
+          </p:cNvPr>
+          <p:cNvPicPr>
+            <a:picLocks noChangeAspect="1"/>
+          </p:cNvPicPr>
+          <p:nvPr/>
+        </p:nvPicPr>
+        <p:blipFill>
+          <a:blip r:embed="rId4">
+            <a:extLst>
+              <a:ext uri="{28A0092B-C50C-407E-A947-70E740481C1C}">
+                <a14:useLocalDpi xmlns:a14="http://schemas.microsoft.com/office/drawing/2010/main" val="0"/>
+              </a:ext>
+            </a:extLst>
+          </a:blip>
+          <a:stretch>
+            <a:fillRect/>
+          </a:stretch>
+        </p:blipFill>
+        <p:spPr>
+          <a:xfrm>
+            <a:off x="7015307" y="4371979"/>
+            <a:ext cx="1638529" cy="466790"/>
+          </a:xfrm>
+          <a:prstGeom prst="rect">
+            <a:avLst/>
+          </a:prstGeom>
+        </p:spPr>
+      </p:pic>
+    </p:spTree>
+    <p:extLst>
+      <p:ext uri="{BB962C8B-B14F-4D97-AF65-F5344CB8AC3E}">
+        <p14:creationId xmlns:p14="http://schemas.microsoft.com/office/powerpoint/2010/main" val="2614979137"/>
+      </p:ext>
+    </p:extLst>
+  </p:cSld>
+  <p:clrMapOvr>
+    <a:masterClrMapping/>
+  </p:clrMapOvr>
+</p:sld>
+</file>
+
+<file path=ppt/slides/slide11.xml><?xml version="1.0" encoding="utf-8"?>
+<p:sld xmlns:a="http://schemas.openxmlformats.org/drawingml/2006/main" xmlns:r="http://schemas.openxmlformats.org/officeDocument/2006/relationships" xmlns:p="http://schemas.openxmlformats.org/presentationml/2006/main">
+  <p:cSld>
+    <p:spTree>
+      <p:nvGrpSpPr>
+        <p:cNvPr id="1" name=""/>
+        <p:cNvGrpSpPr/>
+        <p:nvPr/>
+      </p:nvGrpSpPr>
+      <p:grpSpPr>
+        <a:xfrm>
+          <a:off x="0" y="0"/>
+          <a:ext cx="0" cy="0"/>
+          <a:chOff x="0" y="0"/>
+          <a:chExt cx="0" cy="0"/>
+        </a:xfrm>
+      </p:grpSpPr>
+      <p:sp>
+        <p:nvSpPr>
+          <p:cNvPr id="11" name="TextBox 10">
+            <a:extLst>
+              <a:ext uri="{FF2B5EF4-FFF2-40B4-BE49-F238E27FC236}">
+                <a16:creationId xmlns:a16="http://schemas.microsoft.com/office/drawing/2014/main" id="{CB92E015-7590-460C-BD1B-F49E13BC66FC}"/>
+              </a:ext>
+            </a:extLst>
+          </p:cNvPr>
+          <p:cNvSpPr txBox="1"/>
+          <p:nvPr/>
+        </p:nvSpPr>
+        <p:spPr>
+          <a:xfrm>
+            <a:off x="905692" y="233681"/>
+            <a:ext cx="2470548" cy="400110"/>
+          </a:xfrm>
+          <a:prstGeom prst="rect">
+            <a:avLst/>
+          </a:prstGeom>
+          <a:noFill/>
+        </p:spPr>
+        <p:txBody>
+          <a:bodyPr wrap="none" rtlCol="0">
+            <a:spAutoFit/>
+          </a:bodyPr>
+          <a:lstStyle/>
+          <a:p>
+            <a:r>
+              <a:rPr lang="en-US" altLang="ko-KR" sz="2000"/>
+              <a:t>5.2.2 </a:t>
+            </a:r>
+            <a:r>
+              <a:rPr lang="ko-KR" altLang="en-US" sz="2000"/>
+              <a:t>리팩토링 실행</a:t>
+            </a:r>
+            <a:endParaRPr lang="ko-KR" altLang="en-US" sz="1200"/>
+          </a:p>
+        </p:txBody>
+      </p:sp>
+      <p:sp>
+        <p:nvSpPr>
+          <p:cNvPr id="16" name="TextBox 15">
+            <a:extLst>
+              <a:ext uri="{FF2B5EF4-FFF2-40B4-BE49-F238E27FC236}">
+                <a16:creationId xmlns:a16="http://schemas.microsoft.com/office/drawing/2014/main" id="{E09EF8D9-45FD-4506-A426-3ABE81A8AD5B}"/>
+              </a:ext>
+            </a:extLst>
+          </p:cNvPr>
+          <p:cNvSpPr txBox="1"/>
+          <p:nvPr/>
+        </p:nvSpPr>
+        <p:spPr>
+          <a:xfrm>
+            <a:off x="4962899" y="2514053"/>
+            <a:ext cx="5000251" cy="1477328"/>
+          </a:xfrm>
+          <a:prstGeom prst="rect">
+            <a:avLst/>
+          </a:prstGeom>
+        </p:spPr>
+        <p:style>
+          <a:lnRef idx="2">
+            <a:schemeClr val="accent1"/>
+          </a:lnRef>
+          <a:fillRef idx="1">
+            <a:schemeClr val="lt1"/>
+          </a:fillRef>
+          <a:effectRef idx="0">
+            <a:schemeClr val="accent1"/>
+          </a:effectRef>
+          <a:fontRef idx="minor">
+            <a:schemeClr val="dk1"/>
+          </a:fontRef>
+        </p:style>
+        <p:txBody>
+          <a:bodyPr wrap="square">
+            <a:spAutoFit/>
+          </a:bodyPr>
+          <a:lstStyle/>
+          <a:p>
+            <a:pPr latinLnBrk="1"/>
+            <a:r>
+              <a:rPr lang="en-US" altLang="ko-KR" sz="1800" dirty="0"/>
+              <a:t>2. </a:t>
+            </a:r>
+            <a:r>
+              <a:rPr lang="ko-KR" altLang="en-US" sz="1800" dirty="0"/>
+              <a:t>기존 메서드에서 새로운 메서드로 코드 복사</a:t>
+            </a:r>
+            <a:endParaRPr lang="en-US" altLang="ko-KR" sz="1800" dirty="0"/>
+          </a:p>
+          <a:p>
+            <a:pPr latinLnBrk="1"/>
+            <a:endParaRPr lang="en-US" altLang="ko-KR" sz="1800" dirty="0"/>
+          </a:p>
+          <a:p>
+            <a:pPr latinLnBrk="1"/>
+            <a:r>
+              <a:rPr lang="ko-KR" altLang="en-US" sz="1800" dirty="0"/>
+              <a:t>다른 클래스에서 </a:t>
+            </a:r>
+            <a:r>
+              <a:rPr lang="ko-KR" altLang="en-US" sz="1800" dirty="0" err="1"/>
+              <a:t>호출할수</a:t>
+            </a:r>
+            <a:r>
+              <a:rPr lang="ko-KR" altLang="en-US" sz="1800" dirty="0"/>
+              <a:t> 없도록 </a:t>
+            </a:r>
+            <a:r>
+              <a:rPr lang="en-US" altLang="ko-KR" sz="1800" dirty="0"/>
+              <a:t>private</a:t>
+            </a:r>
+            <a:r>
+              <a:rPr lang="ko-KR" altLang="en-US" sz="1800" dirty="0"/>
+              <a:t>으로 </a:t>
+            </a:r>
+            <a:endParaRPr lang="en-US" altLang="ko-KR" sz="1800" dirty="0"/>
+          </a:p>
+          <a:p>
+            <a:pPr latinLnBrk="1"/>
+            <a:r>
+              <a:rPr lang="ko-KR" altLang="en-US" sz="1800" dirty="0"/>
+              <a:t>선언하면 수정하기 편리함</a:t>
+            </a:r>
+            <a:endParaRPr lang="en-US" altLang="ko-KR" sz="1800" dirty="0"/>
+          </a:p>
+          <a:p>
+            <a:pPr marL="0" indent="0" latinLnBrk="1">
+              <a:buFont typeface="+mj-lt"/>
+              <a:buNone/>
+            </a:pPr>
+            <a:endParaRPr lang="en-US" altLang="ko-KR" sz="1800" dirty="0"/>
+          </a:p>
+        </p:txBody>
+      </p:sp>
+      <p:sp>
+        <p:nvSpPr>
+          <p:cNvPr id="5" name="화살표: 오른쪽 4">
+            <a:extLst>
+              <a:ext uri="{FF2B5EF4-FFF2-40B4-BE49-F238E27FC236}">
+                <a16:creationId xmlns:a16="http://schemas.microsoft.com/office/drawing/2014/main" id="{ECD8F1B0-5BB2-47A9-B052-1CB0EAEBE522}"/>
+              </a:ext>
+            </a:extLst>
+          </p:cNvPr>
+          <p:cNvSpPr/>
+          <p:nvPr/>
+        </p:nvSpPr>
+        <p:spPr>
+          <a:xfrm rot="5400000">
+            <a:off x="2189284" y="2971730"/>
+            <a:ext cx="1147793" cy="561975"/>
+          </a:xfrm>
+          <a:prstGeom prst="rightArrow">
+            <a:avLst/>
+          </a:prstGeom>
+        </p:spPr>
+        <p:style>
+          <a:lnRef idx="2">
+            <a:schemeClr val="accent1">
+              <a:shade val="50000"/>
+            </a:schemeClr>
+          </a:lnRef>
+          <a:fillRef idx="1">
+            <a:schemeClr val="accent1"/>
+          </a:fillRef>
+          <a:effectRef idx="0">
+            <a:schemeClr val="accent1"/>
+          </a:effectRef>
+          <a:fontRef idx="minor">
+            <a:schemeClr val="lt1"/>
+          </a:fontRef>
+        </p:style>
+        <p:txBody>
+          <a:bodyPr rtlCol="0" anchor="ctr"/>
+          <a:lstStyle/>
+          <a:p>
+            <a:pPr algn="ctr"/>
+            <a:endParaRPr lang="ko-KR" altLang="en-US"/>
+          </a:p>
+        </p:txBody>
+      </p:sp>
+      <p:pic>
+        <p:nvPicPr>
+          <p:cNvPr id="19" name="그림 18">
+            <a:extLst>
+              <a:ext uri="{FF2B5EF4-FFF2-40B4-BE49-F238E27FC236}">
+                <a16:creationId xmlns:a16="http://schemas.microsoft.com/office/drawing/2014/main" id="{BD20BD4C-970F-49C6-A520-137756E06484}"/>
+              </a:ext>
+            </a:extLst>
+          </p:cNvPr>
+          <p:cNvPicPr>
+            <a:picLocks noChangeAspect="1"/>
+          </p:cNvPicPr>
+          <p:nvPr/>
+        </p:nvPicPr>
+        <p:blipFill>
+          <a:blip r:embed="rId3">
+            <a:extLst>
+              <a:ext uri="{28A0092B-C50C-407E-A947-70E740481C1C}">
+                <a14:useLocalDpi xmlns:a14="http://schemas.microsoft.com/office/drawing/2010/main" val="0"/>
+              </a:ext>
+            </a:extLst>
+          </a:blip>
+          <a:stretch>
+            <a:fillRect/>
+          </a:stretch>
+        </p:blipFill>
+        <p:spPr>
+          <a:xfrm>
+            <a:off x="1943917" y="1893171"/>
+            <a:ext cx="1638529" cy="466790"/>
+          </a:xfrm>
+          <a:prstGeom prst="rect">
+            <a:avLst/>
+          </a:prstGeom>
+        </p:spPr>
+      </p:pic>
       <p:pic>
         <p:nvPicPr>
           <p:cNvPr id="6" name="그림 5" descr="텍스트이(가) 표시된 사진&#10;&#10;자동 생성된 설명">
@@ -7217,7 +8443,187 @@
           <p:nvPr/>
         </p:nvPicPr>
         <p:blipFill>
-          <a:blip r:embed="rId2">
+          <a:blip r:embed="rId4">
+            <a:extLst>
+              <a:ext uri="{28A0092B-C50C-407E-A947-70E740481C1C}">
+                <a14:useLocalDpi xmlns:a14="http://schemas.microsoft.com/office/drawing/2010/main" val="0"/>
+              </a:ext>
+            </a:extLst>
+          </a:blip>
+          <a:stretch>
+            <a:fillRect/>
+          </a:stretch>
+        </p:blipFill>
+        <p:spPr>
+          <a:xfrm>
+            <a:off x="905692" y="4145474"/>
+            <a:ext cx="3896269" cy="1009791"/>
+          </a:xfrm>
+          <a:prstGeom prst="rect">
+            <a:avLst/>
+          </a:prstGeom>
+        </p:spPr>
+      </p:pic>
+    </p:spTree>
+    <p:extLst>
+      <p:ext uri="{BB962C8B-B14F-4D97-AF65-F5344CB8AC3E}">
+        <p14:creationId xmlns:p14="http://schemas.microsoft.com/office/powerpoint/2010/main" val="3831166898"/>
+      </p:ext>
+    </p:extLst>
+  </p:cSld>
+  <p:clrMapOvr>
+    <a:masterClrMapping/>
+  </p:clrMapOvr>
+</p:sld>
+</file>
+
+<file path=ppt/slides/slide12.xml><?xml version="1.0" encoding="utf-8"?>
+<p:sld xmlns:a="http://schemas.openxmlformats.org/drawingml/2006/main" xmlns:r="http://schemas.openxmlformats.org/officeDocument/2006/relationships" xmlns:p="http://schemas.openxmlformats.org/presentationml/2006/main">
+  <p:cSld>
+    <p:spTree>
+      <p:nvGrpSpPr>
+        <p:cNvPr id="1" name=""/>
+        <p:cNvGrpSpPr/>
+        <p:nvPr/>
+      </p:nvGrpSpPr>
+      <p:grpSpPr>
+        <a:xfrm>
+          <a:off x="0" y="0"/>
+          <a:ext cx="0" cy="0"/>
+          <a:chOff x="0" y="0"/>
+          <a:chExt cx="0" cy="0"/>
+        </a:xfrm>
+      </p:grpSpPr>
+      <p:sp>
+        <p:nvSpPr>
+          <p:cNvPr id="11" name="TextBox 10">
+            <a:extLst>
+              <a:ext uri="{FF2B5EF4-FFF2-40B4-BE49-F238E27FC236}">
+                <a16:creationId xmlns:a16="http://schemas.microsoft.com/office/drawing/2014/main" id="{CB92E015-7590-460C-BD1B-F49E13BC66FC}"/>
+              </a:ext>
+            </a:extLst>
+          </p:cNvPr>
+          <p:cNvSpPr txBox="1"/>
+          <p:nvPr/>
+        </p:nvSpPr>
+        <p:spPr>
+          <a:xfrm>
+            <a:off x="905692" y="233681"/>
+            <a:ext cx="2470548" cy="400110"/>
+          </a:xfrm>
+          <a:prstGeom prst="rect">
+            <a:avLst/>
+          </a:prstGeom>
+          <a:noFill/>
+        </p:spPr>
+        <p:txBody>
+          <a:bodyPr wrap="none" rtlCol="0">
+            <a:spAutoFit/>
+          </a:bodyPr>
+          <a:lstStyle/>
+          <a:p>
+            <a:r>
+              <a:rPr lang="en-US" altLang="ko-KR" sz="2000"/>
+              <a:t>5.2.2 </a:t>
+            </a:r>
+            <a:r>
+              <a:rPr lang="ko-KR" altLang="en-US" sz="2000"/>
+              <a:t>리팩토링 실행</a:t>
+            </a:r>
+            <a:endParaRPr lang="ko-KR" altLang="en-US" sz="1200"/>
+          </a:p>
+        </p:txBody>
+      </p:sp>
+      <p:sp>
+        <p:nvSpPr>
+          <p:cNvPr id="16" name="TextBox 15">
+            <a:extLst>
+              <a:ext uri="{FF2B5EF4-FFF2-40B4-BE49-F238E27FC236}">
+                <a16:creationId xmlns:a16="http://schemas.microsoft.com/office/drawing/2014/main" id="{E09EF8D9-45FD-4506-A426-3ABE81A8AD5B}"/>
+              </a:ext>
+            </a:extLst>
+          </p:cNvPr>
+          <p:cNvSpPr txBox="1"/>
+          <p:nvPr/>
+        </p:nvSpPr>
+        <p:spPr>
+          <a:xfrm>
+            <a:off x="5391524" y="2147656"/>
+            <a:ext cx="5000251" cy="1200329"/>
+          </a:xfrm>
+          <a:prstGeom prst="rect">
+            <a:avLst/>
+          </a:prstGeom>
+        </p:spPr>
+        <p:style>
+          <a:lnRef idx="2">
+            <a:schemeClr val="accent1"/>
+          </a:lnRef>
+          <a:fillRef idx="1">
+            <a:schemeClr val="lt1"/>
+          </a:fillRef>
+          <a:effectRef idx="0">
+            <a:schemeClr val="accent1"/>
+          </a:effectRef>
+          <a:fontRef idx="minor">
+            <a:schemeClr val="dk1"/>
+          </a:fontRef>
+        </p:style>
+        <p:txBody>
+          <a:bodyPr wrap="square">
+            <a:spAutoFit/>
+          </a:bodyPr>
+          <a:lstStyle/>
+          <a:p>
+            <a:pPr latinLnBrk="1"/>
+            <a:r>
+              <a:rPr lang="en-US" altLang="ko-KR" sz="1800" dirty="0"/>
+              <a:t>3. </a:t>
+            </a:r>
+            <a:r>
+              <a:rPr lang="ko-KR" altLang="en-US" sz="1800" dirty="0"/>
+              <a:t>메서드 내부의 지역 변수 검토</a:t>
+            </a:r>
+            <a:endParaRPr lang="en-US" altLang="ko-KR" sz="1800" dirty="0"/>
+          </a:p>
+          <a:p>
+            <a:pPr latinLnBrk="1"/>
+            <a:endParaRPr lang="en-US" altLang="ko-KR" dirty="0"/>
+          </a:p>
+          <a:p>
+            <a:pPr latinLnBrk="1"/>
+            <a:r>
+              <a:rPr lang="ko-KR" altLang="en-US" dirty="0"/>
+              <a:t>복사한 코드 안에서만 사용하는 변수라면 </a:t>
+            </a:r>
+            <a:endParaRPr lang="en-US" altLang="ko-KR" dirty="0"/>
+          </a:p>
+          <a:p>
+            <a:pPr latinLnBrk="1"/>
+            <a:r>
+              <a:rPr lang="ko-KR" altLang="en-US" dirty="0"/>
+              <a:t>메서드의 지역 변수로 만듦</a:t>
+            </a:r>
+            <a:endParaRPr lang="en-US" altLang="ko-KR" dirty="0"/>
+          </a:p>
+        </p:txBody>
+      </p:sp>
+      <p:pic>
+        <p:nvPicPr>
+          <p:cNvPr id="6" name="그림 5" descr="텍스트이(가) 표시된 사진&#10;&#10;자동 생성된 설명">
+            <a:extLst>
+              <a:ext uri="{FF2B5EF4-FFF2-40B4-BE49-F238E27FC236}">
+                <a16:creationId xmlns:a16="http://schemas.microsoft.com/office/drawing/2014/main" id="{BCB392F2-B8D3-49FA-A909-19EA16B1E356}"/>
+              </a:ext>
+            </a:extLst>
+          </p:cNvPr>
+          <p:cNvPicPr>
+            <a:picLocks noChangeAspect="1"/>
+          </p:cNvPicPr>
+          <p:nvPr/>
+        </p:nvPicPr>
+        <p:blipFill>
+          <a:blip r:embed="rId3">
             <a:extLst>
               <a:ext uri="{28A0092B-C50C-407E-A947-70E740481C1C}">
                 <a14:useLocalDpi xmlns:a14="http://schemas.microsoft.com/office/drawing/2010/main" val="0"/>
@@ -7253,7 +8659,7 @@
           <p:nvPr/>
         </p:nvPicPr>
         <p:blipFill rotWithShape="1">
-          <a:blip r:embed="rId3">
+          <a:blip r:embed="rId4">
             <a:extLst>
               <a:ext uri="{28A0092B-C50C-407E-A947-70E740481C1C}">
                 <a14:useLocalDpi xmlns:a14="http://schemas.microsoft.com/office/drawing/2010/main" val="0"/>
@@ -7265,7 +8671,7 @@
         </p:blipFill>
         <p:spPr>
           <a:xfrm>
-            <a:off x="6638925" y="4657726"/>
+            <a:off x="5941940" y="4284864"/>
             <a:ext cx="3638550" cy="1200150"/>
           </a:xfrm>
           <a:prstGeom prst="rect">
@@ -7287,7 +8693,7 @@
         </p:nvCxnSpPr>
         <p:spPr>
           <a:xfrm>
-            <a:off x="8372475" y="5191125"/>
+            <a:off x="7675490" y="4818263"/>
             <a:ext cx="1228725" cy="0"/>
           </a:xfrm>
           <a:prstGeom prst="line">
@@ -7310,42 +8716,12 @@
           </a:fontRef>
         </p:style>
       </p:cxnSp>
-    </p:spTree>
-    <p:extLst>
-      <p:ext uri="{BB962C8B-B14F-4D97-AF65-F5344CB8AC3E}">
-        <p14:creationId xmlns:p14="http://schemas.microsoft.com/office/powerpoint/2010/main" val="2816604198"/>
-      </p:ext>
-    </p:extLst>
-  </p:cSld>
-  <p:clrMapOvr>
-    <a:masterClrMapping/>
-  </p:clrMapOvr>
-</p:sld>
-</file>
-
-<file path=ppt/slides/slide11.xml><?xml version="1.0" encoding="utf-8"?>
-<p:sld xmlns:a="http://schemas.openxmlformats.org/drawingml/2006/main" xmlns:r="http://schemas.openxmlformats.org/officeDocument/2006/relationships" xmlns:p="http://schemas.openxmlformats.org/presentationml/2006/main">
-  <p:cSld>
-    <p:spTree>
-      <p:nvGrpSpPr>
-        <p:cNvPr id="1" name=""/>
-        <p:cNvGrpSpPr/>
-        <p:nvPr/>
-      </p:nvGrpSpPr>
-      <p:grpSpPr>
-        <a:xfrm>
-          <a:off x="0" y="0"/>
-          <a:ext cx="0" cy="0"/>
-          <a:chOff x="0" y="0"/>
-          <a:chExt cx="0" cy="0"/>
-        </a:xfrm>
-      </p:grpSpPr>
-      <p:sp>
-        <p:nvSpPr>
-          <p:cNvPr id="11" name="TextBox 10">
+      <p:sp>
+        <p:nvSpPr>
+          <p:cNvPr id="2" name="TextBox 1">
             <a:extLst>
               <a:ext uri="{FF2B5EF4-FFF2-40B4-BE49-F238E27FC236}">
-                <a16:creationId xmlns:a16="http://schemas.microsoft.com/office/drawing/2014/main" id="{CB92E015-7590-460C-BD1B-F49E13BC66FC}"/>
+                <a16:creationId xmlns:a16="http://schemas.microsoft.com/office/drawing/2014/main" id="{646E4E65-BD1C-4458-9A72-54F85DE57267}"/>
               </a:ext>
             </a:extLst>
           </p:cNvPr>
@@ -7354,48 +8730,8 @@
         </p:nvSpPr>
         <p:spPr>
           <a:xfrm>
-            <a:off x="905692" y="233681"/>
-            <a:ext cx="2470548" cy="400110"/>
-          </a:xfrm>
-          <a:prstGeom prst="rect">
-            <a:avLst/>
-          </a:prstGeom>
-          <a:noFill/>
-        </p:spPr>
-        <p:txBody>
-          <a:bodyPr wrap="none" rtlCol="0">
-            <a:spAutoFit/>
-          </a:bodyPr>
-          <a:lstStyle/>
-          <a:p>
-            <a:r>
-              <a:rPr lang="en-US" altLang="ko-KR" sz="2000"/>
-              <a:t>5.2.2 </a:t>
-            </a:r>
-            <a:r>
-              <a:rPr lang="ko-KR" altLang="en-US" sz="2000"/>
-              <a:t>리팩토링 실행</a:t>
-            </a:r>
-            <a:endParaRPr lang="ko-KR" altLang="en-US" sz="1200"/>
-          </a:p>
-        </p:txBody>
-      </p:sp>
-      <p:sp>
-        <p:nvSpPr>
-          <p:cNvPr id="16" name="TextBox 15">
-            <a:extLst>
-              <a:ext uri="{FF2B5EF4-FFF2-40B4-BE49-F238E27FC236}">
-                <a16:creationId xmlns:a16="http://schemas.microsoft.com/office/drawing/2014/main" id="{E09EF8D9-45FD-4506-A426-3ABE81A8AD5B}"/>
-              </a:ext>
-            </a:extLst>
-          </p:cNvPr>
-          <p:cNvSpPr txBox="1"/>
-          <p:nvPr/>
-        </p:nvSpPr>
-        <p:spPr>
-          <a:xfrm>
-            <a:off x="5505824" y="2157233"/>
-            <a:ext cx="5000251" cy="2031325"/>
+            <a:off x="5941940" y="3833499"/>
+            <a:ext cx="3730508" cy="369332"/>
           </a:xfrm>
           <a:prstGeom prst="rect">
             <a:avLst/>
@@ -7416,6 +8752,260 @@
           </a:fontRef>
         </p:style>
         <p:txBody>
+          <a:bodyPr wrap="none" rtlCol="0">
+            <a:spAutoFit/>
+          </a:bodyPr>
+          <a:lstStyle/>
+          <a:p>
+            <a:r>
+              <a:rPr lang="en-US" altLang="ko-KR" dirty="0"/>
+              <a:t>content</a:t>
+            </a:r>
+            <a:r>
+              <a:rPr lang="ko-KR" altLang="en-US" dirty="0"/>
+              <a:t>는 테두리 출력시에도 사용</a:t>
+            </a:r>
+          </a:p>
+        </p:txBody>
+      </p:sp>
+    </p:spTree>
+    <p:extLst>
+      <p:ext uri="{BB962C8B-B14F-4D97-AF65-F5344CB8AC3E}">
+        <p14:creationId xmlns:p14="http://schemas.microsoft.com/office/powerpoint/2010/main" val="2816604198"/>
+      </p:ext>
+    </p:extLst>
+  </p:cSld>
+  <p:clrMapOvr>
+    <a:masterClrMapping/>
+  </p:clrMapOvr>
+  <p:timing>
+    <p:tnLst>
+      <p:par>
+        <p:cTn id="1" dur="indefinite" restart="never" nodeType="tmRoot">
+          <p:childTnLst>
+            <p:seq concurrent="1" nextAc="seek">
+              <p:cTn id="2" dur="indefinite" nodeType="mainSeq">
+                <p:childTnLst>
+                  <p:par>
+                    <p:cTn id="3" fill="hold">
+                      <p:stCondLst>
+                        <p:cond delay="indefinite"/>
+                      </p:stCondLst>
+                      <p:childTnLst>
+                        <p:par>
+                          <p:cTn id="4" fill="hold">
+                            <p:stCondLst>
+                              <p:cond delay="0"/>
+                            </p:stCondLst>
+                            <p:childTnLst>
+                              <p:par>
+                                <p:cTn id="5" presetID="1" presetClass="entr" presetSubtype="0" fill="hold" nodeType="clickEffect">
+                                  <p:stCondLst>
+                                    <p:cond delay="0"/>
+                                  </p:stCondLst>
+                                  <p:childTnLst>
+                                    <p:set>
+                                      <p:cBhvr>
+                                        <p:cTn id="6" dur="1" fill="hold">
+                                          <p:stCondLst>
+                                            <p:cond delay="0"/>
+                                          </p:stCondLst>
+                                        </p:cTn>
+                                        <p:tgtEl>
+                                          <p:spTgt spid="7"/>
+                                        </p:tgtEl>
+                                        <p:attrNameLst>
+                                          <p:attrName>style.visibility</p:attrName>
+                                        </p:attrNameLst>
+                                      </p:cBhvr>
+                                      <p:to>
+                                        <p:strVal val="visible"/>
+                                      </p:to>
+                                    </p:set>
+                                  </p:childTnLst>
+                                </p:cTn>
+                              </p:par>
+                              <p:par>
+                                <p:cTn id="7" presetID="1" presetClass="entr" presetSubtype="0" fill="hold" nodeType="withEffect">
+                                  <p:stCondLst>
+                                    <p:cond delay="0"/>
+                                  </p:stCondLst>
+                                  <p:childTnLst>
+                                    <p:set>
+                                      <p:cBhvr>
+                                        <p:cTn id="8" dur="1" fill="hold">
+                                          <p:stCondLst>
+                                            <p:cond delay="0"/>
+                                          </p:stCondLst>
+                                        </p:cTn>
+                                        <p:tgtEl>
+                                          <p:spTgt spid="3"/>
+                                        </p:tgtEl>
+                                        <p:attrNameLst>
+                                          <p:attrName>style.visibility</p:attrName>
+                                        </p:attrNameLst>
+                                      </p:cBhvr>
+                                      <p:to>
+                                        <p:strVal val="visible"/>
+                                      </p:to>
+                                    </p:set>
+                                  </p:childTnLst>
+                                </p:cTn>
+                              </p:par>
+                              <p:par>
+                                <p:cTn id="9" presetID="1" presetClass="entr" presetSubtype="0" fill="hold" grpId="0" nodeType="withEffect">
+                                  <p:stCondLst>
+                                    <p:cond delay="0"/>
+                                  </p:stCondLst>
+                                  <p:childTnLst>
+                                    <p:set>
+                                      <p:cBhvr>
+                                        <p:cTn id="10" dur="1" fill="hold">
+                                          <p:stCondLst>
+                                            <p:cond delay="0"/>
+                                          </p:stCondLst>
+                                        </p:cTn>
+                                        <p:tgtEl>
+                                          <p:spTgt spid="2"/>
+                                        </p:tgtEl>
+                                        <p:attrNameLst>
+                                          <p:attrName>style.visibility</p:attrName>
+                                        </p:attrNameLst>
+                                      </p:cBhvr>
+                                      <p:to>
+                                        <p:strVal val="visible"/>
+                                      </p:to>
+                                    </p:set>
+                                  </p:childTnLst>
+                                </p:cTn>
+                              </p:par>
+                            </p:childTnLst>
+                          </p:cTn>
+                        </p:par>
+                      </p:childTnLst>
+                    </p:cTn>
+                  </p:par>
+                </p:childTnLst>
+              </p:cTn>
+              <p:prevCondLst>
+                <p:cond evt="onPrev" delay="0">
+                  <p:tgtEl>
+                    <p:sldTgt/>
+                  </p:tgtEl>
+                </p:cond>
+              </p:prevCondLst>
+              <p:nextCondLst>
+                <p:cond evt="onNext" delay="0">
+                  <p:tgtEl>
+                    <p:sldTgt/>
+                  </p:tgtEl>
+                </p:cond>
+              </p:nextCondLst>
+            </p:seq>
+          </p:childTnLst>
+        </p:cTn>
+      </p:par>
+    </p:tnLst>
+    <p:bldLst>
+      <p:bldP spid="2" grpId="0" animBg="1"/>
+    </p:bldLst>
+  </p:timing>
+</p:sld>
+</file>
+
+<file path=ppt/slides/slide13.xml><?xml version="1.0" encoding="utf-8"?>
+<p:sld xmlns:a="http://schemas.openxmlformats.org/drawingml/2006/main" xmlns:r="http://schemas.openxmlformats.org/officeDocument/2006/relationships" xmlns:p="http://schemas.openxmlformats.org/presentationml/2006/main">
+  <p:cSld>
+    <p:spTree>
+      <p:nvGrpSpPr>
+        <p:cNvPr id="1" name=""/>
+        <p:cNvGrpSpPr/>
+        <p:nvPr/>
+      </p:nvGrpSpPr>
+      <p:grpSpPr>
+        <a:xfrm>
+          <a:off x="0" y="0"/>
+          <a:ext cx="0" cy="0"/>
+          <a:chOff x="0" y="0"/>
+          <a:chExt cx="0" cy="0"/>
+        </a:xfrm>
+      </p:grpSpPr>
+      <p:sp>
+        <p:nvSpPr>
+          <p:cNvPr id="11" name="TextBox 10">
+            <a:extLst>
+              <a:ext uri="{FF2B5EF4-FFF2-40B4-BE49-F238E27FC236}">
+                <a16:creationId xmlns:a16="http://schemas.microsoft.com/office/drawing/2014/main" id="{CB92E015-7590-460C-BD1B-F49E13BC66FC}"/>
+              </a:ext>
+            </a:extLst>
+          </p:cNvPr>
+          <p:cNvSpPr txBox="1"/>
+          <p:nvPr/>
+        </p:nvSpPr>
+        <p:spPr>
+          <a:xfrm>
+            <a:off x="905692" y="233681"/>
+            <a:ext cx="2470548" cy="400110"/>
+          </a:xfrm>
+          <a:prstGeom prst="rect">
+            <a:avLst/>
+          </a:prstGeom>
+          <a:noFill/>
+        </p:spPr>
+        <p:txBody>
+          <a:bodyPr wrap="none" rtlCol="0">
+            <a:spAutoFit/>
+          </a:bodyPr>
+          <a:lstStyle/>
+          <a:p>
+            <a:r>
+              <a:rPr lang="en-US" altLang="ko-KR" sz="2000"/>
+              <a:t>5.2.2 </a:t>
+            </a:r>
+            <a:r>
+              <a:rPr lang="ko-KR" altLang="en-US" sz="2000"/>
+              <a:t>리팩토링 실행</a:t>
+            </a:r>
+            <a:endParaRPr lang="ko-KR" altLang="en-US" sz="1200"/>
+          </a:p>
+        </p:txBody>
+      </p:sp>
+      <p:sp>
+        <p:nvSpPr>
+          <p:cNvPr id="16" name="TextBox 15">
+            <a:extLst>
+              <a:ext uri="{FF2B5EF4-FFF2-40B4-BE49-F238E27FC236}">
+                <a16:creationId xmlns:a16="http://schemas.microsoft.com/office/drawing/2014/main" id="{E09EF8D9-45FD-4506-A426-3ABE81A8AD5B}"/>
+              </a:ext>
+            </a:extLst>
+          </p:cNvPr>
+          <p:cNvSpPr txBox="1"/>
+          <p:nvPr/>
+        </p:nvSpPr>
+        <p:spPr>
+          <a:xfrm>
+            <a:off x="5505824" y="2157233"/>
+            <a:ext cx="5000251" cy="1200329"/>
+          </a:xfrm>
+          <a:prstGeom prst="rect">
+            <a:avLst/>
+          </a:prstGeom>
+        </p:spPr>
+        <p:style>
+          <a:lnRef idx="2">
+            <a:schemeClr val="accent1"/>
+          </a:lnRef>
+          <a:fillRef idx="1">
+            <a:schemeClr val="lt1"/>
+          </a:fillRef>
+          <a:effectRef idx="0">
+            <a:schemeClr val="accent1"/>
+          </a:effectRef>
+          <a:fontRef idx="minor">
+            <a:schemeClr val="dk1"/>
+          </a:fontRef>
+        </p:style>
+        <p:txBody>
           <a:bodyPr wrap="square">
             <a:spAutoFit/>
           </a:bodyPr>
@@ -7423,50 +9013,54 @@
           <a:p>
             <a:pPr latinLnBrk="1"/>
             <a:r>
-              <a:rPr lang="en-US" altLang="ko-KR" sz="1800"/>
+              <a:rPr lang="en-US" altLang="ko-KR" sz="1800" dirty="0"/>
               <a:t>4. </a:t>
             </a:r>
             <a:r>
-              <a:rPr lang="ko-KR" altLang="en-US"/>
+              <a:rPr lang="ko-KR" altLang="en-US" dirty="0"/>
               <a:t>메서드 매개변수 검토</a:t>
             </a:r>
-            <a:endParaRPr lang="en-US" altLang="ko-KR" sz="1800"/>
+            <a:endParaRPr lang="en-US" altLang="ko-KR" sz="1800" dirty="0"/>
           </a:p>
           <a:p>
             <a:pPr latinLnBrk="1"/>
-            <a:endParaRPr lang="en-US" altLang="ko-KR"/>
+            <a:endParaRPr lang="en-US" altLang="ko-KR" dirty="0"/>
           </a:p>
           <a:p>
             <a:pPr latinLnBrk="1"/>
             <a:r>
-              <a:rPr lang="ko-KR" altLang="en-US"/>
-              <a:t>복사한 코드에서 입력값으로 사용하는 변수가 있다면 메서드 매개변수로 만듦</a:t>
-            </a:r>
-            <a:endParaRPr lang="en-US" altLang="ko-KR"/>
-          </a:p>
-          <a:p>
-            <a:pPr latinLnBrk="1"/>
-            <a:endParaRPr lang="en-US" altLang="ko-KR"/>
-          </a:p>
-          <a:p>
-            <a:pPr latinLnBrk="1"/>
-            <a:r>
-              <a:rPr lang="en-US" altLang="ko-KR"/>
-              <a:t> For</a:t>
-            </a:r>
-            <a:r>
-              <a:rPr lang="ko-KR" altLang="en-US"/>
-              <a:t>문 안의 </a:t>
-            </a:r>
-            <a:r>
-              <a:rPr lang="en-US" altLang="ko-KR"/>
-              <a:t>times</a:t>
-            </a:r>
-            <a:r>
-              <a:rPr lang="ko-KR" altLang="en-US"/>
-              <a:t>가 입력값으로 사용되고 있어 메서드 매개변수로 만듦</a:t>
-            </a:r>
-            <a:endParaRPr lang="en-US" altLang="ko-KR"/>
+              <a:rPr lang="ko-KR" altLang="en-US" dirty="0"/>
+              <a:t>복사한 코드에서 </a:t>
+            </a:r>
+            <a:r>
+              <a:rPr lang="ko-KR" altLang="en-US" dirty="0" err="1">
+                <a:solidFill>
+                  <a:srgbClr val="FF0000"/>
+                </a:solidFill>
+              </a:rPr>
+              <a:t>입력값</a:t>
+            </a:r>
+            <a:r>
+              <a:rPr lang="ko-KR" altLang="en-US" dirty="0" err="1"/>
+              <a:t>으로</a:t>
+            </a:r>
+            <a:r>
+              <a:rPr lang="ko-KR" altLang="en-US" dirty="0"/>
+              <a:t> 사용하는 변수가 있다면 메서드 </a:t>
+            </a:r>
+            <a:r>
+              <a:rPr lang="ko-KR" altLang="en-US" dirty="0">
+                <a:solidFill>
+                  <a:srgbClr val="FF0000"/>
+                </a:solidFill>
+              </a:rPr>
+              <a:t>매개변수</a:t>
+            </a:r>
+            <a:r>
+              <a:rPr lang="ko-KR" altLang="en-US" dirty="0"/>
+              <a:t>로 만듦</a:t>
+            </a:r>
+            <a:endParaRPr lang="en-US" altLang="ko-KR" dirty="0"/>
           </a:p>
         </p:txBody>
       </p:sp>
@@ -7485,7 +9079,7 @@
           <p:nvPr/>
         </p:nvPicPr>
         <p:blipFill>
-          <a:blip r:embed="rId2">
+          <a:blip r:embed="rId3">
             <a:extLst>
               <a:ext uri="{28A0092B-C50C-407E-A947-70E740481C1C}">
                 <a14:useLocalDpi xmlns:a14="http://schemas.microsoft.com/office/drawing/2010/main" val="0"/>
@@ -7575,7 +9169,7 @@
 </p:sld>
 </file>
 
-<file path=ppt/slides/slide12.xml><?xml version="1.0" encoding="utf-8"?>
+<file path=ppt/slides/slide14.xml><?xml version="1.0" encoding="utf-8"?>
 <p:sld xmlns:a="http://schemas.openxmlformats.org/drawingml/2006/main" xmlns:r="http://schemas.openxmlformats.org/officeDocument/2006/relationships" xmlns:p="http://schemas.openxmlformats.org/presentationml/2006/main">
   <p:cSld>
     <p:spTree>
@@ -7647,7 +9241,7 @@
         <p:spPr>
           <a:xfrm>
             <a:off x="5429624" y="1120676"/>
-            <a:ext cx="5000251" cy="3693319"/>
+            <a:ext cx="5000251" cy="2862322"/>
           </a:xfrm>
           <a:prstGeom prst="rect">
             <a:avLst/>
@@ -7675,46 +9269,62 @@
           <a:p>
             <a:pPr latinLnBrk="1"/>
             <a:r>
-              <a:rPr lang="en-US" altLang="ko-KR"/>
+              <a:rPr lang="en-US" altLang="ko-KR" dirty="0"/>
               <a:t>5</a:t>
             </a:r>
             <a:r>
-              <a:rPr lang="en-US" altLang="ko-KR" sz="1800"/>
+              <a:rPr lang="en-US" altLang="ko-KR" sz="1800" dirty="0"/>
               <a:t>. </a:t>
             </a:r>
             <a:r>
-              <a:rPr lang="ko-KR" altLang="en-US"/>
-              <a:t>메서드 반환값 검토</a:t>
-            </a:r>
-            <a:endParaRPr lang="en-US" altLang="ko-KR" sz="1800"/>
+              <a:rPr lang="ko-KR" altLang="en-US" dirty="0"/>
+              <a:t>메서드 </a:t>
+            </a:r>
+            <a:r>
+              <a:rPr lang="ko-KR" altLang="en-US" dirty="0" err="1"/>
+              <a:t>반환값</a:t>
+            </a:r>
+            <a:r>
+              <a:rPr lang="ko-KR" altLang="en-US" dirty="0"/>
+              <a:t> 검토</a:t>
+            </a:r>
+            <a:endParaRPr lang="en-US" altLang="ko-KR" sz="1800" dirty="0"/>
           </a:p>
           <a:p>
             <a:pPr latinLnBrk="1"/>
-            <a:endParaRPr lang="en-US" altLang="ko-KR"/>
+            <a:endParaRPr lang="en-US" altLang="ko-KR" dirty="0"/>
           </a:p>
           <a:p>
             <a:pPr latinLnBrk="1"/>
             <a:r>
-              <a:rPr lang="ko-KR" altLang="en-US"/>
+              <a:rPr lang="ko-KR" altLang="en-US" dirty="0"/>
               <a:t> 복사한 코드에서 변경되는 변수가 있는지 조사</a:t>
             </a:r>
-            <a:endParaRPr lang="en-US" altLang="ko-KR"/>
+            <a:endParaRPr lang="en-US" altLang="ko-KR" dirty="0"/>
           </a:p>
           <a:p>
             <a:pPr latinLnBrk="1"/>
-            <a:endParaRPr lang="en-US" altLang="ko-KR"/>
+            <a:endParaRPr lang="en-US" altLang="ko-KR" dirty="0"/>
           </a:p>
           <a:p>
             <a:pPr latinLnBrk="1"/>
             <a:r>
-              <a:rPr lang="ko-KR" altLang="en-US"/>
-              <a:t> 변수가 여러 개라면 리팩토링 계속하기 어려움</a:t>
-            </a:r>
-            <a:endParaRPr lang="en-US" altLang="ko-KR"/>
+              <a:rPr lang="ko-KR" altLang="en-US" dirty="0"/>
+              <a:t> 변수가 여러 개라면 </a:t>
+            </a:r>
+            <a:r>
+              <a:rPr lang="ko-KR" altLang="en-US" dirty="0" err="1"/>
+              <a:t>리팩토링</a:t>
+            </a:r>
+            <a:r>
+              <a:rPr lang="ko-KR" altLang="en-US" dirty="0"/>
+              <a:t> 계속하기 어려움</a:t>
+            </a:r>
+            <a:endParaRPr lang="en-US" altLang="ko-KR" dirty="0"/>
           </a:p>
           <a:p>
             <a:pPr latinLnBrk="1"/>
-            <a:endParaRPr lang="en-US" altLang="ko-KR">
+            <a:endParaRPr lang="en-US" altLang="ko-KR" dirty="0">
               <a:solidFill>
                 <a:srgbClr val="FF0000"/>
               </a:solidFill>
@@ -7723,66 +9333,74 @@
           <a:p>
             <a:pPr latinLnBrk="1"/>
             <a:r>
-              <a:rPr lang="ko-KR" altLang="en-US"/>
+              <a:rPr lang="ko-KR" altLang="en-US" dirty="0"/>
               <a:t> 변경된 변수가 하나뿐이라면 </a:t>
             </a:r>
             <a:r>
-              <a:rPr lang="en-US" altLang="ko-KR"/>
+              <a:rPr lang="en-US" altLang="ko-KR" dirty="0"/>
               <a:t>‘</a:t>
             </a:r>
             <a:r>
-              <a:rPr lang="ko-KR" altLang="en-US"/>
-              <a:t>매서드 반환값</a:t>
-            </a:r>
-            <a:r>
-              <a:rPr lang="en-US" altLang="ko-KR"/>
+              <a:rPr lang="ko-KR" altLang="en-US" dirty="0" err="1"/>
+              <a:t>매서드</a:t>
+            </a:r>
+            <a:r>
+              <a:rPr lang="ko-KR" altLang="en-US" dirty="0"/>
+              <a:t> </a:t>
+            </a:r>
+            <a:r>
+              <a:rPr lang="ko-KR" altLang="en-US" dirty="0" err="1"/>
+              <a:t>반환값</a:t>
+            </a:r>
+            <a:r>
+              <a:rPr lang="en-US" altLang="ko-KR" dirty="0"/>
               <a:t>’</a:t>
             </a:r>
             <a:r>
-              <a:rPr lang="ko-KR" altLang="en-US"/>
+              <a:rPr lang="ko-KR" altLang="en-US" dirty="0"/>
               <a:t>으로 쓰기 적당한지 검토</a:t>
             </a:r>
-            <a:endParaRPr lang="en-US" altLang="ko-KR"/>
+            <a:endParaRPr lang="en-US" altLang="ko-KR" dirty="0"/>
           </a:p>
           <a:p>
             <a:pPr latinLnBrk="1"/>
             <a:r>
-              <a:rPr lang="en-US" altLang="ko-KR"/>
+              <a:rPr lang="en-US" altLang="ko-KR" dirty="0"/>
               <a:t>-</a:t>
             </a:r>
             <a:r>
-              <a:rPr lang="ko-KR" altLang="en-US"/>
-              <a:t>적당하다면 메서드 반환값으로 사용</a:t>
-            </a:r>
-            <a:endParaRPr lang="en-US" altLang="ko-KR"/>
+              <a:rPr lang="ko-KR" altLang="en-US" dirty="0"/>
+              <a:t>적당하다면 메서드 </a:t>
+            </a:r>
+            <a:r>
+              <a:rPr lang="ko-KR" altLang="en-US" dirty="0" err="1"/>
+              <a:t>반환값으로</a:t>
+            </a:r>
+            <a:r>
+              <a:rPr lang="ko-KR" altLang="en-US" dirty="0"/>
+              <a:t> 사용</a:t>
+            </a:r>
+            <a:endParaRPr lang="en-US" altLang="ko-KR" dirty="0"/>
           </a:p>
           <a:p>
             <a:pPr latinLnBrk="1"/>
             <a:r>
-              <a:rPr lang="en-US" altLang="ko-KR"/>
+              <a:rPr lang="en-US" altLang="ko-KR" dirty="0"/>
               <a:t>-</a:t>
             </a:r>
             <a:r>
-              <a:rPr lang="ko-KR" altLang="en-US"/>
-              <a:t>적당하지 않다면 리팩토링을 계속하기 어려움</a:t>
-            </a:r>
-            <a:endParaRPr lang="en-US" altLang="ko-KR"/>
-          </a:p>
-          <a:p>
-            <a:pPr latinLnBrk="1"/>
-            <a:endParaRPr lang="en-US" altLang="ko-KR"/>
-          </a:p>
-          <a:p>
-            <a:pPr latinLnBrk="1"/>
-            <a:r>
-              <a:rPr lang="en-US" altLang="ko-KR"/>
-              <a:t> printContent</a:t>
-            </a:r>
-            <a:r>
-              <a:rPr lang="ko-KR" altLang="en-US"/>
-              <a:t>에서는 변경된 변수가 없으므로 반환값이 없음</a:t>
-            </a:r>
-            <a:endParaRPr lang="en-US" altLang="ko-KR"/>
+              <a:rPr lang="ko-KR" altLang="en-US" dirty="0"/>
+              <a:t>적당하지 않다면 </a:t>
+            </a:r>
+            <a:r>
+              <a:rPr lang="ko-KR" altLang="en-US" dirty="0" err="1"/>
+              <a:t>리팩토링을</a:t>
+            </a:r>
+            <a:r>
+              <a:rPr lang="ko-KR" altLang="en-US" dirty="0"/>
+              <a:t> 계속하기 어려움</a:t>
+            </a:r>
+            <a:endParaRPr lang="en-US" altLang="ko-KR" dirty="0"/>
           </a:p>
         </p:txBody>
       </p:sp>
@@ -7801,7 +9419,7 @@
           <p:nvPr/>
         </p:nvPicPr>
         <p:blipFill>
-          <a:blip r:embed="rId2">
+          <a:blip r:embed="rId3">
             <a:extLst>
               <a:ext uri="{28A0092B-C50C-407E-A947-70E740481C1C}">
                 <a14:useLocalDpi xmlns:a14="http://schemas.microsoft.com/office/drawing/2010/main" val="0"/>
@@ -7835,7 +9453,7 @@
 </p:sld>
 </file>
 
-<file path=ppt/slides/slide13.xml><?xml version="1.0" encoding="utf-8"?>
+<file path=ppt/slides/slide15.xml><?xml version="1.0" encoding="utf-8"?>
 <p:sld xmlns:a="http://schemas.openxmlformats.org/drawingml/2006/main" xmlns:r="http://schemas.openxmlformats.org/officeDocument/2006/relationships" xmlns:p="http://schemas.openxmlformats.org/presentationml/2006/main">
   <p:cSld>
     <p:spTree>
@@ -8017,8 +9635,21 @@
           <a:prstGeom prst="rect">
             <a:avLst/>
           </a:prstGeom>
-          <a:noFill/>
         </p:spPr>
+        <p:style>
+          <a:lnRef idx="2">
+            <a:schemeClr val="accent1"/>
+          </a:lnRef>
+          <a:fillRef idx="1">
+            <a:schemeClr val="lt1"/>
+          </a:fillRef>
+          <a:effectRef idx="0">
+            <a:schemeClr val="accent1"/>
+          </a:effectRef>
+          <a:fontRef idx="minor">
+            <a:schemeClr val="dk1"/>
+          </a:fontRef>
+        </p:style>
         <p:txBody>
           <a:bodyPr wrap="none" rtlCol="0">
             <a:spAutoFit/>
@@ -8026,24 +9657,37 @@
           <a:lstStyle/>
           <a:p>
             <a:r>
-              <a:rPr lang="ko-KR" altLang="en-US"/>
-              <a:t>호출을 하지않아 </a:t>
-            </a:r>
-            <a:r>
-              <a:rPr lang="en-US" altLang="ko-KR"/>
+              <a:rPr lang="ko-KR" altLang="en-US" dirty="0"/>
+              <a:t>호출을 </a:t>
+            </a:r>
+            <a:r>
+              <a:rPr lang="ko-KR" altLang="en-US" dirty="0" err="1"/>
+              <a:t>하지않아</a:t>
+            </a:r>
+            <a:r>
+              <a:rPr lang="ko-KR" altLang="en-US" dirty="0"/>
+              <a:t> </a:t>
+            </a:r>
+            <a:r>
+              <a:rPr lang="en-US" altLang="ko-KR" dirty="0"/>
               <a:t>warning</a:t>
             </a:r>
             <a:r>
-              <a:rPr lang="ko-KR" altLang="en-US"/>
+              <a:rPr lang="ko-KR" altLang="en-US" dirty="0"/>
               <a:t>은 뜨지만</a:t>
             </a:r>
-            <a:endParaRPr lang="en-US" altLang="ko-KR"/>
-          </a:p>
-          <a:p>
-            <a:r>
-              <a:rPr lang="ko-KR" altLang="en-US"/>
-              <a:t>에러는 뜨지않음</a:t>
-            </a:r>
+            <a:endParaRPr lang="en-US" altLang="ko-KR" dirty="0"/>
+          </a:p>
+          <a:p>
+            <a:r>
+              <a:rPr lang="ko-KR" altLang="en-US" dirty="0"/>
+              <a:t>에러는 </a:t>
+            </a:r>
+            <a:r>
+              <a:rPr lang="ko-KR" altLang="en-US" dirty="0" err="1"/>
+              <a:t>뜨지않음</a:t>
+            </a:r>
+            <a:endParaRPr lang="ko-KR" altLang="en-US" dirty="0"/>
           </a:p>
         </p:txBody>
       </p:sp>
@@ -8060,7 +9704,7 @@
 </p:sld>
 </file>
 
-<file path=ppt/slides/slide14.xml><?xml version="1.0" encoding="utf-8"?>
+<file path=ppt/slides/slide16.xml><?xml version="1.0" encoding="utf-8"?>
 <p:sld xmlns:a="http://schemas.openxmlformats.org/drawingml/2006/main" xmlns:r="http://schemas.openxmlformats.org/officeDocument/2006/relationships" xmlns:p="http://schemas.openxmlformats.org/presentationml/2006/main">
   <p:cSld>
     <p:spTree>
@@ -8421,7 +10065,7 @@
 </p:sld>
 </file>
 
-<file path=ppt/slides/slide15.xml><?xml version="1.0" encoding="utf-8"?>
+<file path=ppt/slides/slide17.xml><?xml version="1.0" encoding="utf-8"?>
 <p:sld xmlns:a="http://schemas.openxmlformats.org/drawingml/2006/main" xmlns:r="http://schemas.openxmlformats.org/officeDocument/2006/relationships" xmlns:p="http://schemas.openxmlformats.org/presentationml/2006/main">
   <p:cSld>
     <p:spTree>
@@ -8593,7 +10237,7 @@
 </p:sld>
 </file>
 
-<file path=ppt/slides/slide16.xml><?xml version="1.0" encoding="utf-8"?>
+<file path=ppt/slides/slide18.xml><?xml version="1.0" encoding="utf-8"?>
 <p:sld xmlns:a="http://schemas.openxmlformats.org/drawingml/2006/main" xmlns:r="http://schemas.openxmlformats.org/officeDocument/2006/relationships" xmlns:p="http://schemas.openxmlformats.org/presentationml/2006/main">
   <p:cSld>
     <p:spTree>
@@ -8812,7 +10456,7 @@
 </p:sld>
 </file>
 
-<file path=ppt/slides/slide17.xml><?xml version="1.0" encoding="utf-8"?>
+<file path=ppt/slides/slide19.xml><?xml version="1.0" encoding="utf-8"?>
 <p:sld xmlns:a="http://schemas.openxmlformats.org/drawingml/2006/main" xmlns:r="http://schemas.openxmlformats.org/officeDocument/2006/relationships" xmlns:p="http://schemas.openxmlformats.org/presentationml/2006/main">
   <p:cSld>
     <p:spTree>
@@ -9069,791 +10713,8 @@
 </p:sld>
 </file>
 
-<file path=ppt/slides/slide18.xml><?xml version="1.0" encoding="utf-8"?>
+<file path=ppt/slides/slide2.xml><?xml version="1.0" encoding="utf-8"?>
 <p:sld xmlns:a="http://schemas.openxmlformats.org/drawingml/2006/main" xmlns:r="http://schemas.openxmlformats.org/officeDocument/2006/relationships" xmlns:p="http://schemas.openxmlformats.org/presentationml/2006/main">
-  <p:cSld>
-    <p:spTree>
-      <p:nvGrpSpPr>
-        <p:cNvPr id="1" name=""/>
-        <p:cNvGrpSpPr/>
-        <p:nvPr/>
-      </p:nvGrpSpPr>
-      <p:grpSpPr>
-        <a:xfrm>
-          <a:off x="0" y="0"/>
-          <a:ext cx="0" cy="0"/>
-          <a:chOff x="0" y="0"/>
-          <a:chExt cx="0" cy="0"/>
-        </a:xfrm>
-      </p:grpSpPr>
-      <p:sp>
-        <p:nvSpPr>
-          <p:cNvPr id="11" name="TextBox 10">
-            <a:extLst>
-              <a:ext uri="{FF2B5EF4-FFF2-40B4-BE49-F238E27FC236}">
-                <a16:creationId xmlns:a16="http://schemas.microsoft.com/office/drawing/2014/main" id="{CB92E015-7590-460C-BD1B-F49E13BC66FC}"/>
-              </a:ext>
-            </a:extLst>
-          </p:cNvPr>
-          <p:cNvSpPr txBox="1"/>
-          <p:nvPr/>
-        </p:nvSpPr>
-        <p:spPr>
-          <a:xfrm>
-            <a:off x="905692" y="233681"/>
-            <a:ext cx="2831224" cy="400110"/>
-          </a:xfrm>
-          <a:prstGeom prst="rect">
-            <a:avLst/>
-          </a:prstGeom>
-          <a:noFill/>
-        </p:spPr>
-        <p:txBody>
-          <a:bodyPr wrap="none" rtlCol="0">
-            <a:spAutoFit/>
-          </a:bodyPr>
-          <a:lstStyle/>
-          <a:p>
-            <a:r>
-              <a:rPr lang="en-US" altLang="ko-KR" sz="2000"/>
-              <a:t>5.3 </a:t>
-            </a:r>
-            <a:r>
-              <a:rPr lang="ko-KR" altLang="en-US" sz="2000"/>
-              <a:t>한걸음 더 나아가기</a:t>
-            </a:r>
-            <a:endParaRPr lang="ko-KR" altLang="en-US" sz="1200"/>
-          </a:p>
-        </p:txBody>
-      </p:sp>
-      <p:sp>
-        <p:nvSpPr>
-          <p:cNvPr id="2" name="TextBox 1">
-            <a:extLst>
-              <a:ext uri="{FF2B5EF4-FFF2-40B4-BE49-F238E27FC236}">
-                <a16:creationId xmlns:a16="http://schemas.microsoft.com/office/drawing/2014/main" id="{E9E0EA28-40C9-4C6E-BD9F-5E0E24D062BF}"/>
-              </a:ext>
-            </a:extLst>
-          </p:cNvPr>
-          <p:cNvSpPr txBox="1"/>
-          <p:nvPr/>
-        </p:nvSpPr>
-        <p:spPr>
-          <a:xfrm>
-            <a:off x="1803968" y="1281820"/>
-            <a:ext cx="3922869" cy="1477328"/>
-          </a:xfrm>
-          <a:prstGeom prst="rect">
-            <a:avLst/>
-          </a:prstGeom>
-        </p:spPr>
-        <p:style>
-          <a:lnRef idx="2">
-            <a:schemeClr val="accent1"/>
-          </a:lnRef>
-          <a:fillRef idx="1">
-            <a:schemeClr val="lt1"/>
-          </a:fillRef>
-          <a:effectRef idx="0">
-            <a:schemeClr val="accent1"/>
-          </a:effectRef>
-          <a:fontRef idx="minor">
-            <a:schemeClr val="dk1"/>
-          </a:fontRef>
-        </p:style>
-        <p:txBody>
-          <a:bodyPr wrap="none" rtlCol="0">
-            <a:spAutoFit/>
-          </a:bodyPr>
-          <a:lstStyle/>
-          <a:p>
-            <a:r>
-              <a:rPr lang="ko-KR" altLang="en-US"/>
-              <a:t>메서드 인라인화</a:t>
-            </a:r>
-            <a:br>
-              <a:rPr lang="en-US" altLang="ko-KR"/>
-            </a:br>
-            <a:endParaRPr lang="en-US" altLang="ko-KR"/>
-          </a:p>
-          <a:p>
-            <a:r>
-              <a:rPr lang="ko-KR" altLang="en-US"/>
-              <a:t>메서드 추출 </a:t>
-            </a:r>
-            <a:r>
-              <a:rPr lang="en-US" altLang="ko-KR"/>
-              <a:t>      </a:t>
-            </a:r>
-            <a:r>
-              <a:rPr lang="ko-KR" altLang="en-US"/>
-              <a:t>메서드 인라인화</a:t>
-            </a:r>
-            <a:endParaRPr lang="en-US" altLang="ko-KR"/>
-          </a:p>
-          <a:p>
-            <a:endParaRPr lang="en-US" altLang="ko-KR"/>
-          </a:p>
-          <a:p>
-            <a:r>
-              <a:rPr lang="ko-KR" altLang="en-US"/>
-              <a:t>너무 짧은 메서드는 메서드 인라인화</a:t>
-            </a:r>
-          </a:p>
-        </p:txBody>
-      </p:sp>
-      <p:cxnSp>
-        <p:nvCxnSpPr>
-          <p:cNvPr id="4" name="직선 화살표 연결선 3">
-            <a:extLst>
-              <a:ext uri="{FF2B5EF4-FFF2-40B4-BE49-F238E27FC236}">
-                <a16:creationId xmlns:a16="http://schemas.microsoft.com/office/drawing/2014/main" id="{C49945EE-56C2-41A7-8D9D-1FDFCC66636C}"/>
-              </a:ext>
-            </a:extLst>
-          </p:cNvPr>
-          <p:cNvCxnSpPr>
-            <a:cxnSpLocks/>
-          </p:cNvCxnSpPr>
-          <p:nvPr/>
-        </p:nvCxnSpPr>
-        <p:spPr>
-          <a:xfrm>
-            <a:off x="3103418" y="2022762"/>
-            <a:ext cx="461818" cy="0"/>
-          </a:xfrm>
-          <a:prstGeom prst="straightConnector1">
-            <a:avLst/>
-          </a:prstGeom>
-          <a:ln>
-            <a:headEnd type="triangle"/>
-            <a:tailEnd type="triangle"/>
-          </a:ln>
-        </p:spPr>
-        <p:style>
-          <a:lnRef idx="1">
-            <a:schemeClr val="accent1"/>
-          </a:lnRef>
-          <a:fillRef idx="0">
-            <a:schemeClr val="accent1"/>
-          </a:fillRef>
-          <a:effectRef idx="0">
-            <a:schemeClr val="accent1"/>
-          </a:effectRef>
-          <a:fontRef idx="minor">
-            <a:schemeClr val="tx1"/>
-          </a:fontRef>
-        </p:style>
-      </p:cxnSp>
-      <p:pic>
-        <p:nvPicPr>
-          <p:cNvPr id="9" name="그림 8" descr="텍스트이(가) 표시된 사진&#10;&#10;자동 생성된 설명">
-            <a:extLst>
-              <a:ext uri="{FF2B5EF4-FFF2-40B4-BE49-F238E27FC236}">
-                <a16:creationId xmlns:a16="http://schemas.microsoft.com/office/drawing/2014/main" id="{D4907519-BF00-426D-B7D1-6272E71E7E4A}"/>
-              </a:ext>
-            </a:extLst>
-          </p:cNvPr>
-          <p:cNvPicPr>
-            <a:picLocks noChangeAspect="1"/>
-          </p:cNvPicPr>
-          <p:nvPr/>
-        </p:nvPicPr>
-        <p:blipFill>
-          <a:blip r:embed="rId3">
-            <a:extLst>
-              <a:ext uri="{28A0092B-C50C-407E-A947-70E740481C1C}">
-                <a14:useLocalDpi xmlns:a14="http://schemas.microsoft.com/office/drawing/2010/main" val="0"/>
-              </a:ext>
-            </a:extLst>
-          </a:blip>
-          <a:stretch>
-            <a:fillRect/>
-          </a:stretch>
-        </p:blipFill>
-        <p:spPr>
-          <a:xfrm>
-            <a:off x="1803968" y="3305069"/>
-            <a:ext cx="2981741" cy="1467055"/>
-          </a:xfrm>
-          <a:prstGeom prst="rect">
-            <a:avLst/>
-          </a:prstGeom>
-        </p:spPr>
-      </p:pic>
-      <p:pic>
-        <p:nvPicPr>
-          <p:cNvPr id="15" name="그림 14" descr="텍스트, 장치, 어두운, 측정기이(가) 표시된 사진&#10;&#10;자동 생성된 설명">
-            <a:extLst>
-              <a:ext uri="{FF2B5EF4-FFF2-40B4-BE49-F238E27FC236}">
-                <a16:creationId xmlns:a16="http://schemas.microsoft.com/office/drawing/2014/main" id="{870AB033-5058-4194-BE8A-05B1B7416230}"/>
-              </a:ext>
-            </a:extLst>
-          </p:cNvPr>
-          <p:cNvPicPr>
-            <a:picLocks noChangeAspect="1"/>
-          </p:cNvPicPr>
-          <p:nvPr/>
-        </p:nvPicPr>
-        <p:blipFill>
-          <a:blip r:embed="rId4">
-            <a:extLst>
-              <a:ext uri="{28A0092B-C50C-407E-A947-70E740481C1C}">
-                <a14:useLocalDpi xmlns:a14="http://schemas.microsoft.com/office/drawing/2010/main" val="0"/>
-              </a:ext>
-            </a:extLst>
-          </a:blip>
-          <a:stretch>
-            <a:fillRect/>
-          </a:stretch>
-        </p:blipFill>
-        <p:spPr>
-          <a:xfrm>
-            <a:off x="6983309" y="3671832"/>
-            <a:ext cx="1476581" cy="733527"/>
-          </a:xfrm>
-          <a:prstGeom prst="rect">
-            <a:avLst/>
-          </a:prstGeom>
-        </p:spPr>
-      </p:pic>
-      <p:sp>
-        <p:nvSpPr>
-          <p:cNvPr id="16" name="화살표: 아래쪽 15">
-            <a:extLst>
-              <a:ext uri="{FF2B5EF4-FFF2-40B4-BE49-F238E27FC236}">
-                <a16:creationId xmlns:a16="http://schemas.microsoft.com/office/drawing/2014/main" id="{E58C32F9-23F7-468D-ACBE-7B5C4895D1C9}"/>
-              </a:ext>
-            </a:extLst>
-          </p:cNvPr>
-          <p:cNvSpPr/>
-          <p:nvPr/>
-        </p:nvSpPr>
-        <p:spPr>
-          <a:xfrm rot="16200000">
-            <a:off x="5678436" y="3551758"/>
-            <a:ext cx="341745" cy="973672"/>
-          </a:xfrm>
-          <a:prstGeom prst="downArrow">
-            <a:avLst/>
-          </a:prstGeom>
-        </p:spPr>
-        <p:style>
-          <a:lnRef idx="2">
-            <a:schemeClr val="accent1">
-              <a:shade val="50000"/>
-            </a:schemeClr>
-          </a:lnRef>
-          <a:fillRef idx="1">
-            <a:schemeClr val="accent1"/>
-          </a:fillRef>
-          <a:effectRef idx="0">
-            <a:schemeClr val="accent1"/>
-          </a:effectRef>
-          <a:fontRef idx="minor">
-            <a:schemeClr val="lt1"/>
-          </a:fontRef>
-        </p:style>
-        <p:txBody>
-          <a:bodyPr rtlCol="0" anchor="ctr"/>
-          <a:lstStyle/>
-          <a:p>
-            <a:pPr algn="ctr"/>
-            <a:endParaRPr lang="ko-KR" altLang="en-US"/>
-          </a:p>
-        </p:txBody>
-      </p:sp>
-      <p:sp>
-        <p:nvSpPr>
-          <p:cNvPr id="17" name="TextBox 16">
-            <a:extLst>
-              <a:ext uri="{FF2B5EF4-FFF2-40B4-BE49-F238E27FC236}">
-                <a16:creationId xmlns:a16="http://schemas.microsoft.com/office/drawing/2014/main" id="{0A2B5507-78C7-4806-A1B0-5E2E005E1FD7}"/>
-              </a:ext>
-            </a:extLst>
-          </p:cNvPr>
-          <p:cNvSpPr txBox="1"/>
-          <p:nvPr/>
-        </p:nvSpPr>
-        <p:spPr>
-          <a:xfrm>
-            <a:off x="1803968" y="5049489"/>
-            <a:ext cx="4615366" cy="369332"/>
-          </a:xfrm>
-          <a:prstGeom prst="rect">
-            <a:avLst/>
-          </a:prstGeom>
-        </p:spPr>
-        <p:style>
-          <a:lnRef idx="2">
-            <a:schemeClr val="accent1"/>
-          </a:lnRef>
-          <a:fillRef idx="1">
-            <a:schemeClr val="lt1"/>
-          </a:fillRef>
-          <a:effectRef idx="0">
-            <a:schemeClr val="accent1"/>
-          </a:effectRef>
-          <a:fontRef idx="minor">
-            <a:schemeClr val="dk1"/>
-          </a:fontRef>
-        </p:style>
-        <p:txBody>
-          <a:bodyPr wrap="none" rtlCol="0">
-            <a:spAutoFit/>
-          </a:bodyPr>
-          <a:lstStyle/>
-          <a:p>
-            <a:r>
-              <a:rPr lang="ko-KR" altLang="en-US"/>
-              <a:t>오버라이드된 메서드는 인라인화 하면 안됨</a:t>
-            </a:r>
-          </a:p>
-        </p:txBody>
-      </p:sp>
-      <p:sp>
-        <p:nvSpPr>
-          <p:cNvPr id="18" name="TextBox 17">
-            <a:extLst>
-              <a:ext uri="{FF2B5EF4-FFF2-40B4-BE49-F238E27FC236}">
-                <a16:creationId xmlns:a16="http://schemas.microsoft.com/office/drawing/2014/main" id="{2E1B4420-9050-42CF-BF4B-FD61D4B61A05}"/>
-              </a:ext>
-            </a:extLst>
-          </p:cNvPr>
-          <p:cNvSpPr txBox="1"/>
-          <p:nvPr/>
-        </p:nvSpPr>
-        <p:spPr>
-          <a:xfrm>
-            <a:off x="1803968" y="2933916"/>
-            <a:ext cx="508473" cy="369332"/>
-          </a:xfrm>
-          <a:prstGeom prst="rect">
-            <a:avLst/>
-          </a:prstGeom>
-          <a:noFill/>
-        </p:spPr>
-        <p:txBody>
-          <a:bodyPr wrap="none" rtlCol="0">
-            <a:spAutoFit/>
-          </a:bodyPr>
-          <a:lstStyle/>
-          <a:p>
-            <a:r>
-              <a:rPr lang="en-US" altLang="ko-KR"/>
-              <a:t>Ex.</a:t>
-            </a:r>
-            <a:endParaRPr lang="ko-KR" altLang="en-US"/>
-          </a:p>
-        </p:txBody>
-      </p:sp>
-      <p:pic>
-        <p:nvPicPr>
-          <p:cNvPr id="20" name="그림 19" descr="텍스트이(가) 표시된 사진&#10;&#10;자동 생성된 설명">
-            <a:extLst>
-              <a:ext uri="{FF2B5EF4-FFF2-40B4-BE49-F238E27FC236}">
-                <a16:creationId xmlns:a16="http://schemas.microsoft.com/office/drawing/2014/main" id="{B23AE7D1-6DA0-481A-B8FE-8A0CBB734480}"/>
-              </a:ext>
-            </a:extLst>
-          </p:cNvPr>
-          <p:cNvPicPr>
-            <a:picLocks noChangeAspect="1"/>
-          </p:cNvPicPr>
-          <p:nvPr/>
-        </p:nvPicPr>
-        <p:blipFill>
-          <a:blip r:embed="rId5">
-            <a:extLst>
-              <a:ext uri="{28A0092B-C50C-407E-A947-70E740481C1C}">
-                <a14:useLocalDpi xmlns:a14="http://schemas.microsoft.com/office/drawing/2010/main" val="0"/>
-              </a:ext>
-            </a:extLst>
-          </a:blip>
-          <a:stretch>
-            <a:fillRect/>
-          </a:stretch>
-        </p:blipFill>
-        <p:spPr>
-          <a:xfrm>
-            <a:off x="1803968" y="5715842"/>
-            <a:ext cx="1648055" cy="543001"/>
-          </a:xfrm>
-          <a:prstGeom prst="rect">
-            <a:avLst/>
-          </a:prstGeom>
-        </p:spPr>
-      </p:pic>
-      <p:sp>
-        <p:nvSpPr>
-          <p:cNvPr id="22" name="TextBox 21">
-            <a:extLst>
-              <a:ext uri="{FF2B5EF4-FFF2-40B4-BE49-F238E27FC236}">
-                <a16:creationId xmlns:a16="http://schemas.microsoft.com/office/drawing/2014/main" id="{9CD56CDC-7556-4532-A983-8C1A54B216B2}"/>
-              </a:ext>
-            </a:extLst>
-          </p:cNvPr>
-          <p:cNvSpPr txBox="1"/>
-          <p:nvPr/>
-        </p:nvSpPr>
-        <p:spPr>
-          <a:xfrm>
-            <a:off x="904683" y="579312"/>
-            <a:ext cx="1407758" cy="369332"/>
-          </a:xfrm>
-          <a:prstGeom prst="rect">
-            <a:avLst/>
-          </a:prstGeom>
-          <a:noFill/>
-        </p:spPr>
-        <p:txBody>
-          <a:bodyPr wrap="none" rtlCol="0">
-            <a:spAutoFit/>
-          </a:bodyPr>
-          <a:lstStyle/>
-          <a:p>
-            <a:r>
-              <a:rPr lang="ko-KR" altLang="en-US"/>
-              <a:t>역 리팩토링</a:t>
-            </a:r>
-          </a:p>
-        </p:txBody>
-      </p:sp>
-    </p:spTree>
-    <p:extLst>
-      <p:ext uri="{BB962C8B-B14F-4D97-AF65-F5344CB8AC3E}">
-        <p14:creationId xmlns:p14="http://schemas.microsoft.com/office/powerpoint/2010/main" val="3287989761"/>
-      </p:ext>
-    </p:extLst>
-  </p:cSld>
-  <p:clrMapOvr>
-    <a:masterClrMapping/>
-  </p:clrMapOvr>
-</p:sld>
-</file>
-
-<file path=ppt/slides/slide19.xml><?xml version="1.0" encoding="utf-8"?>
-<p:sld xmlns:a="http://schemas.openxmlformats.org/drawingml/2006/main" xmlns:r="http://schemas.openxmlformats.org/officeDocument/2006/relationships" xmlns:p="http://schemas.openxmlformats.org/presentationml/2006/main">
-  <p:cSld>
-    <p:spTree>
-      <p:nvGrpSpPr>
-        <p:cNvPr id="1" name=""/>
-        <p:cNvGrpSpPr/>
-        <p:nvPr/>
-      </p:nvGrpSpPr>
-      <p:grpSpPr>
-        <a:xfrm>
-          <a:off x="0" y="0"/>
-          <a:ext cx="0" cy="0"/>
-          <a:chOff x="0" y="0"/>
-          <a:chExt cx="0" cy="0"/>
-        </a:xfrm>
-      </p:grpSpPr>
-      <p:sp>
-        <p:nvSpPr>
-          <p:cNvPr id="11" name="TextBox 10">
-            <a:extLst>
-              <a:ext uri="{FF2B5EF4-FFF2-40B4-BE49-F238E27FC236}">
-                <a16:creationId xmlns:a16="http://schemas.microsoft.com/office/drawing/2014/main" id="{CB92E015-7590-460C-BD1B-F49E13BC66FC}"/>
-              </a:ext>
-            </a:extLst>
-          </p:cNvPr>
-          <p:cNvSpPr txBox="1"/>
-          <p:nvPr/>
-        </p:nvSpPr>
-        <p:spPr>
-          <a:xfrm>
-            <a:off x="905692" y="233681"/>
-            <a:ext cx="2831224" cy="400110"/>
-          </a:xfrm>
-          <a:prstGeom prst="rect">
-            <a:avLst/>
-          </a:prstGeom>
-          <a:noFill/>
-        </p:spPr>
-        <p:txBody>
-          <a:bodyPr wrap="none" rtlCol="0">
-            <a:spAutoFit/>
-          </a:bodyPr>
-          <a:lstStyle/>
-          <a:p>
-            <a:r>
-              <a:rPr lang="en-US" altLang="ko-KR" sz="2000"/>
-              <a:t>5.3 </a:t>
-            </a:r>
-            <a:r>
-              <a:rPr lang="ko-KR" altLang="en-US" sz="2000"/>
-              <a:t>한걸음 더 나아가기</a:t>
-            </a:r>
-            <a:endParaRPr lang="ko-KR" altLang="en-US" sz="1200"/>
-          </a:p>
-        </p:txBody>
-      </p:sp>
-      <p:sp>
-        <p:nvSpPr>
-          <p:cNvPr id="2" name="TextBox 1">
-            <a:extLst>
-              <a:ext uri="{FF2B5EF4-FFF2-40B4-BE49-F238E27FC236}">
-                <a16:creationId xmlns:a16="http://schemas.microsoft.com/office/drawing/2014/main" id="{E9E0EA28-40C9-4C6E-BD9F-5E0E24D062BF}"/>
-              </a:ext>
-            </a:extLst>
-          </p:cNvPr>
-          <p:cNvSpPr txBox="1"/>
-          <p:nvPr/>
-        </p:nvSpPr>
-        <p:spPr>
-          <a:xfrm>
-            <a:off x="1803968" y="1281820"/>
-            <a:ext cx="8422498" cy="646331"/>
-          </a:xfrm>
-          <a:prstGeom prst="rect">
-            <a:avLst/>
-          </a:prstGeom>
-        </p:spPr>
-        <p:style>
-          <a:lnRef idx="2">
-            <a:schemeClr val="accent1"/>
-          </a:lnRef>
-          <a:fillRef idx="1">
-            <a:schemeClr val="lt1"/>
-          </a:fillRef>
-          <a:effectRef idx="0">
-            <a:schemeClr val="accent1"/>
-          </a:effectRef>
-          <a:fontRef idx="minor">
-            <a:schemeClr val="dk1"/>
-          </a:fontRef>
-        </p:style>
-        <p:txBody>
-          <a:bodyPr wrap="none" rtlCol="0">
-            <a:spAutoFit/>
-          </a:bodyPr>
-          <a:lstStyle/>
-          <a:p>
-            <a:r>
-              <a:rPr lang="ko-KR" altLang="en-US"/>
-              <a:t>메서드 추출은 당연하다고 느낄지도 모르지만 </a:t>
-            </a:r>
-            <a:r>
-              <a:rPr lang="ko-KR" altLang="en-US">
-                <a:solidFill>
-                  <a:srgbClr val="FF0000"/>
-                </a:solidFill>
-              </a:rPr>
-              <a:t>가볍게 생각해서는 안됨</a:t>
-            </a:r>
-            <a:endParaRPr lang="en-US" altLang="ko-KR">
-              <a:solidFill>
-                <a:srgbClr val="FF0000"/>
-              </a:solidFill>
-            </a:endParaRPr>
-          </a:p>
-          <a:p>
-            <a:r>
-              <a:rPr lang="ko-KR" altLang="en-US">
-                <a:solidFill>
-                  <a:schemeClr val="tx1"/>
-                </a:solidFill>
-              </a:rPr>
-              <a:t>프로그램을 대충 수정하는게 아닌 </a:t>
-            </a:r>
-            <a:r>
-              <a:rPr lang="ko-KR" altLang="en-US">
-                <a:solidFill>
-                  <a:srgbClr val="FF0000"/>
-                </a:solidFill>
-              </a:rPr>
-              <a:t>메서드 추출</a:t>
-            </a:r>
-            <a:r>
-              <a:rPr lang="ko-KR" altLang="en-US">
-                <a:solidFill>
-                  <a:schemeClr val="tx1"/>
-                </a:solidFill>
-              </a:rPr>
-              <a:t>을 하고 있다고 의식하는게 중요</a:t>
-            </a:r>
-          </a:p>
-        </p:txBody>
-      </p:sp>
-      <p:sp>
-        <p:nvSpPr>
-          <p:cNvPr id="22" name="TextBox 21">
-            <a:extLst>
-              <a:ext uri="{FF2B5EF4-FFF2-40B4-BE49-F238E27FC236}">
-                <a16:creationId xmlns:a16="http://schemas.microsoft.com/office/drawing/2014/main" id="{9CD56CDC-7556-4532-A983-8C1A54B216B2}"/>
-              </a:ext>
-            </a:extLst>
-          </p:cNvPr>
-          <p:cNvSpPr txBox="1"/>
-          <p:nvPr/>
-        </p:nvSpPr>
-        <p:spPr>
-          <a:xfrm>
-            <a:off x="904683" y="579312"/>
-            <a:ext cx="2715808" cy="369332"/>
-          </a:xfrm>
-          <a:prstGeom prst="rect">
-            <a:avLst/>
-          </a:prstGeom>
-          <a:noFill/>
-        </p:spPr>
-        <p:txBody>
-          <a:bodyPr wrap="none" rtlCol="0">
-            <a:spAutoFit/>
-          </a:bodyPr>
-          <a:lstStyle/>
-          <a:p>
-            <a:r>
-              <a:rPr lang="ko-KR" altLang="en-US"/>
-              <a:t>메서드 추출은 당연한가</a:t>
-            </a:r>
-            <a:r>
-              <a:rPr lang="en-US" altLang="ko-KR"/>
-              <a:t>?</a:t>
-            </a:r>
-            <a:endParaRPr lang="ko-KR" altLang="en-US"/>
-          </a:p>
-        </p:txBody>
-      </p:sp>
-      <p:sp>
-        <p:nvSpPr>
-          <p:cNvPr id="12" name="TextBox 11">
-            <a:extLst>
-              <a:ext uri="{FF2B5EF4-FFF2-40B4-BE49-F238E27FC236}">
-                <a16:creationId xmlns:a16="http://schemas.microsoft.com/office/drawing/2014/main" id="{FD3F427A-F04D-4BBA-8C68-F5CE8D771D60}"/>
-              </a:ext>
-            </a:extLst>
-          </p:cNvPr>
-          <p:cNvSpPr txBox="1"/>
-          <p:nvPr/>
-        </p:nvSpPr>
-        <p:spPr>
-          <a:xfrm>
-            <a:off x="1803968" y="3105834"/>
-            <a:ext cx="9183924" cy="923330"/>
-          </a:xfrm>
-          <a:prstGeom prst="rect">
-            <a:avLst/>
-          </a:prstGeom>
-        </p:spPr>
-        <p:style>
-          <a:lnRef idx="2">
-            <a:schemeClr val="accent1"/>
-          </a:lnRef>
-          <a:fillRef idx="1">
-            <a:schemeClr val="lt1"/>
-          </a:fillRef>
-          <a:effectRef idx="0">
-            <a:schemeClr val="accent1"/>
-          </a:effectRef>
-          <a:fontRef idx="minor">
-            <a:schemeClr val="dk1"/>
-          </a:fontRef>
-        </p:style>
-        <p:txBody>
-          <a:bodyPr wrap="none" rtlCol="0">
-            <a:spAutoFit/>
-          </a:bodyPr>
-          <a:lstStyle/>
-          <a:p>
-            <a:r>
-              <a:rPr lang="ko-KR" altLang="en-US"/>
-              <a:t>여러 번 수정을 걸치며 길어지기 마련</a:t>
-            </a:r>
-            <a:endParaRPr lang="en-US" altLang="ko-KR"/>
-          </a:p>
-          <a:p>
-            <a:r>
-              <a:rPr lang="ko-KR" altLang="en-US">
-                <a:solidFill>
-                  <a:schemeClr val="tx1"/>
-                </a:solidFill>
-              </a:rPr>
-              <a:t>방치하면 더욱 길어지는 경향이 있으므로 </a:t>
-            </a:r>
-            <a:r>
-              <a:rPr lang="ko-KR" altLang="en-US">
-                <a:solidFill>
-                  <a:srgbClr val="FF0000"/>
-                </a:solidFill>
-              </a:rPr>
-              <a:t>메서드 추출</a:t>
-            </a:r>
-            <a:r>
-              <a:rPr lang="ko-KR" altLang="en-US">
-                <a:solidFill>
-                  <a:schemeClr val="tx1"/>
-                </a:solidFill>
-              </a:rPr>
-              <a:t>을 통해 메서드를 여래개로 잘라낼</a:t>
-            </a:r>
-            <a:endParaRPr lang="en-US" altLang="ko-KR">
-              <a:solidFill>
-                <a:schemeClr val="tx1"/>
-              </a:solidFill>
-            </a:endParaRPr>
-          </a:p>
-          <a:p>
-            <a:r>
-              <a:rPr lang="ko-KR" altLang="en-US">
-                <a:solidFill>
-                  <a:schemeClr val="tx1"/>
-                </a:solidFill>
-              </a:rPr>
-              <a:t>필요가 있음</a:t>
-            </a:r>
-          </a:p>
-        </p:txBody>
-      </p:sp>
-      <p:sp>
-        <p:nvSpPr>
-          <p:cNvPr id="13" name="TextBox 12">
-            <a:extLst>
-              <a:ext uri="{FF2B5EF4-FFF2-40B4-BE49-F238E27FC236}">
-                <a16:creationId xmlns:a16="http://schemas.microsoft.com/office/drawing/2014/main" id="{C8A62178-BC12-490F-A54E-EAB03EFD2CF9}"/>
-              </a:ext>
-            </a:extLst>
-          </p:cNvPr>
-          <p:cNvSpPr txBox="1"/>
-          <p:nvPr/>
-        </p:nvSpPr>
-        <p:spPr>
-          <a:xfrm>
-            <a:off x="904683" y="2403326"/>
-            <a:ext cx="2630848" cy="369332"/>
-          </a:xfrm>
-          <a:prstGeom prst="rect">
-            <a:avLst/>
-          </a:prstGeom>
-          <a:noFill/>
-        </p:spPr>
-        <p:txBody>
-          <a:bodyPr wrap="none" rtlCol="0">
-            <a:spAutoFit/>
-          </a:bodyPr>
-          <a:lstStyle/>
-          <a:p>
-            <a:r>
-              <a:rPr lang="ko-KR" altLang="en-US"/>
-              <a:t>메서드가 길어지는 경우</a:t>
-            </a:r>
-          </a:p>
-        </p:txBody>
-      </p:sp>
-    </p:spTree>
-    <p:extLst>
-      <p:ext uri="{BB962C8B-B14F-4D97-AF65-F5344CB8AC3E}">
-        <p14:creationId xmlns:p14="http://schemas.microsoft.com/office/powerpoint/2010/main" val="860385848"/>
-      </p:ext>
-    </p:extLst>
-  </p:cSld>
-  <p:clrMapOvr>
-    <a:masterClrMapping/>
-  </p:clrMapOvr>
-</p:sld>
-</file>
-
-<file path=ppt/slides/slide2.xml><?xml version="1.0" encoding="utf-8"?>
-<p:sld xmlns:a="http://schemas.openxmlformats.org/drawingml/2006/main" xmlns:r="http://schemas.openxmlformats.org/officeDocument/2006/relationships" xmlns:p="http://schemas.openxmlformats.org/presentationml/2006/main" show="0">
   <p:cSld>
     <p:spTree>
       <p:nvGrpSpPr>
@@ -10774,10 +11635,10 @@
           <a:lstStyle/>
           <a:p>
             <a:r>
-              <a:rPr lang="en-US" altLang="ko-KR" sz="6000" b="1"/>
+              <a:rPr lang="en-US" altLang="ko-KR" sz="6000" b="1" dirty="0"/>
               <a:t>?</a:t>
             </a:r>
-            <a:endParaRPr lang="ko-KR" altLang="en-US" sz="6000" b="1"/>
+            <a:endParaRPr lang="ko-KR" altLang="en-US" sz="6000" b="1" dirty="0"/>
           </a:p>
         </p:txBody>
       </p:sp>
@@ -10878,6 +11739,789 @@
 </file>
 
 <file path=ppt/slides/slide20.xml><?xml version="1.0" encoding="utf-8"?>
+<p:sld xmlns:a="http://schemas.openxmlformats.org/drawingml/2006/main" xmlns:r="http://schemas.openxmlformats.org/officeDocument/2006/relationships" xmlns:p="http://schemas.openxmlformats.org/presentationml/2006/main">
+  <p:cSld>
+    <p:spTree>
+      <p:nvGrpSpPr>
+        <p:cNvPr id="1" name=""/>
+        <p:cNvGrpSpPr/>
+        <p:nvPr/>
+      </p:nvGrpSpPr>
+      <p:grpSpPr>
+        <a:xfrm>
+          <a:off x="0" y="0"/>
+          <a:ext cx="0" cy="0"/>
+          <a:chOff x="0" y="0"/>
+          <a:chExt cx="0" cy="0"/>
+        </a:xfrm>
+      </p:grpSpPr>
+      <p:sp>
+        <p:nvSpPr>
+          <p:cNvPr id="11" name="TextBox 10">
+            <a:extLst>
+              <a:ext uri="{FF2B5EF4-FFF2-40B4-BE49-F238E27FC236}">
+                <a16:creationId xmlns:a16="http://schemas.microsoft.com/office/drawing/2014/main" id="{CB92E015-7590-460C-BD1B-F49E13BC66FC}"/>
+              </a:ext>
+            </a:extLst>
+          </p:cNvPr>
+          <p:cNvSpPr txBox="1"/>
+          <p:nvPr/>
+        </p:nvSpPr>
+        <p:spPr>
+          <a:xfrm>
+            <a:off x="905692" y="233681"/>
+            <a:ext cx="2831224" cy="400110"/>
+          </a:xfrm>
+          <a:prstGeom prst="rect">
+            <a:avLst/>
+          </a:prstGeom>
+          <a:noFill/>
+        </p:spPr>
+        <p:txBody>
+          <a:bodyPr wrap="none" rtlCol="0">
+            <a:spAutoFit/>
+          </a:bodyPr>
+          <a:lstStyle/>
+          <a:p>
+            <a:r>
+              <a:rPr lang="en-US" altLang="ko-KR" sz="2000"/>
+              <a:t>5.3 </a:t>
+            </a:r>
+            <a:r>
+              <a:rPr lang="ko-KR" altLang="en-US" sz="2000"/>
+              <a:t>한걸음 더 나아가기</a:t>
+            </a:r>
+            <a:endParaRPr lang="ko-KR" altLang="en-US" sz="1200"/>
+          </a:p>
+        </p:txBody>
+      </p:sp>
+      <p:sp>
+        <p:nvSpPr>
+          <p:cNvPr id="2" name="TextBox 1">
+            <a:extLst>
+              <a:ext uri="{FF2B5EF4-FFF2-40B4-BE49-F238E27FC236}">
+                <a16:creationId xmlns:a16="http://schemas.microsoft.com/office/drawing/2014/main" id="{E9E0EA28-40C9-4C6E-BD9F-5E0E24D062BF}"/>
+              </a:ext>
+            </a:extLst>
+          </p:cNvPr>
+          <p:cNvSpPr txBox="1"/>
+          <p:nvPr/>
+        </p:nvSpPr>
+        <p:spPr>
+          <a:xfrm>
+            <a:off x="1803968" y="1281820"/>
+            <a:ext cx="3922869" cy="1477328"/>
+          </a:xfrm>
+          <a:prstGeom prst="rect">
+            <a:avLst/>
+          </a:prstGeom>
+        </p:spPr>
+        <p:style>
+          <a:lnRef idx="2">
+            <a:schemeClr val="accent1"/>
+          </a:lnRef>
+          <a:fillRef idx="1">
+            <a:schemeClr val="lt1"/>
+          </a:fillRef>
+          <a:effectRef idx="0">
+            <a:schemeClr val="accent1"/>
+          </a:effectRef>
+          <a:fontRef idx="minor">
+            <a:schemeClr val="dk1"/>
+          </a:fontRef>
+        </p:style>
+        <p:txBody>
+          <a:bodyPr wrap="none" rtlCol="0">
+            <a:spAutoFit/>
+          </a:bodyPr>
+          <a:lstStyle/>
+          <a:p>
+            <a:r>
+              <a:rPr lang="ko-KR" altLang="en-US"/>
+              <a:t>메서드 인라인화</a:t>
+            </a:r>
+            <a:br>
+              <a:rPr lang="en-US" altLang="ko-KR"/>
+            </a:br>
+            <a:endParaRPr lang="en-US" altLang="ko-KR"/>
+          </a:p>
+          <a:p>
+            <a:r>
+              <a:rPr lang="ko-KR" altLang="en-US"/>
+              <a:t>메서드 추출 </a:t>
+            </a:r>
+            <a:r>
+              <a:rPr lang="en-US" altLang="ko-KR"/>
+              <a:t>      </a:t>
+            </a:r>
+            <a:r>
+              <a:rPr lang="ko-KR" altLang="en-US"/>
+              <a:t>메서드 인라인화</a:t>
+            </a:r>
+            <a:endParaRPr lang="en-US" altLang="ko-KR"/>
+          </a:p>
+          <a:p>
+            <a:endParaRPr lang="en-US" altLang="ko-KR"/>
+          </a:p>
+          <a:p>
+            <a:r>
+              <a:rPr lang="ko-KR" altLang="en-US"/>
+              <a:t>너무 짧은 메서드는 메서드 인라인화</a:t>
+            </a:r>
+          </a:p>
+        </p:txBody>
+      </p:sp>
+      <p:cxnSp>
+        <p:nvCxnSpPr>
+          <p:cNvPr id="4" name="직선 화살표 연결선 3">
+            <a:extLst>
+              <a:ext uri="{FF2B5EF4-FFF2-40B4-BE49-F238E27FC236}">
+                <a16:creationId xmlns:a16="http://schemas.microsoft.com/office/drawing/2014/main" id="{C49945EE-56C2-41A7-8D9D-1FDFCC66636C}"/>
+              </a:ext>
+            </a:extLst>
+          </p:cNvPr>
+          <p:cNvCxnSpPr>
+            <a:cxnSpLocks/>
+          </p:cNvCxnSpPr>
+          <p:nvPr/>
+        </p:nvCxnSpPr>
+        <p:spPr>
+          <a:xfrm>
+            <a:off x="3103418" y="2022762"/>
+            <a:ext cx="461818" cy="0"/>
+          </a:xfrm>
+          <a:prstGeom prst="straightConnector1">
+            <a:avLst/>
+          </a:prstGeom>
+          <a:ln>
+            <a:headEnd type="triangle"/>
+            <a:tailEnd type="triangle"/>
+          </a:ln>
+        </p:spPr>
+        <p:style>
+          <a:lnRef idx="1">
+            <a:schemeClr val="accent1"/>
+          </a:lnRef>
+          <a:fillRef idx="0">
+            <a:schemeClr val="accent1"/>
+          </a:fillRef>
+          <a:effectRef idx="0">
+            <a:schemeClr val="accent1"/>
+          </a:effectRef>
+          <a:fontRef idx="minor">
+            <a:schemeClr val="tx1"/>
+          </a:fontRef>
+        </p:style>
+      </p:cxnSp>
+      <p:pic>
+        <p:nvPicPr>
+          <p:cNvPr id="9" name="그림 8" descr="텍스트이(가) 표시된 사진&#10;&#10;자동 생성된 설명">
+            <a:extLst>
+              <a:ext uri="{FF2B5EF4-FFF2-40B4-BE49-F238E27FC236}">
+                <a16:creationId xmlns:a16="http://schemas.microsoft.com/office/drawing/2014/main" id="{D4907519-BF00-426D-B7D1-6272E71E7E4A}"/>
+              </a:ext>
+            </a:extLst>
+          </p:cNvPr>
+          <p:cNvPicPr>
+            <a:picLocks noChangeAspect="1"/>
+          </p:cNvPicPr>
+          <p:nvPr/>
+        </p:nvPicPr>
+        <p:blipFill>
+          <a:blip r:embed="rId3">
+            <a:extLst>
+              <a:ext uri="{28A0092B-C50C-407E-A947-70E740481C1C}">
+                <a14:useLocalDpi xmlns:a14="http://schemas.microsoft.com/office/drawing/2010/main" val="0"/>
+              </a:ext>
+            </a:extLst>
+          </a:blip>
+          <a:stretch>
+            <a:fillRect/>
+          </a:stretch>
+        </p:blipFill>
+        <p:spPr>
+          <a:xfrm>
+            <a:off x="1803968" y="3305069"/>
+            <a:ext cx="2981741" cy="1467055"/>
+          </a:xfrm>
+          <a:prstGeom prst="rect">
+            <a:avLst/>
+          </a:prstGeom>
+        </p:spPr>
+      </p:pic>
+      <p:pic>
+        <p:nvPicPr>
+          <p:cNvPr id="15" name="그림 14" descr="텍스트, 장치, 어두운, 측정기이(가) 표시된 사진&#10;&#10;자동 생성된 설명">
+            <a:extLst>
+              <a:ext uri="{FF2B5EF4-FFF2-40B4-BE49-F238E27FC236}">
+                <a16:creationId xmlns:a16="http://schemas.microsoft.com/office/drawing/2014/main" id="{870AB033-5058-4194-BE8A-05B1B7416230}"/>
+              </a:ext>
+            </a:extLst>
+          </p:cNvPr>
+          <p:cNvPicPr>
+            <a:picLocks noChangeAspect="1"/>
+          </p:cNvPicPr>
+          <p:nvPr/>
+        </p:nvPicPr>
+        <p:blipFill>
+          <a:blip r:embed="rId4">
+            <a:extLst>
+              <a:ext uri="{28A0092B-C50C-407E-A947-70E740481C1C}">
+                <a14:useLocalDpi xmlns:a14="http://schemas.microsoft.com/office/drawing/2010/main" val="0"/>
+              </a:ext>
+            </a:extLst>
+          </a:blip>
+          <a:stretch>
+            <a:fillRect/>
+          </a:stretch>
+        </p:blipFill>
+        <p:spPr>
+          <a:xfrm>
+            <a:off x="6983309" y="3671832"/>
+            <a:ext cx="1476581" cy="733527"/>
+          </a:xfrm>
+          <a:prstGeom prst="rect">
+            <a:avLst/>
+          </a:prstGeom>
+        </p:spPr>
+      </p:pic>
+      <p:sp>
+        <p:nvSpPr>
+          <p:cNvPr id="16" name="화살표: 아래쪽 15">
+            <a:extLst>
+              <a:ext uri="{FF2B5EF4-FFF2-40B4-BE49-F238E27FC236}">
+                <a16:creationId xmlns:a16="http://schemas.microsoft.com/office/drawing/2014/main" id="{E58C32F9-23F7-468D-ACBE-7B5C4895D1C9}"/>
+              </a:ext>
+            </a:extLst>
+          </p:cNvPr>
+          <p:cNvSpPr/>
+          <p:nvPr/>
+        </p:nvSpPr>
+        <p:spPr>
+          <a:xfrm rot="16200000">
+            <a:off x="5678436" y="3551758"/>
+            <a:ext cx="341745" cy="973672"/>
+          </a:xfrm>
+          <a:prstGeom prst="downArrow">
+            <a:avLst/>
+          </a:prstGeom>
+        </p:spPr>
+        <p:style>
+          <a:lnRef idx="2">
+            <a:schemeClr val="accent1">
+              <a:shade val="50000"/>
+            </a:schemeClr>
+          </a:lnRef>
+          <a:fillRef idx="1">
+            <a:schemeClr val="accent1"/>
+          </a:fillRef>
+          <a:effectRef idx="0">
+            <a:schemeClr val="accent1"/>
+          </a:effectRef>
+          <a:fontRef idx="minor">
+            <a:schemeClr val="lt1"/>
+          </a:fontRef>
+        </p:style>
+        <p:txBody>
+          <a:bodyPr rtlCol="0" anchor="ctr"/>
+          <a:lstStyle/>
+          <a:p>
+            <a:pPr algn="ctr"/>
+            <a:endParaRPr lang="ko-KR" altLang="en-US"/>
+          </a:p>
+        </p:txBody>
+      </p:sp>
+      <p:sp>
+        <p:nvSpPr>
+          <p:cNvPr id="17" name="TextBox 16">
+            <a:extLst>
+              <a:ext uri="{FF2B5EF4-FFF2-40B4-BE49-F238E27FC236}">
+                <a16:creationId xmlns:a16="http://schemas.microsoft.com/office/drawing/2014/main" id="{0A2B5507-78C7-4806-A1B0-5E2E005E1FD7}"/>
+              </a:ext>
+            </a:extLst>
+          </p:cNvPr>
+          <p:cNvSpPr txBox="1"/>
+          <p:nvPr/>
+        </p:nvSpPr>
+        <p:spPr>
+          <a:xfrm>
+            <a:off x="1803968" y="5049489"/>
+            <a:ext cx="4615366" cy="369332"/>
+          </a:xfrm>
+          <a:prstGeom prst="rect">
+            <a:avLst/>
+          </a:prstGeom>
+        </p:spPr>
+        <p:style>
+          <a:lnRef idx="2">
+            <a:schemeClr val="accent1"/>
+          </a:lnRef>
+          <a:fillRef idx="1">
+            <a:schemeClr val="lt1"/>
+          </a:fillRef>
+          <a:effectRef idx="0">
+            <a:schemeClr val="accent1"/>
+          </a:effectRef>
+          <a:fontRef idx="minor">
+            <a:schemeClr val="dk1"/>
+          </a:fontRef>
+        </p:style>
+        <p:txBody>
+          <a:bodyPr wrap="none" rtlCol="0">
+            <a:spAutoFit/>
+          </a:bodyPr>
+          <a:lstStyle/>
+          <a:p>
+            <a:r>
+              <a:rPr lang="ko-KR" altLang="en-US"/>
+              <a:t>오버라이드된 메서드는 인라인화 하면 안됨</a:t>
+            </a:r>
+          </a:p>
+        </p:txBody>
+      </p:sp>
+      <p:sp>
+        <p:nvSpPr>
+          <p:cNvPr id="18" name="TextBox 17">
+            <a:extLst>
+              <a:ext uri="{FF2B5EF4-FFF2-40B4-BE49-F238E27FC236}">
+                <a16:creationId xmlns:a16="http://schemas.microsoft.com/office/drawing/2014/main" id="{2E1B4420-9050-42CF-BF4B-FD61D4B61A05}"/>
+              </a:ext>
+            </a:extLst>
+          </p:cNvPr>
+          <p:cNvSpPr txBox="1"/>
+          <p:nvPr/>
+        </p:nvSpPr>
+        <p:spPr>
+          <a:xfrm>
+            <a:off x="1803968" y="2933916"/>
+            <a:ext cx="508473" cy="369332"/>
+          </a:xfrm>
+          <a:prstGeom prst="rect">
+            <a:avLst/>
+          </a:prstGeom>
+          <a:noFill/>
+        </p:spPr>
+        <p:txBody>
+          <a:bodyPr wrap="none" rtlCol="0">
+            <a:spAutoFit/>
+          </a:bodyPr>
+          <a:lstStyle/>
+          <a:p>
+            <a:r>
+              <a:rPr lang="en-US" altLang="ko-KR"/>
+              <a:t>Ex.</a:t>
+            </a:r>
+            <a:endParaRPr lang="ko-KR" altLang="en-US"/>
+          </a:p>
+        </p:txBody>
+      </p:sp>
+      <p:pic>
+        <p:nvPicPr>
+          <p:cNvPr id="20" name="그림 19" descr="텍스트이(가) 표시된 사진&#10;&#10;자동 생성된 설명">
+            <a:extLst>
+              <a:ext uri="{FF2B5EF4-FFF2-40B4-BE49-F238E27FC236}">
+                <a16:creationId xmlns:a16="http://schemas.microsoft.com/office/drawing/2014/main" id="{B23AE7D1-6DA0-481A-B8FE-8A0CBB734480}"/>
+              </a:ext>
+            </a:extLst>
+          </p:cNvPr>
+          <p:cNvPicPr>
+            <a:picLocks noChangeAspect="1"/>
+          </p:cNvPicPr>
+          <p:nvPr/>
+        </p:nvPicPr>
+        <p:blipFill>
+          <a:blip r:embed="rId5">
+            <a:extLst>
+              <a:ext uri="{28A0092B-C50C-407E-A947-70E740481C1C}">
+                <a14:useLocalDpi xmlns:a14="http://schemas.microsoft.com/office/drawing/2010/main" val="0"/>
+              </a:ext>
+            </a:extLst>
+          </a:blip>
+          <a:stretch>
+            <a:fillRect/>
+          </a:stretch>
+        </p:blipFill>
+        <p:spPr>
+          <a:xfrm>
+            <a:off x="1803968" y="5715842"/>
+            <a:ext cx="1648055" cy="543001"/>
+          </a:xfrm>
+          <a:prstGeom prst="rect">
+            <a:avLst/>
+          </a:prstGeom>
+        </p:spPr>
+      </p:pic>
+      <p:sp>
+        <p:nvSpPr>
+          <p:cNvPr id="22" name="TextBox 21">
+            <a:extLst>
+              <a:ext uri="{FF2B5EF4-FFF2-40B4-BE49-F238E27FC236}">
+                <a16:creationId xmlns:a16="http://schemas.microsoft.com/office/drawing/2014/main" id="{9CD56CDC-7556-4532-A983-8C1A54B216B2}"/>
+              </a:ext>
+            </a:extLst>
+          </p:cNvPr>
+          <p:cNvSpPr txBox="1"/>
+          <p:nvPr/>
+        </p:nvSpPr>
+        <p:spPr>
+          <a:xfrm>
+            <a:off x="904683" y="579312"/>
+            <a:ext cx="1407758" cy="369332"/>
+          </a:xfrm>
+          <a:prstGeom prst="rect">
+            <a:avLst/>
+          </a:prstGeom>
+          <a:noFill/>
+        </p:spPr>
+        <p:txBody>
+          <a:bodyPr wrap="none" rtlCol="0">
+            <a:spAutoFit/>
+          </a:bodyPr>
+          <a:lstStyle/>
+          <a:p>
+            <a:r>
+              <a:rPr lang="ko-KR" altLang="en-US"/>
+              <a:t>역 리팩토링</a:t>
+            </a:r>
+          </a:p>
+        </p:txBody>
+      </p:sp>
+    </p:spTree>
+    <p:extLst>
+      <p:ext uri="{BB962C8B-B14F-4D97-AF65-F5344CB8AC3E}">
+        <p14:creationId xmlns:p14="http://schemas.microsoft.com/office/powerpoint/2010/main" val="3287989761"/>
+      </p:ext>
+    </p:extLst>
+  </p:cSld>
+  <p:clrMapOvr>
+    <a:masterClrMapping/>
+  </p:clrMapOvr>
+</p:sld>
+</file>
+
+<file path=ppt/slides/slide21.xml><?xml version="1.0" encoding="utf-8"?>
+<p:sld xmlns:a="http://schemas.openxmlformats.org/drawingml/2006/main" xmlns:r="http://schemas.openxmlformats.org/officeDocument/2006/relationships" xmlns:p="http://schemas.openxmlformats.org/presentationml/2006/main">
+  <p:cSld>
+    <p:spTree>
+      <p:nvGrpSpPr>
+        <p:cNvPr id="1" name=""/>
+        <p:cNvGrpSpPr/>
+        <p:nvPr/>
+      </p:nvGrpSpPr>
+      <p:grpSpPr>
+        <a:xfrm>
+          <a:off x="0" y="0"/>
+          <a:ext cx="0" cy="0"/>
+          <a:chOff x="0" y="0"/>
+          <a:chExt cx="0" cy="0"/>
+        </a:xfrm>
+      </p:grpSpPr>
+      <p:sp>
+        <p:nvSpPr>
+          <p:cNvPr id="11" name="TextBox 10">
+            <a:extLst>
+              <a:ext uri="{FF2B5EF4-FFF2-40B4-BE49-F238E27FC236}">
+                <a16:creationId xmlns:a16="http://schemas.microsoft.com/office/drawing/2014/main" id="{CB92E015-7590-460C-BD1B-F49E13BC66FC}"/>
+              </a:ext>
+            </a:extLst>
+          </p:cNvPr>
+          <p:cNvSpPr txBox="1"/>
+          <p:nvPr/>
+        </p:nvSpPr>
+        <p:spPr>
+          <a:xfrm>
+            <a:off x="905692" y="233681"/>
+            <a:ext cx="2831224" cy="400110"/>
+          </a:xfrm>
+          <a:prstGeom prst="rect">
+            <a:avLst/>
+          </a:prstGeom>
+          <a:noFill/>
+        </p:spPr>
+        <p:txBody>
+          <a:bodyPr wrap="none" rtlCol="0">
+            <a:spAutoFit/>
+          </a:bodyPr>
+          <a:lstStyle/>
+          <a:p>
+            <a:r>
+              <a:rPr lang="en-US" altLang="ko-KR" sz="2000"/>
+              <a:t>5.3 </a:t>
+            </a:r>
+            <a:r>
+              <a:rPr lang="ko-KR" altLang="en-US" sz="2000"/>
+              <a:t>한걸음 더 나아가기</a:t>
+            </a:r>
+            <a:endParaRPr lang="ko-KR" altLang="en-US" sz="1200"/>
+          </a:p>
+        </p:txBody>
+      </p:sp>
+      <p:sp>
+        <p:nvSpPr>
+          <p:cNvPr id="2" name="TextBox 1">
+            <a:extLst>
+              <a:ext uri="{FF2B5EF4-FFF2-40B4-BE49-F238E27FC236}">
+                <a16:creationId xmlns:a16="http://schemas.microsoft.com/office/drawing/2014/main" id="{E9E0EA28-40C9-4C6E-BD9F-5E0E24D062BF}"/>
+              </a:ext>
+            </a:extLst>
+          </p:cNvPr>
+          <p:cNvSpPr txBox="1"/>
+          <p:nvPr/>
+        </p:nvSpPr>
+        <p:spPr>
+          <a:xfrm>
+            <a:off x="1803968" y="1281820"/>
+            <a:ext cx="8422498" cy="646331"/>
+          </a:xfrm>
+          <a:prstGeom prst="rect">
+            <a:avLst/>
+          </a:prstGeom>
+        </p:spPr>
+        <p:style>
+          <a:lnRef idx="2">
+            <a:schemeClr val="accent1"/>
+          </a:lnRef>
+          <a:fillRef idx="1">
+            <a:schemeClr val="lt1"/>
+          </a:fillRef>
+          <a:effectRef idx="0">
+            <a:schemeClr val="accent1"/>
+          </a:effectRef>
+          <a:fontRef idx="minor">
+            <a:schemeClr val="dk1"/>
+          </a:fontRef>
+        </p:style>
+        <p:txBody>
+          <a:bodyPr wrap="none" rtlCol="0">
+            <a:spAutoFit/>
+          </a:bodyPr>
+          <a:lstStyle/>
+          <a:p>
+            <a:r>
+              <a:rPr lang="ko-KR" altLang="en-US"/>
+              <a:t>메서드 추출은 당연하다고 느낄지도 모르지만 </a:t>
+            </a:r>
+            <a:r>
+              <a:rPr lang="ko-KR" altLang="en-US">
+                <a:solidFill>
+                  <a:srgbClr val="FF0000"/>
+                </a:solidFill>
+              </a:rPr>
+              <a:t>가볍게 생각해서는 안됨</a:t>
+            </a:r>
+            <a:endParaRPr lang="en-US" altLang="ko-KR">
+              <a:solidFill>
+                <a:srgbClr val="FF0000"/>
+              </a:solidFill>
+            </a:endParaRPr>
+          </a:p>
+          <a:p>
+            <a:r>
+              <a:rPr lang="ko-KR" altLang="en-US">
+                <a:solidFill>
+                  <a:schemeClr val="tx1"/>
+                </a:solidFill>
+              </a:rPr>
+              <a:t>프로그램을 대충 수정하는게 아닌 </a:t>
+            </a:r>
+            <a:r>
+              <a:rPr lang="ko-KR" altLang="en-US">
+                <a:solidFill>
+                  <a:srgbClr val="FF0000"/>
+                </a:solidFill>
+              </a:rPr>
+              <a:t>메서드 추출</a:t>
+            </a:r>
+            <a:r>
+              <a:rPr lang="ko-KR" altLang="en-US">
+                <a:solidFill>
+                  <a:schemeClr val="tx1"/>
+                </a:solidFill>
+              </a:rPr>
+              <a:t>을 하고 있다고 의식하는게 중요</a:t>
+            </a:r>
+          </a:p>
+        </p:txBody>
+      </p:sp>
+      <p:sp>
+        <p:nvSpPr>
+          <p:cNvPr id="22" name="TextBox 21">
+            <a:extLst>
+              <a:ext uri="{FF2B5EF4-FFF2-40B4-BE49-F238E27FC236}">
+                <a16:creationId xmlns:a16="http://schemas.microsoft.com/office/drawing/2014/main" id="{9CD56CDC-7556-4532-A983-8C1A54B216B2}"/>
+              </a:ext>
+            </a:extLst>
+          </p:cNvPr>
+          <p:cNvSpPr txBox="1"/>
+          <p:nvPr/>
+        </p:nvSpPr>
+        <p:spPr>
+          <a:xfrm>
+            <a:off x="904683" y="579312"/>
+            <a:ext cx="2715808" cy="369332"/>
+          </a:xfrm>
+          <a:prstGeom prst="rect">
+            <a:avLst/>
+          </a:prstGeom>
+          <a:noFill/>
+        </p:spPr>
+        <p:txBody>
+          <a:bodyPr wrap="none" rtlCol="0">
+            <a:spAutoFit/>
+          </a:bodyPr>
+          <a:lstStyle/>
+          <a:p>
+            <a:r>
+              <a:rPr lang="ko-KR" altLang="en-US"/>
+              <a:t>메서드 추출은 당연한가</a:t>
+            </a:r>
+            <a:r>
+              <a:rPr lang="en-US" altLang="ko-KR"/>
+              <a:t>?</a:t>
+            </a:r>
+            <a:endParaRPr lang="ko-KR" altLang="en-US"/>
+          </a:p>
+        </p:txBody>
+      </p:sp>
+      <p:sp>
+        <p:nvSpPr>
+          <p:cNvPr id="12" name="TextBox 11">
+            <a:extLst>
+              <a:ext uri="{FF2B5EF4-FFF2-40B4-BE49-F238E27FC236}">
+                <a16:creationId xmlns:a16="http://schemas.microsoft.com/office/drawing/2014/main" id="{FD3F427A-F04D-4BBA-8C68-F5CE8D771D60}"/>
+              </a:ext>
+            </a:extLst>
+          </p:cNvPr>
+          <p:cNvSpPr txBox="1"/>
+          <p:nvPr/>
+        </p:nvSpPr>
+        <p:spPr>
+          <a:xfrm>
+            <a:off x="1803968" y="3105834"/>
+            <a:ext cx="9183924" cy="923330"/>
+          </a:xfrm>
+          <a:prstGeom prst="rect">
+            <a:avLst/>
+          </a:prstGeom>
+        </p:spPr>
+        <p:style>
+          <a:lnRef idx="2">
+            <a:schemeClr val="accent1"/>
+          </a:lnRef>
+          <a:fillRef idx="1">
+            <a:schemeClr val="lt1"/>
+          </a:fillRef>
+          <a:effectRef idx="0">
+            <a:schemeClr val="accent1"/>
+          </a:effectRef>
+          <a:fontRef idx="minor">
+            <a:schemeClr val="dk1"/>
+          </a:fontRef>
+        </p:style>
+        <p:txBody>
+          <a:bodyPr wrap="none" rtlCol="0">
+            <a:spAutoFit/>
+          </a:bodyPr>
+          <a:lstStyle/>
+          <a:p>
+            <a:r>
+              <a:rPr lang="ko-KR" altLang="en-US"/>
+              <a:t>여러 번 수정을 걸치며 길어지기 마련</a:t>
+            </a:r>
+            <a:endParaRPr lang="en-US" altLang="ko-KR"/>
+          </a:p>
+          <a:p>
+            <a:r>
+              <a:rPr lang="ko-KR" altLang="en-US">
+                <a:solidFill>
+                  <a:schemeClr val="tx1"/>
+                </a:solidFill>
+              </a:rPr>
+              <a:t>방치하면 더욱 길어지는 경향이 있으므로 </a:t>
+            </a:r>
+            <a:r>
+              <a:rPr lang="ko-KR" altLang="en-US">
+                <a:solidFill>
+                  <a:srgbClr val="FF0000"/>
+                </a:solidFill>
+              </a:rPr>
+              <a:t>메서드 추출</a:t>
+            </a:r>
+            <a:r>
+              <a:rPr lang="ko-KR" altLang="en-US">
+                <a:solidFill>
+                  <a:schemeClr val="tx1"/>
+                </a:solidFill>
+              </a:rPr>
+              <a:t>을 통해 메서드를 여래개로 잘라낼</a:t>
+            </a:r>
+            <a:endParaRPr lang="en-US" altLang="ko-KR">
+              <a:solidFill>
+                <a:schemeClr val="tx1"/>
+              </a:solidFill>
+            </a:endParaRPr>
+          </a:p>
+          <a:p>
+            <a:r>
+              <a:rPr lang="ko-KR" altLang="en-US">
+                <a:solidFill>
+                  <a:schemeClr val="tx1"/>
+                </a:solidFill>
+              </a:rPr>
+              <a:t>필요가 있음</a:t>
+            </a:r>
+          </a:p>
+        </p:txBody>
+      </p:sp>
+      <p:sp>
+        <p:nvSpPr>
+          <p:cNvPr id="13" name="TextBox 12">
+            <a:extLst>
+              <a:ext uri="{FF2B5EF4-FFF2-40B4-BE49-F238E27FC236}">
+                <a16:creationId xmlns:a16="http://schemas.microsoft.com/office/drawing/2014/main" id="{C8A62178-BC12-490F-A54E-EAB03EFD2CF9}"/>
+              </a:ext>
+            </a:extLst>
+          </p:cNvPr>
+          <p:cNvSpPr txBox="1"/>
+          <p:nvPr/>
+        </p:nvSpPr>
+        <p:spPr>
+          <a:xfrm>
+            <a:off x="904683" y="2403326"/>
+            <a:ext cx="2630848" cy="369332"/>
+          </a:xfrm>
+          <a:prstGeom prst="rect">
+            <a:avLst/>
+          </a:prstGeom>
+          <a:noFill/>
+        </p:spPr>
+        <p:txBody>
+          <a:bodyPr wrap="none" rtlCol="0">
+            <a:spAutoFit/>
+          </a:bodyPr>
+          <a:lstStyle/>
+          <a:p>
+            <a:r>
+              <a:rPr lang="ko-KR" altLang="en-US"/>
+              <a:t>메서드가 길어지는 경우</a:t>
+            </a:r>
+          </a:p>
+        </p:txBody>
+      </p:sp>
+    </p:spTree>
+    <p:extLst>
+      <p:ext uri="{BB962C8B-B14F-4D97-AF65-F5344CB8AC3E}">
+        <p14:creationId xmlns:p14="http://schemas.microsoft.com/office/powerpoint/2010/main" val="860385848"/>
+      </p:ext>
+    </p:extLst>
+  </p:cSld>
+  <p:clrMapOvr>
+    <a:masterClrMapping/>
+  </p:clrMapOvr>
+</p:sld>
+</file>
+
+<file path=ppt/slides/slide22.xml><?xml version="1.0" encoding="utf-8"?>
 <p:sld xmlns:a="http://schemas.openxmlformats.org/drawingml/2006/main" xmlns:r="http://schemas.openxmlformats.org/officeDocument/2006/relationships" xmlns:p="http://schemas.openxmlformats.org/presentationml/2006/main">
   <p:cSld>
     <p:spTree>
@@ -11226,156 +12870,7 @@
 </p:sld>
 </file>
 
-<file path=ppt/slides/slide21.xml><?xml version="1.0" encoding="utf-8"?>
-<p:sld xmlns:a="http://schemas.openxmlformats.org/drawingml/2006/main" xmlns:r="http://schemas.openxmlformats.org/officeDocument/2006/relationships" xmlns:p="http://schemas.openxmlformats.org/presentationml/2006/main">
-  <p:cSld>
-    <p:spTree>
-      <p:nvGrpSpPr>
-        <p:cNvPr id="1" name=""/>
-        <p:cNvGrpSpPr/>
-        <p:nvPr/>
-      </p:nvGrpSpPr>
-      <p:grpSpPr>
-        <a:xfrm>
-          <a:off x="0" y="0"/>
-          <a:ext cx="0" cy="0"/>
-          <a:chOff x="0" y="0"/>
-          <a:chExt cx="0" cy="0"/>
-        </a:xfrm>
-      </p:grpSpPr>
-      <p:sp>
-        <p:nvSpPr>
-          <p:cNvPr id="11" name="TextBox 10">
-            <a:extLst>
-              <a:ext uri="{FF2B5EF4-FFF2-40B4-BE49-F238E27FC236}">
-                <a16:creationId xmlns:a16="http://schemas.microsoft.com/office/drawing/2014/main" id="{CB92E015-7590-460C-BD1B-F49E13BC66FC}"/>
-              </a:ext>
-            </a:extLst>
-          </p:cNvPr>
-          <p:cNvSpPr txBox="1"/>
-          <p:nvPr/>
-        </p:nvSpPr>
-        <p:spPr>
-          <a:xfrm>
-            <a:off x="905692" y="233681"/>
-            <a:ext cx="1651414" cy="400110"/>
-          </a:xfrm>
-          <a:prstGeom prst="rect">
-            <a:avLst/>
-          </a:prstGeom>
-          <a:noFill/>
-        </p:spPr>
-        <p:txBody>
-          <a:bodyPr wrap="none" rtlCol="0">
-            <a:spAutoFit/>
-          </a:bodyPr>
-          <a:lstStyle/>
-          <a:p>
-            <a:r>
-              <a:rPr lang="en-US" altLang="ko-KR" sz="2000"/>
-              <a:t>5.3 </a:t>
-            </a:r>
-            <a:r>
-              <a:rPr lang="ko-KR" altLang="en-US" sz="2000"/>
-              <a:t>연습문제</a:t>
-            </a:r>
-            <a:endParaRPr lang="ko-KR" altLang="en-US" sz="1200"/>
-          </a:p>
-        </p:txBody>
-      </p:sp>
-      <p:sp>
-        <p:nvSpPr>
-          <p:cNvPr id="22" name="TextBox 21">
-            <a:extLst>
-              <a:ext uri="{FF2B5EF4-FFF2-40B4-BE49-F238E27FC236}">
-                <a16:creationId xmlns:a16="http://schemas.microsoft.com/office/drawing/2014/main" id="{9CD56CDC-7556-4532-A983-8C1A54B216B2}"/>
-              </a:ext>
-            </a:extLst>
-          </p:cNvPr>
-          <p:cNvSpPr txBox="1"/>
-          <p:nvPr/>
-        </p:nvSpPr>
-        <p:spPr>
-          <a:xfrm>
-            <a:off x="904683" y="579312"/>
-            <a:ext cx="1505540" cy="369332"/>
-          </a:xfrm>
-          <a:prstGeom prst="rect">
-            <a:avLst/>
-          </a:prstGeom>
-          <a:noFill/>
-        </p:spPr>
-        <p:txBody>
-          <a:bodyPr wrap="none" rtlCol="0">
-            <a:spAutoFit/>
-          </a:bodyPr>
-          <a:lstStyle/>
-          <a:p>
-            <a:r>
-              <a:rPr lang="ko-KR" altLang="en-US"/>
-              <a:t>예제</a:t>
-            </a:r>
-            <a:r>
-              <a:rPr lang="en-US" altLang="ko-KR"/>
-              <a:t>5-2 </a:t>
-            </a:r>
-            <a:r>
-              <a:rPr lang="ko-KR" altLang="en-US"/>
-              <a:t>악취</a:t>
-            </a:r>
-          </a:p>
-        </p:txBody>
-      </p:sp>
-      <p:pic>
-        <p:nvPicPr>
-          <p:cNvPr id="9" name="그림 8" descr="텍스트이(가) 표시된 사진&#10;&#10;자동 생성된 설명">
-            <a:extLst>
-              <a:ext uri="{FF2B5EF4-FFF2-40B4-BE49-F238E27FC236}">
-                <a16:creationId xmlns:a16="http://schemas.microsoft.com/office/drawing/2014/main" id="{02E2A780-0159-49C0-ABB5-B2C195367FFB}"/>
-              </a:ext>
-            </a:extLst>
-          </p:cNvPr>
-          <p:cNvPicPr>
-            <a:picLocks noChangeAspect="1"/>
-          </p:cNvPicPr>
-          <p:nvPr/>
-        </p:nvPicPr>
-        <p:blipFill>
-          <a:blip r:embed="rId3">
-            <a:extLst>
-              <a:ext uri="{28A0092B-C50C-407E-A947-70E740481C1C}">
-                <a14:useLocalDpi xmlns:a14="http://schemas.microsoft.com/office/drawing/2010/main" val="0"/>
-              </a:ext>
-            </a:extLst>
-          </a:blip>
-          <a:stretch>
-            <a:fillRect/>
-          </a:stretch>
-        </p:blipFill>
-        <p:spPr>
-          <a:xfrm>
-            <a:off x="327472" y="948644"/>
-            <a:ext cx="5439534" cy="5858693"/>
-          </a:xfrm>
-          <a:prstGeom prst="rect">
-            <a:avLst/>
-          </a:prstGeom>
-        </p:spPr>
-      </p:pic>
-    </p:spTree>
-    <p:extLst>
-      <p:ext uri="{BB962C8B-B14F-4D97-AF65-F5344CB8AC3E}">
-        <p14:creationId xmlns:p14="http://schemas.microsoft.com/office/powerpoint/2010/main" val="1515701296"/>
-      </p:ext>
-    </p:extLst>
-  </p:cSld>
-  <p:clrMapOvr>
-    <a:masterClrMapping/>
-  </p:clrMapOvr>
-</p:sld>
-</file>
-
-<file path=ppt/slides/slide22.xml><?xml version="1.0" encoding="utf-8"?>
+<file path=ppt/slides/slide23.xml><?xml version="1.0" encoding="utf-8"?>
 <p:sld xmlns:a="http://schemas.openxmlformats.org/drawingml/2006/main" xmlns:r="http://schemas.openxmlformats.org/officeDocument/2006/relationships" xmlns:p="http://schemas.openxmlformats.org/presentationml/2006/main">
   <p:cSld>
     <p:spTree>
@@ -11699,7 +13194,7 @@
 </p:sld>
 </file>
 
-<file path=ppt/slides/slide23.xml><?xml version="1.0" encoding="utf-8"?>
+<file path=ppt/slides/slide24.xml><?xml version="1.0" encoding="utf-8"?>
 <p:sld xmlns:a="http://schemas.openxmlformats.org/drawingml/2006/main" xmlns:r="http://schemas.openxmlformats.org/officeDocument/2006/relationships" xmlns:p="http://schemas.openxmlformats.org/presentationml/2006/main">
   <p:cSld>
     <p:spTree>
@@ -12250,7 +13745,7 @@
 </p:sld>
 </file>
 
-<file path=ppt/slides/slide24.xml><?xml version="1.0" encoding="utf-8"?>
+<file path=ppt/slides/slide25.xml><?xml version="1.0" encoding="utf-8"?>
 <p:sld xmlns:a="http://schemas.openxmlformats.org/drawingml/2006/main" xmlns:r="http://schemas.openxmlformats.org/officeDocument/2006/relationships" xmlns:p="http://schemas.openxmlformats.org/presentationml/2006/main">
   <p:cSld>
     <p:spTree>
@@ -13172,12 +14667,487 @@
           </a:p>
         </p:txBody>
       </p:sp>
-      <p:sp>
-        <p:nvSpPr>
-          <p:cNvPr id="9" name="자유형: 도형 8">
+      <p:grpSp>
+        <p:nvGrpSpPr>
+          <p:cNvPr id="4" name="그룹 3">
             <a:extLst>
               <a:ext uri="{FF2B5EF4-FFF2-40B4-BE49-F238E27FC236}">
-                <a16:creationId xmlns:a16="http://schemas.microsoft.com/office/drawing/2014/main" id="{B5664D15-7F2F-413B-9E61-B12F25EA047F}"/>
+                <a16:creationId xmlns:a16="http://schemas.microsoft.com/office/drawing/2014/main" id="{BC1A31A9-E185-431B-A56B-B1A73FEC58CF}"/>
+              </a:ext>
+            </a:extLst>
+          </p:cNvPr>
+          <p:cNvGrpSpPr/>
+          <p:nvPr/>
+        </p:nvGrpSpPr>
+        <p:grpSpPr>
+          <a:xfrm>
+            <a:off x="7344023" y="3672796"/>
+            <a:ext cx="1368903" cy="1624196"/>
+            <a:chOff x="7344023" y="3672796"/>
+            <a:chExt cx="1368903" cy="1624196"/>
+          </a:xfrm>
+        </p:grpSpPr>
+        <p:sp>
+          <p:nvSpPr>
+            <p:cNvPr id="9" name="자유형: 도형 8">
+              <a:extLst>
+                <a:ext uri="{FF2B5EF4-FFF2-40B4-BE49-F238E27FC236}">
+                  <a16:creationId xmlns:a16="http://schemas.microsoft.com/office/drawing/2014/main" id="{B5664D15-7F2F-413B-9E61-B12F25EA047F}"/>
+                </a:ext>
+              </a:extLst>
+            </p:cNvPr>
+            <p:cNvSpPr/>
+            <p:nvPr/>
+          </p:nvSpPr>
+          <p:spPr>
+            <a:xfrm flipH="1">
+              <a:off x="7344023" y="3672796"/>
+              <a:ext cx="1368903" cy="1624196"/>
+            </a:xfrm>
+            <a:custGeom>
+              <a:avLst/>
+              <a:gdLst>
+                <a:gd name="connsiteX0" fmla="*/ 286455 w 648029"/>
+                <a:gd name="connsiteY0" fmla="*/ 19050 h 768883"/>
+                <a:gd name="connsiteX1" fmla="*/ 553859 w 648029"/>
+                <a:gd name="connsiteY1" fmla="*/ 285939 h 768883"/>
+                <a:gd name="connsiteX2" fmla="*/ 553658 w 648029"/>
+                <a:gd name="connsiteY2" fmla="*/ 296571 h 768883"/>
+                <a:gd name="connsiteX3" fmla="*/ 553646 w 648029"/>
+                <a:gd name="connsiteY3" fmla="*/ 296917 h 768883"/>
+                <a:gd name="connsiteX4" fmla="*/ 553646 w 648029"/>
+                <a:gd name="connsiteY4" fmla="*/ 307112 h 768883"/>
+                <a:gd name="connsiteX5" fmla="*/ 556180 w 648029"/>
+                <a:gd name="connsiteY5" fmla="*/ 311521 h 768883"/>
+                <a:gd name="connsiteX6" fmla="*/ 621903 w 648029"/>
+                <a:gd name="connsiteY6" fmla="*/ 425853 h 768883"/>
+                <a:gd name="connsiteX7" fmla="*/ 622157 w 648029"/>
+                <a:gd name="connsiteY7" fmla="*/ 426295 h 768883"/>
+                <a:gd name="connsiteX8" fmla="*/ 622435 w 648029"/>
+                <a:gd name="connsiteY8" fmla="*/ 426723 h 768883"/>
+                <a:gd name="connsiteX9" fmla="*/ 627252 w 648029"/>
+                <a:gd name="connsiteY9" fmla="*/ 453496 h 768883"/>
+                <a:gd name="connsiteX10" fmla="*/ 613308 w 648029"/>
+                <a:gd name="connsiteY10" fmla="*/ 464002 h 768883"/>
+                <a:gd name="connsiteX11" fmla="*/ 553646 w 648029"/>
+                <a:gd name="connsiteY11" fmla="*/ 464002 h 768883"/>
+                <a:gd name="connsiteX12" fmla="*/ 553646 w 648029"/>
+                <a:gd name="connsiteY12" fmla="*/ 540218 h 768883"/>
+                <a:gd name="connsiteX13" fmla="*/ 526836 w 648029"/>
+                <a:gd name="connsiteY13" fmla="*/ 607732 h 768883"/>
+                <a:gd name="connsiteX14" fmla="*/ 460295 w 648029"/>
+                <a:gd name="connsiteY14" fmla="*/ 635499 h 768883"/>
+                <a:gd name="connsiteX15" fmla="*/ 394572 w 648029"/>
+                <a:gd name="connsiteY15" fmla="*/ 635499 h 768883"/>
+                <a:gd name="connsiteX16" fmla="*/ 394572 w 648029"/>
+                <a:gd name="connsiteY16" fmla="*/ 749834 h 768883"/>
+                <a:gd name="connsiteX17" fmla="*/ 131665 w 648029"/>
+                <a:gd name="connsiteY17" fmla="*/ 749834 h 768883"/>
+                <a:gd name="connsiteX18" fmla="*/ 131665 w 648029"/>
+                <a:gd name="connsiteY18" fmla="*/ 518485 h 768883"/>
+                <a:gd name="connsiteX19" fmla="*/ 124271 w 648029"/>
+                <a:gd name="connsiteY19" fmla="*/ 512764 h 768883"/>
+                <a:gd name="connsiteX20" fmla="*/ 19264 w 648029"/>
+                <a:gd name="connsiteY20" fmla="*/ 297264 h 768883"/>
+                <a:gd name="connsiteX21" fmla="*/ 19264 w 648029"/>
+                <a:gd name="connsiteY21" fmla="*/ 296920 h 768883"/>
+                <a:gd name="connsiteX22" fmla="*/ 19252 w 648029"/>
+                <a:gd name="connsiteY22" fmla="*/ 296573 h 768883"/>
+                <a:gd name="connsiteX23" fmla="*/ 275822 w 648029"/>
+                <a:gd name="connsiteY23" fmla="*/ 19252 h 768883"/>
+                <a:gd name="connsiteX24" fmla="*/ 286455 w 648029"/>
+                <a:gd name="connsiteY24" fmla="*/ 19050 h 768883"/>
+                <a:gd name="connsiteX25" fmla="*/ 286455 w 648029"/>
+                <a:gd name="connsiteY25" fmla="*/ 0 h 768883"/>
+                <a:gd name="connsiteX26" fmla="*/ 0 w 648029"/>
+                <a:gd name="connsiteY26" fmla="*/ 285939 h 768883"/>
+                <a:gd name="connsiteX27" fmla="*/ 214 w 648029"/>
+                <a:gd name="connsiteY27" fmla="*/ 297264 h 768883"/>
+                <a:gd name="connsiteX28" fmla="*/ 112615 w 648029"/>
+                <a:gd name="connsiteY28" fmla="*/ 527834 h 768883"/>
+                <a:gd name="connsiteX29" fmla="*/ 112615 w 648029"/>
+                <a:gd name="connsiteY29" fmla="*/ 768884 h 768883"/>
+                <a:gd name="connsiteX30" fmla="*/ 413620 w 648029"/>
+                <a:gd name="connsiteY30" fmla="*/ 768884 h 768883"/>
+                <a:gd name="connsiteX31" fmla="*/ 413620 w 648029"/>
+                <a:gd name="connsiteY31" fmla="*/ 654551 h 768883"/>
+                <a:gd name="connsiteX32" fmla="*/ 460293 w 648029"/>
+                <a:gd name="connsiteY32" fmla="*/ 654551 h 768883"/>
+                <a:gd name="connsiteX33" fmla="*/ 540303 w 648029"/>
+                <a:gd name="connsiteY33" fmla="*/ 621204 h 768883"/>
+                <a:gd name="connsiteX34" fmla="*/ 572688 w 648029"/>
+                <a:gd name="connsiteY34" fmla="*/ 540221 h 768883"/>
+                <a:gd name="connsiteX35" fmla="*/ 572688 w 648029"/>
+                <a:gd name="connsiteY35" fmla="*/ 483055 h 768883"/>
+                <a:gd name="connsiteX36" fmla="*/ 614598 w 648029"/>
+                <a:gd name="connsiteY36" fmla="*/ 483055 h 768883"/>
+                <a:gd name="connsiteX37" fmla="*/ 638410 w 648029"/>
+                <a:gd name="connsiteY37" fmla="*/ 416361 h 768883"/>
+                <a:gd name="connsiteX38" fmla="*/ 572688 w 648029"/>
+                <a:gd name="connsiteY38" fmla="*/ 302028 h 768883"/>
+                <a:gd name="connsiteX39" fmla="*/ 572688 w 648029"/>
+                <a:gd name="connsiteY39" fmla="*/ 297266 h 768883"/>
+                <a:gd name="connsiteX40" fmla="*/ 297774 w 648029"/>
+                <a:gd name="connsiteY40" fmla="*/ 214 h 768883"/>
+                <a:gd name="connsiteX41" fmla="*/ 286455 w 648029"/>
+                <a:gd name="connsiteY41" fmla="*/ 0 h 768883"/>
+              </a:gdLst>
+              <a:ahLst/>
+              <a:cxnLst>
+                <a:cxn ang="0">
+                  <a:pos x="connsiteX0" y="connsiteY0"/>
+                </a:cxn>
+                <a:cxn ang="0">
+                  <a:pos x="connsiteX1" y="connsiteY1"/>
+                </a:cxn>
+                <a:cxn ang="0">
+                  <a:pos x="connsiteX2" y="connsiteY2"/>
+                </a:cxn>
+                <a:cxn ang="0">
+                  <a:pos x="connsiteX3" y="connsiteY3"/>
+                </a:cxn>
+                <a:cxn ang="0">
+                  <a:pos x="connsiteX4" y="connsiteY4"/>
+                </a:cxn>
+                <a:cxn ang="0">
+                  <a:pos x="connsiteX5" y="connsiteY5"/>
+                </a:cxn>
+                <a:cxn ang="0">
+                  <a:pos x="connsiteX6" y="connsiteY6"/>
+                </a:cxn>
+                <a:cxn ang="0">
+                  <a:pos x="connsiteX7" y="connsiteY7"/>
+                </a:cxn>
+                <a:cxn ang="0">
+                  <a:pos x="connsiteX8" y="connsiteY8"/>
+                </a:cxn>
+                <a:cxn ang="0">
+                  <a:pos x="connsiteX9" y="connsiteY9"/>
+                </a:cxn>
+                <a:cxn ang="0">
+                  <a:pos x="connsiteX10" y="connsiteY10"/>
+                </a:cxn>
+                <a:cxn ang="0">
+                  <a:pos x="connsiteX11" y="connsiteY11"/>
+                </a:cxn>
+                <a:cxn ang="0">
+                  <a:pos x="connsiteX12" y="connsiteY12"/>
+                </a:cxn>
+                <a:cxn ang="0">
+                  <a:pos x="connsiteX13" y="connsiteY13"/>
+                </a:cxn>
+                <a:cxn ang="0">
+                  <a:pos x="connsiteX14" y="connsiteY14"/>
+                </a:cxn>
+                <a:cxn ang="0">
+                  <a:pos x="connsiteX15" y="connsiteY15"/>
+                </a:cxn>
+                <a:cxn ang="0">
+                  <a:pos x="connsiteX16" y="connsiteY16"/>
+                </a:cxn>
+                <a:cxn ang="0">
+                  <a:pos x="connsiteX17" y="connsiteY17"/>
+                </a:cxn>
+                <a:cxn ang="0">
+                  <a:pos x="connsiteX18" y="connsiteY18"/>
+                </a:cxn>
+                <a:cxn ang="0">
+                  <a:pos x="connsiteX19" y="connsiteY19"/>
+                </a:cxn>
+                <a:cxn ang="0">
+                  <a:pos x="connsiteX20" y="connsiteY20"/>
+                </a:cxn>
+                <a:cxn ang="0">
+                  <a:pos x="connsiteX21" y="connsiteY21"/>
+                </a:cxn>
+                <a:cxn ang="0">
+                  <a:pos x="connsiteX22" y="connsiteY22"/>
+                </a:cxn>
+                <a:cxn ang="0">
+                  <a:pos x="connsiteX23" y="connsiteY23"/>
+                </a:cxn>
+                <a:cxn ang="0">
+                  <a:pos x="connsiteX24" y="connsiteY24"/>
+                </a:cxn>
+                <a:cxn ang="0">
+                  <a:pos x="connsiteX25" y="connsiteY25"/>
+                </a:cxn>
+                <a:cxn ang="0">
+                  <a:pos x="connsiteX26" y="connsiteY26"/>
+                </a:cxn>
+                <a:cxn ang="0">
+                  <a:pos x="connsiteX27" y="connsiteY27"/>
+                </a:cxn>
+                <a:cxn ang="0">
+                  <a:pos x="connsiteX28" y="connsiteY28"/>
+                </a:cxn>
+                <a:cxn ang="0">
+                  <a:pos x="connsiteX29" y="connsiteY29"/>
+                </a:cxn>
+                <a:cxn ang="0">
+                  <a:pos x="connsiteX30" y="connsiteY30"/>
+                </a:cxn>
+                <a:cxn ang="0">
+                  <a:pos x="connsiteX31" y="connsiteY31"/>
+                </a:cxn>
+                <a:cxn ang="0">
+                  <a:pos x="connsiteX32" y="connsiteY32"/>
+                </a:cxn>
+                <a:cxn ang="0">
+                  <a:pos x="connsiteX33" y="connsiteY33"/>
+                </a:cxn>
+                <a:cxn ang="0">
+                  <a:pos x="connsiteX34" y="connsiteY34"/>
+                </a:cxn>
+                <a:cxn ang="0">
+                  <a:pos x="connsiteX35" y="connsiteY35"/>
+                </a:cxn>
+                <a:cxn ang="0">
+                  <a:pos x="connsiteX36" y="connsiteY36"/>
+                </a:cxn>
+                <a:cxn ang="0">
+                  <a:pos x="connsiteX37" y="connsiteY37"/>
+                </a:cxn>
+                <a:cxn ang="0">
+                  <a:pos x="connsiteX38" y="connsiteY38"/>
+                </a:cxn>
+                <a:cxn ang="0">
+                  <a:pos x="connsiteX39" y="connsiteY39"/>
+                </a:cxn>
+                <a:cxn ang="0">
+                  <a:pos x="connsiteX40" y="connsiteY40"/>
+                </a:cxn>
+                <a:cxn ang="0">
+                  <a:pos x="connsiteX41" y="connsiteY41"/>
+                </a:cxn>
+              </a:cxnLst>
+              <a:rect l="l" t="t" r="r" b="b"/>
+              <a:pathLst>
+                <a:path w="648029" h="768883">
+                  <a:moveTo>
+                    <a:pt x="286455" y="19050"/>
+                  </a:moveTo>
+                  <a:cubicBezTo>
+                    <a:pt x="433996" y="18908"/>
+                    <a:pt x="553717" y="138398"/>
+                    <a:pt x="553859" y="285939"/>
+                  </a:cubicBezTo>
+                  <a:cubicBezTo>
+                    <a:pt x="553863" y="289484"/>
+                    <a:pt x="553795" y="293028"/>
+                    <a:pt x="553658" y="296571"/>
+                  </a:cubicBezTo>
+                  <a:lnTo>
+                    <a:pt x="553646" y="296917"/>
+                  </a:lnTo>
+                  <a:lnTo>
+                    <a:pt x="553646" y="307112"/>
+                  </a:lnTo>
+                  <a:lnTo>
+                    <a:pt x="556180" y="311521"/>
+                  </a:lnTo>
+                  <a:lnTo>
+                    <a:pt x="621903" y="425853"/>
+                  </a:lnTo>
+                  <a:lnTo>
+                    <a:pt x="622157" y="426295"/>
+                  </a:lnTo>
+                  <a:lnTo>
+                    <a:pt x="622435" y="426723"/>
+                  </a:lnTo>
+                  <a:cubicBezTo>
+                    <a:pt x="628622" y="434186"/>
+                    <a:pt x="630450" y="444344"/>
+                    <a:pt x="627252" y="453496"/>
+                  </a:cubicBezTo>
+                  <a:cubicBezTo>
+                    <a:pt x="624559" y="459032"/>
+                    <a:pt x="619373" y="462940"/>
+                    <a:pt x="613308" y="464002"/>
+                  </a:cubicBezTo>
+                  <a:lnTo>
+                    <a:pt x="553646" y="464002"/>
+                  </a:lnTo>
+                  <a:lnTo>
+                    <a:pt x="553646" y="540218"/>
+                  </a:lnTo>
+                  <a:cubicBezTo>
+                    <a:pt x="553748" y="565337"/>
+                    <a:pt x="544143" y="589526"/>
+                    <a:pt x="526836" y="607732"/>
+                  </a:cubicBezTo>
+                  <a:cubicBezTo>
+                    <a:pt x="509256" y="625505"/>
+                    <a:pt x="485294" y="635504"/>
+                    <a:pt x="460295" y="635499"/>
+                  </a:cubicBezTo>
+                  <a:lnTo>
+                    <a:pt x="394572" y="635499"/>
+                  </a:lnTo>
+                  <a:lnTo>
+                    <a:pt x="394572" y="749834"/>
+                  </a:lnTo>
+                  <a:lnTo>
+                    <a:pt x="131665" y="749834"/>
+                  </a:lnTo>
+                  <a:lnTo>
+                    <a:pt x="131665" y="518485"/>
+                  </a:lnTo>
+                  <a:lnTo>
+                    <a:pt x="124271" y="512764"/>
+                  </a:lnTo>
+                  <a:cubicBezTo>
+                    <a:pt x="57580" y="461235"/>
+                    <a:pt x="18748" y="381541"/>
+                    <a:pt x="19264" y="297264"/>
+                  </a:cubicBezTo>
+                  <a:lnTo>
+                    <a:pt x="19264" y="296920"/>
+                  </a:lnTo>
+                  <a:lnTo>
+                    <a:pt x="19252" y="296573"/>
+                  </a:lnTo>
+                  <a:cubicBezTo>
+                    <a:pt x="13522" y="149144"/>
+                    <a:pt x="128392" y="24982"/>
+                    <a:pt x="275822" y="19252"/>
+                  </a:cubicBezTo>
+                  <a:cubicBezTo>
+                    <a:pt x="279365" y="19114"/>
+                    <a:pt x="282910" y="19047"/>
+                    <a:pt x="286455" y="19050"/>
+                  </a:cubicBezTo>
+                  <a:moveTo>
+                    <a:pt x="286455" y="0"/>
+                  </a:moveTo>
+                  <a:cubicBezTo>
+                    <a:pt x="128393" y="-142"/>
+                    <a:pt x="143" y="127877"/>
+                    <a:pt x="0" y="285939"/>
+                  </a:cubicBezTo>
+                  <a:cubicBezTo>
+                    <a:pt x="-3" y="289715"/>
+                    <a:pt x="69" y="293491"/>
+                    <a:pt x="214" y="297264"/>
+                  </a:cubicBezTo>
+                  <a:cubicBezTo>
+                    <a:pt x="-156" y="387405"/>
+                    <a:pt x="41377" y="472601"/>
+                    <a:pt x="112615" y="527834"/>
+                  </a:cubicBezTo>
+                  <a:lnTo>
+                    <a:pt x="112615" y="768884"/>
+                  </a:lnTo>
+                  <a:lnTo>
+                    <a:pt x="413620" y="768884"/>
+                  </a:lnTo>
+                  <a:lnTo>
+                    <a:pt x="413620" y="654551"/>
+                  </a:lnTo>
+                  <a:lnTo>
+                    <a:pt x="460293" y="654551"/>
+                  </a:lnTo>
+                  <a:cubicBezTo>
+                    <a:pt x="490332" y="654497"/>
+                    <a:pt x="519116" y="642500"/>
+                    <a:pt x="540303" y="621204"/>
+                  </a:cubicBezTo>
+                  <a:cubicBezTo>
+                    <a:pt x="561200" y="599437"/>
+                    <a:pt x="572814" y="570395"/>
+                    <a:pt x="572688" y="540221"/>
+                  </a:cubicBezTo>
+                  <a:lnTo>
+                    <a:pt x="572688" y="483055"/>
+                  </a:lnTo>
+                  <a:lnTo>
+                    <a:pt x="614598" y="483055"/>
+                  </a:lnTo>
+                  <a:cubicBezTo>
+                    <a:pt x="639363" y="480197"/>
+                    <a:pt x="661270" y="451613"/>
+                    <a:pt x="638410" y="416361"/>
+                  </a:cubicBezTo>
+                  <a:lnTo>
+                    <a:pt x="572688" y="302028"/>
+                  </a:lnTo>
+                  <a:lnTo>
+                    <a:pt x="572688" y="297266"/>
+                  </a:lnTo>
+                  <a:cubicBezTo>
+                    <a:pt x="578801" y="139322"/>
+                    <a:pt x="455718" y="6327"/>
+                    <a:pt x="297774" y="214"/>
+                  </a:cubicBezTo>
+                  <a:cubicBezTo>
+                    <a:pt x="294003" y="68"/>
+                    <a:pt x="290229" y="-3"/>
+                    <a:pt x="286455" y="0"/>
+                  </a:cubicBezTo>
+                  <a:close/>
+                </a:path>
+              </a:pathLst>
+            </a:custGeom>
+            <a:solidFill>
+              <a:srgbClr val="000000"/>
+            </a:solidFill>
+            <a:ln w="9525" cap="flat">
+              <a:noFill/>
+              <a:prstDash val="solid"/>
+              <a:miter/>
+            </a:ln>
+          </p:spPr>
+          <p:txBody>
+            <a:bodyPr rtlCol="0" anchor="ctr"/>
+            <a:lstStyle/>
+            <a:p>
+              <a:endParaRPr lang="ko-KR" altLang="en-US"/>
+            </a:p>
+          </p:txBody>
+        </p:sp>
+        <p:sp>
+          <p:nvSpPr>
+            <p:cNvPr id="10" name="TextBox 9">
+              <a:extLst>
+                <a:ext uri="{FF2B5EF4-FFF2-40B4-BE49-F238E27FC236}">
+                  <a16:creationId xmlns:a16="http://schemas.microsoft.com/office/drawing/2014/main" id="{114CEDCF-6237-42E8-941A-6BD130D1099B}"/>
+                </a:ext>
+              </a:extLst>
+            </p:cNvPr>
+            <p:cNvSpPr txBox="1"/>
+            <p:nvPr/>
+          </p:nvSpPr>
+          <p:spPr>
+            <a:xfrm>
+              <a:off x="7890871" y="3802053"/>
+              <a:ext cx="466794" cy="1015663"/>
+            </a:xfrm>
+            <a:prstGeom prst="rect">
+              <a:avLst/>
+            </a:prstGeom>
+            <a:noFill/>
+          </p:spPr>
+          <p:txBody>
+            <a:bodyPr wrap="none" rtlCol="0">
+              <a:spAutoFit/>
+            </a:bodyPr>
+            <a:lstStyle/>
+            <a:p>
+              <a:r>
+                <a:rPr lang="en-US" altLang="ko-KR" sz="6000" b="1"/>
+                <a:t>!</a:t>
+              </a:r>
+              <a:endParaRPr lang="ko-KR" altLang="en-US" sz="6000" b="1"/>
+            </a:p>
+          </p:txBody>
+        </p:sp>
+      </p:grpSp>
+      <p:sp>
+        <p:nvSpPr>
+          <p:cNvPr id="11" name="말풍선: 타원형 10">
+            <a:extLst>
+              <a:ext uri="{FF2B5EF4-FFF2-40B4-BE49-F238E27FC236}">
+                <a16:creationId xmlns:a16="http://schemas.microsoft.com/office/drawing/2014/main" id="{91DFC114-2D30-4E81-A6FC-2E00D8FB08CD}"/>
               </a:ext>
             </a:extLst>
           </p:cNvPr>
@@ -13185,8 +15155,376 @@
           <p:nvPr/>
         </p:nvSpPr>
         <p:spPr>
-          <a:xfrm flipH="1">
-            <a:off x="7344023" y="3672796"/>
+          <a:xfrm>
+            <a:off x="2917371" y="1234682"/>
+            <a:ext cx="3744686" cy="1722168"/>
+          </a:xfrm>
+          <a:prstGeom prst="wedgeEllipseCallout">
+            <a:avLst/>
+          </a:prstGeom>
+          <a:solidFill>
+            <a:schemeClr val="bg1"/>
+          </a:solidFill>
+          <a:ln w="38100"/>
+        </p:spPr>
+        <p:style>
+          <a:lnRef idx="1">
+            <a:schemeClr val="dk1"/>
+          </a:lnRef>
+          <a:fillRef idx="2">
+            <a:schemeClr val="dk1"/>
+          </a:fillRef>
+          <a:effectRef idx="1">
+            <a:schemeClr val="dk1"/>
+          </a:effectRef>
+          <a:fontRef idx="minor">
+            <a:schemeClr val="dk1"/>
+          </a:fontRef>
+        </p:style>
+        <p:txBody>
+          <a:bodyPr rtlCol="0" anchor="ctr"/>
+          <a:lstStyle/>
+          <a:p>
+            <a:pPr algn="ctr"/>
+            <a:r>
+              <a:rPr lang="ko-KR" altLang="en-US" dirty="0"/>
+              <a:t>핫케이크를 </a:t>
+            </a:r>
+            <a:r>
+              <a:rPr lang="ko-KR" altLang="en-US" dirty="0" err="1"/>
+              <a:t>만들꺼니</a:t>
+            </a:r>
+            <a:r>
+              <a:rPr lang="ko-KR" altLang="en-US" dirty="0"/>
+              <a:t> </a:t>
+            </a:r>
+            <a:r>
+              <a:rPr lang="ko-KR" altLang="en-US" dirty="0" err="1"/>
+              <a:t>재료좀</a:t>
+            </a:r>
+            <a:r>
+              <a:rPr lang="ko-KR" altLang="en-US" dirty="0"/>
+              <a:t> 부탁해</a:t>
+            </a:r>
+            <a:endParaRPr lang="en-US" altLang="ko-KR" dirty="0"/>
+          </a:p>
+          <a:p>
+            <a:pPr algn="ctr"/>
+            <a:r>
+              <a:rPr lang="ko-KR" altLang="en-US" dirty="0">
+                <a:solidFill>
+                  <a:schemeClr val="tx1"/>
+                </a:solidFill>
+              </a:rPr>
+              <a:t>밀가루</a:t>
+            </a:r>
+            <a:r>
+              <a:rPr lang="en-US" altLang="ko-KR" dirty="0">
+                <a:solidFill>
+                  <a:schemeClr val="tx1"/>
+                </a:solidFill>
+              </a:rPr>
+              <a:t>, </a:t>
+            </a:r>
+            <a:r>
+              <a:rPr lang="ko-KR" altLang="en-US" dirty="0">
+                <a:solidFill>
+                  <a:schemeClr val="tx1"/>
+                </a:solidFill>
+              </a:rPr>
+              <a:t>계란</a:t>
+            </a:r>
+            <a:r>
+              <a:rPr lang="en-US" altLang="ko-KR" dirty="0">
+                <a:solidFill>
+                  <a:schemeClr val="tx1"/>
+                </a:solidFill>
+              </a:rPr>
+              <a:t>, </a:t>
+            </a:r>
+            <a:r>
+              <a:rPr lang="ko-KR" altLang="en-US" dirty="0">
+                <a:solidFill>
+                  <a:schemeClr val="tx1"/>
+                </a:solidFill>
+              </a:rPr>
+              <a:t>우유</a:t>
+            </a:r>
+            <a:r>
+              <a:rPr lang="en-US" altLang="ko-KR" dirty="0">
+                <a:solidFill>
+                  <a:schemeClr val="tx1"/>
+                </a:solidFill>
+              </a:rPr>
+              <a:t>,</a:t>
+            </a:r>
+            <a:br>
+              <a:rPr lang="en-US" altLang="ko-KR" dirty="0">
+                <a:solidFill>
+                  <a:schemeClr val="tx1"/>
+                </a:solidFill>
+              </a:rPr>
+            </a:br>
+            <a:r>
+              <a:rPr lang="ko-KR" altLang="en-US" dirty="0">
+                <a:solidFill>
+                  <a:schemeClr val="tx1"/>
+                </a:solidFill>
+              </a:rPr>
+              <a:t>버터</a:t>
+            </a:r>
+            <a:r>
+              <a:rPr lang="en-US" altLang="ko-KR" dirty="0">
+                <a:solidFill>
+                  <a:schemeClr val="tx1"/>
+                </a:solidFill>
+              </a:rPr>
+              <a:t>,</a:t>
+            </a:r>
+            <a:r>
+              <a:rPr lang="ko-KR" altLang="en-US" dirty="0">
+                <a:solidFill>
+                  <a:schemeClr val="tx1"/>
+                </a:solidFill>
+              </a:rPr>
+              <a:t> 시럽</a:t>
+            </a:r>
+          </a:p>
+        </p:txBody>
+      </p:sp>
+      <p:sp>
+        <p:nvSpPr>
+          <p:cNvPr id="3" name="생각 풍선: 구름 모양 2">
+            <a:extLst>
+              <a:ext uri="{FF2B5EF4-FFF2-40B4-BE49-F238E27FC236}">
+                <a16:creationId xmlns:a16="http://schemas.microsoft.com/office/drawing/2014/main" id="{260F1D45-6B3D-4407-AE37-76AF971043BD}"/>
+              </a:ext>
+            </a:extLst>
+          </p:cNvPr>
+          <p:cNvSpPr/>
+          <p:nvPr/>
+        </p:nvSpPr>
+        <p:spPr>
+          <a:xfrm>
+            <a:off x="7961292" y="1985262"/>
+            <a:ext cx="2323804" cy="1556949"/>
+          </a:xfrm>
+          <a:prstGeom prst="cloudCallout">
+            <a:avLst/>
+          </a:prstGeom>
+          <a:solidFill>
+            <a:schemeClr val="bg1"/>
+          </a:solidFill>
+          <a:ln>
+            <a:solidFill>
+              <a:schemeClr val="tx1"/>
+            </a:solidFill>
+          </a:ln>
+        </p:spPr>
+        <p:style>
+          <a:lnRef idx="2">
+            <a:schemeClr val="dk1">
+              <a:shade val="50000"/>
+            </a:schemeClr>
+          </a:lnRef>
+          <a:fillRef idx="1">
+            <a:schemeClr val="dk1"/>
+          </a:fillRef>
+          <a:effectRef idx="0">
+            <a:schemeClr val="dk1"/>
+          </a:effectRef>
+          <a:fontRef idx="minor">
+            <a:schemeClr val="lt1"/>
+          </a:fontRef>
+        </p:style>
+        <p:txBody>
+          <a:bodyPr rtlCol="0" anchor="ctr"/>
+          <a:lstStyle/>
+          <a:p>
+            <a:pPr algn="ctr"/>
+            <a:endParaRPr lang="en-US" altLang="ko-KR">
+              <a:solidFill>
+                <a:schemeClr val="tx1"/>
+              </a:solidFill>
+            </a:endParaRPr>
+          </a:p>
+          <a:p>
+            <a:pPr algn="ctr"/>
+            <a:r>
+              <a:rPr lang="ko-KR" altLang="en-US">
+                <a:solidFill>
+                  <a:schemeClr val="tx1"/>
+                </a:solidFill>
+              </a:rPr>
+              <a:t>밀가루</a:t>
+            </a:r>
+            <a:r>
+              <a:rPr lang="en-US" altLang="ko-KR">
+                <a:solidFill>
+                  <a:schemeClr val="tx1"/>
+                </a:solidFill>
+              </a:rPr>
+              <a:t>, </a:t>
+            </a:r>
+            <a:r>
+              <a:rPr lang="ko-KR" altLang="en-US">
+                <a:solidFill>
+                  <a:schemeClr val="tx1"/>
+                </a:solidFill>
+              </a:rPr>
+              <a:t>계란</a:t>
+            </a:r>
+            <a:r>
+              <a:rPr lang="en-US" altLang="ko-KR">
+                <a:solidFill>
+                  <a:schemeClr val="tx1"/>
+                </a:solidFill>
+              </a:rPr>
+              <a:t>, </a:t>
+            </a:r>
+            <a:r>
+              <a:rPr lang="ko-KR" altLang="en-US">
+                <a:solidFill>
+                  <a:schemeClr val="tx1"/>
+                </a:solidFill>
+              </a:rPr>
+              <a:t>우유</a:t>
+            </a:r>
+            <a:r>
+              <a:rPr lang="en-US" altLang="ko-KR">
+                <a:solidFill>
+                  <a:schemeClr val="tx1"/>
+                </a:solidFill>
+              </a:rPr>
+              <a:t>,</a:t>
+            </a:r>
+            <a:br>
+              <a:rPr lang="en-US" altLang="ko-KR">
+                <a:solidFill>
+                  <a:schemeClr val="tx1"/>
+                </a:solidFill>
+              </a:rPr>
+            </a:br>
+            <a:r>
+              <a:rPr lang="ko-KR" altLang="en-US">
+                <a:solidFill>
+                  <a:schemeClr val="tx1"/>
+                </a:solidFill>
+              </a:rPr>
+              <a:t>버터</a:t>
+            </a:r>
+            <a:r>
+              <a:rPr lang="en-US" altLang="ko-KR">
+                <a:solidFill>
+                  <a:schemeClr val="tx1"/>
+                </a:solidFill>
+              </a:rPr>
+              <a:t>,</a:t>
+            </a:r>
+            <a:r>
+              <a:rPr lang="ko-KR" altLang="en-US">
+                <a:solidFill>
+                  <a:schemeClr val="tx1"/>
+                </a:solidFill>
+              </a:rPr>
+              <a:t> 시럽</a:t>
+            </a:r>
+          </a:p>
+          <a:p>
+            <a:pPr algn="ctr"/>
+            <a:endParaRPr lang="ko-KR" altLang="en-US">
+              <a:solidFill>
+                <a:schemeClr val="tx1"/>
+              </a:solidFill>
+            </a:endParaRPr>
+          </a:p>
+        </p:txBody>
+      </p:sp>
+    </p:spTree>
+    <p:extLst>
+      <p:ext uri="{BB962C8B-B14F-4D97-AF65-F5344CB8AC3E}">
+        <p14:creationId xmlns:p14="http://schemas.microsoft.com/office/powerpoint/2010/main" val="764166156"/>
+      </p:ext>
+    </p:extLst>
+  </p:cSld>
+  <p:clrMapOvr>
+    <a:masterClrMapping/>
+  </p:clrMapOvr>
+</p:sld>
+</file>
+
+<file path=ppt/slides/slide4.xml><?xml version="1.0" encoding="utf-8"?>
+<p:sld xmlns:a="http://schemas.openxmlformats.org/drawingml/2006/main" xmlns:r="http://schemas.openxmlformats.org/officeDocument/2006/relationships" xmlns:p="http://schemas.openxmlformats.org/presentationml/2006/main">
+  <p:cSld>
+    <p:spTree>
+      <p:nvGrpSpPr>
+        <p:cNvPr id="1" name=""/>
+        <p:cNvGrpSpPr/>
+        <p:nvPr/>
+      </p:nvGrpSpPr>
+      <p:grpSpPr>
+        <a:xfrm>
+          <a:off x="0" y="0"/>
+          <a:ext cx="0" cy="0"/>
+          <a:chOff x="0" y="0"/>
+          <a:chExt cx="0" cy="0"/>
+        </a:xfrm>
+      </p:grpSpPr>
+      <p:sp>
+        <p:nvSpPr>
+          <p:cNvPr id="2" name="TextBox 1">
+            <a:extLst>
+              <a:ext uri="{FF2B5EF4-FFF2-40B4-BE49-F238E27FC236}">
+                <a16:creationId xmlns:a16="http://schemas.microsoft.com/office/drawing/2014/main" id="{832418DC-86A3-4CC3-A266-8E2EB3B8F8B5}"/>
+              </a:ext>
+            </a:extLst>
+          </p:cNvPr>
+          <p:cNvSpPr txBox="1"/>
+          <p:nvPr/>
+        </p:nvSpPr>
+        <p:spPr>
+          <a:xfrm>
+            <a:off x="905692" y="233681"/>
+            <a:ext cx="1651414" cy="400110"/>
+          </a:xfrm>
+          <a:prstGeom prst="rect">
+            <a:avLst/>
+          </a:prstGeom>
+          <a:noFill/>
+        </p:spPr>
+        <p:txBody>
+          <a:bodyPr wrap="none" rtlCol="0">
+            <a:spAutoFit/>
+          </a:bodyPr>
+          <a:lstStyle/>
+          <a:p>
+            <a:r>
+              <a:rPr lang="en-US" altLang="ko-KR" sz="2000"/>
+              <a:t>5.1 </a:t>
+            </a:r>
+            <a:r>
+              <a:rPr lang="ko-KR" altLang="en-US" sz="2000"/>
+              <a:t>리팩토링</a:t>
+            </a:r>
+            <a:endParaRPr lang="ko-KR" altLang="en-US" sz="1200"/>
+          </a:p>
+        </p:txBody>
+      </p:sp>
+      <p:sp>
+        <p:nvSpPr>
+          <p:cNvPr id="6" name="자유형: 도형 5">
+            <a:extLst>
+              <a:ext uri="{FF2B5EF4-FFF2-40B4-BE49-F238E27FC236}">
+                <a16:creationId xmlns:a16="http://schemas.microsoft.com/office/drawing/2014/main" id="{2B400B05-FE48-497B-844D-EDF332D5911A}"/>
+              </a:ext>
+            </a:extLst>
+          </p:cNvPr>
+          <p:cNvSpPr/>
+          <p:nvPr/>
+        </p:nvSpPr>
+        <p:spPr>
+          <a:xfrm>
+            <a:off x="1618136" y="2544862"/>
             <a:ext cx="1368903" cy="1624196"/>
           </a:xfrm>
           <a:custGeom>
@@ -13592,6 +15930,424 @@
       </p:sp>
       <p:sp>
         <p:nvSpPr>
+          <p:cNvPr id="9" name="자유형: 도형 8">
+            <a:extLst>
+              <a:ext uri="{FF2B5EF4-FFF2-40B4-BE49-F238E27FC236}">
+                <a16:creationId xmlns:a16="http://schemas.microsoft.com/office/drawing/2014/main" id="{B5664D15-7F2F-413B-9E61-B12F25EA047F}"/>
+              </a:ext>
+            </a:extLst>
+          </p:cNvPr>
+          <p:cNvSpPr/>
+          <p:nvPr/>
+        </p:nvSpPr>
+        <p:spPr>
+          <a:xfrm flipH="1">
+            <a:off x="7344023" y="3672796"/>
+            <a:ext cx="1368903" cy="1624196"/>
+          </a:xfrm>
+          <a:custGeom>
+            <a:avLst/>
+            <a:gdLst>
+              <a:gd name="connsiteX0" fmla="*/ 286455 w 648029"/>
+              <a:gd name="connsiteY0" fmla="*/ 19050 h 768883"/>
+              <a:gd name="connsiteX1" fmla="*/ 553859 w 648029"/>
+              <a:gd name="connsiteY1" fmla="*/ 285939 h 768883"/>
+              <a:gd name="connsiteX2" fmla="*/ 553658 w 648029"/>
+              <a:gd name="connsiteY2" fmla="*/ 296571 h 768883"/>
+              <a:gd name="connsiteX3" fmla="*/ 553646 w 648029"/>
+              <a:gd name="connsiteY3" fmla="*/ 296917 h 768883"/>
+              <a:gd name="connsiteX4" fmla="*/ 553646 w 648029"/>
+              <a:gd name="connsiteY4" fmla="*/ 307112 h 768883"/>
+              <a:gd name="connsiteX5" fmla="*/ 556180 w 648029"/>
+              <a:gd name="connsiteY5" fmla="*/ 311521 h 768883"/>
+              <a:gd name="connsiteX6" fmla="*/ 621903 w 648029"/>
+              <a:gd name="connsiteY6" fmla="*/ 425853 h 768883"/>
+              <a:gd name="connsiteX7" fmla="*/ 622157 w 648029"/>
+              <a:gd name="connsiteY7" fmla="*/ 426295 h 768883"/>
+              <a:gd name="connsiteX8" fmla="*/ 622435 w 648029"/>
+              <a:gd name="connsiteY8" fmla="*/ 426723 h 768883"/>
+              <a:gd name="connsiteX9" fmla="*/ 627252 w 648029"/>
+              <a:gd name="connsiteY9" fmla="*/ 453496 h 768883"/>
+              <a:gd name="connsiteX10" fmla="*/ 613308 w 648029"/>
+              <a:gd name="connsiteY10" fmla="*/ 464002 h 768883"/>
+              <a:gd name="connsiteX11" fmla="*/ 553646 w 648029"/>
+              <a:gd name="connsiteY11" fmla="*/ 464002 h 768883"/>
+              <a:gd name="connsiteX12" fmla="*/ 553646 w 648029"/>
+              <a:gd name="connsiteY12" fmla="*/ 540218 h 768883"/>
+              <a:gd name="connsiteX13" fmla="*/ 526836 w 648029"/>
+              <a:gd name="connsiteY13" fmla="*/ 607732 h 768883"/>
+              <a:gd name="connsiteX14" fmla="*/ 460295 w 648029"/>
+              <a:gd name="connsiteY14" fmla="*/ 635499 h 768883"/>
+              <a:gd name="connsiteX15" fmla="*/ 394572 w 648029"/>
+              <a:gd name="connsiteY15" fmla="*/ 635499 h 768883"/>
+              <a:gd name="connsiteX16" fmla="*/ 394572 w 648029"/>
+              <a:gd name="connsiteY16" fmla="*/ 749834 h 768883"/>
+              <a:gd name="connsiteX17" fmla="*/ 131665 w 648029"/>
+              <a:gd name="connsiteY17" fmla="*/ 749834 h 768883"/>
+              <a:gd name="connsiteX18" fmla="*/ 131665 w 648029"/>
+              <a:gd name="connsiteY18" fmla="*/ 518485 h 768883"/>
+              <a:gd name="connsiteX19" fmla="*/ 124271 w 648029"/>
+              <a:gd name="connsiteY19" fmla="*/ 512764 h 768883"/>
+              <a:gd name="connsiteX20" fmla="*/ 19264 w 648029"/>
+              <a:gd name="connsiteY20" fmla="*/ 297264 h 768883"/>
+              <a:gd name="connsiteX21" fmla="*/ 19264 w 648029"/>
+              <a:gd name="connsiteY21" fmla="*/ 296920 h 768883"/>
+              <a:gd name="connsiteX22" fmla="*/ 19252 w 648029"/>
+              <a:gd name="connsiteY22" fmla="*/ 296573 h 768883"/>
+              <a:gd name="connsiteX23" fmla="*/ 275822 w 648029"/>
+              <a:gd name="connsiteY23" fmla="*/ 19252 h 768883"/>
+              <a:gd name="connsiteX24" fmla="*/ 286455 w 648029"/>
+              <a:gd name="connsiteY24" fmla="*/ 19050 h 768883"/>
+              <a:gd name="connsiteX25" fmla="*/ 286455 w 648029"/>
+              <a:gd name="connsiteY25" fmla="*/ 0 h 768883"/>
+              <a:gd name="connsiteX26" fmla="*/ 0 w 648029"/>
+              <a:gd name="connsiteY26" fmla="*/ 285939 h 768883"/>
+              <a:gd name="connsiteX27" fmla="*/ 214 w 648029"/>
+              <a:gd name="connsiteY27" fmla="*/ 297264 h 768883"/>
+              <a:gd name="connsiteX28" fmla="*/ 112615 w 648029"/>
+              <a:gd name="connsiteY28" fmla="*/ 527834 h 768883"/>
+              <a:gd name="connsiteX29" fmla="*/ 112615 w 648029"/>
+              <a:gd name="connsiteY29" fmla="*/ 768884 h 768883"/>
+              <a:gd name="connsiteX30" fmla="*/ 413620 w 648029"/>
+              <a:gd name="connsiteY30" fmla="*/ 768884 h 768883"/>
+              <a:gd name="connsiteX31" fmla="*/ 413620 w 648029"/>
+              <a:gd name="connsiteY31" fmla="*/ 654551 h 768883"/>
+              <a:gd name="connsiteX32" fmla="*/ 460293 w 648029"/>
+              <a:gd name="connsiteY32" fmla="*/ 654551 h 768883"/>
+              <a:gd name="connsiteX33" fmla="*/ 540303 w 648029"/>
+              <a:gd name="connsiteY33" fmla="*/ 621204 h 768883"/>
+              <a:gd name="connsiteX34" fmla="*/ 572688 w 648029"/>
+              <a:gd name="connsiteY34" fmla="*/ 540221 h 768883"/>
+              <a:gd name="connsiteX35" fmla="*/ 572688 w 648029"/>
+              <a:gd name="connsiteY35" fmla="*/ 483055 h 768883"/>
+              <a:gd name="connsiteX36" fmla="*/ 614598 w 648029"/>
+              <a:gd name="connsiteY36" fmla="*/ 483055 h 768883"/>
+              <a:gd name="connsiteX37" fmla="*/ 638410 w 648029"/>
+              <a:gd name="connsiteY37" fmla="*/ 416361 h 768883"/>
+              <a:gd name="connsiteX38" fmla="*/ 572688 w 648029"/>
+              <a:gd name="connsiteY38" fmla="*/ 302028 h 768883"/>
+              <a:gd name="connsiteX39" fmla="*/ 572688 w 648029"/>
+              <a:gd name="connsiteY39" fmla="*/ 297266 h 768883"/>
+              <a:gd name="connsiteX40" fmla="*/ 297774 w 648029"/>
+              <a:gd name="connsiteY40" fmla="*/ 214 h 768883"/>
+              <a:gd name="connsiteX41" fmla="*/ 286455 w 648029"/>
+              <a:gd name="connsiteY41" fmla="*/ 0 h 768883"/>
+            </a:gdLst>
+            <a:ahLst/>
+            <a:cxnLst>
+              <a:cxn ang="0">
+                <a:pos x="connsiteX0" y="connsiteY0"/>
+              </a:cxn>
+              <a:cxn ang="0">
+                <a:pos x="connsiteX1" y="connsiteY1"/>
+              </a:cxn>
+              <a:cxn ang="0">
+                <a:pos x="connsiteX2" y="connsiteY2"/>
+              </a:cxn>
+              <a:cxn ang="0">
+                <a:pos x="connsiteX3" y="connsiteY3"/>
+              </a:cxn>
+              <a:cxn ang="0">
+                <a:pos x="connsiteX4" y="connsiteY4"/>
+              </a:cxn>
+              <a:cxn ang="0">
+                <a:pos x="connsiteX5" y="connsiteY5"/>
+              </a:cxn>
+              <a:cxn ang="0">
+                <a:pos x="connsiteX6" y="connsiteY6"/>
+              </a:cxn>
+              <a:cxn ang="0">
+                <a:pos x="connsiteX7" y="connsiteY7"/>
+              </a:cxn>
+              <a:cxn ang="0">
+                <a:pos x="connsiteX8" y="connsiteY8"/>
+              </a:cxn>
+              <a:cxn ang="0">
+                <a:pos x="connsiteX9" y="connsiteY9"/>
+              </a:cxn>
+              <a:cxn ang="0">
+                <a:pos x="connsiteX10" y="connsiteY10"/>
+              </a:cxn>
+              <a:cxn ang="0">
+                <a:pos x="connsiteX11" y="connsiteY11"/>
+              </a:cxn>
+              <a:cxn ang="0">
+                <a:pos x="connsiteX12" y="connsiteY12"/>
+              </a:cxn>
+              <a:cxn ang="0">
+                <a:pos x="connsiteX13" y="connsiteY13"/>
+              </a:cxn>
+              <a:cxn ang="0">
+                <a:pos x="connsiteX14" y="connsiteY14"/>
+              </a:cxn>
+              <a:cxn ang="0">
+                <a:pos x="connsiteX15" y="connsiteY15"/>
+              </a:cxn>
+              <a:cxn ang="0">
+                <a:pos x="connsiteX16" y="connsiteY16"/>
+              </a:cxn>
+              <a:cxn ang="0">
+                <a:pos x="connsiteX17" y="connsiteY17"/>
+              </a:cxn>
+              <a:cxn ang="0">
+                <a:pos x="connsiteX18" y="connsiteY18"/>
+              </a:cxn>
+              <a:cxn ang="0">
+                <a:pos x="connsiteX19" y="connsiteY19"/>
+              </a:cxn>
+              <a:cxn ang="0">
+                <a:pos x="connsiteX20" y="connsiteY20"/>
+              </a:cxn>
+              <a:cxn ang="0">
+                <a:pos x="connsiteX21" y="connsiteY21"/>
+              </a:cxn>
+              <a:cxn ang="0">
+                <a:pos x="connsiteX22" y="connsiteY22"/>
+              </a:cxn>
+              <a:cxn ang="0">
+                <a:pos x="connsiteX23" y="connsiteY23"/>
+              </a:cxn>
+              <a:cxn ang="0">
+                <a:pos x="connsiteX24" y="connsiteY24"/>
+              </a:cxn>
+              <a:cxn ang="0">
+                <a:pos x="connsiteX25" y="connsiteY25"/>
+              </a:cxn>
+              <a:cxn ang="0">
+                <a:pos x="connsiteX26" y="connsiteY26"/>
+              </a:cxn>
+              <a:cxn ang="0">
+                <a:pos x="connsiteX27" y="connsiteY27"/>
+              </a:cxn>
+              <a:cxn ang="0">
+                <a:pos x="connsiteX28" y="connsiteY28"/>
+              </a:cxn>
+              <a:cxn ang="0">
+                <a:pos x="connsiteX29" y="connsiteY29"/>
+              </a:cxn>
+              <a:cxn ang="0">
+                <a:pos x="connsiteX30" y="connsiteY30"/>
+              </a:cxn>
+              <a:cxn ang="0">
+                <a:pos x="connsiteX31" y="connsiteY31"/>
+              </a:cxn>
+              <a:cxn ang="0">
+                <a:pos x="connsiteX32" y="connsiteY32"/>
+              </a:cxn>
+              <a:cxn ang="0">
+                <a:pos x="connsiteX33" y="connsiteY33"/>
+              </a:cxn>
+              <a:cxn ang="0">
+                <a:pos x="connsiteX34" y="connsiteY34"/>
+              </a:cxn>
+              <a:cxn ang="0">
+                <a:pos x="connsiteX35" y="connsiteY35"/>
+              </a:cxn>
+              <a:cxn ang="0">
+                <a:pos x="connsiteX36" y="connsiteY36"/>
+              </a:cxn>
+              <a:cxn ang="0">
+                <a:pos x="connsiteX37" y="connsiteY37"/>
+              </a:cxn>
+              <a:cxn ang="0">
+                <a:pos x="connsiteX38" y="connsiteY38"/>
+              </a:cxn>
+              <a:cxn ang="0">
+                <a:pos x="connsiteX39" y="connsiteY39"/>
+              </a:cxn>
+              <a:cxn ang="0">
+                <a:pos x="connsiteX40" y="connsiteY40"/>
+              </a:cxn>
+              <a:cxn ang="0">
+                <a:pos x="connsiteX41" y="connsiteY41"/>
+              </a:cxn>
+            </a:cxnLst>
+            <a:rect l="l" t="t" r="r" b="b"/>
+            <a:pathLst>
+              <a:path w="648029" h="768883">
+                <a:moveTo>
+                  <a:pt x="286455" y="19050"/>
+                </a:moveTo>
+                <a:cubicBezTo>
+                  <a:pt x="433996" y="18908"/>
+                  <a:pt x="553717" y="138398"/>
+                  <a:pt x="553859" y="285939"/>
+                </a:cubicBezTo>
+                <a:cubicBezTo>
+                  <a:pt x="553863" y="289484"/>
+                  <a:pt x="553795" y="293028"/>
+                  <a:pt x="553658" y="296571"/>
+                </a:cubicBezTo>
+                <a:lnTo>
+                  <a:pt x="553646" y="296917"/>
+                </a:lnTo>
+                <a:lnTo>
+                  <a:pt x="553646" y="307112"/>
+                </a:lnTo>
+                <a:lnTo>
+                  <a:pt x="556180" y="311521"/>
+                </a:lnTo>
+                <a:lnTo>
+                  <a:pt x="621903" y="425853"/>
+                </a:lnTo>
+                <a:lnTo>
+                  <a:pt x="622157" y="426295"/>
+                </a:lnTo>
+                <a:lnTo>
+                  <a:pt x="622435" y="426723"/>
+                </a:lnTo>
+                <a:cubicBezTo>
+                  <a:pt x="628622" y="434186"/>
+                  <a:pt x="630450" y="444344"/>
+                  <a:pt x="627252" y="453496"/>
+                </a:cubicBezTo>
+                <a:cubicBezTo>
+                  <a:pt x="624559" y="459032"/>
+                  <a:pt x="619373" y="462940"/>
+                  <a:pt x="613308" y="464002"/>
+                </a:cubicBezTo>
+                <a:lnTo>
+                  <a:pt x="553646" y="464002"/>
+                </a:lnTo>
+                <a:lnTo>
+                  <a:pt x="553646" y="540218"/>
+                </a:lnTo>
+                <a:cubicBezTo>
+                  <a:pt x="553748" y="565337"/>
+                  <a:pt x="544143" y="589526"/>
+                  <a:pt x="526836" y="607732"/>
+                </a:cubicBezTo>
+                <a:cubicBezTo>
+                  <a:pt x="509256" y="625505"/>
+                  <a:pt x="485294" y="635504"/>
+                  <a:pt x="460295" y="635499"/>
+                </a:cubicBezTo>
+                <a:lnTo>
+                  <a:pt x="394572" y="635499"/>
+                </a:lnTo>
+                <a:lnTo>
+                  <a:pt x="394572" y="749834"/>
+                </a:lnTo>
+                <a:lnTo>
+                  <a:pt x="131665" y="749834"/>
+                </a:lnTo>
+                <a:lnTo>
+                  <a:pt x="131665" y="518485"/>
+                </a:lnTo>
+                <a:lnTo>
+                  <a:pt x="124271" y="512764"/>
+                </a:lnTo>
+                <a:cubicBezTo>
+                  <a:pt x="57580" y="461235"/>
+                  <a:pt x="18748" y="381541"/>
+                  <a:pt x="19264" y="297264"/>
+                </a:cubicBezTo>
+                <a:lnTo>
+                  <a:pt x="19264" y="296920"/>
+                </a:lnTo>
+                <a:lnTo>
+                  <a:pt x="19252" y="296573"/>
+                </a:lnTo>
+                <a:cubicBezTo>
+                  <a:pt x="13522" y="149144"/>
+                  <a:pt x="128392" y="24982"/>
+                  <a:pt x="275822" y="19252"/>
+                </a:cubicBezTo>
+                <a:cubicBezTo>
+                  <a:pt x="279365" y="19114"/>
+                  <a:pt x="282910" y="19047"/>
+                  <a:pt x="286455" y="19050"/>
+                </a:cubicBezTo>
+                <a:moveTo>
+                  <a:pt x="286455" y="0"/>
+                </a:moveTo>
+                <a:cubicBezTo>
+                  <a:pt x="128393" y="-142"/>
+                  <a:pt x="143" y="127877"/>
+                  <a:pt x="0" y="285939"/>
+                </a:cubicBezTo>
+                <a:cubicBezTo>
+                  <a:pt x="-3" y="289715"/>
+                  <a:pt x="69" y="293491"/>
+                  <a:pt x="214" y="297264"/>
+                </a:cubicBezTo>
+                <a:cubicBezTo>
+                  <a:pt x="-156" y="387405"/>
+                  <a:pt x="41377" y="472601"/>
+                  <a:pt x="112615" y="527834"/>
+                </a:cubicBezTo>
+                <a:lnTo>
+                  <a:pt x="112615" y="768884"/>
+                </a:lnTo>
+                <a:lnTo>
+                  <a:pt x="413620" y="768884"/>
+                </a:lnTo>
+                <a:lnTo>
+                  <a:pt x="413620" y="654551"/>
+                </a:lnTo>
+                <a:lnTo>
+                  <a:pt x="460293" y="654551"/>
+                </a:lnTo>
+                <a:cubicBezTo>
+                  <a:pt x="490332" y="654497"/>
+                  <a:pt x="519116" y="642500"/>
+                  <a:pt x="540303" y="621204"/>
+                </a:cubicBezTo>
+                <a:cubicBezTo>
+                  <a:pt x="561200" y="599437"/>
+                  <a:pt x="572814" y="570395"/>
+                  <a:pt x="572688" y="540221"/>
+                </a:cubicBezTo>
+                <a:lnTo>
+                  <a:pt x="572688" y="483055"/>
+                </a:lnTo>
+                <a:lnTo>
+                  <a:pt x="614598" y="483055"/>
+                </a:lnTo>
+                <a:cubicBezTo>
+                  <a:pt x="639363" y="480197"/>
+                  <a:pt x="661270" y="451613"/>
+                  <a:pt x="638410" y="416361"/>
+                </a:cubicBezTo>
+                <a:lnTo>
+                  <a:pt x="572688" y="302028"/>
+                </a:lnTo>
+                <a:lnTo>
+                  <a:pt x="572688" y="297266"/>
+                </a:lnTo>
+                <a:cubicBezTo>
+                  <a:pt x="578801" y="139322"/>
+                  <a:pt x="455718" y="6327"/>
+                  <a:pt x="297774" y="214"/>
+                </a:cubicBezTo>
+                <a:cubicBezTo>
+                  <a:pt x="294003" y="68"/>
+                  <a:pt x="290229" y="-3"/>
+                  <a:pt x="286455" y="0"/>
+                </a:cubicBezTo>
+                <a:close/>
+              </a:path>
+            </a:pathLst>
+          </a:custGeom>
+          <a:solidFill>
+            <a:srgbClr val="000000"/>
+          </a:solidFill>
+          <a:ln w="9525" cap="flat">
+            <a:noFill/>
+            <a:prstDash val="solid"/>
+            <a:miter/>
+          </a:ln>
+        </p:spPr>
+        <p:txBody>
+          <a:bodyPr rtlCol="0" anchor="ctr"/>
+          <a:lstStyle/>
+          <a:p>
+            <a:endParaRPr lang="ko-KR" altLang="en-US"/>
+          </a:p>
+        </p:txBody>
+      </p:sp>
+      <p:sp>
+        <p:nvSpPr>
           <p:cNvPr id="10" name="TextBox 9">
             <a:extLst>
               <a:ext uri="{FF2B5EF4-FFF2-40B4-BE49-F238E27FC236}">
@@ -13605,7 +16361,7 @@
         <p:spPr>
           <a:xfrm>
             <a:off x="7890871" y="3802053"/>
-            <a:ext cx="466794" cy="1015663"/>
+            <a:ext cx="521297" cy="1015663"/>
           </a:xfrm>
           <a:prstGeom prst="rect">
             <a:avLst/>
@@ -13619,10 +16375,10 @@
           <a:lstStyle/>
           <a:p>
             <a:r>
-              <a:rPr lang="en-US" altLang="ko-KR" sz="6000" b="1"/>
-              <a:t>!</a:t>
-            </a:r>
-            <a:endParaRPr lang="ko-KR" altLang="en-US" sz="6000" b="1"/>
+              <a:rPr lang="en-US" altLang="ko-KR" sz="6000" b="1" dirty="0"/>
+              <a:t>?</a:t>
+            </a:r>
+            <a:endParaRPr lang="ko-KR" altLang="en-US" sz="6000" b="1" dirty="0"/>
           </a:p>
         </p:txBody>
       </p:sp>
@@ -13640,8 +16396,8 @@
         </p:nvSpPr>
         <p:spPr>
           <a:xfrm>
-            <a:off x="2917371" y="1234682"/>
-            <a:ext cx="3744686" cy="1722168"/>
+            <a:off x="2917370" y="633791"/>
+            <a:ext cx="4620853" cy="2323059"/>
           </a:xfrm>
           <a:prstGeom prst="wedgeEllipseCallout">
             <a:avLst/>
@@ -13671,23 +16427,59 @@
           <a:p>
             <a:pPr algn="ctr"/>
             <a:r>
-              <a:rPr lang="ko-KR" altLang="en-US"/>
-              <a:t>핫케이크를 만들꺼니 재료좀 부탁해</a:t>
-            </a:r>
-            <a:endParaRPr lang="en-US" altLang="ko-KR"/>
-          </a:p>
-          <a:p>
-            <a:pPr algn="ctr"/>
-            <a:r>
-              <a:rPr lang="ko-KR" altLang="en-US">
+              <a:rPr lang="ko-KR" altLang="en-US" dirty="0"/>
+              <a:t>핫케이크를 </a:t>
+            </a:r>
+            <a:r>
+              <a:rPr lang="ko-KR" altLang="en-US" dirty="0" err="1"/>
+              <a:t>만들꺼야</a:t>
+            </a:r>
+            <a:r>
+              <a:rPr lang="ko-KR" altLang="en-US" dirty="0"/>
+              <a:t> </a:t>
+            </a:r>
+            <a:r>
+              <a:rPr lang="ko-KR" altLang="en-US" dirty="0">
                 <a:solidFill>
                   <a:schemeClr val="tx1"/>
                 </a:solidFill>
               </a:rPr>
-              <a:t>밀가루</a:t>
-            </a:r>
-            <a:r>
-              <a:rPr lang="en-US" altLang="ko-KR">
+              <a:t>재료는 밀가루 </a:t>
+            </a:r>
+            <a:r>
+              <a:rPr lang="en-US" altLang="ko-KR" dirty="0">
+                <a:solidFill>
+                  <a:schemeClr val="tx1"/>
+                </a:solidFill>
+              </a:rPr>
+              <a:t>2</a:t>
+            </a:r>
+            <a:r>
+              <a:rPr lang="ko-KR" altLang="en-US" dirty="0">
+                <a:solidFill>
+                  <a:schemeClr val="tx1"/>
+                </a:solidFill>
+              </a:rPr>
+              <a:t>컵</a:t>
+            </a:r>
+            <a:r>
+              <a:rPr lang="en-US" altLang="ko-KR" dirty="0">
+                <a:solidFill>
+                  <a:schemeClr val="tx1"/>
+                </a:solidFill>
+              </a:rPr>
+              <a:t>,</a:t>
+            </a:r>
+            <a:r>
+              <a:rPr lang="ko-KR" altLang="en-US" dirty="0">
+                <a:solidFill>
+                  <a:schemeClr val="tx1"/>
+                </a:solidFill>
+              </a:rPr>
+              <a:t>계란 두개</a:t>
+            </a:r>
+            <a:r>
+              <a:rPr lang="en-US" altLang="ko-KR" dirty="0">
                 <a:solidFill>
                   <a:schemeClr val="tx1"/>
                 </a:solidFill>
@@ -13695,15 +16487,23 @@
               <a:t>, </a:t>
             </a:r>
             <a:r>
-              <a:rPr lang="ko-KR" altLang="en-US">
+              <a:rPr lang="ko-KR" altLang="en-US" dirty="0">
                 <a:solidFill>
                   <a:schemeClr val="tx1"/>
                 </a:solidFill>
               </a:rPr>
-              <a:t>계란</a:t>
-            </a:r>
-            <a:r>
-              <a:rPr lang="en-US" altLang="ko-KR">
+              <a:t>우유 </a:t>
+            </a:r>
+            <a:r>
+              <a:rPr lang="ko-KR" altLang="en-US" dirty="0" err="1">
+                <a:solidFill>
+                  <a:schemeClr val="tx1"/>
+                </a:solidFill>
+              </a:rPr>
+              <a:t>한컵반</a:t>
+            </a:r>
+            <a:r>
+              <a:rPr lang="en-US" altLang="ko-KR" dirty="0">
                 <a:solidFill>
                   <a:schemeClr val="tx1"/>
                 </a:solidFill>
@@ -13711,30 +16511,7 @@
               <a:t>, </a:t>
             </a:r>
             <a:r>
-              <a:rPr lang="ko-KR" altLang="en-US">
-                <a:solidFill>
-                  <a:schemeClr val="tx1"/>
-                </a:solidFill>
-              </a:rPr>
-              <a:t>우유</a:t>
-            </a:r>
-            <a:r>
-              <a:rPr lang="en-US" altLang="ko-KR">
-                <a:solidFill>
-                  <a:schemeClr val="tx1"/>
-                </a:solidFill>
-              </a:rPr>
-              <a:t>,</a:t>
-            </a:r>
-            <a:br>
-              <a:rPr lang="en-US" altLang="ko-KR">
-                <a:solidFill>
-                  <a:schemeClr val="tx1"/>
-                </a:solidFill>
-              </a:rPr>
-            </a:br>
-            <a:r>
-              <a:rPr lang="ko-KR" altLang="en-US">
+              <a:rPr lang="ko-KR" altLang="en-US" dirty="0">
                 <a:solidFill>
                   <a:schemeClr val="tx1"/>
                 </a:solidFill>
@@ -13742,92 +16519,7 @@
               <a:t>버터</a:t>
             </a:r>
             <a:r>
-              <a:rPr lang="en-US" altLang="ko-KR">
-                <a:solidFill>
-                  <a:schemeClr val="tx1"/>
-                </a:solidFill>
-              </a:rPr>
-              <a:t>,</a:t>
-            </a:r>
-            <a:r>
-              <a:rPr lang="ko-KR" altLang="en-US">
-                <a:solidFill>
-                  <a:schemeClr val="tx1"/>
-                </a:solidFill>
-              </a:rPr>
-              <a:t> 시럽</a:t>
-            </a:r>
-          </a:p>
-        </p:txBody>
-      </p:sp>
-      <p:sp>
-        <p:nvSpPr>
-          <p:cNvPr id="3" name="생각 풍선: 구름 모양 2">
-            <a:extLst>
-              <a:ext uri="{FF2B5EF4-FFF2-40B4-BE49-F238E27FC236}">
-                <a16:creationId xmlns:a16="http://schemas.microsoft.com/office/drawing/2014/main" id="{260F1D45-6B3D-4407-AE37-76AF971043BD}"/>
-              </a:ext>
-            </a:extLst>
-          </p:cNvPr>
-          <p:cNvSpPr/>
-          <p:nvPr/>
-        </p:nvSpPr>
-        <p:spPr>
-          <a:xfrm>
-            <a:off x="7961292" y="1985262"/>
-            <a:ext cx="2323804" cy="1556949"/>
-          </a:xfrm>
-          <a:prstGeom prst="cloudCallout">
-            <a:avLst/>
-          </a:prstGeom>
-          <a:solidFill>
-            <a:schemeClr val="bg1"/>
-          </a:solidFill>
-          <a:ln>
-            <a:solidFill>
-              <a:schemeClr val="tx1"/>
-            </a:solidFill>
-          </a:ln>
-        </p:spPr>
-        <p:style>
-          <a:lnRef idx="2">
-            <a:schemeClr val="dk1">
-              <a:shade val="50000"/>
-            </a:schemeClr>
-          </a:lnRef>
-          <a:fillRef idx="1">
-            <a:schemeClr val="dk1"/>
-          </a:fillRef>
-          <a:effectRef idx="0">
-            <a:schemeClr val="dk1"/>
-          </a:effectRef>
-          <a:fontRef idx="minor">
-            <a:schemeClr val="lt1"/>
-          </a:fontRef>
-        </p:style>
-        <p:txBody>
-          <a:bodyPr rtlCol="0" anchor="ctr"/>
-          <a:lstStyle/>
-          <a:p>
-            <a:pPr algn="ctr"/>
-            <a:endParaRPr lang="en-US" altLang="ko-KR">
-              <a:solidFill>
-                <a:schemeClr val="tx1"/>
-              </a:solidFill>
-            </a:endParaRPr>
-          </a:p>
-          <a:p>
-            <a:pPr algn="ctr"/>
-            <a:r>
-              <a:rPr lang="ko-KR" altLang="en-US">
-                <a:solidFill>
-                  <a:schemeClr val="tx1"/>
-                </a:solidFill>
-              </a:rPr>
-              <a:t>밀가루</a:t>
-            </a:r>
-            <a:r>
-              <a:rPr lang="en-US" altLang="ko-KR">
+              <a:rPr lang="en-US" altLang="ko-KR" dirty="0">
                 <a:solidFill>
                   <a:schemeClr val="tx1"/>
                 </a:solidFill>
@@ -13835,72 +16527,114 @@
               <a:t>, </a:t>
             </a:r>
             <a:r>
-              <a:rPr lang="ko-KR" altLang="en-US">
+              <a:rPr lang="ko-KR" altLang="en-US" dirty="0">
                 <a:solidFill>
                   <a:schemeClr val="tx1"/>
                 </a:solidFill>
               </a:rPr>
-              <a:t>계란</a:t>
-            </a:r>
-            <a:r>
-              <a:rPr lang="en-US" altLang="ko-KR">
+              <a:t>시럽  우선크</a:t>
+            </a:r>
+            <a:r>
+              <a:rPr lang="ko-KR" altLang="en-US" b="0" i="0" dirty="0">
                 <a:solidFill>
-                  <a:schemeClr val="tx1"/>
+                  <a:srgbClr val="545454"/>
                 </a:solidFill>
+                <a:effectLst/>
+                <a:latin typeface="inherit"/>
               </a:rPr>
-              <a:t>, </a:t>
-            </a:r>
-            <a:r>
-              <a:rPr lang="ko-KR" altLang="en-US">
+              <a:t>림색이 될 때까지 계란을 휘젓고</a:t>
+            </a:r>
+            <a:r>
+              <a:rPr lang="en-US" altLang="ko-KR" b="0" i="0" dirty="0">
                 <a:solidFill>
-                  <a:schemeClr val="tx1"/>
+                  <a:srgbClr val="545454"/>
                 </a:solidFill>
+                <a:effectLst/>
+                <a:latin typeface="inherit"/>
               </a:rPr>
-              <a:t>우유</a:t>
-            </a:r>
-            <a:r>
-              <a:rPr lang="en-US" altLang="ko-KR">
+              <a:t> </a:t>
+            </a:r>
+            <a:r>
+              <a:rPr lang="ko-KR" altLang="en-US" b="0" i="0" dirty="0">
                 <a:solidFill>
-                  <a:schemeClr val="tx1"/>
+                  <a:srgbClr val="545454"/>
                 </a:solidFill>
+                <a:effectLst/>
+                <a:latin typeface="inherit"/>
               </a:rPr>
-              <a:t>,</a:t>
-            </a:r>
-            <a:br>
-              <a:rPr lang="en-US" altLang="ko-KR">
+              <a:t>마른 재료와 녹인 버터를 </a:t>
+            </a:r>
+            <a:r>
+              <a:rPr lang="ko-KR" altLang="en-US" b="0" i="0" dirty="0" err="1">
                 <a:solidFill>
-                  <a:schemeClr val="tx1"/>
+                  <a:srgbClr val="545454"/>
                 </a:solidFill>
+                <a:effectLst/>
+                <a:latin typeface="inherit"/>
               </a:rPr>
-            </a:br>
-            <a:r>
-              <a:rPr lang="ko-KR" altLang="en-US">
+              <a:t>넣은후</a:t>
+            </a:r>
+            <a:r>
+              <a:rPr lang="en-US" altLang="ko-KR" b="0" i="0" dirty="0">
                 <a:solidFill>
-                  <a:schemeClr val="tx1"/>
+                  <a:srgbClr val="545454"/>
                 </a:solidFill>
+                <a:effectLst/>
+                <a:latin typeface="inherit"/>
               </a:rPr>
-              <a:t>버터</a:t>
-            </a:r>
-            <a:r>
-              <a:rPr lang="en-US" altLang="ko-KR">
+              <a:t> </a:t>
+            </a:r>
+            <a:r>
+              <a:rPr lang="ko-KR" altLang="en-US" b="0" i="0" dirty="0">
                 <a:solidFill>
-                  <a:schemeClr val="tx1"/>
+                  <a:srgbClr val="545454"/>
                 </a:solidFill>
+                <a:effectLst/>
+                <a:latin typeface="inherit"/>
               </a:rPr>
-              <a:t>,</a:t>
-            </a:r>
-            <a:r>
-              <a:rPr lang="ko-KR" altLang="en-US">
+              <a:t>우유를 넣고 같이 휘젓고</a:t>
+            </a:r>
+            <a:r>
+              <a:rPr lang="en-US" altLang="ko-KR" b="0" i="0" dirty="0">
                 <a:solidFill>
-                  <a:schemeClr val="tx1"/>
+                  <a:srgbClr val="545454"/>
                 </a:solidFill>
+                <a:effectLst/>
+                <a:latin typeface="inherit"/>
               </a:rPr>
-              <a:t> 시럽</a:t>
-            </a:r>
-          </a:p>
-          <a:p>
-            <a:pPr algn="ctr"/>
-            <a:endParaRPr lang="ko-KR" altLang="en-US">
+              <a:t> </a:t>
+            </a:r>
+            <a:r>
+              <a:rPr lang="ko-KR" altLang="en-US" b="0" i="0" dirty="0">
+                <a:solidFill>
+                  <a:srgbClr val="545454"/>
+                </a:solidFill>
+                <a:effectLst/>
+                <a:latin typeface="inherit"/>
+              </a:rPr>
+              <a:t>프라이팬을 </a:t>
+            </a:r>
+            <a:r>
+              <a:rPr lang="ko-KR" altLang="en-US" b="0" i="0" dirty="0" err="1">
+                <a:solidFill>
+                  <a:srgbClr val="545454"/>
+                </a:solidFill>
+                <a:effectLst/>
+                <a:latin typeface="inherit"/>
+              </a:rPr>
+              <a:t>중약불에</a:t>
+            </a:r>
+            <a:r>
+              <a:rPr lang="en-US" altLang="ko-KR" b="0" i="0" dirty="0">
+                <a:solidFill>
+                  <a:srgbClr val="545454"/>
+                </a:solidFill>
+                <a:effectLst/>
+                <a:latin typeface="inherit"/>
+              </a:rPr>
+              <a:t>…..</a:t>
+            </a:r>
+            <a:endParaRPr lang="ko-KR" altLang="en-US" dirty="0">
               <a:solidFill>
                 <a:schemeClr val="tx1"/>
               </a:solidFill>
@@ -13911,7 +16645,7 @@
     </p:spTree>
     <p:extLst>
       <p:ext uri="{BB962C8B-B14F-4D97-AF65-F5344CB8AC3E}">
-        <p14:creationId xmlns:p14="http://schemas.microsoft.com/office/powerpoint/2010/main" val="764166156"/>
+        <p14:creationId xmlns:p14="http://schemas.microsoft.com/office/powerpoint/2010/main" val="1786852527"/>
       </p:ext>
     </p:extLst>
   </p:cSld>
@@ -13921,7 +16655,2163 @@
 </p:sld>
 </file>
 
-<file path=ppt/slides/slide4.xml><?xml version="1.0" encoding="utf-8"?>
+<file path=ppt/slides/slide5.xml><?xml version="1.0" encoding="utf-8"?>
+<p:sld xmlns:a="http://schemas.openxmlformats.org/drawingml/2006/main" xmlns:r="http://schemas.openxmlformats.org/officeDocument/2006/relationships" xmlns:p="http://schemas.openxmlformats.org/presentationml/2006/main">
+  <p:cSld>
+    <p:spTree>
+      <p:nvGrpSpPr>
+        <p:cNvPr id="1" name=""/>
+        <p:cNvGrpSpPr/>
+        <p:nvPr/>
+      </p:nvGrpSpPr>
+      <p:grpSpPr>
+        <a:xfrm>
+          <a:off x="0" y="0"/>
+          <a:ext cx="0" cy="0"/>
+          <a:chOff x="0" y="0"/>
+          <a:chExt cx="0" cy="0"/>
+        </a:xfrm>
+      </p:grpSpPr>
+      <p:sp>
+        <p:nvSpPr>
+          <p:cNvPr id="2" name="TextBox 1">
+            <a:extLst>
+              <a:ext uri="{FF2B5EF4-FFF2-40B4-BE49-F238E27FC236}">
+                <a16:creationId xmlns:a16="http://schemas.microsoft.com/office/drawing/2014/main" id="{832418DC-86A3-4CC3-A266-8E2EB3B8F8B5}"/>
+              </a:ext>
+            </a:extLst>
+          </p:cNvPr>
+          <p:cNvSpPr txBox="1"/>
+          <p:nvPr/>
+        </p:nvSpPr>
+        <p:spPr>
+          <a:xfrm>
+            <a:off x="905692" y="233681"/>
+            <a:ext cx="1651414" cy="400110"/>
+          </a:xfrm>
+          <a:prstGeom prst="rect">
+            <a:avLst/>
+          </a:prstGeom>
+          <a:noFill/>
+        </p:spPr>
+        <p:txBody>
+          <a:bodyPr wrap="none" rtlCol="0">
+            <a:spAutoFit/>
+          </a:bodyPr>
+          <a:lstStyle/>
+          <a:p>
+            <a:r>
+              <a:rPr lang="en-US" altLang="ko-KR" sz="2000"/>
+              <a:t>5.1 </a:t>
+            </a:r>
+            <a:r>
+              <a:rPr lang="ko-KR" altLang="en-US" sz="2000"/>
+              <a:t>리팩토링</a:t>
+            </a:r>
+            <a:endParaRPr lang="ko-KR" altLang="en-US" sz="1200"/>
+          </a:p>
+        </p:txBody>
+      </p:sp>
+      <p:sp>
+        <p:nvSpPr>
+          <p:cNvPr id="6" name="자유형: 도형 5">
+            <a:extLst>
+              <a:ext uri="{FF2B5EF4-FFF2-40B4-BE49-F238E27FC236}">
+                <a16:creationId xmlns:a16="http://schemas.microsoft.com/office/drawing/2014/main" id="{2B400B05-FE48-497B-844D-EDF332D5911A}"/>
+              </a:ext>
+            </a:extLst>
+          </p:cNvPr>
+          <p:cNvSpPr/>
+          <p:nvPr/>
+        </p:nvSpPr>
+        <p:spPr>
+          <a:xfrm>
+            <a:off x="1872654" y="2510804"/>
+            <a:ext cx="1368903" cy="1624196"/>
+          </a:xfrm>
+          <a:custGeom>
+            <a:avLst/>
+            <a:gdLst>
+              <a:gd name="connsiteX0" fmla="*/ 286455 w 648029"/>
+              <a:gd name="connsiteY0" fmla="*/ 19050 h 768883"/>
+              <a:gd name="connsiteX1" fmla="*/ 553859 w 648029"/>
+              <a:gd name="connsiteY1" fmla="*/ 285939 h 768883"/>
+              <a:gd name="connsiteX2" fmla="*/ 553658 w 648029"/>
+              <a:gd name="connsiteY2" fmla="*/ 296571 h 768883"/>
+              <a:gd name="connsiteX3" fmla="*/ 553646 w 648029"/>
+              <a:gd name="connsiteY3" fmla="*/ 296917 h 768883"/>
+              <a:gd name="connsiteX4" fmla="*/ 553646 w 648029"/>
+              <a:gd name="connsiteY4" fmla="*/ 307112 h 768883"/>
+              <a:gd name="connsiteX5" fmla="*/ 556180 w 648029"/>
+              <a:gd name="connsiteY5" fmla="*/ 311521 h 768883"/>
+              <a:gd name="connsiteX6" fmla="*/ 621903 w 648029"/>
+              <a:gd name="connsiteY6" fmla="*/ 425853 h 768883"/>
+              <a:gd name="connsiteX7" fmla="*/ 622157 w 648029"/>
+              <a:gd name="connsiteY7" fmla="*/ 426295 h 768883"/>
+              <a:gd name="connsiteX8" fmla="*/ 622435 w 648029"/>
+              <a:gd name="connsiteY8" fmla="*/ 426723 h 768883"/>
+              <a:gd name="connsiteX9" fmla="*/ 627252 w 648029"/>
+              <a:gd name="connsiteY9" fmla="*/ 453496 h 768883"/>
+              <a:gd name="connsiteX10" fmla="*/ 613308 w 648029"/>
+              <a:gd name="connsiteY10" fmla="*/ 464002 h 768883"/>
+              <a:gd name="connsiteX11" fmla="*/ 553646 w 648029"/>
+              <a:gd name="connsiteY11" fmla="*/ 464002 h 768883"/>
+              <a:gd name="connsiteX12" fmla="*/ 553646 w 648029"/>
+              <a:gd name="connsiteY12" fmla="*/ 540218 h 768883"/>
+              <a:gd name="connsiteX13" fmla="*/ 526836 w 648029"/>
+              <a:gd name="connsiteY13" fmla="*/ 607732 h 768883"/>
+              <a:gd name="connsiteX14" fmla="*/ 460295 w 648029"/>
+              <a:gd name="connsiteY14" fmla="*/ 635499 h 768883"/>
+              <a:gd name="connsiteX15" fmla="*/ 394572 w 648029"/>
+              <a:gd name="connsiteY15" fmla="*/ 635499 h 768883"/>
+              <a:gd name="connsiteX16" fmla="*/ 394572 w 648029"/>
+              <a:gd name="connsiteY16" fmla="*/ 749834 h 768883"/>
+              <a:gd name="connsiteX17" fmla="*/ 131665 w 648029"/>
+              <a:gd name="connsiteY17" fmla="*/ 749834 h 768883"/>
+              <a:gd name="connsiteX18" fmla="*/ 131665 w 648029"/>
+              <a:gd name="connsiteY18" fmla="*/ 518485 h 768883"/>
+              <a:gd name="connsiteX19" fmla="*/ 124271 w 648029"/>
+              <a:gd name="connsiteY19" fmla="*/ 512764 h 768883"/>
+              <a:gd name="connsiteX20" fmla="*/ 19264 w 648029"/>
+              <a:gd name="connsiteY20" fmla="*/ 297264 h 768883"/>
+              <a:gd name="connsiteX21" fmla="*/ 19264 w 648029"/>
+              <a:gd name="connsiteY21" fmla="*/ 296920 h 768883"/>
+              <a:gd name="connsiteX22" fmla="*/ 19252 w 648029"/>
+              <a:gd name="connsiteY22" fmla="*/ 296573 h 768883"/>
+              <a:gd name="connsiteX23" fmla="*/ 275822 w 648029"/>
+              <a:gd name="connsiteY23" fmla="*/ 19252 h 768883"/>
+              <a:gd name="connsiteX24" fmla="*/ 286455 w 648029"/>
+              <a:gd name="connsiteY24" fmla="*/ 19050 h 768883"/>
+              <a:gd name="connsiteX25" fmla="*/ 286455 w 648029"/>
+              <a:gd name="connsiteY25" fmla="*/ 0 h 768883"/>
+              <a:gd name="connsiteX26" fmla="*/ 0 w 648029"/>
+              <a:gd name="connsiteY26" fmla="*/ 285939 h 768883"/>
+              <a:gd name="connsiteX27" fmla="*/ 214 w 648029"/>
+              <a:gd name="connsiteY27" fmla="*/ 297264 h 768883"/>
+              <a:gd name="connsiteX28" fmla="*/ 112615 w 648029"/>
+              <a:gd name="connsiteY28" fmla="*/ 527834 h 768883"/>
+              <a:gd name="connsiteX29" fmla="*/ 112615 w 648029"/>
+              <a:gd name="connsiteY29" fmla="*/ 768884 h 768883"/>
+              <a:gd name="connsiteX30" fmla="*/ 413620 w 648029"/>
+              <a:gd name="connsiteY30" fmla="*/ 768884 h 768883"/>
+              <a:gd name="connsiteX31" fmla="*/ 413620 w 648029"/>
+              <a:gd name="connsiteY31" fmla="*/ 654551 h 768883"/>
+              <a:gd name="connsiteX32" fmla="*/ 460293 w 648029"/>
+              <a:gd name="connsiteY32" fmla="*/ 654551 h 768883"/>
+              <a:gd name="connsiteX33" fmla="*/ 540303 w 648029"/>
+              <a:gd name="connsiteY33" fmla="*/ 621204 h 768883"/>
+              <a:gd name="connsiteX34" fmla="*/ 572688 w 648029"/>
+              <a:gd name="connsiteY34" fmla="*/ 540221 h 768883"/>
+              <a:gd name="connsiteX35" fmla="*/ 572688 w 648029"/>
+              <a:gd name="connsiteY35" fmla="*/ 483055 h 768883"/>
+              <a:gd name="connsiteX36" fmla="*/ 614598 w 648029"/>
+              <a:gd name="connsiteY36" fmla="*/ 483055 h 768883"/>
+              <a:gd name="connsiteX37" fmla="*/ 638410 w 648029"/>
+              <a:gd name="connsiteY37" fmla="*/ 416361 h 768883"/>
+              <a:gd name="connsiteX38" fmla="*/ 572688 w 648029"/>
+              <a:gd name="connsiteY38" fmla="*/ 302028 h 768883"/>
+              <a:gd name="connsiteX39" fmla="*/ 572688 w 648029"/>
+              <a:gd name="connsiteY39" fmla="*/ 297266 h 768883"/>
+              <a:gd name="connsiteX40" fmla="*/ 297774 w 648029"/>
+              <a:gd name="connsiteY40" fmla="*/ 214 h 768883"/>
+              <a:gd name="connsiteX41" fmla="*/ 286455 w 648029"/>
+              <a:gd name="connsiteY41" fmla="*/ 0 h 768883"/>
+            </a:gdLst>
+            <a:ahLst/>
+            <a:cxnLst>
+              <a:cxn ang="0">
+                <a:pos x="connsiteX0" y="connsiteY0"/>
+              </a:cxn>
+              <a:cxn ang="0">
+                <a:pos x="connsiteX1" y="connsiteY1"/>
+              </a:cxn>
+              <a:cxn ang="0">
+                <a:pos x="connsiteX2" y="connsiteY2"/>
+              </a:cxn>
+              <a:cxn ang="0">
+                <a:pos x="connsiteX3" y="connsiteY3"/>
+              </a:cxn>
+              <a:cxn ang="0">
+                <a:pos x="connsiteX4" y="connsiteY4"/>
+              </a:cxn>
+              <a:cxn ang="0">
+                <a:pos x="connsiteX5" y="connsiteY5"/>
+              </a:cxn>
+              <a:cxn ang="0">
+                <a:pos x="connsiteX6" y="connsiteY6"/>
+              </a:cxn>
+              <a:cxn ang="0">
+                <a:pos x="connsiteX7" y="connsiteY7"/>
+              </a:cxn>
+              <a:cxn ang="0">
+                <a:pos x="connsiteX8" y="connsiteY8"/>
+              </a:cxn>
+              <a:cxn ang="0">
+                <a:pos x="connsiteX9" y="connsiteY9"/>
+              </a:cxn>
+              <a:cxn ang="0">
+                <a:pos x="connsiteX10" y="connsiteY10"/>
+              </a:cxn>
+              <a:cxn ang="0">
+                <a:pos x="connsiteX11" y="connsiteY11"/>
+              </a:cxn>
+              <a:cxn ang="0">
+                <a:pos x="connsiteX12" y="connsiteY12"/>
+              </a:cxn>
+              <a:cxn ang="0">
+                <a:pos x="connsiteX13" y="connsiteY13"/>
+              </a:cxn>
+              <a:cxn ang="0">
+                <a:pos x="connsiteX14" y="connsiteY14"/>
+              </a:cxn>
+              <a:cxn ang="0">
+                <a:pos x="connsiteX15" y="connsiteY15"/>
+              </a:cxn>
+              <a:cxn ang="0">
+                <a:pos x="connsiteX16" y="connsiteY16"/>
+              </a:cxn>
+              <a:cxn ang="0">
+                <a:pos x="connsiteX17" y="connsiteY17"/>
+              </a:cxn>
+              <a:cxn ang="0">
+                <a:pos x="connsiteX18" y="connsiteY18"/>
+              </a:cxn>
+              <a:cxn ang="0">
+                <a:pos x="connsiteX19" y="connsiteY19"/>
+              </a:cxn>
+              <a:cxn ang="0">
+                <a:pos x="connsiteX20" y="connsiteY20"/>
+              </a:cxn>
+              <a:cxn ang="0">
+                <a:pos x="connsiteX21" y="connsiteY21"/>
+              </a:cxn>
+              <a:cxn ang="0">
+                <a:pos x="connsiteX22" y="connsiteY22"/>
+              </a:cxn>
+              <a:cxn ang="0">
+                <a:pos x="connsiteX23" y="connsiteY23"/>
+              </a:cxn>
+              <a:cxn ang="0">
+                <a:pos x="connsiteX24" y="connsiteY24"/>
+              </a:cxn>
+              <a:cxn ang="0">
+                <a:pos x="connsiteX25" y="connsiteY25"/>
+              </a:cxn>
+              <a:cxn ang="0">
+                <a:pos x="connsiteX26" y="connsiteY26"/>
+              </a:cxn>
+              <a:cxn ang="0">
+                <a:pos x="connsiteX27" y="connsiteY27"/>
+              </a:cxn>
+              <a:cxn ang="0">
+                <a:pos x="connsiteX28" y="connsiteY28"/>
+              </a:cxn>
+              <a:cxn ang="0">
+                <a:pos x="connsiteX29" y="connsiteY29"/>
+              </a:cxn>
+              <a:cxn ang="0">
+                <a:pos x="connsiteX30" y="connsiteY30"/>
+              </a:cxn>
+              <a:cxn ang="0">
+                <a:pos x="connsiteX31" y="connsiteY31"/>
+              </a:cxn>
+              <a:cxn ang="0">
+                <a:pos x="connsiteX32" y="connsiteY32"/>
+              </a:cxn>
+              <a:cxn ang="0">
+                <a:pos x="connsiteX33" y="connsiteY33"/>
+              </a:cxn>
+              <a:cxn ang="0">
+                <a:pos x="connsiteX34" y="connsiteY34"/>
+              </a:cxn>
+              <a:cxn ang="0">
+                <a:pos x="connsiteX35" y="connsiteY35"/>
+              </a:cxn>
+              <a:cxn ang="0">
+                <a:pos x="connsiteX36" y="connsiteY36"/>
+              </a:cxn>
+              <a:cxn ang="0">
+                <a:pos x="connsiteX37" y="connsiteY37"/>
+              </a:cxn>
+              <a:cxn ang="0">
+                <a:pos x="connsiteX38" y="connsiteY38"/>
+              </a:cxn>
+              <a:cxn ang="0">
+                <a:pos x="connsiteX39" y="connsiteY39"/>
+              </a:cxn>
+              <a:cxn ang="0">
+                <a:pos x="connsiteX40" y="connsiteY40"/>
+              </a:cxn>
+              <a:cxn ang="0">
+                <a:pos x="connsiteX41" y="connsiteY41"/>
+              </a:cxn>
+            </a:cxnLst>
+            <a:rect l="l" t="t" r="r" b="b"/>
+            <a:pathLst>
+              <a:path w="648029" h="768883">
+                <a:moveTo>
+                  <a:pt x="286455" y="19050"/>
+                </a:moveTo>
+                <a:cubicBezTo>
+                  <a:pt x="433996" y="18908"/>
+                  <a:pt x="553717" y="138398"/>
+                  <a:pt x="553859" y="285939"/>
+                </a:cubicBezTo>
+                <a:cubicBezTo>
+                  <a:pt x="553863" y="289484"/>
+                  <a:pt x="553795" y="293028"/>
+                  <a:pt x="553658" y="296571"/>
+                </a:cubicBezTo>
+                <a:lnTo>
+                  <a:pt x="553646" y="296917"/>
+                </a:lnTo>
+                <a:lnTo>
+                  <a:pt x="553646" y="307112"/>
+                </a:lnTo>
+                <a:lnTo>
+                  <a:pt x="556180" y="311521"/>
+                </a:lnTo>
+                <a:lnTo>
+                  <a:pt x="621903" y="425853"/>
+                </a:lnTo>
+                <a:lnTo>
+                  <a:pt x="622157" y="426295"/>
+                </a:lnTo>
+                <a:lnTo>
+                  <a:pt x="622435" y="426723"/>
+                </a:lnTo>
+                <a:cubicBezTo>
+                  <a:pt x="628622" y="434186"/>
+                  <a:pt x="630450" y="444344"/>
+                  <a:pt x="627252" y="453496"/>
+                </a:cubicBezTo>
+                <a:cubicBezTo>
+                  <a:pt x="624559" y="459032"/>
+                  <a:pt x="619373" y="462940"/>
+                  <a:pt x="613308" y="464002"/>
+                </a:cubicBezTo>
+                <a:lnTo>
+                  <a:pt x="553646" y="464002"/>
+                </a:lnTo>
+                <a:lnTo>
+                  <a:pt x="553646" y="540218"/>
+                </a:lnTo>
+                <a:cubicBezTo>
+                  <a:pt x="553748" y="565337"/>
+                  <a:pt x="544143" y="589526"/>
+                  <a:pt x="526836" y="607732"/>
+                </a:cubicBezTo>
+                <a:cubicBezTo>
+                  <a:pt x="509256" y="625505"/>
+                  <a:pt x="485294" y="635504"/>
+                  <a:pt x="460295" y="635499"/>
+                </a:cubicBezTo>
+                <a:lnTo>
+                  <a:pt x="394572" y="635499"/>
+                </a:lnTo>
+                <a:lnTo>
+                  <a:pt x="394572" y="749834"/>
+                </a:lnTo>
+                <a:lnTo>
+                  <a:pt x="131665" y="749834"/>
+                </a:lnTo>
+                <a:lnTo>
+                  <a:pt x="131665" y="518485"/>
+                </a:lnTo>
+                <a:lnTo>
+                  <a:pt x="124271" y="512764"/>
+                </a:lnTo>
+                <a:cubicBezTo>
+                  <a:pt x="57580" y="461235"/>
+                  <a:pt x="18748" y="381541"/>
+                  <a:pt x="19264" y="297264"/>
+                </a:cubicBezTo>
+                <a:lnTo>
+                  <a:pt x="19264" y="296920"/>
+                </a:lnTo>
+                <a:lnTo>
+                  <a:pt x="19252" y="296573"/>
+                </a:lnTo>
+                <a:cubicBezTo>
+                  <a:pt x="13522" y="149144"/>
+                  <a:pt x="128392" y="24982"/>
+                  <a:pt x="275822" y="19252"/>
+                </a:cubicBezTo>
+                <a:cubicBezTo>
+                  <a:pt x="279365" y="19114"/>
+                  <a:pt x="282910" y="19047"/>
+                  <a:pt x="286455" y="19050"/>
+                </a:cubicBezTo>
+                <a:moveTo>
+                  <a:pt x="286455" y="0"/>
+                </a:moveTo>
+                <a:cubicBezTo>
+                  <a:pt x="128393" y="-142"/>
+                  <a:pt x="143" y="127877"/>
+                  <a:pt x="0" y="285939"/>
+                </a:cubicBezTo>
+                <a:cubicBezTo>
+                  <a:pt x="-3" y="289715"/>
+                  <a:pt x="69" y="293491"/>
+                  <a:pt x="214" y="297264"/>
+                </a:cubicBezTo>
+                <a:cubicBezTo>
+                  <a:pt x="-156" y="387405"/>
+                  <a:pt x="41377" y="472601"/>
+                  <a:pt x="112615" y="527834"/>
+                </a:cubicBezTo>
+                <a:lnTo>
+                  <a:pt x="112615" y="768884"/>
+                </a:lnTo>
+                <a:lnTo>
+                  <a:pt x="413620" y="768884"/>
+                </a:lnTo>
+                <a:lnTo>
+                  <a:pt x="413620" y="654551"/>
+                </a:lnTo>
+                <a:lnTo>
+                  <a:pt x="460293" y="654551"/>
+                </a:lnTo>
+                <a:cubicBezTo>
+                  <a:pt x="490332" y="654497"/>
+                  <a:pt x="519116" y="642500"/>
+                  <a:pt x="540303" y="621204"/>
+                </a:cubicBezTo>
+                <a:cubicBezTo>
+                  <a:pt x="561200" y="599437"/>
+                  <a:pt x="572814" y="570395"/>
+                  <a:pt x="572688" y="540221"/>
+                </a:cubicBezTo>
+                <a:lnTo>
+                  <a:pt x="572688" y="483055"/>
+                </a:lnTo>
+                <a:lnTo>
+                  <a:pt x="614598" y="483055"/>
+                </a:lnTo>
+                <a:cubicBezTo>
+                  <a:pt x="639363" y="480197"/>
+                  <a:pt x="661270" y="451613"/>
+                  <a:pt x="638410" y="416361"/>
+                </a:cubicBezTo>
+                <a:lnTo>
+                  <a:pt x="572688" y="302028"/>
+                </a:lnTo>
+                <a:lnTo>
+                  <a:pt x="572688" y="297266"/>
+                </a:lnTo>
+                <a:cubicBezTo>
+                  <a:pt x="578801" y="139322"/>
+                  <a:pt x="455718" y="6327"/>
+                  <a:pt x="297774" y="214"/>
+                </a:cubicBezTo>
+                <a:cubicBezTo>
+                  <a:pt x="294003" y="68"/>
+                  <a:pt x="290229" y="-3"/>
+                  <a:pt x="286455" y="0"/>
+                </a:cubicBezTo>
+                <a:close/>
+              </a:path>
+            </a:pathLst>
+          </a:custGeom>
+          <a:solidFill>
+            <a:srgbClr val="000000"/>
+          </a:solidFill>
+          <a:ln w="9525" cap="flat">
+            <a:noFill/>
+            <a:prstDash val="solid"/>
+            <a:miter/>
+          </a:ln>
+        </p:spPr>
+        <p:txBody>
+          <a:bodyPr rtlCol="0" anchor="ctr"/>
+          <a:lstStyle/>
+          <a:p>
+            <a:endParaRPr lang="ko-KR" altLang="en-US" dirty="0"/>
+          </a:p>
+        </p:txBody>
+      </p:sp>
+      <p:grpSp>
+        <p:nvGrpSpPr>
+          <p:cNvPr id="7" name="그룹 6">
+            <a:extLst>
+              <a:ext uri="{FF2B5EF4-FFF2-40B4-BE49-F238E27FC236}">
+                <a16:creationId xmlns:a16="http://schemas.microsoft.com/office/drawing/2014/main" id="{A56B3DE1-C214-43E3-856C-357336F2016D}"/>
+              </a:ext>
+            </a:extLst>
+          </p:cNvPr>
+          <p:cNvGrpSpPr/>
+          <p:nvPr/>
+        </p:nvGrpSpPr>
+        <p:grpSpPr>
+          <a:xfrm>
+            <a:off x="7651200" y="528153"/>
+            <a:ext cx="1368903" cy="1624196"/>
+            <a:chOff x="7344023" y="3672796"/>
+            <a:chExt cx="1368903" cy="1624196"/>
+          </a:xfrm>
+        </p:grpSpPr>
+        <p:sp>
+          <p:nvSpPr>
+            <p:cNvPr id="8" name="자유형: 도형 7">
+              <a:extLst>
+                <a:ext uri="{FF2B5EF4-FFF2-40B4-BE49-F238E27FC236}">
+                  <a16:creationId xmlns:a16="http://schemas.microsoft.com/office/drawing/2014/main" id="{83368AF4-EDE1-4A0A-8F7E-44E1F29346EA}"/>
+                </a:ext>
+              </a:extLst>
+            </p:cNvPr>
+            <p:cNvSpPr/>
+            <p:nvPr/>
+          </p:nvSpPr>
+          <p:spPr>
+            <a:xfrm flipH="1">
+              <a:off x="7344023" y="3672796"/>
+              <a:ext cx="1368903" cy="1624196"/>
+            </a:xfrm>
+            <a:custGeom>
+              <a:avLst/>
+              <a:gdLst>
+                <a:gd name="connsiteX0" fmla="*/ 286455 w 648029"/>
+                <a:gd name="connsiteY0" fmla="*/ 19050 h 768883"/>
+                <a:gd name="connsiteX1" fmla="*/ 553859 w 648029"/>
+                <a:gd name="connsiteY1" fmla="*/ 285939 h 768883"/>
+                <a:gd name="connsiteX2" fmla="*/ 553658 w 648029"/>
+                <a:gd name="connsiteY2" fmla="*/ 296571 h 768883"/>
+                <a:gd name="connsiteX3" fmla="*/ 553646 w 648029"/>
+                <a:gd name="connsiteY3" fmla="*/ 296917 h 768883"/>
+                <a:gd name="connsiteX4" fmla="*/ 553646 w 648029"/>
+                <a:gd name="connsiteY4" fmla="*/ 307112 h 768883"/>
+                <a:gd name="connsiteX5" fmla="*/ 556180 w 648029"/>
+                <a:gd name="connsiteY5" fmla="*/ 311521 h 768883"/>
+                <a:gd name="connsiteX6" fmla="*/ 621903 w 648029"/>
+                <a:gd name="connsiteY6" fmla="*/ 425853 h 768883"/>
+                <a:gd name="connsiteX7" fmla="*/ 622157 w 648029"/>
+                <a:gd name="connsiteY7" fmla="*/ 426295 h 768883"/>
+                <a:gd name="connsiteX8" fmla="*/ 622435 w 648029"/>
+                <a:gd name="connsiteY8" fmla="*/ 426723 h 768883"/>
+                <a:gd name="connsiteX9" fmla="*/ 627252 w 648029"/>
+                <a:gd name="connsiteY9" fmla="*/ 453496 h 768883"/>
+                <a:gd name="connsiteX10" fmla="*/ 613308 w 648029"/>
+                <a:gd name="connsiteY10" fmla="*/ 464002 h 768883"/>
+                <a:gd name="connsiteX11" fmla="*/ 553646 w 648029"/>
+                <a:gd name="connsiteY11" fmla="*/ 464002 h 768883"/>
+                <a:gd name="connsiteX12" fmla="*/ 553646 w 648029"/>
+                <a:gd name="connsiteY12" fmla="*/ 540218 h 768883"/>
+                <a:gd name="connsiteX13" fmla="*/ 526836 w 648029"/>
+                <a:gd name="connsiteY13" fmla="*/ 607732 h 768883"/>
+                <a:gd name="connsiteX14" fmla="*/ 460295 w 648029"/>
+                <a:gd name="connsiteY14" fmla="*/ 635499 h 768883"/>
+                <a:gd name="connsiteX15" fmla="*/ 394572 w 648029"/>
+                <a:gd name="connsiteY15" fmla="*/ 635499 h 768883"/>
+                <a:gd name="connsiteX16" fmla="*/ 394572 w 648029"/>
+                <a:gd name="connsiteY16" fmla="*/ 749834 h 768883"/>
+                <a:gd name="connsiteX17" fmla="*/ 131665 w 648029"/>
+                <a:gd name="connsiteY17" fmla="*/ 749834 h 768883"/>
+                <a:gd name="connsiteX18" fmla="*/ 131665 w 648029"/>
+                <a:gd name="connsiteY18" fmla="*/ 518485 h 768883"/>
+                <a:gd name="connsiteX19" fmla="*/ 124271 w 648029"/>
+                <a:gd name="connsiteY19" fmla="*/ 512764 h 768883"/>
+                <a:gd name="connsiteX20" fmla="*/ 19264 w 648029"/>
+                <a:gd name="connsiteY20" fmla="*/ 297264 h 768883"/>
+                <a:gd name="connsiteX21" fmla="*/ 19264 w 648029"/>
+                <a:gd name="connsiteY21" fmla="*/ 296920 h 768883"/>
+                <a:gd name="connsiteX22" fmla="*/ 19252 w 648029"/>
+                <a:gd name="connsiteY22" fmla="*/ 296573 h 768883"/>
+                <a:gd name="connsiteX23" fmla="*/ 275822 w 648029"/>
+                <a:gd name="connsiteY23" fmla="*/ 19252 h 768883"/>
+                <a:gd name="connsiteX24" fmla="*/ 286455 w 648029"/>
+                <a:gd name="connsiteY24" fmla="*/ 19050 h 768883"/>
+                <a:gd name="connsiteX25" fmla="*/ 286455 w 648029"/>
+                <a:gd name="connsiteY25" fmla="*/ 0 h 768883"/>
+                <a:gd name="connsiteX26" fmla="*/ 0 w 648029"/>
+                <a:gd name="connsiteY26" fmla="*/ 285939 h 768883"/>
+                <a:gd name="connsiteX27" fmla="*/ 214 w 648029"/>
+                <a:gd name="connsiteY27" fmla="*/ 297264 h 768883"/>
+                <a:gd name="connsiteX28" fmla="*/ 112615 w 648029"/>
+                <a:gd name="connsiteY28" fmla="*/ 527834 h 768883"/>
+                <a:gd name="connsiteX29" fmla="*/ 112615 w 648029"/>
+                <a:gd name="connsiteY29" fmla="*/ 768884 h 768883"/>
+                <a:gd name="connsiteX30" fmla="*/ 413620 w 648029"/>
+                <a:gd name="connsiteY30" fmla="*/ 768884 h 768883"/>
+                <a:gd name="connsiteX31" fmla="*/ 413620 w 648029"/>
+                <a:gd name="connsiteY31" fmla="*/ 654551 h 768883"/>
+                <a:gd name="connsiteX32" fmla="*/ 460293 w 648029"/>
+                <a:gd name="connsiteY32" fmla="*/ 654551 h 768883"/>
+                <a:gd name="connsiteX33" fmla="*/ 540303 w 648029"/>
+                <a:gd name="connsiteY33" fmla="*/ 621204 h 768883"/>
+                <a:gd name="connsiteX34" fmla="*/ 572688 w 648029"/>
+                <a:gd name="connsiteY34" fmla="*/ 540221 h 768883"/>
+                <a:gd name="connsiteX35" fmla="*/ 572688 w 648029"/>
+                <a:gd name="connsiteY35" fmla="*/ 483055 h 768883"/>
+                <a:gd name="connsiteX36" fmla="*/ 614598 w 648029"/>
+                <a:gd name="connsiteY36" fmla="*/ 483055 h 768883"/>
+                <a:gd name="connsiteX37" fmla="*/ 638410 w 648029"/>
+                <a:gd name="connsiteY37" fmla="*/ 416361 h 768883"/>
+                <a:gd name="connsiteX38" fmla="*/ 572688 w 648029"/>
+                <a:gd name="connsiteY38" fmla="*/ 302028 h 768883"/>
+                <a:gd name="connsiteX39" fmla="*/ 572688 w 648029"/>
+                <a:gd name="connsiteY39" fmla="*/ 297266 h 768883"/>
+                <a:gd name="connsiteX40" fmla="*/ 297774 w 648029"/>
+                <a:gd name="connsiteY40" fmla="*/ 214 h 768883"/>
+                <a:gd name="connsiteX41" fmla="*/ 286455 w 648029"/>
+                <a:gd name="connsiteY41" fmla="*/ 0 h 768883"/>
+              </a:gdLst>
+              <a:ahLst/>
+              <a:cxnLst>
+                <a:cxn ang="0">
+                  <a:pos x="connsiteX0" y="connsiteY0"/>
+                </a:cxn>
+                <a:cxn ang="0">
+                  <a:pos x="connsiteX1" y="connsiteY1"/>
+                </a:cxn>
+                <a:cxn ang="0">
+                  <a:pos x="connsiteX2" y="connsiteY2"/>
+                </a:cxn>
+                <a:cxn ang="0">
+                  <a:pos x="connsiteX3" y="connsiteY3"/>
+                </a:cxn>
+                <a:cxn ang="0">
+                  <a:pos x="connsiteX4" y="connsiteY4"/>
+                </a:cxn>
+                <a:cxn ang="0">
+                  <a:pos x="connsiteX5" y="connsiteY5"/>
+                </a:cxn>
+                <a:cxn ang="0">
+                  <a:pos x="connsiteX6" y="connsiteY6"/>
+                </a:cxn>
+                <a:cxn ang="0">
+                  <a:pos x="connsiteX7" y="connsiteY7"/>
+                </a:cxn>
+                <a:cxn ang="0">
+                  <a:pos x="connsiteX8" y="connsiteY8"/>
+                </a:cxn>
+                <a:cxn ang="0">
+                  <a:pos x="connsiteX9" y="connsiteY9"/>
+                </a:cxn>
+                <a:cxn ang="0">
+                  <a:pos x="connsiteX10" y="connsiteY10"/>
+                </a:cxn>
+                <a:cxn ang="0">
+                  <a:pos x="connsiteX11" y="connsiteY11"/>
+                </a:cxn>
+                <a:cxn ang="0">
+                  <a:pos x="connsiteX12" y="connsiteY12"/>
+                </a:cxn>
+                <a:cxn ang="0">
+                  <a:pos x="connsiteX13" y="connsiteY13"/>
+                </a:cxn>
+                <a:cxn ang="0">
+                  <a:pos x="connsiteX14" y="connsiteY14"/>
+                </a:cxn>
+                <a:cxn ang="0">
+                  <a:pos x="connsiteX15" y="connsiteY15"/>
+                </a:cxn>
+                <a:cxn ang="0">
+                  <a:pos x="connsiteX16" y="connsiteY16"/>
+                </a:cxn>
+                <a:cxn ang="0">
+                  <a:pos x="connsiteX17" y="connsiteY17"/>
+                </a:cxn>
+                <a:cxn ang="0">
+                  <a:pos x="connsiteX18" y="connsiteY18"/>
+                </a:cxn>
+                <a:cxn ang="0">
+                  <a:pos x="connsiteX19" y="connsiteY19"/>
+                </a:cxn>
+                <a:cxn ang="0">
+                  <a:pos x="connsiteX20" y="connsiteY20"/>
+                </a:cxn>
+                <a:cxn ang="0">
+                  <a:pos x="connsiteX21" y="connsiteY21"/>
+                </a:cxn>
+                <a:cxn ang="0">
+                  <a:pos x="connsiteX22" y="connsiteY22"/>
+                </a:cxn>
+                <a:cxn ang="0">
+                  <a:pos x="connsiteX23" y="connsiteY23"/>
+                </a:cxn>
+                <a:cxn ang="0">
+                  <a:pos x="connsiteX24" y="connsiteY24"/>
+                </a:cxn>
+                <a:cxn ang="0">
+                  <a:pos x="connsiteX25" y="connsiteY25"/>
+                </a:cxn>
+                <a:cxn ang="0">
+                  <a:pos x="connsiteX26" y="connsiteY26"/>
+                </a:cxn>
+                <a:cxn ang="0">
+                  <a:pos x="connsiteX27" y="connsiteY27"/>
+                </a:cxn>
+                <a:cxn ang="0">
+                  <a:pos x="connsiteX28" y="connsiteY28"/>
+                </a:cxn>
+                <a:cxn ang="0">
+                  <a:pos x="connsiteX29" y="connsiteY29"/>
+                </a:cxn>
+                <a:cxn ang="0">
+                  <a:pos x="connsiteX30" y="connsiteY30"/>
+                </a:cxn>
+                <a:cxn ang="0">
+                  <a:pos x="connsiteX31" y="connsiteY31"/>
+                </a:cxn>
+                <a:cxn ang="0">
+                  <a:pos x="connsiteX32" y="connsiteY32"/>
+                </a:cxn>
+                <a:cxn ang="0">
+                  <a:pos x="connsiteX33" y="connsiteY33"/>
+                </a:cxn>
+                <a:cxn ang="0">
+                  <a:pos x="connsiteX34" y="connsiteY34"/>
+                </a:cxn>
+                <a:cxn ang="0">
+                  <a:pos x="connsiteX35" y="connsiteY35"/>
+                </a:cxn>
+                <a:cxn ang="0">
+                  <a:pos x="connsiteX36" y="connsiteY36"/>
+                </a:cxn>
+                <a:cxn ang="0">
+                  <a:pos x="connsiteX37" y="connsiteY37"/>
+                </a:cxn>
+                <a:cxn ang="0">
+                  <a:pos x="connsiteX38" y="connsiteY38"/>
+                </a:cxn>
+                <a:cxn ang="0">
+                  <a:pos x="connsiteX39" y="connsiteY39"/>
+                </a:cxn>
+                <a:cxn ang="0">
+                  <a:pos x="connsiteX40" y="connsiteY40"/>
+                </a:cxn>
+                <a:cxn ang="0">
+                  <a:pos x="connsiteX41" y="connsiteY41"/>
+                </a:cxn>
+              </a:cxnLst>
+              <a:rect l="l" t="t" r="r" b="b"/>
+              <a:pathLst>
+                <a:path w="648029" h="768883">
+                  <a:moveTo>
+                    <a:pt x="286455" y="19050"/>
+                  </a:moveTo>
+                  <a:cubicBezTo>
+                    <a:pt x="433996" y="18908"/>
+                    <a:pt x="553717" y="138398"/>
+                    <a:pt x="553859" y="285939"/>
+                  </a:cubicBezTo>
+                  <a:cubicBezTo>
+                    <a:pt x="553863" y="289484"/>
+                    <a:pt x="553795" y="293028"/>
+                    <a:pt x="553658" y="296571"/>
+                  </a:cubicBezTo>
+                  <a:lnTo>
+                    <a:pt x="553646" y="296917"/>
+                  </a:lnTo>
+                  <a:lnTo>
+                    <a:pt x="553646" y="307112"/>
+                  </a:lnTo>
+                  <a:lnTo>
+                    <a:pt x="556180" y="311521"/>
+                  </a:lnTo>
+                  <a:lnTo>
+                    <a:pt x="621903" y="425853"/>
+                  </a:lnTo>
+                  <a:lnTo>
+                    <a:pt x="622157" y="426295"/>
+                  </a:lnTo>
+                  <a:lnTo>
+                    <a:pt x="622435" y="426723"/>
+                  </a:lnTo>
+                  <a:cubicBezTo>
+                    <a:pt x="628622" y="434186"/>
+                    <a:pt x="630450" y="444344"/>
+                    <a:pt x="627252" y="453496"/>
+                  </a:cubicBezTo>
+                  <a:cubicBezTo>
+                    <a:pt x="624559" y="459032"/>
+                    <a:pt x="619373" y="462940"/>
+                    <a:pt x="613308" y="464002"/>
+                  </a:cubicBezTo>
+                  <a:lnTo>
+                    <a:pt x="553646" y="464002"/>
+                  </a:lnTo>
+                  <a:lnTo>
+                    <a:pt x="553646" y="540218"/>
+                  </a:lnTo>
+                  <a:cubicBezTo>
+                    <a:pt x="553748" y="565337"/>
+                    <a:pt x="544143" y="589526"/>
+                    <a:pt x="526836" y="607732"/>
+                  </a:cubicBezTo>
+                  <a:cubicBezTo>
+                    <a:pt x="509256" y="625505"/>
+                    <a:pt x="485294" y="635504"/>
+                    <a:pt x="460295" y="635499"/>
+                  </a:cubicBezTo>
+                  <a:lnTo>
+                    <a:pt x="394572" y="635499"/>
+                  </a:lnTo>
+                  <a:lnTo>
+                    <a:pt x="394572" y="749834"/>
+                  </a:lnTo>
+                  <a:lnTo>
+                    <a:pt x="131665" y="749834"/>
+                  </a:lnTo>
+                  <a:lnTo>
+                    <a:pt x="131665" y="518485"/>
+                  </a:lnTo>
+                  <a:lnTo>
+                    <a:pt x="124271" y="512764"/>
+                  </a:lnTo>
+                  <a:cubicBezTo>
+                    <a:pt x="57580" y="461235"/>
+                    <a:pt x="18748" y="381541"/>
+                    <a:pt x="19264" y="297264"/>
+                  </a:cubicBezTo>
+                  <a:lnTo>
+                    <a:pt x="19264" y="296920"/>
+                  </a:lnTo>
+                  <a:lnTo>
+                    <a:pt x="19252" y="296573"/>
+                  </a:lnTo>
+                  <a:cubicBezTo>
+                    <a:pt x="13522" y="149144"/>
+                    <a:pt x="128392" y="24982"/>
+                    <a:pt x="275822" y="19252"/>
+                  </a:cubicBezTo>
+                  <a:cubicBezTo>
+                    <a:pt x="279365" y="19114"/>
+                    <a:pt x="282910" y="19047"/>
+                    <a:pt x="286455" y="19050"/>
+                  </a:cubicBezTo>
+                  <a:moveTo>
+                    <a:pt x="286455" y="0"/>
+                  </a:moveTo>
+                  <a:cubicBezTo>
+                    <a:pt x="128393" y="-142"/>
+                    <a:pt x="143" y="127877"/>
+                    <a:pt x="0" y="285939"/>
+                  </a:cubicBezTo>
+                  <a:cubicBezTo>
+                    <a:pt x="-3" y="289715"/>
+                    <a:pt x="69" y="293491"/>
+                    <a:pt x="214" y="297264"/>
+                  </a:cubicBezTo>
+                  <a:cubicBezTo>
+                    <a:pt x="-156" y="387405"/>
+                    <a:pt x="41377" y="472601"/>
+                    <a:pt x="112615" y="527834"/>
+                  </a:cubicBezTo>
+                  <a:lnTo>
+                    <a:pt x="112615" y="768884"/>
+                  </a:lnTo>
+                  <a:lnTo>
+                    <a:pt x="413620" y="768884"/>
+                  </a:lnTo>
+                  <a:lnTo>
+                    <a:pt x="413620" y="654551"/>
+                  </a:lnTo>
+                  <a:lnTo>
+                    <a:pt x="460293" y="654551"/>
+                  </a:lnTo>
+                  <a:cubicBezTo>
+                    <a:pt x="490332" y="654497"/>
+                    <a:pt x="519116" y="642500"/>
+                    <a:pt x="540303" y="621204"/>
+                  </a:cubicBezTo>
+                  <a:cubicBezTo>
+                    <a:pt x="561200" y="599437"/>
+                    <a:pt x="572814" y="570395"/>
+                    <a:pt x="572688" y="540221"/>
+                  </a:cubicBezTo>
+                  <a:lnTo>
+                    <a:pt x="572688" y="483055"/>
+                  </a:lnTo>
+                  <a:lnTo>
+                    <a:pt x="614598" y="483055"/>
+                  </a:lnTo>
+                  <a:cubicBezTo>
+                    <a:pt x="639363" y="480197"/>
+                    <a:pt x="661270" y="451613"/>
+                    <a:pt x="638410" y="416361"/>
+                  </a:cubicBezTo>
+                  <a:lnTo>
+                    <a:pt x="572688" y="302028"/>
+                  </a:lnTo>
+                  <a:lnTo>
+                    <a:pt x="572688" y="297266"/>
+                  </a:lnTo>
+                  <a:cubicBezTo>
+                    <a:pt x="578801" y="139322"/>
+                    <a:pt x="455718" y="6327"/>
+                    <a:pt x="297774" y="214"/>
+                  </a:cubicBezTo>
+                  <a:cubicBezTo>
+                    <a:pt x="294003" y="68"/>
+                    <a:pt x="290229" y="-3"/>
+                    <a:pt x="286455" y="0"/>
+                  </a:cubicBezTo>
+                  <a:close/>
+                </a:path>
+              </a:pathLst>
+            </a:custGeom>
+            <a:solidFill>
+              <a:srgbClr val="000000"/>
+            </a:solidFill>
+            <a:ln w="9525" cap="flat">
+              <a:noFill/>
+              <a:prstDash val="solid"/>
+              <a:miter/>
+            </a:ln>
+          </p:spPr>
+          <p:txBody>
+            <a:bodyPr rtlCol="0" anchor="ctr"/>
+            <a:lstStyle/>
+            <a:p>
+              <a:endParaRPr lang="ko-KR" altLang="en-US"/>
+            </a:p>
+          </p:txBody>
+        </p:sp>
+        <p:sp>
+          <p:nvSpPr>
+            <p:cNvPr id="12" name="TextBox 11">
+              <a:extLst>
+                <a:ext uri="{FF2B5EF4-FFF2-40B4-BE49-F238E27FC236}">
+                  <a16:creationId xmlns:a16="http://schemas.microsoft.com/office/drawing/2014/main" id="{D11EB952-813E-4ADA-B8B7-C7E4B42D0B27}"/>
+                </a:ext>
+              </a:extLst>
+            </p:cNvPr>
+            <p:cNvSpPr txBox="1"/>
+            <p:nvPr/>
+          </p:nvSpPr>
+          <p:spPr>
+            <a:xfrm>
+              <a:off x="7890871" y="3802053"/>
+              <a:ext cx="466794" cy="1015663"/>
+            </a:xfrm>
+            <a:prstGeom prst="rect">
+              <a:avLst/>
+            </a:prstGeom>
+            <a:noFill/>
+          </p:spPr>
+          <p:txBody>
+            <a:bodyPr wrap="none" rtlCol="0">
+              <a:spAutoFit/>
+            </a:bodyPr>
+            <a:lstStyle/>
+            <a:p>
+              <a:r>
+                <a:rPr lang="en-US" altLang="ko-KR" sz="6000" b="1"/>
+                <a:t>!</a:t>
+              </a:r>
+              <a:endParaRPr lang="ko-KR" altLang="en-US" sz="6000" b="1"/>
+            </a:p>
+          </p:txBody>
+        </p:sp>
+      </p:grpSp>
+      <p:grpSp>
+        <p:nvGrpSpPr>
+          <p:cNvPr id="13" name="그룹 12">
+            <a:extLst>
+              <a:ext uri="{FF2B5EF4-FFF2-40B4-BE49-F238E27FC236}">
+                <a16:creationId xmlns:a16="http://schemas.microsoft.com/office/drawing/2014/main" id="{55285C6A-433D-4A94-985D-15B505BB69F6}"/>
+              </a:ext>
+            </a:extLst>
+          </p:cNvPr>
+          <p:cNvGrpSpPr/>
+          <p:nvPr/>
+        </p:nvGrpSpPr>
+        <p:grpSpPr>
+          <a:xfrm>
+            <a:off x="7746993" y="2510804"/>
+            <a:ext cx="1368903" cy="1624196"/>
+            <a:chOff x="7344023" y="3672796"/>
+            <a:chExt cx="1368903" cy="1624196"/>
+          </a:xfrm>
+        </p:grpSpPr>
+        <p:sp>
+          <p:nvSpPr>
+            <p:cNvPr id="14" name="자유형: 도형 13">
+              <a:extLst>
+                <a:ext uri="{FF2B5EF4-FFF2-40B4-BE49-F238E27FC236}">
+                  <a16:creationId xmlns:a16="http://schemas.microsoft.com/office/drawing/2014/main" id="{6006DD1B-5950-40B4-9677-0B7DC6818F87}"/>
+                </a:ext>
+              </a:extLst>
+            </p:cNvPr>
+            <p:cNvSpPr/>
+            <p:nvPr/>
+          </p:nvSpPr>
+          <p:spPr>
+            <a:xfrm flipH="1">
+              <a:off x="7344023" y="3672796"/>
+              <a:ext cx="1368903" cy="1624196"/>
+            </a:xfrm>
+            <a:custGeom>
+              <a:avLst/>
+              <a:gdLst>
+                <a:gd name="connsiteX0" fmla="*/ 286455 w 648029"/>
+                <a:gd name="connsiteY0" fmla="*/ 19050 h 768883"/>
+                <a:gd name="connsiteX1" fmla="*/ 553859 w 648029"/>
+                <a:gd name="connsiteY1" fmla="*/ 285939 h 768883"/>
+                <a:gd name="connsiteX2" fmla="*/ 553658 w 648029"/>
+                <a:gd name="connsiteY2" fmla="*/ 296571 h 768883"/>
+                <a:gd name="connsiteX3" fmla="*/ 553646 w 648029"/>
+                <a:gd name="connsiteY3" fmla="*/ 296917 h 768883"/>
+                <a:gd name="connsiteX4" fmla="*/ 553646 w 648029"/>
+                <a:gd name="connsiteY4" fmla="*/ 307112 h 768883"/>
+                <a:gd name="connsiteX5" fmla="*/ 556180 w 648029"/>
+                <a:gd name="connsiteY5" fmla="*/ 311521 h 768883"/>
+                <a:gd name="connsiteX6" fmla="*/ 621903 w 648029"/>
+                <a:gd name="connsiteY6" fmla="*/ 425853 h 768883"/>
+                <a:gd name="connsiteX7" fmla="*/ 622157 w 648029"/>
+                <a:gd name="connsiteY7" fmla="*/ 426295 h 768883"/>
+                <a:gd name="connsiteX8" fmla="*/ 622435 w 648029"/>
+                <a:gd name="connsiteY8" fmla="*/ 426723 h 768883"/>
+                <a:gd name="connsiteX9" fmla="*/ 627252 w 648029"/>
+                <a:gd name="connsiteY9" fmla="*/ 453496 h 768883"/>
+                <a:gd name="connsiteX10" fmla="*/ 613308 w 648029"/>
+                <a:gd name="connsiteY10" fmla="*/ 464002 h 768883"/>
+                <a:gd name="connsiteX11" fmla="*/ 553646 w 648029"/>
+                <a:gd name="connsiteY11" fmla="*/ 464002 h 768883"/>
+                <a:gd name="connsiteX12" fmla="*/ 553646 w 648029"/>
+                <a:gd name="connsiteY12" fmla="*/ 540218 h 768883"/>
+                <a:gd name="connsiteX13" fmla="*/ 526836 w 648029"/>
+                <a:gd name="connsiteY13" fmla="*/ 607732 h 768883"/>
+                <a:gd name="connsiteX14" fmla="*/ 460295 w 648029"/>
+                <a:gd name="connsiteY14" fmla="*/ 635499 h 768883"/>
+                <a:gd name="connsiteX15" fmla="*/ 394572 w 648029"/>
+                <a:gd name="connsiteY15" fmla="*/ 635499 h 768883"/>
+                <a:gd name="connsiteX16" fmla="*/ 394572 w 648029"/>
+                <a:gd name="connsiteY16" fmla="*/ 749834 h 768883"/>
+                <a:gd name="connsiteX17" fmla="*/ 131665 w 648029"/>
+                <a:gd name="connsiteY17" fmla="*/ 749834 h 768883"/>
+                <a:gd name="connsiteX18" fmla="*/ 131665 w 648029"/>
+                <a:gd name="connsiteY18" fmla="*/ 518485 h 768883"/>
+                <a:gd name="connsiteX19" fmla="*/ 124271 w 648029"/>
+                <a:gd name="connsiteY19" fmla="*/ 512764 h 768883"/>
+                <a:gd name="connsiteX20" fmla="*/ 19264 w 648029"/>
+                <a:gd name="connsiteY20" fmla="*/ 297264 h 768883"/>
+                <a:gd name="connsiteX21" fmla="*/ 19264 w 648029"/>
+                <a:gd name="connsiteY21" fmla="*/ 296920 h 768883"/>
+                <a:gd name="connsiteX22" fmla="*/ 19252 w 648029"/>
+                <a:gd name="connsiteY22" fmla="*/ 296573 h 768883"/>
+                <a:gd name="connsiteX23" fmla="*/ 275822 w 648029"/>
+                <a:gd name="connsiteY23" fmla="*/ 19252 h 768883"/>
+                <a:gd name="connsiteX24" fmla="*/ 286455 w 648029"/>
+                <a:gd name="connsiteY24" fmla="*/ 19050 h 768883"/>
+                <a:gd name="connsiteX25" fmla="*/ 286455 w 648029"/>
+                <a:gd name="connsiteY25" fmla="*/ 0 h 768883"/>
+                <a:gd name="connsiteX26" fmla="*/ 0 w 648029"/>
+                <a:gd name="connsiteY26" fmla="*/ 285939 h 768883"/>
+                <a:gd name="connsiteX27" fmla="*/ 214 w 648029"/>
+                <a:gd name="connsiteY27" fmla="*/ 297264 h 768883"/>
+                <a:gd name="connsiteX28" fmla="*/ 112615 w 648029"/>
+                <a:gd name="connsiteY28" fmla="*/ 527834 h 768883"/>
+                <a:gd name="connsiteX29" fmla="*/ 112615 w 648029"/>
+                <a:gd name="connsiteY29" fmla="*/ 768884 h 768883"/>
+                <a:gd name="connsiteX30" fmla="*/ 413620 w 648029"/>
+                <a:gd name="connsiteY30" fmla="*/ 768884 h 768883"/>
+                <a:gd name="connsiteX31" fmla="*/ 413620 w 648029"/>
+                <a:gd name="connsiteY31" fmla="*/ 654551 h 768883"/>
+                <a:gd name="connsiteX32" fmla="*/ 460293 w 648029"/>
+                <a:gd name="connsiteY32" fmla="*/ 654551 h 768883"/>
+                <a:gd name="connsiteX33" fmla="*/ 540303 w 648029"/>
+                <a:gd name="connsiteY33" fmla="*/ 621204 h 768883"/>
+                <a:gd name="connsiteX34" fmla="*/ 572688 w 648029"/>
+                <a:gd name="connsiteY34" fmla="*/ 540221 h 768883"/>
+                <a:gd name="connsiteX35" fmla="*/ 572688 w 648029"/>
+                <a:gd name="connsiteY35" fmla="*/ 483055 h 768883"/>
+                <a:gd name="connsiteX36" fmla="*/ 614598 w 648029"/>
+                <a:gd name="connsiteY36" fmla="*/ 483055 h 768883"/>
+                <a:gd name="connsiteX37" fmla="*/ 638410 w 648029"/>
+                <a:gd name="connsiteY37" fmla="*/ 416361 h 768883"/>
+                <a:gd name="connsiteX38" fmla="*/ 572688 w 648029"/>
+                <a:gd name="connsiteY38" fmla="*/ 302028 h 768883"/>
+                <a:gd name="connsiteX39" fmla="*/ 572688 w 648029"/>
+                <a:gd name="connsiteY39" fmla="*/ 297266 h 768883"/>
+                <a:gd name="connsiteX40" fmla="*/ 297774 w 648029"/>
+                <a:gd name="connsiteY40" fmla="*/ 214 h 768883"/>
+                <a:gd name="connsiteX41" fmla="*/ 286455 w 648029"/>
+                <a:gd name="connsiteY41" fmla="*/ 0 h 768883"/>
+              </a:gdLst>
+              <a:ahLst/>
+              <a:cxnLst>
+                <a:cxn ang="0">
+                  <a:pos x="connsiteX0" y="connsiteY0"/>
+                </a:cxn>
+                <a:cxn ang="0">
+                  <a:pos x="connsiteX1" y="connsiteY1"/>
+                </a:cxn>
+                <a:cxn ang="0">
+                  <a:pos x="connsiteX2" y="connsiteY2"/>
+                </a:cxn>
+                <a:cxn ang="0">
+                  <a:pos x="connsiteX3" y="connsiteY3"/>
+                </a:cxn>
+                <a:cxn ang="0">
+                  <a:pos x="connsiteX4" y="connsiteY4"/>
+                </a:cxn>
+                <a:cxn ang="0">
+                  <a:pos x="connsiteX5" y="connsiteY5"/>
+                </a:cxn>
+                <a:cxn ang="0">
+                  <a:pos x="connsiteX6" y="connsiteY6"/>
+                </a:cxn>
+                <a:cxn ang="0">
+                  <a:pos x="connsiteX7" y="connsiteY7"/>
+                </a:cxn>
+                <a:cxn ang="0">
+                  <a:pos x="connsiteX8" y="connsiteY8"/>
+                </a:cxn>
+                <a:cxn ang="0">
+                  <a:pos x="connsiteX9" y="connsiteY9"/>
+                </a:cxn>
+                <a:cxn ang="0">
+                  <a:pos x="connsiteX10" y="connsiteY10"/>
+                </a:cxn>
+                <a:cxn ang="0">
+                  <a:pos x="connsiteX11" y="connsiteY11"/>
+                </a:cxn>
+                <a:cxn ang="0">
+                  <a:pos x="connsiteX12" y="connsiteY12"/>
+                </a:cxn>
+                <a:cxn ang="0">
+                  <a:pos x="connsiteX13" y="connsiteY13"/>
+                </a:cxn>
+                <a:cxn ang="0">
+                  <a:pos x="connsiteX14" y="connsiteY14"/>
+                </a:cxn>
+                <a:cxn ang="0">
+                  <a:pos x="connsiteX15" y="connsiteY15"/>
+                </a:cxn>
+                <a:cxn ang="0">
+                  <a:pos x="connsiteX16" y="connsiteY16"/>
+                </a:cxn>
+                <a:cxn ang="0">
+                  <a:pos x="connsiteX17" y="connsiteY17"/>
+                </a:cxn>
+                <a:cxn ang="0">
+                  <a:pos x="connsiteX18" y="connsiteY18"/>
+                </a:cxn>
+                <a:cxn ang="0">
+                  <a:pos x="connsiteX19" y="connsiteY19"/>
+                </a:cxn>
+                <a:cxn ang="0">
+                  <a:pos x="connsiteX20" y="connsiteY20"/>
+                </a:cxn>
+                <a:cxn ang="0">
+                  <a:pos x="connsiteX21" y="connsiteY21"/>
+                </a:cxn>
+                <a:cxn ang="0">
+                  <a:pos x="connsiteX22" y="connsiteY22"/>
+                </a:cxn>
+                <a:cxn ang="0">
+                  <a:pos x="connsiteX23" y="connsiteY23"/>
+                </a:cxn>
+                <a:cxn ang="0">
+                  <a:pos x="connsiteX24" y="connsiteY24"/>
+                </a:cxn>
+                <a:cxn ang="0">
+                  <a:pos x="connsiteX25" y="connsiteY25"/>
+                </a:cxn>
+                <a:cxn ang="0">
+                  <a:pos x="connsiteX26" y="connsiteY26"/>
+                </a:cxn>
+                <a:cxn ang="0">
+                  <a:pos x="connsiteX27" y="connsiteY27"/>
+                </a:cxn>
+                <a:cxn ang="0">
+                  <a:pos x="connsiteX28" y="connsiteY28"/>
+                </a:cxn>
+                <a:cxn ang="0">
+                  <a:pos x="connsiteX29" y="connsiteY29"/>
+                </a:cxn>
+                <a:cxn ang="0">
+                  <a:pos x="connsiteX30" y="connsiteY30"/>
+                </a:cxn>
+                <a:cxn ang="0">
+                  <a:pos x="connsiteX31" y="connsiteY31"/>
+                </a:cxn>
+                <a:cxn ang="0">
+                  <a:pos x="connsiteX32" y="connsiteY32"/>
+                </a:cxn>
+                <a:cxn ang="0">
+                  <a:pos x="connsiteX33" y="connsiteY33"/>
+                </a:cxn>
+                <a:cxn ang="0">
+                  <a:pos x="connsiteX34" y="connsiteY34"/>
+                </a:cxn>
+                <a:cxn ang="0">
+                  <a:pos x="connsiteX35" y="connsiteY35"/>
+                </a:cxn>
+                <a:cxn ang="0">
+                  <a:pos x="connsiteX36" y="connsiteY36"/>
+                </a:cxn>
+                <a:cxn ang="0">
+                  <a:pos x="connsiteX37" y="connsiteY37"/>
+                </a:cxn>
+                <a:cxn ang="0">
+                  <a:pos x="connsiteX38" y="connsiteY38"/>
+                </a:cxn>
+                <a:cxn ang="0">
+                  <a:pos x="connsiteX39" y="connsiteY39"/>
+                </a:cxn>
+                <a:cxn ang="0">
+                  <a:pos x="connsiteX40" y="connsiteY40"/>
+                </a:cxn>
+                <a:cxn ang="0">
+                  <a:pos x="connsiteX41" y="connsiteY41"/>
+                </a:cxn>
+              </a:cxnLst>
+              <a:rect l="l" t="t" r="r" b="b"/>
+              <a:pathLst>
+                <a:path w="648029" h="768883">
+                  <a:moveTo>
+                    <a:pt x="286455" y="19050"/>
+                  </a:moveTo>
+                  <a:cubicBezTo>
+                    <a:pt x="433996" y="18908"/>
+                    <a:pt x="553717" y="138398"/>
+                    <a:pt x="553859" y="285939"/>
+                  </a:cubicBezTo>
+                  <a:cubicBezTo>
+                    <a:pt x="553863" y="289484"/>
+                    <a:pt x="553795" y="293028"/>
+                    <a:pt x="553658" y="296571"/>
+                  </a:cubicBezTo>
+                  <a:lnTo>
+                    <a:pt x="553646" y="296917"/>
+                  </a:lnTo>
+                  <a:lnTo>
+                    <a:pt x="553646" y="307112"/>
+                  </a:lnTo>
+                  <a:lnTo>
+                    <a:pt x="556180" y="311521"/>
+                  </a:lnTo>
+                  <a:lnTo>
+                    <a:pt x="621903" y="425853"/>
+                  </a:lnTo>
+                  <a:lnTo>
+                    <a:pt x="622157" y="426295"/>
+                  </a:lnTo>
+                  <a:lnTo>
+                    <a:pt x="622435" y="426723"/>
+                  </a:lnTo>
+                  <a:cubicBezTo>
+                    <a:pt x="628622" y="434186"/>
+                    <a:pt x="630450" y="444344"/>
+                    <a:pt x="627252" y="453496"/>
+                  </a:cubicBezTo>
+                  <a:cubicBezTo>
+                    <a:pt x="624559" y="459032"/>
+                    <a:pt x="619373" y="462940"/>
+                    <a:pt x="613308" y="464002"/>
+                  </a:cubicBezTo>
+                  <a:lnTo>
+                    <a:pt x="553646" y="464002"/>
+                  </a:lnTo>
+                  <a:lnTo>
+                    <a:pt x="553646" y="540218"/>
+                  </a:lnTo>
+                  <a:cubicBezTo>
+                    <a:pt x="553748" y="565337"/>
+                    <a:pt x="544143" y="589526"/>
+                    <a:pt x="526836" y="607732"/>
+                  </a:cubicBezTo>
+                  <a:cubicBezTo>
+                    <a:pt x="509256" y="625505"/>
+                    <a:pt x="485294" y="635504"/>
+                    <a:pt x="460295" y="635499"/>
+                  </a:cubicBezTo>
+                  <a:lnTo>
+                    <a:pt x="394572" y="635499"/>
+                  </a:lnTo>
+                  <a:lnTo>
+                    <a:pt x="394572" y="749834"/>
+                  </a:lnTo>
+                  <a:lnTo>
+                    <a:pt x="131665" y="749834"/>
+                  </a:lnTo>
+                  <a:lnTo>
+                    <a:pt x="131665" y="518485"/>
+                  </a:lnTo>
+                  <a:lnTo>
+                    <a:pt x="124271" y="512764"/>
+                  </a:lnTo>
+                  <a:cubicBezTo>
+                    <a:pt x="57580" y="461235"/>
+                    <a:pt x="18748" y="381541"/>
+                    <a:pt x="19264" y="297264"/>
+                  </a:cubicBezTo>
+                  <a:lnTo>
+                    <a:pt x="19264" y="296920"/>
+                  </a:lnTo>
+                  <a:lnTo>
+                    <a:pt x="19252" y="296573"/>
+                  </a:lnTo>
+                  <a:cubicBezTo>
+                    <a:pt x="13522" y="149144"/>
+                    <a:pt x="128392" y="24982"/>
+                    <a:pt x="275822" y="19252"/>
+                  </a:cubicBezTo>
+                  <a:cubicBezTo>
+                    <a:pt x="279365" y="19114"/>
+                    <a:pt x="282910" y="19047"/>
+                    <a:pt x="286455" y="19050"/>
+                  </a:cubicBezTo>
+                  <a:moveTo>
+                    <a:pt x="286455" y="0"/>
+                  </a:moveTo>
+                  <a:cubicBezTo>
+                    <a:pt x="128393" y="-142"/>
+                    <a:pt x="143" y="127877"/>
+                    <a:pt x="0" y="285939"/>
+                  </a:cubicBezTo>
+                  <a:cubicBezTo>
+                    <a:pt x="-3" y="289715"/>
+                    <a:pt x="69" y="293491"/>
+                    <a:pt x="214" y="297264"/>
+                  </a:cubicBezTo>
+                  <a:cubicBezTo>
+                    <a:pt x="-156" y="387405"/>
+                    <a:pt x="41377" y="472601"/>
+                    <a:pt x="112615" y="527834"/>
+                  </a:cubicBezTo>
+                  <a:lnTo>
+                    <a:pt x="112615" y="768884"/>
+                  </a:lnTo>
+                  <a:lnTo>
+                    <a:pt x="413620" y="768884"/>
+                  </a:lnTo>
+                  <a:lnTo>
+                    <a:pt x="413620" y="654551"/>
+                  </a:lnTo>
+                  <a:lnTo>
+                    <a:pt x="460293" y="654551"/>
+                  </a:lnTo>
+                  <a:cubicBezTo>
+                    <a:pt x="490332" y="654497"/>
+                    <a:pt x="519116" y="642500"/>
+                    <a:pt x="540303" y="621204"/>
+                  </a:cubicBezTo>
+                  <a:cubicBezTo>
+                    <a:pt x="561200" y="599437"/>
+                    <a:pt x="572814" y="570395"/>
+                    <a:pt x="572688" y="540221"/>
+                  </a:cubicBezTo>
+                  <a:lnTo>
+                    <a:pt x="572688" y="483055"/>
+                  </a:lnTo>
+                  <a:lnTo>
+                    <a:pt x="614598" y="483055"/>
+                  </a:lnTo>
+                  <a:cubicBezTo>
+                    <a:pt x="639363" y="480197"/>
+                    <a:pt x="661270" y="451613"/>
+                    <a:pt x="638410" y="416361"/>
+                  </a:cubicBezTo>
+                  <a:lnTo>
+                    <a:pt x="572688" y="302028"/>
+                  </a:lnTo>
+                  <a:lnTo>
+                    <a:pt x="572688" y="297266"/>
+                  </a:lnTo>
+                  <a:cubicBezTo>
+                    <a:pt x="578801" y="139322"/>
+                    <a:pt x="455718" y="6327"/>
+                    <a:pt x="297774" y="214"/>
+                  </a:cubicBezTo>
+                  <a:cubicBezTo>
+                    <a:pt x="294003" y="68"/>
+                    <a:pt x="290229" y="-3"/>
+                    <a:pt x="286455" y="0"/>
+                  </a:cubicBezTo>
+                  <a:close/>
+                </a:path>
+              </a:pathLst>
+            </a:custGeom>
+            <a:solidFill>
+              <a:srgbClr val="000000"/>
+            </a:solidFill>
+            <a:ln w="9525" cap="flat">
+              <a:noFill/>
+              <a:prstDash val="solid"/>
+              <a:miter/>
+            </a:ln>
+          </p:spPr>
+          <p:txBody>
+            <a:bodyPr rtlCol="0" anchor="ctr"/>
+            <a:lstStyle/>
+            <a:p>
+              <a:endParaRPr lang="ko-KR" altLang="en-US"/>
+            </a:p>
+          </p:txBody>
+        </p:sp>
+        <p:sp>
+          <p:nvSpPr>
+            <p:cNvPr id="15" name="TextBox 14">
+              <a:extLst>
+                <a:ext uri="{FF2B5EF4-FFF2-40B4-BE49-F238E27FC236}">
+                  <a16:creationId xmlns:a16="http://schemas.microsoft.com/office/drawing/2014/main" id="{A48AEB1D-285B-4721-B631-0E2EFB21A656}"/>
+                </a:ext>
+              </a:extLst>
+            </p:cNvPr>
+            <p:cNvSpPr txBox="1"/>
+            <p:nvPr/>
+          </p:nvSpPr>
+          <p:spPr>
+            <a:xfrm>
+              <a:off x="7890871" y="3802053"/>
+              <a:ext cx="466794" cy="1015663"/>
+            </a:xfrm>
+            <a:prstGeom prst="rect">
+              <a:avLst/>
+            </a:prstGeom>
+            <a:noFill/>
+          </p:spPr>
+          <p:txBody>
+            <a:bodyPr wrap="none" rtlCol="0">
+              <a:spAutoFit/>
+            </a:bodyPr>
+            <a:lstStyle/>
+            <a:p>
+              <a:r>
+                <a:rPr lang="en-US" altLang="ko-KR" sz="6000" b="1"/>
+                <a:t>!</a:t>
+              </a:r>
+              <a:endParaRPr lang="ko-KR" altLang="en-US" sz="6000" b="1"/>
+            </a:p>
+          </p:txBody>
+        </p:sp>
+      </p:grpSp>
+      <p:grpSp>
+        <p:nvGrpSpPr>
+          <p:cNvPr id="16" name="그룹 15">
+            <a:extLst>
+              <a:ext uri="{FF2B5EF4-FFF2-40B4-BE49-F238E27FC236}">
+                <a16:creationId xmlns:a16="http://schemas.microsoft.com/office/drawing/2014/main" id="{64B60608-E3DF-4C34-8D31-FA0B9F48E221}"/>
+              </a:ext>
+            </a:extLst>
+          </p:cNvPr>
+          <p:cNvGrpSpPr/>
+          <p:nvPr/>
+        </p:nvGrpSpPr>
+        <p:grpSpPr>
+          <a:xfrm>
+            <a:off x="7746993" y="4493455"/>
+            <a:ext cx="1368903" cy="1624196"/>
+            <a:chOff x="7344023" y="3672796"/>
+            <a:chExt cx="1368903" cy="1624196"/>
+          </a:xfrm>
+        </p:grpSpPr>
+        <p:sp>
+          <p:nvSpPr>
+            <p:cNvPr id="17" name="자유형: 도형 16">
+              <a:extLst>
+                <a:ext uri="{FF2B5EF4-FFF2-40B4-BE49-F238E27FC236}">
+                  <a16:creationId xmlns:a16="http://schemas.microsoft.com/office/drawing/2014/main" id="{F561A92E-9934-4EAF-A5E3-438A4FE2CE96}"/>
+                </a:ext>
+              </a:extLst>
+            </p:cNvPr>
+            <p:cNvSpPr/>
+            <p:nvPr/>
+          </p:nvSpPr>
+          <p:spPr>
+            <a:xfrm flipH="1">
+              <a:off x="7344023" y="3672796"/>
+              <a:ext cx="1368903" cy="1624196"/>
+            </a:xfrm>
+            <a:custGeom>
+              <a:avLst/>
+              <a:gdLst>
+                <a:gd name="connsiteX0" fmla="*/ 286455 w 648029"/>
+                <a:gd name="connsiteY0" fmla="*/ 19050 h 768883"/>
+                <a:gd name="connsiteX1" fmla="*/ 553859 w 648029"/>
+                <a:gd name="connsiteY1" fmla="*/ 285939 h 768883"/>
+                <a:gd name="connsiteX2" fmla="*/ 553658 w 648029"/>
+                <a:gd name="connsiteY2" fmla="*/ 296571 h 768883"/>
+                <a:gd name="connsiteX3" fmla="*/ 553646 w 648029"/>
+                <a:gd name="connsiteY3" fmla="*/ 296917 h 768883"/>
+                <a:gd name="connsiteX4" fmla="*/ 553646 w 648029"/>
+                <a:gd name="connsiteY4" fmla="*/ 307112 h 768883"/>
+                <a:gd name="connsiteX5" fmla="*/ 556180 w 648029"/>
+                <a:gd name="connsiteY5" fmla="*/ 311521 h 768883"/>
+                <a:gd name="connsiteX6" fmla="*/ 621903 w 648029"/>
+                <a:gd name="connsiteY6" fmla="*/ 425853 h 768883"/>
+                <a:gd name="connsiteX7" fmla="*/ 622157 w 648029"/>
+                <a:gd name="connsiteY7" fmla="*/ 426295 h 768883"/>
+                <a:gd name="connsiteX8" fmla="*/ 622435 w 648029"/>
+                <a:gd name="connsiteY8" fmla="*/ 426723 h 768883"/>
+                <a:gd name="connsiteX9" fmla="*/ 627252 w 648029"/>
+                <a:gd name="connsiteY9" fmla="*/ 453496 h 768883"/>
+                <a:gd name="connsiteX10" fmla="*/ 613308 w 648029"/>
+                <a:gd name="connsiteY10" fmla="*/ 464002 h 768883"/>
+                <a:gd name="connsiteX11" fmla="*/ 553646 w 648029"/>
+                <a:gd name="connsiteY11" fmla="*/ 464002 h 768883"/>
+                <a:gd name="connsiteX12" fmla="*/ 553646 w 648029"/>
+                <a:gd name="connsiteY12" fmla="*/ 540218 h 768883"/>
+                <a:gd name="connsiteX13" fmla="*/ 526836 w 648029"/>
+                <a:gd name="connsiteY13" fmla="*/ 607732 h 768883"/>
+                <a:gd name="connsiteX14" fmla="*/ 460295 w 648029"/>
+                <a:gd name="connsiteY14" fmla="*/ 635499 h 768883"/>
+                <a:gd name="connsiteX15" fmla="*/ 394572 w 648029"/>
+                <a:gd name="connsiteY15" fmla="*/ 635499 h 768883"/>
+                <a:gd name="connsiteX16" fmla="*/ 394572 w 648029"/>
+                <a:gd name="connsiteY16" fmla="*/ 749834 h 768883"/>
+                <a:gd name="connsiteX17" fmla="*/ 131665 w 648029"/>
+                <a:gd name="connsiteY17" fmla="*/ 749834 h 768883"/>
+                <a:gd name="connsiteX18" fmla="*/ 131665 w 648029"/>
+                <a:gd name="connsiteY18" fmla="*/ 518485 h 768883"/>
+                <a:gd name="connsiteX19" fmla="*/ 124271 w 648029"/>
+                <a:gd name="connsiteY19" fmla="*/ 512764 h 768883"/>
+                <a:gd name="connsiteX20" fmla="*/ 19264 w 648029"/>
+                <a:gd name="connsiteY20" fmla="*/ 297264 h 768883"/>
+                <a:gd name="connsiteX21" fmla="*/ 19264 w 648029"/>
+                <a:gd name="connsiteY21" fmla="*/ 296920 h 768883"/>
+                <a:gd name="connsiteX22" fmla="*/ 19252 w 648029"/>
+                <a:gd name="connsiteY22" fmla="*/ 296573 h 768883"/>
+                <a:gd name="connsiteX23" fmla="*/ 275822 w 648029"/>
+                <a:gd name="connsiteY23" fmla="*/ 19252 h 768883"/>
+                <a:gd name="connsiteX24" fmla="*/ 286455 w 648029"/>
+                <a:gd name="connsiteY24" fmla="*/ 19050 h 768883"/>
+                <a:gd name="connsiteX25" fmla="*/ 286455 w 648029"/>
+                <a:gd name="connsiteY25" fmla="*/ 0 h 768883"/>
+                <a:gd name="connsiteX26" fmla="*/ 0 w 648029"/>
+                <a:gd name="connsiteY26" fmla="*/ 285939 h 768883"/>
+                <a:gd name="connsiteX27" fmla="*/ 214 w 648029"/>
+                <a:gd name="connsiteY27" fmla="*/ 297264 h 768883"/>
+                <a:gd name="connsiteX28" fmla="*/ 112615 w 648029"/>
+                <a:gd name="connsiteY28" fmla="*/ 527834 h 768883"/>
+                <a:gd name="connsiteX29" fmla="*/ 112615 w 648029"/>
+                <a:gd name="connsiteY29" fmla="*/ 768884 h 768883"/>
+                <a:gd name="connsiteX30" fmla="*/ 413620 w 648029"/>
+                <a:gd name="connsiteY30" fmla="*/ 768884 h 768883"/>
+                <a:gd name="connsiteX31" fmla="*/ 413620 w 648029"/>
+                <a:gd name="connsiteY31" fmla="*/ 654551 h 768883"/>
+                <a:gd name="connsiteX32" fmla="*/ 460293 w 648029"/>
+                <a:gd name="connsiteY32" fmla="*/ 654551 h 768883"/>
+                <a:gd name="connsiteX33" fmla="*/ 540303 w 648029"/>
+                <a:gd name="connsiteY33" fmla="*/ 621204 h 768883"/>
+                <a:gd name="connsiteX34" fmla="*/ 572688 w 648029"/>
+                <a:gd name="connsiteY34" fmla="*/ 540221 h 768883"/>
+                <a:gd name="connsiteX35" fmla="*/ 572688 w 648029"/>
+                <a:gd name="connsiteY35" fmla="*/ 483055 h 768883"/>
+                <a:gd name="connsiteX36" fmla="*/ 614598 w 648029"/>
+                <a:gd name="connsiteY36" fmla="*/ 483055 h 768883"/>
+                <a:gd name="connsiteX37" fmla="*/ 638410 w 648029"/>
+                <a:gd name="connsiteY37" fmla="*/ 416361 h 768883"/>
+                <a:gd name="connsiteX38" fmla="*/ 572688 w 648029"/>
+                <a:gd name="connsiteY38" fmla="*/ 302028 h 768883"/>
+                <a:gd name="connsiteX39" fmla="*/ 572688 w 648029"/>
+                <a:gd name="connsiteY39" fmla="*/ 297266 h 768883"/>
+                <a:gd name="connsiteX40" fmla="*/ 297774 w 648029"/>
+                <a:gd name="connsiteY40" fmla="*/ 214 h 768883"/>
+                <a:gd name="connsiteX41" fmla="*/ 286455 w 648029"/>
+                <a:gd name="connsiteY41" fmla="*/ 0 h 768883"/>
+              </a:gdLst>
+              <a:ahLst/>
+              <a:cxnLst>
+                <a:cxn ang="0">
+                  <a:pos x="connsiteX0" y="connsiteY0"/>
+                </a:cxn>
+                <a:cxn ang="0">
+                  <a:pos x="connsiteX1" y="connsiteY1"/>
+                </a:cxn>
+                <a:cxn ang="0">
+                  <a:pos x="connsiteX2" y="connsiteY2"/>
+                </a:cxn>
+                <a:cxn ang="0">
+                  <a:pos x="connsiteX3" y="connsiteY3"/>
+                </a:cxn>
+                <a:cxn ang="0">
+                  <a:pos x="connsiteX4" y="connsiteY4"/>
+                </a:cxn>
+                <a:cxn ang="0">
+                  <a:pos x="connsiteX5" y="connsiteY5"/>
+                </a:cxn>
+                <a:cxn ang="0">
+                  <a:pos x="connsiteX6" y="connsiteY6"/>
+                </a:cxn>
+                <a:cxn ang="0">
+                  <a:pos x="connsiteX7" y="connsiteY7"/>
+                </a:cxn>
+                <a:cxn ang="0">
+                  <a:pos x="connsiteX8" y="connsiteY8"/>
+                </a:cxn>
+                <a:cxn ang="0">
+                  <a:pos x="connsiteX9" y="connsiteY9"/>
+                </a:cxn>
+                <a:cxn ang="0">
+                  <a:pos x="connsiteX10" y="connsiteY10"/>
+                </a:cxn>
+                <a:cxn ang="0">
+                  <a:pos x="connsiteX11" y="connsiteY11"/>
+                </a:cxn>
+                <a:cxn ang="0">
+                  <a:pos x="connsiteX12" y="connsiteY12"/>
+                </a:cxn>
+                <a:cxn ang="0">
+                  <a:pos x="connsiteX13" y="connsiteY13"/>
+                </a:cxn>
+                <a:cxn ang="0">
+                  <a:pos x="connsiteX14" y="connsiteY14"/>
+                </a:cxn>
+                <a:cxn ang="0">
+                  <a:pos x="connsiteX15" y="connsiteY15"/>
+                </a:cxn>
+                <a:cxn ang="0">
+                  <a:pos x="connsiteX16" y="connsiteY16"/>
+                </a:cxn>
+                <a:cxn ang="0">
+                  <a:pos x="connsiteX17" y="connsiteY17"/>
+                </a:cxn>
+                <a:cxn ang="0">
+                  <a:pos x="connsiteX18" y="connsiteY18"/>
+                </a:cxn>
+                <a:cxn ang="0">
+                  <a:pos x="connsiteX19" y="connsiteY19"/>
+                </a:cxn>
+                <a:cxn ang="0">
+                  <a:pos x="connsiteX20" y="connsiteY20"/>
+                </a:cxn>
+                <a:cxn ang="0">
+                  <a:pos x="connsiteX21" y="connsiteY21"/>
+                </a:cxn>
+                <a:cxn ang="0">
+                  <a:pos x="connsiteX22" y="connsiteY22"/>
+                </a:cxn>
+                <a:cxn ang="0">
+                  <a:pos x="connsiteX23" y="connsiteY23"/>
+                </a:cxn>
+                <a:cxn ang="0">
+                  <a:pos x="connsiteX24" y="connsiteY24"/>
+                </a:cxn>
+                <a:cxn ang="0">
+                  <a:pos x="connsiteX25" y="connsiteY25"/>
+                </a:cxn>
+                <a:cxn ang="0">
+                  <a:pos x="connsiteX26" y="connsiteY26"/>
+                </a:cxn>
+                <a:cxn ang="0">
+                  <a:pos x="connsiteX27" y="connsiteY27"/>
+                </a:cxn>
+                <a:cxn ang="0">
+                  <a:pos x="connsiteX28" y="connsiteY28"/>
+                </a:cxn>
+                <a:cxn ang="0">
+                  <a:pos x="connsiteX29" y="connsiteY29"/>
+                </a:cxn>
+                <a:cxn ang="0">
+                  <a:pos x="connsiteX30" y="connsiteY30"/>
+                </a:cxn>
+                <a:cxn ang="0">
+                  <a:pos x="connsiteX31" y="connsiteY31"/>
+                </a:cxn>
+                <a:cxn ang="0">
+                  <a:pos x="connsiteX32" y="connsiteY32"/>
+                </a:cxn>
+                <a:cxn ang="0">
+                  <a:pos x="connsiteX33" y="connsiteY33"/>
+                </a:cxn>
+                <a:cxn ang="0">
+                  <a:pos x="connsiteX34" y="connsiteY34"/>
+                </a:cxn>
+                <a:cxn ang="0">
+                  <a:pos x="connsiteX35" y="connsiteY35"/>
+                </a:cxn>
+                <a:cxn ang="0">
+                  <a:pos x="connsiteX36" y="connsiteY36"/>
+                </a:cxn>
+                <a:cxn ang="0">
+                  <a:pos x="connsiteX37" y="connsiteY37"/>
+                </a:cxn>
+                <a:cxn ang="0">
+                  <a:pos x="connsiteX38" y="connsiteY38"/>
+                </a:cxn>
+                <a:cxn ang="0">
+                  <a:pos x="connsiteX39" y="connsiteY39"/>
+                </a:cxn>
+                <a:cxn ang="0">
+                  <a:pos x="connsiteX40" y="connsiteY40"/>
+                </a:cxn>
+                <a:cxn ang="0">
+                  <a:pos x="connsiteX41" y="connsiteY41"/>
+                </a:cxn>
+              </a:cxnLst>
+              <a:rect l="l" t="t" r="r" b="b"/>
+              <a:pathLst>
+                <a:path w="648029" h="768883">
+                  <a:moveTo>
+                    <a:pt x="286455" y="19050"/>
+                  </a:moveTo>
+                  <a:cubicBezTo>
+                    <a:pt x="433996" y="18908"/>
+                    <a:pt x="553717" y="138398"/>
+                    <a:pt x="553859" y="285939"/>
+                  </a:cubicBezTo>
+                  <a:cubicBezTo>
+                    <a:pt x="553863" y="289484"/>
+                    <a:pt x="553795" y="293028"/>
+                    <a:pt x="553658" y="296571"/>
+                  </a:cubicBezTo>
+                  <a:lnTo>
+                    <a:pt x="553646" y="296917"/>
+                  </a:lnTo>
+                  <a:lnTo>
+                    <a:pt x="553646" y="307112"/>
+                  </a:lnTo>
+                  <a:lnTo>
+                    <a:pt x="556180" y="311521"/>
+                  </a:lnTo>
+                  <a:lnTo>
+                    <a:pt x="621903" y="425853"/>
+                  </a:lnTo>
+                  <a:lnTo>
+                    <a:pt x="622157" y="426295"/>
+                  </a:lnTo>
+                  <a:lnTo>
+                    <a:pt x="622435" y="426723"/>
+                  </a:lnTo>
+                  <a:cubicBezTo>
+                    <a:pt x="628622" y="434186"/>
+                    <a:pt x="630450" y="444344"/>
+                    <a:pt x="627252" y="453496"/>
+                  </a:cubicBezTo>
+                  <a:cubicBezTo>
+                    <a:pt x="624559" y="459032"/>
+                    <a:pt x="619373" y="462940"/>
+                    <a:pt x="613308" y="464002"/>
+                  </a:cubicBezTo>
+                  <a:lnTo>
+                    <a:pt x="553646" y="464002"/>
+                  </a:lnTo>
+                  <a:lnTo>
+                    <a:pt x="553646" y="540218"/>
+                  </a:lnTo>
+                  <a:cubicBezTo>
+                    <a:pt x="553748" y="565337"/>
+                    <a:pt x="544143" y="589526"/>
+                    <a:pt x="526836" y="607732"/>
+                  </a:cubicBezTo>
+                  <a:cubicBezTo>
+                    <a:pt x="509256" y="625505"/>
+                    <a:pt x="485294" y="635504"/>
+                    <a:pt x="460295" y="635499"/>
+                  </a:cubicBezTo>
+                  <a:lnTo>
+                    <a:pt x="394572" y="635499"/>
+                  </a:lnTo>
+                  <a:lnTo>
+                    <a:pt x="394572" y="749834"/>
+                  </a:lnTo>
+                  <a:lnTo>
+                    <a:pt x="131665" y="749834"/>
+                  </a:lnTo>
+                  <a:lnTo>
+                    <a:pt x="131665" y="518485"/>
+                  </a:lnTo>
+                  <a:lnTo>
+                    <a:pt x="124271" y="512764"/>
+                  </a:lnTo>
+                  <a:cubicBezTo>
+                    <a:pt x="57580" y="461235"/>
+                    <a:pt x="18748" y="381541"/>
+                    <a:pt x="19264" y="297264"/>
+                  </a:cubicBezTo>
+                  <a:lnTo>
+                    <a:pt x="19264" y="296920"/>
+                  </a:lnTo>
+                  <a:lnTo>
+                    <a:pt x="19252" y="296573"/>
+                  </a:lnTo>
+                  <a:cubicBezTo>
+                    <a:pt x="13522" y="149144"/>
+                    <a:pt x="128392" y="24982"/>
+                    <a:pt x="275822" y="19252"/>
+                  </a:cubicBezTo>
+                  <a:cubicBezTo>
+                    <a:pt x="279365" y="19114"/>
+                    <a:pt x="282910" y="19047"/>
+                    <a:pt x="286455" y="19050"/>
+                  </a:cubicBezTo>
+                  <a:moveTo>
+                    <a:pt x="286455" y="0"/>
+                  </a:moveTo>
+                  <a:cubicBezTo>
+                    <a:pt x="128393" y="-142"/>
+                    <a:pt x="143" y="127877"/>
+                    <a:pt x="0" y="285939"/>
+                  </a:cubicBezTo>
+                  <a:cubicBezTo>
+                    <a:pt x="-3" y="289715"/>
+                    <a:pt x="69" y="293491"/>
+                    <a:pt x="214" y="297264"/>
+                  </a:cubicBezTo>
+                  <a:cubicBezTo>
+                    <a:pt x="-156" y="387405"/>
+                    <a:pt x="41377" y="472601"/>
+                    <a:pt x="112615" y="527834"/>
+                  </a:cubicBezTo>
+                  <a:lnTo>
+                    <a:pt x="112615" y="768884"/>
+                  </a:lnTo>
+                  <a:lnTo>
+                    <a:pt x="413620" y="768884"/>
+                  </a:lnTo>
+                  <a:lnTo>
+                    <a:pt x="413620" y="654551"/>
+                  </a:lnTo>
+                  <a:lnTo>
+                    <a:pt x="460293" y="654551"/>
+                  </a:lnTo>
+                  <a:cubicBezTo>
+                    <a:pt x="490332" y="654497"/>
+                    <a:pt x="519116" y="642500"/>
+                    <a:pt x="540303" y="621204"/>
+                  </a:cubicBezTo>
+                  <a:cubicBezTo>
+                    <a:pt x="561200" y="599437"/>
+                    <a:pt x="572814" y="570395"/>
+                    <a:pt x="572688" y="540221"/>
+                  </a:cubicBezTo>
+                  <a:lnTo>
+                    <a:pt x="572688" y="483055"/>
+                  </a:lnTo>
+                  <a:lnTo>
+                    <a:pt x="614598" y="483055"/>
+                  </a:lnTo>
+                  <a:cubicBezTo>
+                    <a:pt x="639363" y="480197"/>
+                    <a:pt x="661270" y="451613"/>
+                    <a:pt x="638410" y="416361"/>
+                  </a:cubicBezTo>
+                  <a:lnTo>
+                    <a:pt x="572688" y="302028"/>
+                  </a:lnTo>
+                  <a:lnTo>
+                    <a:pt x="572688" y="297266"/>
+                  </a:lnTo>
+                  <a:cubicBezTo>
+                    <a:pt x="578801" y="139322"/>
+                    <a:pt x="455718" y="6327"/>
+                    <a:pt x="297774" y="214"/>
+                  </a:cubicBezTo>
+                  <a:cubicBezTo>
+                    <a:pt x="294003" y="68"/>
+                    <a:pt x="290229" y="-3"/>
+                    <a:pt x="286455" y="0"/>
+                  </a:cubicBezTo>
+                  <a:close/>
+                </a:path>
+              </a:pathLst>
+            </a:custGeom>
+            <a:solidFill>
+              <a:srgbClr val="000000"/>
+            </a:solidFill>
+            <a:ln w="9525" cap="flat">
+              <a:noFill/>
+              <a:prstDash val="solid"/>
+              <a:miter/>
+            </a:ln>
+          </p:spPr>
+          <p:txBody>
+            <a:bodyPr rtlCol="0" anchor="ctr"/>
+            <a:lstStyle/>
+            <a:p>
+              <a:endParaRPr lang="ko-KR" altLang="en-US"/>
+            </a:p>
+          </p:txBody>
+        </p:sp>
+        <p:sp>
+          <p:nvSpPr>
+            <p:cNvPr id="18" name="TextBox 17">
+              <a:extLst>
+                <a:ext uri="{FF2B5EF4-FFF2-40B4-BE49-F238E27FC236}">
+                  <a16:creationId xmlns:a16="http://schemas.microsoft.com/office/drawing/2014/main" id="{35DB06E4-6480-42C7-9FF9-1DA840A56609}"/>
+                </a:ext>
+              </a:extLst>
+            </p:cNvPr>
+            <p:cNvSpPr txBox="1"/>
+            <p:nvPr/>
+          </p:nvSpPr>
+          <p:spPr>
+            <a:xfrm>
+              <a:off x="7890871" y="3802053"/>
+              <a:ext cx="466794" cy="1015663"/>
+            </a:xfrm>
+            <a:prstGeom prst="rect">
+              <a:avLst/>
+            </a:prstGeom>
+            <a:noFill/>
+          </p:spPr>
+          <p:txBody>
+            <a:bodyPr wrap="none" rtlCol="0">
+              <a:spAutoFit/>
+            </a:bodyPr>
+            <a:lstStyle/>
+            <a:p>
+              <a:r>
+                <a:rPr lang="en-US" altLang="ko-KR" sz="6000" b="1"/>
+                <a:t>!</a:t>
+              </a:r>
+              <a:endParaRPr lang="ko-KR" altLang="en-US" sz="6000" b="1"/>
+            </a:p>
+          </p:txBody>
+        </p:sp>
+      </p:grpSp>
+      <p:sp>
+        <p:nvSpPr>
+          <p:cNvPr id="4" name="화살표: 오른쪽 3">
+            <a:extLst>
+              <a:ext uri="{FF2B5EF4-FFF2-40B4-BE49-F238E27FC236}">
+                <a16:creationId xmlns:a16="http://schemas.microsoft.com/office/drawing/2014/main" id="{A153519F-8B20-4305-9792-38C195BBC13D}"/>
+              </a:ext>
+            </a:extLst>
+          </p:cNvPr>
+          <p:cNvSpPr/>
+          <p:nvPr/>
+        </p:nvSpPr>
+        <p:spPr>
+          <a:xfrm>
+            <a:off x="4014439" y="3044283"/>
+            <a:ext cx="2910468" cy="611441"/>
+          </a:xfrm>
+          <a:prstGeom prst="rightArrow">
+            <a:avLst/>
+          </a:prstGeom>
+        </p:spPr>
+        <p:style>
+          <a:lnRef idx="2">
+            <a:schemeClr val="accent1">
+              <a:shade val="50000"/>
+            </a:schemeClr>
+          </a:lnRef>
+          <a:fillRef idx="1">
+            <a:schemeClr val="accent1"/>
+          </a:fillRef>
+          <a:effectRef idx="0">
+            <a:schemeClr val="accent1"/>
+          </a:effectRef>
+          <a:fontRef idx="minor">
+            <a:schemeClr val="lt1"/>
+          </a:fontRef>
+        </p:style>
+        <p:txBody>
+          <a:bodyPr rtlCol="0" anchor="ctr"/>
+          <a:lstStyle/>
+          <a:p>
+            <a:pPr algn="ctr"/>
+            <a:endParaRPr lang="ko-KR" altLang="en-US"/>
+          </a:p>
+        </p:txBody>
+      </p:sp>
+      <p:sp>
+        <p:nvSpPr>
+          <p:cNvPr id="20" name="화살표: 오른쪽 19">
+            <a:extLst>
+              <a:ext uri="{FF2B5EF4-FFF2-40B4-BE49-F238E27FC236}">
+                <a16:creationId xmlns:a16="http://schemas.microsoft.com/office/drawing/2014/main" id="{CE20D6FF-C092-4C00-8B8B-0E98215AD5C0}"/>
+              </a:ext>
+            </a:extLst>
+          </p:cNvPr>
+          <p:cNvSpPr/>
+          <p:nvPr/>
+        </p:nvSpPr>
+        <p:spPr>
+          <a:xfrm rot="900000">
+            <a:off x="3963788" y="4344625"/>
+            <a:ext cx="2910468" cy="611441"/>
+          </a:xfrm>
+          <a:prstGeom prst="rightArrow">
+            <a:avLst/>
+          </a:prstGeom>
+        </p:spPr>
+        <p:style>
+          <a:lnRef idx="2">
+            <a:schemeClr val="accent1">
+              <a:shade val="50000"/>
+            </a:schemeClr>
+          </a:lnRef>
+          <a:fillRef idx="1">
+            <a:schemeClr val="accent1"/>
+          </a:fillRef>
+          <a:effectRef idx="0">
+            <a:schemeClr val="accent1"/>
+          </a:effectRef>
+          <a:fontRef idx="minor">
+            <a:schemeClr val="lt1"/>
+          </a:fontRef>
+        </p:style>
+        <p:txBody>
+          <a:bodyPr rtlCol="0" anchor="ctr"/>
+          <a:lstStyle/>
+          <a:p>
+            <a:pPr algn="ctr"/>
+            <a:endParaRPr lang="ko-KR" altLang="en-US"/>
+          </a:p>
+        </p:txBody>
+      </p:sp>
+      <p:sp>
+        <p:nvSpPr>
+          <p:cNvPr id="21" name="화살표: 오른쪽 20">
+            <a:extLst>
+              <a:ext uri="{FF2B5EF4-FFF2-40B4-BE49-F238E27FC236}">
+                <a16:creationId xmlns:a16="http://schemas.microsoft.com/office/drawing/2014/main" id="{96A4DBBF-8B8E-4309-ABF6-CE5408BD67C8}"/>
+              </a:ext>
+            </a:extLst>
+          </p:cNvPr>
+          <p:cNvSpPr/>
+          <p:nvPr/>
+        </p:nvSpPr>
+        <p:spPr>
+          <a:xfrm rot="20700000">
+            <a:off x="3984898" y="1846628"/>
+            <a:ext cx="2910468" cy="611441"/>
+          </a:xfrm>
+          <a:prstGeom prst="rightArrow">
+            <a:avLst/>
+          </a:prstGeom>
+        </p:spPr>
+        <p:style>
+          <a:lnRef idx="2">
+            <a:schemeClr val="accent1">
+              <a:shade val="50000"/>
+            </a:schemeClr>
+          </a:lnRef>
+          <a:fillRef idx="1">
+            <a:schemeClr val="accent1"/>
+          </a:fillRef>
+          <a:effectRef idx="0">
+            <a:schemeClr val="accent1"/>
+          </a:effectRef>
+          <a:fontRef idx="minor">
+            <a:schemeClr val="lt1"/>
+          </a:fontRef>
+        </p:style>
+        <p:txBody>
+          <a:bodyPr rtlCol="0" anchor="ctr"/>
+          <a:lstStyle/>
+          <a:p>
+            <a:pPr algn="ctr"/>
+            <a:endParaRPr lang="ko-KR" altLang="en-US"/>
+          </a:p>
+        </p:txBody>
+      </p:sp>
+      <p:sp>
+        <p:nvSpPr>
+          <p:cNvPr id="5" name="TextBox 4">
+            <a:extLst>
+              <a:ext uri="{FF2B5EF4-FFF2-40B4-BE49-F238E27FC236}">
+                <a16:creationId xmlns:a16="http://schemas.microsoft.com/office/drawing/2014/main" id="{4E7B0939-9530-4645-93DA-B6145CBF3653}"/>
+              </a:ext>
+            </a:extLst>
+          </p:cNvPr>
+          <p:cNvSpPr txBox="1"/>
+          <p:nvPr/>
+        </p:nvSpPr>
+        <p:spPr>
+          <a:xfrm>
+            <a:off x="3456878" y="1673073"/>
+            <a:ext cx="1107996" cy="369332"/>
+          </a:xfrm>
+          <a:prstGeom prst="rect">
+            <a:avLst/>
+          </a:prstGeom>
+          <a:noFill/>
+        </p:spPr>
+        <p:txBody>
+          <a:bodyPr wrap="none" rtlCol="0">
+            <a:spAutoFit/>
+          </a:bodyPr>
+          <a:lstStyle/>
+          <a:p>
+            <a:r>
+              <a:rPr lang="ko-KR" altLang="en-US"/>
+              <a:t>재료준비</a:t>
+            </a:r>
+          </a:p>
+        </p:txBody>
+      </p:sp>
+      <p:sp>
+        <p:nvSpPr>
+          <p:cNvPr id="22" name="TextBox 21">
+            <a:extLst>
+              <a:ext uri="{FF2B5EF4-FFF2-40B4-BE49-F238E27FC236}">
+                <a16:creationId xmlns:a16="http://schemas.microsoft.com/office/drawing/2014/main" id="{8E0D039D-85D4-4690-87E9-5B738E7CB7E5}"/>
+              </a:ext>
+            </a:extLst>
+          </p:cNvPr>
+          <p:cNvSpPr txBox="1"/>
+          <p:nvPr/>
+        </p:nvSpPr>
+        <p:spPr>
+          <a:xfrm>
+            <a:off x="3456878" y="2755498"/>
+            <a:ext cx="1107996" cy="369332"/>
+          </a:xfrm>
+          <a:prstGeom prst="rect">
+            <a:avLst/>
+          </a:prstGeom>
+          <a:noFill/>
+        </p:spPr>
+        <p:txBody>
+          <a:bodyPr wrap="none" rtlCol="0">
+            <a:spAutoFit/>
+          </a:bodyPr>
+          <a:lstStyle/>
+          <a:p>
+            <a:r>
+              <a:rPr lang="ko-KR" altLang="en-US" dirty="0"/>
+              <a:t>기구담당</a:t>
+            </a:r>
+          </a:p>
+        </p:txBody>
+      </p:sp>
+      <p:sp>
+        <p:nvSpPr>
+          <p:cNvPr id="23" name="TextBox 22">
+            <a:extLst>
+              <a:ext uri="{FF2B5EF4-FFF2-40B4-BE49-F238E27FC236}">
+                <a16:creationId xmlns:a16="http://schemas.microsoft.com/office/drawing/2014/main" id="{640DBB57-0A2D-4756-88C1-71C25D983854}"/>
+              </a:ext>
+            </a:extLst>
+          </p:cNvPr>
+          <p:cNvSpPr txBox="1"/>
+          <p:nvPr/>
+        </p:nvSpPr>
+        <p:spPr>
+          <a:xfrm>
+            <a:off x="3530755" y="3691046"/>
+            <a:ext cx="1107996" cy="369332"/>
+          </a:xfrm>
+          <a:prstGeom prst="rect">
+            <a:avLst/>
+          </a:prstGeom>
+          <a:noFill/>
+        </p:spPr>
+        <p:txBody>
+          <a:bodyPr wrap="none" rtlCol="0">
+            <a:spAutoFit/>
+          </a:bodyPr>
+          <a:lstStyle/>
+          <a:p>
+            <a:r>
+              <a:rPr lang="ko-KR" altLang="en-US" dirty="0"/>
+              <a:t>요리담당</a:t>
+            </a:r>
+          </a:p>
+        </p:txBody>
+      </p:sp>
+    </p:spTree>
+    <p:extLst>
+      <p:ext uri="{BB962C8B-B14F-4D97-AF65-F5344CB8AC3E}">
+        <p14:creationId xmlns:p14="http://schemas.microsoft.com/office/powerpoint/2010/main" val="3607491889"/>
+      </p:ext>
+    </p:extLst>
+  </p:cSld>
+  <p:clrMapOvr>
+    <a:masterClrMapping/>
+  </p:clrMapOvr>
+</p:sld>
+</file>
+
+<file path=ppt/slides/slide6.xml><?xml version="1.0" encoding="utf-8"?>
 <p:sld xmlns:a="http://schemas.openxmlformats.org/drawingml/2006/main" xmlns:r="http://schemas.openxmlformats.org/officeDocument/2006/relationships" xmlns:p="http://schemas.openxmlformats.org/presentationml/2006/main">
   <p:cSld>
     <p:spTree>
@@ -14268,7 +19158,7 @@
 </p:sld>
 </file>
 
-<file path=ppt/slides/slide5.xml><?xml version="1.0" encoding="utf-8"?>
+<file path=ppt/slides/slide7.xml><?xml version="1.0" encoding="utf-8"?>
 <p:sld xmlns:a="http://schemas.openxmlformats.org/drawingml/2006/main" xmlns:r="http://schemas.openxmlformats.org/officeDocument/2006/relationships" xmlns:p="http://schemas.openxmlformats.org/presentationml/2006/main">
   <p:cSld>
     <p:spTree>
@@ -14683,7 +19573,7 @@
 </p:sld>
 </file>
 
-<file path=ppt/slides/slide6.xml><?xml version="1.0" encoding="utf-8"?>
+<file path=ppt/slides/slide8.xml><?xml version="1.0" encoding="utf-8"?>
 <p:sld xmlns:a="http://schemas.openxmlformats.org/drawingml/2006/main" xmlns:r="http://schemas.openxmlformats.org/officeDocument/2006/relationships" xmlns:p="http://schemas.openxmlformats.org/presentationml/2006/main">
   <p:cSld>
     <p:spTree>
@@ -14807,8 +19697,21 @@
           <a:prstGeom prst="rect">
             <a:avLst/>
           </a:prstGeom>
-          <a:noFill/>
         </p:spPr>
+        <p:style>
+          <a:lnRef idx="2">
+            <a:schemeClr val="accent1"/>
+          </a:lnRef>
+          <a:fillRef idx="1">
+            <a:schemeClr val="lt1"/>
+          </a:fillRef>
+          <a:effectRef idx="0">
+            <a:schemeClr val="accent1"/>
+          </a:effectRef>
+          <a:fontRef idx="minor">
+            <a:schemeClr val="dk1"/>
+          </a:fontRef>
+        </p:style>
         <p:txBody>
           <a:bodyPr wrap="none" rtlCol="0">
             <a:spAutoFit/>
@@ -15002,8 +19905,21 @@
           <a:prstGeom prst="rect">
             <a:avLst/>
           </a:prstGeom>
-          <a:noFill/>
         </p:spPr>
+        <p:style>
+          <a:lnRef idx="2">
+            <a:schemeClr val="accent1"/>
+          </a:lnRef>
+          <a:fillRef idx="1">
+            <a:schemeClr val="lt1"/>
+          </a:fillRef>
+          <a:effectRef idx="0">
+            <a:schemeClr val="accent1"/>
+          </a:effectRef>
+          <a:fontRef idx="minor">
+            <a:schemeClr val="dk1"/>
+          </a:fontRef>
+        </p:style>
         <p:txBody>
           <a:bodyPr wrap="none" rtlCol="0">
             <a:spAutoFit/>
@@ -15011,18 +19927,18 @@
           <a:lstStyle/>
           <a:p>
             <a:r>
-              <a:rPr lang="ko-KR" altLang="en-US"/>
+              <a:rPr lang="ko-KR" altLang="en-US" dirty="0"/>
               <a:t>생성자에서 표시할 문자열을 </a:t>
             </a:r>
-            <a:endParaRPr lang="en-US" altLang="ko-KR"/>
-          </a:p>
-          <a:p>
-            <a:r>
-              <a:rPr lang="en-US" altLang="ko-KR"/>
+            <a:endParaRPr lang="en-US" altLang="ko-KR" dirty="0"/>
+          </a:p>
+          <a:p>
+            <a:r>
+              <a:rPr lang="en-US" altLang="ko-KR" dirty="0"/>
               <a:t>content </a:t>
             </a:r>
             <a:r>
-              <a:rPr lang="ko-KR" altLang="en-US"/>
+              <a:rPr lang="ko-KR" altLang="en-US" dirty="0"/>
               <a:t>변수에 저장</a:t>
             </a:r>
           </a:p>
@@ -15088,8 +20004,21 @@
           <a:prstGeom prst="rect">
             <a:avLst/>
           </a:prstGeom>
-          <a:noFill/>
         </p:spPr>
+        <p:style>
+          <a:lnRef idx="2">
+            <a:schemeClr val="accent1"/>
+          </a:lnRef>
+          <a:fillRef idx="1">
+            <a:schemeClr val="lt1"/>
+          </a:fillRef>
+          <a:effectRef idx="0">
+            <a:schemeClr val="accent1"/>
+          </a:effectRef>
+          <a:fontRef idx="minor">
+            <a:schemeClr val="dk1"/>
+          </a:fontRef>
+        </p:style>
         <p:txBody>
           <a:bodyPr wrap="none" rtlCol="0">
             <a:spAutoFit/>
@@ -15135,8 +20064,21 @@
           <a:prstGeom prst="rect">
             <a:avLst/>
           </a:prstGeom>
-          <a:noFill/>
         </p:spPr>
+        <p:style>
+          <a:lnRef idx="2">
+            <a:schemeClr val="accent1"/>
+          </a:lnRef>
+          <a:fillRef idx="1">
+            <a:schemeClr val="lt1"/>
+          </a:fillRef>
+          <a:effectRef idx="0">
+            <a:schemeClr val="accent1"/>
+          </a:effectRef>
+          <a:fontRef idx="minor">
+            <a:schemeClr val="dk1"/>
+          </a:fontRef>
+        </p:style>
         <p:txBody>
           <a:bodyPr wrap="none" rtlCol="0">
             <a:spAutoFit/>
@@ -15185,8 +20127,21 @@
           <a:prstGeom prst="rect">
             <a:avLst/>
           </a:prstGeom>
-          <a:noFill/>
         </p:spPr>
+        <p:style>
+          <a:lnRef idx="2">
+            <a:schemeClr val="accent1"/>
+          </a:lnRef>
+          <a:fillRef idx="1">
+            <a:schemeClr val="lt1"/>
+          </a:fillRef>
+          <a:effectRef idx="0">
+            <a:schemeClr val="accent1"/>
+          </a:effectRef>
+          <a:fontRef idx="minor">
+            <a:schemeClr val="dk1"/>
+          </a:fontRef>
+        </p:style>
         <p:txBody>
           <a:bodyPr wrap="none" rtlCol="0">
             <a:spAutoFit/>
@@ -15514,16 +20469,16 @@
       <p:bldP spid="14" grpId="0" animBg="1"/>
       <p:bldP spid="16" grpId="0" animBg="1"/>
       <p:bldP spid="17" grpId="0" animBg="1"/>
-      <p:bldP spid="18" grpId="0"/>
-      <p:bldP spid="20" grpId="0"/>
-      <p:bldP spid="21" grpId="0"/>
-      <p:bldP spid="23" grpId="0"/>
+      <p:bldP spid="18" grpId="0" animBg="1"/>
+      <p:bldP spid="20" grpId="0" animBg="1"/>
+      <p:bldP spid="21" grpId="0" animBg="1"/>
+      <p:bldP spid="23" grpId="0" animBg="1"/>
     </p:bldLst>
   </p:timing>
 </p:sld>
 </file>
 
-<file path=ppt/slides/slide7.xml><?xml version="1.0" encoding="utf-8"?>
+<file path=ppt/slides/slide9.xml><?xml version="1.0" encoding="utf-8"?>
 <p:sld xmlns:a="http://schemas.openxmlformats.org/drawingml/2006/main" xmlns:r="http://schemas.openxmlformats.org/officeDocument/2006/relationships" xmlns:p="http://schemas.openxmlformats.org/presentationml/2006/main">
   <p:cSld>
     <p:spTree>
@@ -15560,8 +20515,21 @@
           <a:prstGeom prst="rect">
             <a:avLst/>
           </a:prstGeom>
-          <a:noFill/>
         </p:spPr>
+        <p:style>
+          <a:lnRef idx="2">
+            <a:schemeClr val="accent1"/>
+          </a:lnRef>
+          <a:fillRef idx="1">
+            <a:schemeClr val="lt1"/>
+          </a:fillRef>
+          <a:effectRef idx="0">
+            <a:schemeClr val="accent1"/>
+          </a:effectRef>
+          <a:fontRef idx="minor">
+            <a:schemeClr val="dk1"/>
+          </a:fontRef>
+        </p:style>
         <p:txBody>
           <a:bodyPr wrap="none" rtlCol="0">
             <a:spAutoFit/>
@@ -15599,8 +20567,21 @@
           <a:prstGeom prst="rect">
             <a:avLst/>
           </a:prstGeom>
-          <a:noFill/>
         </p:spPr>
+        <p:style>
+          <a:lnRef idx="2">
+            <a:schemeClr val="accent1"/>
+          </a:lnRef>
+          <a:fillRef idx="1">
+            <a:schemeClr val="lt1"/>
+          </a:fillRef>
+          <a:effectRef idx="0">
+            <a:schemeClr val="accent1"/>
+          </a:effectRef>
+          <a:fontRef idx="minor">
+            <a:schemeClr val="dk1"/>
+          </a:fontRef>
+        </p:style>
         <p:txBody>
           <a:bodyPr wrap="square" rtlCol="0">
             <a:spAutoFit/>
@@ -15780,146 +20761,6 @@
           <a:prstGeom prst="rect">
             <a:avLst/>
           </a:prstGeom>
-          <a:noFill/>
-        </p:spPr>
-        <p:txBody>
-          <a:bodyPr wrap="none" rtlCol="0">
-            <a:spAutoFit/>
-          </a:bodyPr>
-          <a:lstStyle/>
-          <a:p>
-            <a:r>
-              <a:rPr lang="ko-KR" altLang="en-US"/>
-              <a:t>결과화면</a:t>
-            </a:r>
-          </a:p>
-        </p:txBody>
-      </p:sp>
-    </p:spTree>
-    <p:extLst>
-      <p:ext uri="{BB962C8B-B14F-4D97-AF65-F5344CB8AC3E}">
-        <p14:creationId xmlns:p14="http://schemas.microsoft.com/office/powerpoint/2010/main" val="3145076816"/>
-      </p:ext>
-    </p:extLst>
-  </p:cSld>
-  <p:clrMapOvr>
-    <a:masterClrMapping/>
-  </p:clrMapOvr>
-</p:sld>
-</file>
-
-<file path=ppt/slides/slide8.xml><?xml version="1.0" encoding="utf-8"?>
-<p:sld xmlns:a="http://schemas.openxmlformats.org/drawingml/2006/main" xmlns:r="http://schemas.openxmlformats.org/officeDocument/2006/relationships" xmlns:p="http://schemas.openxmlformats.org/presentationml/2006/main">
-  <p:cSld>
-    <p:spTree>
-      <p:nvGrpSpPr>
-        <p:cNvPr id="1" name=""/>
-        <p:cNvGrpSpPr/>
-        <p:nvPr/>
-      </p:nvGrpSpPr>
-      <p:grpSpPr>
-        <a:xfrm>
-          <a:off x="0" y="0"/>
-          <a:ext cx="0" cy="0"/>
-          <a:chOff x="0" y="0"/>
-          <a:chExt cx="0" cy="0"/>
-        </a:xfrm>
-      </p:grpSpPr>
-      <p:sp>
-        <p:nvSpPr>
-          <p:cNvPr id="11" name="TextBox 10">
-            <a:extLst>
-              <a:ext uri="{FF2B5EF4-FFF2-40B4-BE49-F238E27FC236}">
-                <a16:creationId xmlns:a16="http://schemas.microsoft.com/office/drawing/2014/main" id="{CB92E015-7590-460C-BD1B-F49E13BC66FC}"/>
-              </a:ext>
-            </a:extLst>
-          </p:cNvPr>
-          <p:cNvSpPr txBox="1"/>
-          <p:nvPr/>
-        </p:nvSpPr>
-        <p:spPr>
-          <a:xfrm>
-            <a:off x="905692" y="233681"/>
-            <a:ext cx="2470548" cy="400110"/>
-          </a:xfrm>
-          <a:prstGeom prst="rect">
-            <a:avLst/>
-          </a:prstGeom>
-          <a:noFill/>
-        </p:spPr>
-        <p:txBody>
-          <a:bodyPr wrap="none" rtlCol="0">
-            <a:spAutoFit/>
-          </a:bodyPr>
-          <a:lstStyle/>
-          <a:p>
-            <a:r>
-              <a:rPr lang="en-US" altLang="ko-KR" sz="2000"/>
-              <a:t>5.2.2 </a:t>
-            </a:r>
-            <a:r>
-              <a:rPr lang="ko-KR" altLang="en-US" sz="2000"/>
-              <a:t>리팩토링 실행</a:t>
-            </a:r>
-            <a:endParaRPr lang="ko-KR" altLang="en-US" sz="1200"/>
-          </a:p>
-        </p:txBody>
-      </p:sp>
-      <p:pic>
-        <p:nvPicPr>
-          <p:cNvPr id="13" name="그림 12" descr="텍스트이(가) 표시된 사진&#10;&#10;자동 생성된 설명">
-            <a:extLst>
-              <a:ext uri="{FF2B5EF4-FFF2-40B4-BE49-F238E27FC236}">
-                <a16:creationId xmlns:a16="http://schemas.microsoft.com/office/drawing/2014/main" id="{918B1DD0-C297-4B75-B0A2-46043140157F}"/>
-              </a:ext>
-            </a:extLst>
-          </p:cNvPr>
-          <p:cNvPicPr>
-            <a:picLocks noChangeAspect="1"/>
-          </p:cNvPicPr>
-          <p:nvPr/>
-        </p:nvPicPr>
-        <p:blipFill rotWithShape="1">
-          <a:blip r:embed="rId2">
-            <a:extLst>
-              <a:ext uri="{28A0092B-C50C-407E-A947-70E740481C1C}">
-                <a14:useLocalDpi xmlns:a14="http://schemas.microsoft.com/office/drawing/2010/main" val="0"/>
-              </a:ext>
-            </a:extLst>
-          </a:blip>
-          <a:srcRect r="22831"/>
-          <a:stretch/>
-        </p:blipFill>
-        <p:spPr>
-          <a:xfrm>
-            <a:off x="296042" y="1674623"/>
-            <a:ext cx="5197447" cy="5029902"/>
-          </a:xfrm>
-          <a:prstGeom prst="rect">
-            <a:avLst/>
-          </a:prstGeom>
-        </p:spPr>
-      </p:pic>
-      <p:sp>
-        <p:nvSpPr>
-          <p:cNvPr id="16" name="TextBox 15">
-            <a:extLst>
-              <a:ext uri="{FF2B5EF4-FFF2-40B4-BE49-F238E27FC236}">
-                <a16:creationId xmlns:a16="http://schemas.microsoft.com/office/drawing/2014/main" id="{E09EF8D9-45FD-4506-A426-3ABE81A8AD5B}"/>
-              </a:ext>
-            </a:extLst>
-          </p:cNvPr>
-          <p:cNvSpPr txBox="1"/>
-          <p:nvPr/>
-        </p:nvSpPr>
-        <p:spPr>
-          <a:xfrm>
-            <a:off x="5620124" y="344629"/>
-            <a:ext cx="6391275" cy="3416320"/>
-          </a:xfrm>
-          <a:prstGeom prst="rect">
-            <a:avLst/>
-          </a:prstGeom>
         </p:spPr>
         <p:style>
           <a:lnRef idx="2">
@@ -15936,506 +20777,22 @@
           </a:fontRef>
         </p:style>
         <p:txBody>
-          <a:bodyPr wrap="square">
-            <a:spAutoFit/>
-          </a:bodyPr>
-          <a:lstStyle/>
-          <a:p>
-            <a:pPr latinLnBrk="1"/>
-            <a:r>
-              <a:rPr lang="en-US" altLang="ko-KR" sz="1800"/>
-              <a:t>1. </a:t>
-            </a:r>
-            <a:r>
-              <a:rPr lang="ko-KR" altLang="en-US" sz="1800"/>
-              <a:t>새로운 메서드에 적절한 이름 붙이기</a:t>
-            </a:r>
-            <a:endParaRPr lang="en-US" altLang="ko-KR" sz="1800"/>
-          </a:p>
-          <a:p>
-            <a:pPr latinLnBrk="1"/>
-            <a:endParaRPr lang="en-US" altLang="ko-KR" sz="1800"/>
-          </a:p>
-          <a:p>
-            <a:pPr latinLnBrk="1"/>
-            <a:r>
-              <a:rPr lang="ko-KR" altLang="en-US" sz="1800"/>
-              <a:t>동사 </a:t>
-            </a:r>
-            <a:r>
-              <a:rPr lang="en-US" altLang="ko-KR" sz="1800"/>
-              <a:t>+ </a:t>
-            </a:r>
-            <a:r>
-              <a:rPr lang="ko-KR" altLang="en-US" sz="1800"/>
-              <a:t>명사 순서로 짓는게 보통</a:t>
-            </a:r>
-            <a:endParaRPr lang="en-US" altLang="ko-KR" sz="1800"/>
-          </a:p>
-          <a:p>
-            <a:pPr latinLnBrk="1"/>
-            <a:endParaRPr lang="en-US" altLang="ko-KR" sz="1800"/>
-          </a:p>
-          <a:p>
-            <a:pPr latinLnBrk="1"/>
-            <a:r>
-              <a:rPr lang="ko-KR" altLang="en-US" sz="1800">
-                <a:solidFill>
-                  <a:srgbClr val="FF0000"/>
-                </a:solidFill>
-              </a:rPr>
-              <a:t>무엇</a:t>
-            </a:r>
-            <a:r>
-              <a:rPr lang="en-US" altLang="ko-KR"/>
-              <a:t>(what)</a:t>
-            </a:r>
-            <a:r>
-              <a:rPr lang="ko-KR" altLang="en-US" sz="1800"/>
-              <a:t>을 하는지 알수 있게 짓는것이 중요함</a:t>
-            </a:r>
-            <a:endParaRPr lang="en-US" altLang="ko-KR" sz="1800"/>
-          </a:p>
-          <a:p>
-            <a:pPr latinLnBrk="1"/>
-            <a:r>
-              <a:rPr lang="ko-KR" altLang="en-US"/>
-              <a:t>어떻게</a:t>
-            </a:r>
-            <a:r>
-              <a:rPr lang="en-US" altLang="ko-KR"/>
-              <a:t>(how)</a:t>
-            </a:r>
-            <a:r>
-              <a:rPr lang="ko-KR" altLang="en-US"/>
-              <a:t>는 구현 방식을 바꾸면 메서드 명을 바꿔야함 </a:t>
-            </a:r>
-            <a:r>
-              <a:rPr lang="en-US" altLang="ko-KR"/>
-              <a:t>-&gt; </a:t>
-            </a:r>
-            <a:r>
-              <a:rPr lang="ko-KR" altLang="en-US"/>
-              <a:t>메서드를 호출하는 </a:t>
-            </a:r>
-            <a:r>
-              <a:rPr lang="ko-KR" altLang="en-US">
-                <a:solidFill>
-                  <a:srgbClr val="FF0000"/>
-                </a:solidFill>
-              </a:rPr>
-              <a:t>모든곳을 바꿔야 함</a:t>
-            </a:r>
-            <a:endParaRPr lang="en-US" altLang="ko-KR">
-              <a:solidFill>
-                <a:srgbClr val="FF0000"/>
-              </a:solidFill>
-            </a:endParaRPr>
-          </a:p>
-          <a:p>
-            <a:pPr latinLnBrk="1"/>
-            <a:endParaRPr lang="en-US" altLang="ko-KR" sz="1800"/>
-          </a:p>
-          <a:p>
-            <a:pPr latinLnBrk="1"/>
-            <a:r>
-              <a:rPr lang="ko-KR" altLang="en-US"/>
-              <a:t>메서드에는 알맞은 </a:t>
-            </a:r>
-            <a:r>
-              <a:rPr lang="ko-KR" altLang="en-US" sz="1800">
-                <a:solidFill>
-                  <a:srgbClr val="FF0000"/>
-                </a:solidFill>
-              </a:rPr>
-              <a:t>이름이 중요 함</a:t>
-            </a:r>
-            <a:endParaRPr lang="en-US" altLang="ko-KR" sz="1800">
-              <a:solidFill>
-                <a:srgbClr val="FF0000"/>
-              </a:solidFill>
-            </a:endParaRPr>
-          </a:p>
-          <a:p>
-            <a:pPr latinLnBrk="1"/>
-            <a:r>
-              <a:rPr lang="ko-KR" altLang="en-US" sz="1800"/>
-              <a:t>알맞은 이름이 떠오르지 않는다면 그 코드가 무엇을 하는지 모른다는 뜻으로 제대로 메서드를 추출할수 없음</a:t>
-            </a:r>
-            <a:endParaRPr lang="en-US" altLang="ko-KR" sz="1800"/>
-          </a:p>
-          <a:p>
-            <a:pPr marL="0" indent="0" latinLnBrk="1">
-              <a:buFont typeface="+mj-lt"/>
-              <a:buNone/>
-            </a:pPr>
-            <a:endParaRPr lang="en-US" altLang="ko-KR" sz="1800"/>
-          </a:p>
-        </p:txBody>
-      </p:sp>
-      <p:sp>
-        <p:nvSpPr>
-          <p:cNvPr id="5" name="화살표: 오른쪽 4">
-            <a:extLst>
-              <a:ext uri="{FF2B5EF4-FFF2-40B4-BE49-F238E27FC236}">
-                <a16:creationId xmlns:a16="http://schemas.microsoft.com/office/drawing/2014/main" id="{ECD8F1B0-5BB2-47A9-B052-1CB0EAEBE522}"/>
-              </a:ext>
-            </a:extLst>
-          </p:cNvPr>
-          <p:cNvSpPr/>
-          <p:nvPr/>
-        </p:nvSpPr>
-        <p:spPr>
-          <a:xfrm>
-            <a:off x="4924425" y="4324387"/>
-            <a:ext cx="1695450" cy="561975"/>
-          </a:xfrm>
-          <a:prstGeom prst="rightArrow">
-            <a:avLst/>
-          </a:prstGeom>
-        </p:spPr>
-        <p:style>
-          <a:lnRef idx="2">
-            <a:schemeClr val="accent1">
-              <a:shade val="50000"/>
-            </a:schemeClr>
-          </a:lnRef>
-          <a:fillRef idx="1">
-            <a:schemeClr val="accent1"/>
-          </a:fillRef>
-          <a:effectRef idx="0">
-            <a:schemeClr val="accent1"/>
-          </a:effectRef>
-          <a:fontRef idx="minor">
-            <a:schemeClr val="lt1"/>
-          </a:fontRef>
-        </p:style>
-        <p:txBody>
-          <a:bodyPr rtlCol="0" anchor="ctr"/>
-          <a:lstStyle/>
-          <a:p>
-            <a:pPr algn="ctr"/>
-            <a:endParaRPr lang="ko-KR" altLang="en-US"/>
-          </a:p>
-        </p:txBody>
-      </p:sp>
-      <p:pic>
-        <p:nvPicPr>
-          <p:cNvPr id="19" name="그림 18">
-            <a:extLst>
-              <a:ext uri="{FF2B5EF4-FFF2-40B4-BE49-F238E27FC236}">
-                <a16:creationId xmlns:a16="http://schemas.microsoft.com/office/drawing/2014/main" id="{BD20BD4C-970F-49C6-A520-137756E06484}"/>
-              </a:ext>
-            </a:extLst>
-          </p:cNvPr>
-          <p:cNvPicPr>
-            <a:picLocks noChangeAspect="1"/>
-          </p:cNvPicPr>
-          <p:nvPr/>
-        </p:nvPicPr>
-        <p:blipFill>
-          <a:blip r:embed="rId3">
-            <a:extLst>
-              <a:ext uri="{28A0092B-C50C-407E-A947-70E740481C1C}">
-                <a14:useLocalDpi xmlns:a14="http://schemas.microsoft.com/office/drawing/2010/main" val="0"/>
-              </a:ext>
-            </a:extLst>
-          </a:blip>
-          <a:stretch>
-            <a:fillRect/>
-          </a:stretch>
-        </p:blipFill>
-        <p:spPr>
-          <a:xfrm>
-            <a:off x="7015307" y="4371979"/>
-            <a:ext cx="1638529" cy="466790"/>
-          </a:xfrm>
-          <a:prstGeom prst="rect">
-            <a:avLst/>
-          </a:prstGeom>
-        </p:spPr>
-      </p:pic>
-    </p:spTree>
-    <p:extLst>
-      <p:ext uri="{BB962C8B-B14F-4D97-AF65-F5344CB8AC3E}">
-        <p14:creationId xmlns:p14="http://schemas.microsoft.com/office/powerpoint/2010/main" val="2614979137"/>
-      </p:ext>
-    </p:extLst>
-  </p:cSld>
-  <p:clrMapOvr>
-    <a:masterClrMapping/>
-  </p:clrMapOvr>
-</p:sld>
-</file>
-
-<file path=ppt/slides/slide9.xml><?xml version="1.0" encoding="utf-8"?>
-<p:sld xmlns:a="http://schemas.openxmlformats.org/drawingml/2006/main" xmlns:r="http://schemas.openxmlformats.org/officeDocument/2006/relationships" xmlns:p="http://schemas.openxmlformats.org/presentationml/2006/main">
-  <p:cSld>
-    <p:spTree>
-      <p:nvGrpSpPr>
-        <p:cNvPr id="1" name=""/>
-        <p:cNvGrpSpPr/>
-        <p:nvPr/>
-      </p:nvGrpSpPr>
-      <p:grpSpPr>
-        <a:xfrm>
-          <a:off x="0" y="0"/>
-          <a:ext cx="0" cy="0"/>
-          <a:chOff x="0" y="0"/>
-          <a:chExt cx="0" cy="0"/>
-        </a:xfrm>
-      </p:grpSpPr>
-      <p:sp>
-        <p:nvSpPr>
-          <p:cNvPr id="11" name="TextBox 10">
-            <a:extLst>
-              <a:ext uri="{FF2B5EF4-FFF2-40B4-BE49-F238E27FC236}">
-                <a16:creationId xmlns:a16="http://schemas.microsoft.com/office/drawing/2014/main" id="{CB92E015-7590-460C-BD1B-F49E13BC66FC}"/>
-              </a:ext>
-            </a:extLst>
-          </p:cNvPr>
-          <p:cNvSpPr txBox="1"/>
-          <p:nvPr/>
-        </p:nvSpPr>
-        <p:spPr>
-          <a:xfrm>
-            <a:off x="905692" y="233681"/>
-            <a:ext cx="2470548" cy="400110"/>
-          </a:xfrm>
-          <a:prstGeom prst="rect">
-            <a:avLst/>
-          </a:prstGeom>
-          <a:noFill/>
-        </p:spPr>
-        <p:txBody>
           <a:bodyPr wrap="none" rtlCol="0">
             <a:spAutoFit/>
           </a:bodyPr>
           <a:lstStyle/>
           <a:p>
             <a:r>
-              <a:rPr lang="en-US" altLang="ko-KR" sz="2000"/>
-              <a:t>5.2.2 </a:t>
-            </a:r>
-            <a:r>
-              <a:rPr lang="ko-KR" altLang="en-US" sz="2000"/>
-              <a:t>리팩토링 실행</a:t>
-            </a:r>
-            <a:endParaRPr lang="ko-KR" altLang="en-US" sz="1200"/>
-          </a:p>
-        </p:txBody>
-      </p:sp>
-      <p:sp>
-        <p:nvSpPr>
-          <p:cNvPr id="16" name="TextBox 15">
-            <a:extLst>
-              <a:ext uri="{FF2B5EF4-FFF2-40B4-BE49-F238E27FC236}">
-                <a16:creationId xmlns:a16="http://schemas.microsoft.com/office/drawing/2014/main" id="{E09EF8D9-45FD-4506-A426-3ABE81A8AD5B}"/>
-              </a:ext>
-            </a:extLst>
-          </p:cNvPr>
-          <p:cNvSpPr txBox="1"/>
-          <p:nvPr/>
-        </p:nvSpPr>
-        <p:spPr>
-          <a:xfrm>
-            <a:off x="4962899" y="2514053"/>
-            <a:ext cx="5000251" cy="1477328"/>
-          </a:xfrm>
-          <a:prstGeom prst="rect">
-            <a:avLst/>
-          </a:prstGeom>
-        </p:spPr>
-        <p:style>
-          <a:lnRef idx="2">
-            <a:schemeClr val="accent1"/>
-          </a:lnRef>
-          <a:fillRef idx="1">
-            <a:schemeClr val="lt1"/>
-          </a:fillRef>
-          <a:effectRef idx="0">
-            <a:schemeClr val="accent1"/>
-          </a:effectRef>
-          <a:fontRef idx="minor">
-            <a:schemeClr val="dk1"/>
-          </a:fontRef>
-        </p:style>
-        <p:txBody>
-          <a:bodyPr wrap="square">
-            <a:spAutoFit/>
-          </a:bodyPr>
-          <a:lstStyle/>
-          <a:p>
-            <a:pPr latinLnBrk="1"/>
-            <a:r>
-              <a:rPr lang="en-US" altLang="ko-KR" sz="1800"/>
-              <a:t>2. </a:t>
-            </a:r>
-            <a:r>
-              <a:rPr lang="ko-KR" altLang="en-US" sz="1800"/>
-              <a:t>기존 메서드에서 새로운 메서드로 코드 복사</a:t>
-            </a:r>
-            <a:endParaRPr lang="en-US" altLang="ko-KR" sz="1800"/>
-          </a:p>
-          <a:p>
-            <a:pPr latinLnBrk="1"/>
-            <a:endParaRPr lang="en-US" altLang="ko-KR" sz="1800"/>
-          </a:p>
-          <a:p>
-            <a:pPr latinLnBrk="1"/>
-            <a:r>
-              <a:rPr lang="ko-KR" altLang="en-US" sz="1800"/>
-              <a:t>다른 클래스에서 호출할수 없도록 </a:t>
-            </a:r>
-            <a:r>
-              <a:rPr lang="en-US" altLang="ko-KR" sz="1800"/>
-              <a:t>private</a:t>
-            </a:r>
-            <a:r>
-              <a:rPr lang="ko-KR" altLang="en-US" sz="1800"/>
-              <a:t>으로 </a:t>
-            </a:r>
-            <a:endParaRPr lang="en-US" altLang="ko-KR" sz="1800"/>
-          </a:p>
-          <a:p>
-            <a:pPr latinLnBrk="1"/>
-            <a:r>
-              <a:rPr lang="ko-KR" altLang="en-US" sz="1800"/>
-              <a:t>선언하면 수정하기 편리함</a:t>
-            </a:r>
-            <a:endParaRPr lang="en-US" altLang="ko-KR" sz="1800"/>
-          </a:p>
-          <a:p>
-            <a:pPr marL="0" indent="0" latinLnBrk="1">
-              <a:buFont typeface="+mj-lt"/>
-              <a:buNone/>
-            </a:pPr>
-            <a:endParaRPr lang="en-US" altLang="ko-KR" sz="1800"/>
-          </a:p>
-        </p:txBody>
-      </p:sp>
-      <p:sp>
-        <p:nvSpPr>
-          <p:cNvPr id="5" name="화살표: 오른쪽 4">
-            <a:extLst>
-              <a:ext uri="{FF2B5EF4-FFF2-40B4-BE49-F238E27FC236}">
-                <a16:creationId xmlns:a16="http://schemas.microsoft.com/office/drawing/2014/main" id="{ECD8F1B0-5BB2-47A9-B052-1CB0EAEBE522}"/>
-              </a:ext>
-            </a:extLst>
-          </p:cNvPr>
-          <p:cNvSpPr/>
-          <p:nvPr/>
-        </p:nvSpPr>
-        <p:spPr>
-          <a:xfrm rot="5400000">
-            <a:off x="2189284" y="2971730"/>
-            <a:ext cx="1147793" cy="561975"/>
-          </a:xfrm>
-          <a:prstGeom prst="rightArrow">
-            <a:avLst/>
-          </a:prstGeom>
-        </p:spPr>
-        <p:style>
-          <a:lnRef idx="2">
-            <a:schemeClr val="accent1">
-              <a:shade val="50000"/>
-            </a:schemeClr>
-          </a:lnRef>
-          <a:fillRef idx="1">
-            <a:schemeClr val="accent1"/>
-          </a:fillRef>
-          <a:effectRef idx="0">
-            <a:schemeClr val="accent1"/>
-          </a:effectRef>
-          <a:fontRef idx="minor">
-            <a:schemeClr val="lt1"/>
-          </a:fontRef>
-        </p:style>
-        <p:txBody>
-          <a:bodyPr rtlCol="0" anchor="ctr"/>
-          <a:lstStyle/>
-          <a:p>
-            <a:pPr algn="ctr"/>
-            <a:endParaRPr lang="ko-KR" altLang="en-US"/>
-          </a:p>
-        </p:txBody>
-      </p:sp>
-      <p:pic>
-        <p:nvPicPr>
-          <p:cNvPr id="19" name="그림 18">
-            <a:extLst>
-              <a:ext uri="{FF2B5EF4-FFF2-40B4-BE49-F238E27FC236}">
-                <a16:creationId xmlns:a16="http://schemas.microsoft.com/office/drawing/2014/main" id="{BD20BD4C-970F-49C6-A520-137756E06484}"/>
-              </a:ext>
-            </a:extLst>
-          </p:cNvPr>
-          <p:cNvPicPr>
-            <a:picLocks noChangeAspect="1"/>
-          </p:cNvPicPr>
-          <p:nvPr/>
-        </p:nvPicPr>
-        <p:blipFill>
-          <a:blip r:embed="rId2">
-            <a:extLst>
-              <a:ext uri="{28A0092B-C50C-407E-A947-70E740481C1C}">
-                <a14:useLocalDpi xmlns:a14="http://schemas.microsoft.com/office/drawing/2010/main" val="0"/>
-              </a:ext>
-            </a:extLst>
-          </a:blip>
-          <a:stretch>
-            <a:fillRect/>
-          </a:stretch>
-        </p:blipFill>
-        <p:spPr>
-          <a:xfrm>
-            <a:off x="1943917" y="1893171"/>
-            <a:ext cx="1638529" cy="466790"/>
-          </a:xfrm>
-          <a:prstGeom prst="rect">
-            <a:avLst/>
-          </a:prstGeom>
-        </p:spPr>
-      </p:pic>
-      <p:pic>
-        <p:nvPicPr>
-          <p:cNvPr id="6" name="그림 5" descr="텍스트이(가) 표시된 사진&#10;&#10;자동 생성된 설명">
-            <a:extLst>
-              <a:ext uri="{FF2B5EF4-FFF2-40B4-BE49-F238E27FC236}">
-                <a16:creationId xmlns:a16="http://schemas.microsoft.com/office/drawing/2014/main" id="{BCB392F2-B8D3-49FA-A909-19EA16B1E356}"/>
-              </a:ext>
-            </a:extLst>
-          </p:cNvPr>
-          <p:cNvPicPr>
-            <a:picLocks noChangeAspect="1"/>
-          </p:cNvPicPr>
-          <p:nvPr/>
-        </p:nvPicPr>
-        <p:blipFill>
-          <a:blip r:embed="rId3">
-            <a:extLst>
-              <a:ext uri="{28A0092B-C50C-407E-A947-70E740481C1C}">
-                <a14:useLocalDpi xmlns:a14="http://schemas.microsoft.com/office/drawing/2010/main" val="0"/>
-              </a:ext>
-            </a:extLst>
-          </a:blip>
-          <a:stretch>
-            <a:fillRect/>
-          </a:stretch>
-        </p:blipFill>
-        <p:spPr>
-          <a:xfrm>
-            <a:off x="905692" y="4145474"/>
-            <a:ext cx="3896269" cy="1009791"/>
-          </a:xfrm>
-          <a:prstGeom prst="rect">
-            <a:avLst/>
-          </a:prstGeom>
-        </p:spPr>
-      </p:pic>
+              <a:rPr lang="ko-KR" altLang="en-US"/>
+              <a:t>결과화면</a:t>
+            </a:r>
+          </a:p>
+        </p:txBody>
+      </p:sp>
     </p:spTree>
     <p:extLst>
       <p:ext uri="{BB962C8B-B14F-4D97-AF65-F5344CB8AC3E}">
-        <p14:creationId xmlns:p14="http://schemas.microsoft.com/office/powerpoint/2010/main" val="3831166898"/>
+        <p14:creationId xmlns:p14="http://schemas.microsoft.com/office/powerpoint/2010/main" val="3145076816"/>
       </p:ext>
     </p:extLst>
   </p:cSld>
